--- a/surrealdb.pptx
+++ b/surrealdb.pptx
@@ -5,13 +5,18 @@
     <p:sldMasterId id="2147483648" r:id="rId1"/>
   </p:sldMasterIdLst>
   <p:notesMasterIdLst>
-    <p:notesMasterId r:id="rId6"/>
+    <p:notesMasterId r:id="rId11"/>
   </p:notesMasterIdLst>
   <p:sldIdLst>
     <p:sldId id="256" r:id="rId2"/>
-    <p:sldId id="257" r:id="rId3"/>
-    <p:sldId id="258" r:id="rId4"/>
-    <p:sldId id="259" r:id="rId5"/>
+    <p:sldId id="262" r:id="rId3"/>
+    <p:sldId id="263" r:id="rId4"/>
+    <p:sldId id="264" r:id="rId5"/>
+    <p:sldId id="258" r:id="rId6"/>
+    <p:sldId id="260" r:id="rId7"/>
+    <p:sldId id="261" r:id="rId8"/>
+    <p:sldId id="257" r:id="rId9"/>
+    <p:sldId id="259" r:id="rId10"/>
   </p:sldIdLst>
   <p:sldSz cx="12192000" cy="6858000"/>
   <p:notesSz cx="6858000" cy="9144000"/>
@@ -110,6 +115,11 @@
       </a:defRPr>
     </a:lvl9pPr>
   </p:defaultTextStyle>
+  <p:extLst>
+    <p:ext uri="{EFAFB233-063F-42B5-8137-9DF3F51BA10A}">
+      <p15:sldGuideLst xmlns:p15="http://schemas.microsoft.com/office/powerpoint/2012/main"/>
+    </p:ext>
+  </p:extLst>
 </p:presentation>
 </file>
 
@@ -611,7 +621,7 @@
           <a:p>
             <a:fld id="{5EF1F1BE-7711-4EE4-A336-814F34B6F30D}" type="slidenum">
               <a:rPr lang="cs-CZ" smtClean="0"/>
-              <a:t>3</a:t>
+              <a:t>5</a:t>
             </a:fld>
             <a:endParaRPr lang="cs-CZ"/>
           </a:p>
@@ -621,6 +631,174 @@
     <p:extLst>
       <p:ext uri="{BB962C8B-B14F-4D97-AF65-F5344CB8AC3E}">
         <p14:creationId xmlns:p14="http://schemas.microsoft.com/office/powerpoint/2010/main" val="618626218"/>
+      </p:ext>
+    </p:extLst>
+  </p:cSld>
+  <p:clrMapOvr>
+    <a:masterClrMapping/>
+  </p:clrMapOvr>
+</p:notes>
+</file>
+
+<file path=ppt/notesSlides/notesSlide3.xml><?xml version="1.0" encoding="utf-8"?>
+<p:notes xmlns:a="http://schemas.openxmlformats.org/drawingml/2006/main" xmlns:r="http://schemas.openxmlformats.org/officeDocument/2006/relationships" xmlns:p="http://schemas.openxmlformats.org/presentationml/2006/main">
+  <p:cSld>
+    <p:spTree>
+      <p:nvGrpSpPr>
+        <p:cNvPr id="1" name=""/>
+        <p:cNvGrpSpPr/>
+        <p:nvPr/>
+      </p:nvGrpSpPr>
+      <p:grpSpPr>
+        <a:xfrm>
+          <a:off x="0" y="0"/>
+          <a:ext cx="0" cy="0"/>
+          <a:chOff x="0" y="0"/>
+          <a:chExt cx="0" cy="0"/>
+        </a:xfrm>
+      </p:grpSpPr>
+      <p:sp>
+        <p:nvSpPr>
+          <p:cNvPr id="2" name="Zástupný symbol pro obrázek snímku 1"/>
+          <p:cNvSpPr>
+            <a:spLocks noGrp="1" noRot="1" noChangeAspect="1"/>
+          </p:cNvSpPr>
+          <p:nvPr>
+            <p:ph type="sldImg"/>
+          </p:nvPr>
+        </p:nvSpPr>
+        <p:spPr/>
+      </p:sp>
+      <p:sp>
+        <p:nvSpPr>
+          <p:cNvPr id="3" name="Zástupný symbol pro poznámky 2"/>
+          <p:cNvSpPr>
+            <a:spLocks noGrp="1"/>
+          </p:cNvSpPr>
+          <p:nvPr>
+            <p:ph type="body" idx="1"/>
+          </p:nvPr>
+        </p:nvSpPr>
+        <p:spPr/>
+        <p:txBody>
+          <a:bodyPr/>
+          <a:lstStyle/>
+          <a:p>
+            <a:endParaRPr lang="cs-CZ"/>
+          </a:p>
+        </p:txBody>
+      </p:sp>
+      <p:sp>
+        <p:nvSpPr>
+          <p:cNvPr id="4" name="Zástupný symbol pro číslo snímku 3"/>
+          <p:cNvSpPr>
+            <a:spLocks noGrp="1"/>
+          </p:cNvSpPr>
+          <p:nvPr>
+            <p:ph type="sldNum" sz="quarter" idx="5"/>
+          </p:nvPr>
+        </p:nvSpPr>
+        <p:spPr/>
+        <p:txBody>
+          <a:bodyPr/>
+          <a:lstStyle/>
+          <a:p>
+            <a:fld id="{5EF1F1BE-7711-4EE4-A336-814F34B6F30D}" type="slidenum">
+              <a:rPr lang="cs-CZ" smtClean="0"/>
+              <a:t>6</a:t>
+            </a:fld>
+            <a:endParaRPr lang="cs-CZ"/>
+          </a:p>
+        </p:txBody>
+      </p:sp>
+    </p:spTree>
+    <p:extLst>
+      <p:ext uri="{BB962C8B-B14F-4D97-AF65-F5344CB8AC3E}">
+        <p14:creationId xmlns:p14="http://schemas.microsoft.com/office/powerpoint/2010/main" val="3381456553"/>
+      </p:ext>
+    </p:extLst>
+  </p:cSld>
+  <p:clrMapOvr>
+    <a:masterClrMapping/>
+  </p:clrMapOvr>
+</p:notes>
+</file>
+
+<file path=ppt/notesSlides/notesSlide4.xml><?xml version="1.0" encoding="utf-8"?>
+<p:notes xmlns:a="http://schemas.openxmlformats.org/drawingml/2006/main" xmlns:r="http://schemas.openxmlformats.org/officeDocument/2006/relationships" xmlns:p="http://schemas.openxmlformats.org/presentationml/2006/main">
+  <p:cSld>
+    <p:spTree>
+      <p:nvGrpSpPr>
+        <p:cNvPr id="1" name=""/>
+        <p:cNvGrpSpPr/>
+        <p:nvPr/>
+      </p:nvGrpSpPr>
+      <p:grpSpPr>
+        <a:xfrm>
+          <a:off x="0" y="0"/>
+          <a:ext cx="0" cy="0"/>
+          <a:chOff x="0" y="0"/>
+          <a:chExt cx="0" cy="0"/>
+        </a:xfrm>
+      </p:grpSpPr>
+      <p:sp>
+        <p:nvSpPr>
+          <p:cNvPr id="2" name="Zástupný symbol pro obrázek snímku 1"/>
+          <p:cNvSpPr>
+            <a:spLocks noGrp="1" noRot="1" noChangeAspect="1"/>
+          </p:cNvSpPr>
+          <p:nvPr>
+            <p:ph type="sldImg"/>
+          </p:nvPr>
+        </p:nvSpPr>
+        <p:spPr/>
+      </p:sp>
+      <p:sp>
+        <p:nvSpPr>
+          <p:cNvPr id="3" name="Zástupný symbol pro poznámky 2"/>
+          <p:cNvSpPr>
+            <a:spLocks noGrp="1"/>
+          </p:cNvSpPr>
+          <p:nvPr>
+            <p:ph type="body" idx="1"/>
+          </p:nvPr>
+        </p:nvSpPr>
+        <p:spPr/>
+        <p:txBody>
+          <a:bodyPr/>
+          <a:lstStyle/>
+          <a:p>
+            <a:endParaRPr lang="cs-CZ"/>
+          </a:p>
+        </p:txBody>
+      </p:sp>
+      <p:sp>
+        <p:nvSpPr>
+          <p:cNvPr id="4" name="Zástupný symbol pro číslo snímku 3"/>
+          <p:cNvSpPr>
+            <a:spLocks noGrp="1"/>
+          </p:cNvSpPr>
+          <p:nvPr>
+            <p:ph type="sldNum" sz="quarter" idx="5"/>
+          </p:nvPr>
+        </p:nvSpPr>
+        <p:spPr/>
+        <p:txBody>
+          <a:bodyPr/>
+          <a:lstStyle/>
+          <a:p>
+            <a:fld id="{5EF1F1BE-7711-4EE4-A336-814F34B6F30D}" type="slidenum">
+              <a:rPr lang="cs-CZ" smtClean="0"/>
+              <a:t>7</a:t>
+            </a:fld>
+            <a:endParaRPr lang="cs-CZ"/>
+          </a:p>
+        </p:txBody>
+      </p:sp>
+    </p:spTree>
+    <p:extLst>
+      <p:ext uri="{BB962C8B-B14F-4D97-AF65-F5344CB8AC3E}">
+        <p14:creationId xmlns:p14="http://schemas.microsoft.com/office/powerpoint/2010/main" val="212637992"/>
       </p:ext>
     </p:extLst>
   </p:cSld>
@@ -1076,6 +1254,18 @@
   <p:clrMapOvr>
     <a:masterClrMapping/>
   </p:clrMapOvr>
+  <mc:AlternateContent xmlns:mc="http://schemas.openxmlformats.org/markup-compatibility/2006">
+    <mc:Choice xmlns:p159="http://schemas.microsoft.com/office/powerpoint/2015/09/main" Requires="p159">
+      <p:transition spd="slow">
+        <p159:morph option="byObject"/>
+      </p:transition>
+    </mc:Choice>
+    <mc:Fallback>
+      <p:transition spd="slow">
+        <p:fade/>
+      </p:transition>
+    </mc:Fallback>
+  </mc:AlternateContent>
 </p:sldLayout>
 </file>
 
@@ -2140,6 +2330,18 @@
   <p:clrMapOvr>
     <a:masterClrMapping/>
   </p:clrMapOvr>
+  <mc:AlternateContent xmlns:mc="http://schemas.openxmlformats.org/markup-compatibility/2006">
+    <mc:Choice xmlns:p159="http://schemas.microsoft.com/office/powerpoint/2015/09/main" Requires="p159">
+      <p:transition spd="slow">
+        <p159:morph option="byObject"/>
+      </p:transition>
+    </mc:Choice>
+    <mc:Fallback>
+      <p:transition spd="slow">
+        <p:fade/>
+      </p:transition>
+    </mc:Fallback>
+  </mc:AlternateContent>
 </p:sldLayout>
 </file>
 
@@ -3116,6 +3318,18 @@
   <p:clrMapOvr>
     <a:masterClrMapping/>
   </p:clrMapOvr>
+  <mc:AlternateContent xmlns:mc="http://schemas.openxmlformats.org/markup-compatibility/2006">
+    <mc:Choice xmlns:p159="http://schemas.microsoft.com/office/powerpoint/2015/09/main" Requires="p159">
+      <p:transition spd="slow">
+        <p159:morph option="byObject"/>
+      </p:transition>
+    </mc:Choice>
+    <mc:Fallback>
+      <p:transition spd="slow">
+        <p:fade/>
+      </p:transition>
+    </mc:Fallback>
+  </mc:AlternateContent>
 </p:sldLayout>
 </file>
 
@@ -4246,6 +4460,18 @@
   <p:clrMapOvr>
     <a:masterClrMapping/>
   </p:clrMapOvr>
+  <mc:AlternateContent xmlns:mc="http://schemas.openxmlformats.org/markup-compatibility/2006">
+    <mc:Choice xmlns:p159="http://schemas.microsoft.com/office/powerpoint/2015/09/main" Requires="p159">
+      <p:transition spd="slow">
+        <p159:morph option="byObject"/>
+      </p:transition>
+    </mc:Choice>
+    <mc:Fallback>
+      <p:transition spd="slow">
+        <p:fade/>
+      </p:transition>
+    </mc:Fallback>
+  </mc:AlternateContent>
 </p:sldLayout>
 </file>
 
@@ -5275,6 +5501,18 @@
   <p:clrMapOvr>
     <a:masterClrMapping/>
   </p:clrMapOvr>
+  <mc:AlternateContent xmlns:mc="http://schemas.openxmlformats.org/markup-compatibility/2006">
+    <mc:Choice xmlns:p159="http://schemas.microsoft.com/office/powerpoint/2015/09/main" Requires="p159">
+      <p:transition spd="slow">
+        <p159:morph option="byObject"/>
+      </p:transition>
+    </mc:Choice>
+    <mc:Fallback>
+      <p:transition spd="slow">
+        <p:fade/>
+      </p:transition>
+    </mc:Fallback>
+  </mc:AlternateContent>
 </p:sldLayout>
 </file>
 
@@ -5895,6 +6133,18 @@
   <p:clrMapOvr>
     <a:masterClrMapping/>
   </p:clrMapOvr>
+  <mc:AlternateContent xmlns:mc="http://schemas.openxmlformats.org/markup-compatibility/2006">
+    <mc:Choice xmlns:p159="http://schemas.microsoft.com/office/powerpoint/2015/09/main" Requires="p159">
+      <p:transition spd="slow">
+        <p159:morph option="byObject"/>
+      </p:transition>
+    </mc:Choice>
+    <mc:Fallback>
+      <p:transition spd="slow">
+        <p:fade/>
+      </p:transition>
+    </mc:Fallback>
+  </mc:AlternateContent>
 </p:sldLayout>
 </file>
 
@@ -6757,6 +7007,18 @@
   <p:clrMapOvr>
     <a:masterClrMapping/>
   </p:clrMapOvr>
+  <mc:AlternateContent xmlns:mc="http://schemas.openxmlformats.org/markup-compatibility/2006">
+    <mc:Choice xmlns:p159="http://schemas.microsoft.com/office/powerpoint/2015/09/main" Requires="p159">
+      <p:transition spd="slow">
+        <p159:morph option="byObject"/>
+      </p:transition>
+    </mc:Choice>
+    <mc:Fallback>
+      <p:transition spd="slow">
+        <p:fade/>
+      </p:transition>
+    </mc:Fallback>
+  </mc:AlternateContent>
 </p:sldLayout>
 </file>
 
@@ -6938,6 +7200,18 @@
   <p:clrMapOvr>
     <a:masterClrMapping/>
   </p:clrMapOvr>
+  <mc:AlternateContent xmlns:mc="http://schemas.openxmlformats.org/markup-compatibility/2006">
+    <mc:Choice xmlns:p159="http://schemas.microsoft.com/office/powerpoint/2015/09/main" Requires="p159">
+      <p:transition spd="slow">
+        <p159:morph option="byObject"/>
+      </p:transition>
+    </mc:Choice>
+    <mc:Fallback>
+      <p:transition spd="slow">
+        <p:fade/>
+      </p:transition>
+    </mc:Fallback>
+  </mc:AlternateContent>
 </p:sldLayout>
 </file>
 
@@ -7942,6 +8216,18 @@
   <p:clrMapOvr>
     <a:masterClrMapping/>
   </p:clrMapOvr>
+  <mc:AlternateContent xmlns:mc="http://schemas.openxmlformats.org/markup-compatibility/2006">
+    <mc:Choice xmlns:p159="http://schemas.microsoft.com/office/powerpoint/2015/09/main" Requires="p159">
+      <p:transition spd="slow">
+        <p159:morph option="byObject"/>
+      </p:transition>
+    </mc:Choice>
+    <mc:Fallback>
+      <p:transition spd="slow">
+        <p:fade/>
+      </p:transition>
+    </mc:Fallback>
+  </mc:AlternateContent>
 </p:sldLayout>
 </file>
 
@@ -8113,6 +8399,18 @@
   <p:clrMapOvr>
     <a:masterClrMapping/>
   </p:clrMapOvr>
+  <mc:AlternateContent xmlns:mc="http://schemas.openxmlformats.org/markup-compatibility/2006">
+    <mc:Choice xmlns:p159="http://schemas.microsoft.com/office/powerpoint/2015/09/main" Requires="p159">
+      <p:transition spd="slow">
+        <p159:morph option="byObject"/>
+      </p:transition>
+    </mc:Choice>
+    <mc:Fallback>
+      <p:transition spd="slow">
+        <p:fade/>
+      </p:transition>
+    </mc:Fallback>
+  </mc:AlternateContent>
 </p:sldLayout>
 </file>
 
@@ -9179,6 +9477,18 @@
   <p:clrMapOvr>
     <a:masterClrMapping/>
   </p:clrMapOvr>
+  <mc:AlternateContent xmlns:mc="http://schemas.openxmlformats.org/markup-compatibility/2006">
+    <mc:Choice xmlns:p159="http://schemas.microsoft.com/office/powerpoint/2015/09/main" Requires="p159">
+      <p:transition spd="slow">
+        <p159:morph option="byObject"/>
+      </p:transition>
+    </mc:Choice>
+    <mc:Fallback>
+      <p:transition spd="slow">
+        <p:fade/>
+      </p:transition>
+    </mc:Fallback>
+  </mc:AlternateContent>
 </p:sldLayout>
 </file>
 
@@ -9411,6 +9721,18 @@
   <p:clrMapOvr>
     <a:masterClrMapping/>
   </p:clrMapOvr>
+  <mc:AlternateContent xmlns:mc="http://schemas.openxmlformats.org/markup-compatibility/2006">
+    <mc:Choice xmlns:p159="http://schemas.microsoft.com/office/powerpoint/2015/09/main" Requires="p159">
+      <p:transition spd="slow">
+        <p159:morph option="byObject"/>
+      </p:transition>
+    </mc:Choice>
+    <mc:Fallback>
+      <p:transition spd="slow">
+        <p:fade/>
+      </p:transition>
+    </mc:Fallback>
+  </mc:AlternateContent>
 </p:sldLayout>
 </file>
 
@@ -9817,6 +10139,18 @@
   <p:clrMapOvr>
     <a:masterClrMapping/>
   </p:clrMapOvr>
+  <mc:AlternateContent xmlns:mc="http://schemas.openxmlformats.org/markup-compatibility/2006">
+    <mc:Choice xmlns:p159="http://schemas.microsoft.com/office/powerpoint/2015/09/main" Requires="p159">
+      <p:transition spd="slow">
+        <p159:morph option="byObject"/>
+      </p:transition>
+    </mc:Choice>
+    <mc:Fallback>
+      <p:transition spd="slow">
+        <p:fade/>
+      </p:transition>
+    </mc:Fallback>
+  </mc:AlternateContent>
 </p:sldLayout>
 </file>
 
@@ -9940,6 +10274,18 @@
   <p:clrMapOvr>
     <a:masterClrMapping/>
   </p:clrMapOvr>
+  <mc:AlternateContent xmlns:mc="http://schemas.openxmlformats.org/markup-compatibility/2006">
+    <mc:Choice xmlns:p159="http://schemas.microsoft.com/office/powerpoint/2015/09/main" Requires="p159">
+      <p:transition spd="slow">
+        <p159:morph option="byObject"/>
+      </p:transition>
+    </mc:Choice>
+    <mc:Fallback>
+      <p:transition spd="slow">
+        <p:fade/>
+      </p:transition>
+    </mc:Fallback>
+  </mc:AlternateContent>
 </p:sldLayout>
 </file>
 
@@ -10067,6 +10413,18 @@
   <p:clrMapOvr>
     <a:masterClrMapping/>
   </p:clrMapOvr>
+  <mc:AlternateContent xmlns:mc="http://schemas.openxmlformats.org/markup-compatibility/2006">
+    <mc:Choice xmlns:p159="http://schemas.microsoft.com/office/powerpoint/2015/09/main" Requires="p159">
+      <p:transition spd="slow">
+        <p159:morph option="byObject"/>
+      </p:transition>
+    </mc:Choice>
+    <mc:Fallback>
+      <p:transition spd="slow">
+        <p:fade/>
+      </p:transition>
+    </mc:Fallback>
+  </mc:AlternateContent>
 </p:sldLayout>
 </file>
 
@@ -11144,6 +11502,18 @@
   <p:clrMapOvr>
     <a:masterClrMapping/>
   </p:clrMapOvr>
+  <mc:AlternateContent xmlns:mc="http://schemas.openxmlformats.org/markup-compatibility/2006">
+    <mc:Choice xmlns:p159="http://schemas.microsoft.com/office/powerpoint/2015/09/main" Requires="p159">
+      <p:transition spd="slow">
+        <p159:morph option="byObject"/>
+      </p:transition>
+    </mc:Choice>
+    <mc:Fallback>
+      <p:transition spd="slow">
+        <p:fade/>
+      </p:transition>
+    </mc:Fallback>
+  </mc:AlternateContent>
 </p:sldLayout>
 </file>
 
@@ -12248,6 +12618,18 @@
   <p:clrMapOvr>
     <a:masterClrMapping/>
   </p:clrMapOvr>
+  <mc:AlternateContent xmlns:mc="http://schemas.openxmlformats.org/markup-compatibility/2006">
+    <mc:Choice xmlns:p159="http://schemas.microsoft.com/office/powerpoint/2015/09/main" Requires="p159">
+      <p:transition spd="slow">
+        <p159:morph option="byObject"/>
+      </p:transition>
+    </mc:Choice>
+    <mc:Fallback>
+      <p:transition spd="slow">
+        <p:fade/>
+      </p:transition>
+    </mc:Fallback>
+  </mc:AlternateContent>
 </p:sldLayout>
 </file>
 
@@ -13290,6 +13672,18 @@
     <p:sldLayoutId id="2147483658" r:id="rId16"/>
     <p:sldLayoutId id="2147483659" r:id="rId17"/>
   </p:sldLayoutIdLst>
+  <mc:AlternateContent xmlns:mc="http://schemas.openxmlformats.org/markup-compatibility/2006">
+    <mc:Choice xmlns:p159="http://schemas.microsoft.com/office/powerpoint/2015/09/main" Requires="p159">
+      <p:transition spd="slow">
+        <p159:morph option="byObject"/>
+      </p:transition>
+    </mc:Choice>
+    <mc:Fallback>
+      <p:transition spd="slow">
+        <p:fade/>
+      </p:transition>
+    </mc:Fallback>
+  </mc:AlternateContent>
   <p:hf sldNum="0" hdr="0" ftr="0" dt="0"/>
   <p:txStyles>
     <p:titleStyle>
@@ -13980,10 +14374,809 @@
   <p:clrMapOvr>
     <a:overrideClrMapping bg1="dk1" tx1="lt1" bg2="dk2" tx2="lt2" accent1="accent1" accent2="accent2" accent3="accent3" accent4="accent4" accent5="accent5" accent6="accent6" hlink="hlink" folHlink="folHlink"/>
   </p:clrMapOvr>
+  <mc:AlternateContent xmlns:mc="http://schemas.openxmlformats.org/markup-compatibility/2006">
+    <mc:Choice xmlns:p159="http://schemas.microsoft.com/office/powerpoint/2015/09/main" Requires="p159">
+      <p:transition spd="slow">
+        <p159:morph option="byObject"/>
+      </p:transition>
+    </mc:Choice>
+    <mc:Fallback>
+      <p:transition spd="slow">
+        <p:fade/>
+      </p:transition>
+    </mc:Fallback>
+  </mc:AlternateContent>
 </p:sld>
 </file>
 
 <file path=ppt/slides/slide2.xml><?xml version="1.0" encoding="utf-8"?>
+<p:sld xmlns:a="http://schemas.openxmlformats.org/drawingml/2006/main" xmlns:r="http://schemas.openxmlformats.org/officeDocument/2006/relationships" xmlns:p="http://schemas.openxmlformats.org/presentationml/2006/main">
+  <p:cSld>
+    <p:spTree>
+      <p:nvGrpSpPr>
+        <p:cNvPr id="1" name=""/>
+        <p:cNvGrpSpPr/>
+        <p:nvPr/>
+      </p:nvGrpSpPr>
+      <p:grpSpPr>
+        <a:xfrm>
+          <a:off x="0" y="0"/>
+          <a:ext cx="0" cy="0"/>
+          <a:chOff x="0" y="0"/>
+          <a:chExt cx="0" cy="0"/>
+        </a:xfrm>
+      </p:grpSpPr>
+      <p:sp>
+        <p:nvSpPr>
+          <p:cNvPr id="2" name="Nadpis 1">
+            <a:extLst>
+              <a:ext uri="{FF2B5EF4-FFF2-40B4-BE49-F238E27FC236}">
+                <a16:creationId xmlns:a16="http://schemas.microsoft.com/office/drawing/2014/main" id="{D868B398-975C-C70C-108E-D4CB5D25512E}"/>
+              </a:ext>
+            </a:extLst>
+          </p:cNvPr>
+          <p:cNvSpPr>
+            <a:spLocks noGrp="1"/>
+          </p:cNvSpPr>
+          <p:nvPr>
+            <p:ph type="title"/>
+          </p:nvPr>
+        </p:nvSpPr>
+        <p:spPr/>
+        <p:txBody>
+          <a:bodyPr/>
+          <a:lstStyle/>
+          <a:p>
+            <a:r>
+              <a:rPr lang="cs-CZ" dirty="0"/>
+              <a:t>Co databáze umí?</a:t>
+            </a:r>
+          </a:p>
+        </p:txBody>
+      </p:sp>
+      <p:sp>
+        <p:nvSpPr>
+          <p:cNvPr id="3" name="Zástupný obsah 2">
+            <a:extLst>
+              <a:ext uri="{FF2B5EF4-FFF2-40B4-BE49-F238E27FC236}">
+                <a16:creationId xmlns:a16="http://schemas.microsoft.com/office/drawing/2014/main" id="{8A52C33C-0D4E-183B-43EA-06B57A6D1147}"/>
+              </a:ext>
+            </a:extLst>
+          </p:cNvPr>
+          <p:cNvSpPr>
+            <a:spLocks noGrp="1"/>
+          </p:cNvSpPr>
+          <p:nvPr>
+            <p:ph idx="1"/>
+          </p:nvPr>
+        </p:nvSpPr>
+        <p:spPr/>
+        <p:txBody>
+          <a:bodyPr/>
+          <a:lstStyle/>
+          <a:p>
+            <a:endParaRPr lang="cs-CZ"/>
+          </a:p>
+        </p:txBody>
+      </p:sp>
+    </p:spTree>
+    <p:extLst>
+      <p:ext uri="{BB962C8B-B14F-4D97-AF65-F5344CB8AC3E}">
+        <p14:creationId xmlns:p14="http://schemas.microsoft.com/office/powerpoint/2010/main" val="4068777146"/>
+      </p:ext>
+    </p:extLst>
+  </p:cSld>
+  <p:clrMapOvr>
+    <a:masterClrMapping/>
+  </p:clrMapOvr>
+  <mc:AlternateContent xmlns:mc="http://schemas.openxmlformats.org/markup-compatibility/2006">
+    <mc:Choice xmlns:p159="http://schemas.microsoft.com/office/powerpoint/2015/09/main" Requires="p159">
+      <p:transition spd="slow">
+        <p159:morph option="byObject"/>
+      </p:transition>
+    </mc:Choice>
+    <mc:Fallback>
+      <p:transition spd="slow">
+        <p:fade/>
+      </p:transition>
+    </mc:Fallback>
+  </mc:AlternateContent>
+</p:sld>
+</file>
+
+<file path=ppt/slides/slide3.xml><?xml version="1.0" encoding="utf-8"?>
+<p:sld xmlns:a="http://schemas.openxmlformats.org/drawingml/2006/main" xmlns:r="http://schemas.openxmlformats.org/officeDocument/2006/relationships" xmlns:p="http://schemas.openxmlformats.org/presentationml/2006/main">
+  <p:cSld>
+    <p:spTree>
+      <p:nvGrpSpPr>
+        <p:cNvPr id="1" name=""/>
+        <p:cNvGrpSpPr/>
+        <p:nvPr/>
+      </p:nvGrpSpPr>
+      <p:grpSpPr>
+        <a:xfrm>
+          <a:off x="0" y="0"/>
+          <a:ext cx="0" cy="0"/>
+          <a:chOff x="0" y="0"/>
+          <a:chExt cx="0" cy="0"/>
+        </a:xfrm>
+      </p:grpSpPr>
+      <p:sp>
+        <p:nvSpPr>
+          <p:cNvPr id="2" name="Nadpis 1">
+            <a:extLst>
+              <a:ext uri="{FF2B5EF4-FFF2-40B4-BE49-F238E27FC236}">
+                <a16:creationId xmlns:a16="http://schemas.microsoft.com/office/drawing/2014/main" id="{D51012BA-D035-CD74-C1C2-E9BE4AFC8FEF}"/>
+              </a:ext>
+            </a:extLst>
+          </p:cNvPr>
+          <p:cNvSpPr>
+            <a:spLocks noGrp="1"/>
+          </p:cNvSpPr>
+          <p:nvPr>
+            <p:ph type="title"/>
+          </p:nvPr>
+        </p:nvSpPr>
+        <p:spPr/>
+        <p:txBody>
+          <a:bodyPr/>
+          <a:lstStyle/>
+          <a:p>
+            <a:r>
+              <a:rPr lang="cs-CZ" dirty="0"/>
+              <a:t>Typ databáze</a:t>
+            </a:r>
+          </a:p>
+        </p:txBody>
+      </p:sp>
+      <p:sp>
+        <p:nvSpPr>
+          <p:cNvPr id="3" name="Zástupný obsah 2">
+            <a:extLst>
+              <a:ext uri="{FF2B5EF4-FFF2-40B4-BE49-F238E27FC236}">
+                <a16:creationId xmlns:a16="http://schemas.microsoft.com/office/drawing/2014/main" id="{040A1D2D-586A-F399-1605-0BCE96D400E7}"/>
+              </a:ext>
+            </a:extLst>
+          </p:cNvPr>
+          <p:cNvSpPr>
+            <a:spLocks noGrp="1"/>
+          </p:cNvSpPr>
+          <p:nvPr>
+            <p:ph idx="1"/>
+          </p:nvPr>
+        </p:nvSpPr>
+        <p:spPr/>
+        <p:txBody>
+          <a:bodyPr/>
+          <a:lstStyle/>
+          <a:p>
+            <a:r>
+              <a:rPr lang="cs-CZ" dirty="0"/>
+              <a:t> v jádru dokumentová databáze	- podpora složených typů- podle autorů vhodná k: 	- </a:t>
+            </a:r>
+            <a:r>
+              <a:rPr lang="cs-CZ" dirty="0" err="1"/>
+              <a:t>highly-connected</a:t>
+            </a:r>
+            <a:r>
+              <a:rPr lang="cs-CZ" dirty="0"/>
+              <a:t> </a:t>
+            </a:r>
+            <a:r>
+              <a:rPr lang="cs-CZ" dirty="0" err="1"/>
+              <a:t>graph</a:t>
+            </a:r>
+            <a:r>
+              <a:rPr lang="cs-CZ" dirty="0"/>
+              <a:t> data - relace mezi objekty a jazyk	- </a:t>
+            </a:r>
+            <a:r>
+              <a:rPr lang="cs-CZ" dirty="0" err="1"/>
+              <a:t>time-series</a:t>
+            </a:r>
+            <a:r>
+              <a:rPr lang="cs-CZ" dirty="0"/>
+              <a:t> </a:t>
+            </a:r>
+            <a:r>
+              <a:rPr lang="cs-CZ" dirty="0" err="1"/>
+              <a:t>ordered</a:t>
+            </a:r>
+            <a:r>
+              <a:rPr lang="cs-CZ" dirty="0"/>
+              <a:t>- běh	- jedno zařízení - paměť nebo disk	- distribuovaná	- </a:t>
+            </a:r>
+            <a:r>
+              <a:rPr lang="cs-CZ" dirty="0" err="1"/>
+              <a:t>embedovaná</a:t>
+            </a:r>
+            <a:r>
+              <a:rPr lang="cs-CZ" dirty="0"/>
+              <a:t> - v prohlížeči</a:t>
+            </a:r>
+          </a:p>
+        </p:txBody>
+      </p:sp>
+    </p:spTree>
+    <p:extLst>
+      <p:ext uri="{BB962C8B-B14F-4D97-AF65-F5344CB8AC3E}">
+        <p14:creationId xmlns:p14="http://schemas.microsoft.com/office/powerpoint/2010/main" val="2839996060"/>
+      </p:ext>
+    </p:extLst>
+  </p:cSld>
+  <p:clrMapOvr>
+    <a:masterClrMapping/>
+  </p:clrMapOvr>
+  <mc:AlternateContent xmlns:mc="http://schemas.openxmlformats.org/markup-compatibility/2006">
+    <mc:Choice xmlns:p159="http://schemas.microsoft.com/office/powerpoint/2015/09/main" Requires="p159">
+      <p:transition spd="slow">
+        <p159:morph option="byObject"/>
+      </p:transition>
+    </mc:Choice>
+    <mc:Fallback>
+      <p:transition spd="slow">
+        <p:fade/>
+      </p:transition>
+    </mc:Fallback>
+  </mc:AlternateContent>
+</p:sld>
+</file>
+
+<file path=ppt/slides/slide4.xml><?xml version="1.0" encoding="utf-8"?>
+<p:sld xmlns:a="http://schemas.openxmlformats.org/drawingml/2006/main" xmlns:r="http://schemas.openxmlformats.org/officeDocument/2006/relationships" xmlns:p="http://schemas.openxmlformats.org/presentationml/2006/main">
+  <p:cSld>
+    <p:spTree>
+      <p:nvGrpSpPr>
+        <p:cNvPr id="1" name=""/>
+        <p:cNvGrpSpPr/>
+        <p:nvPr/>
+      </p:nvGrpSpPr>
+      <p:grpSpPr>
+        <a:xfrm>
+          <a:off x="0" y="0"/>
+          <a:ext cx="0" cy="0"/>
+          <a:chOff x="0" y="0"/>
+          <a:chExt cx="0" cy="0"/>
+        </a:xfrm>
+      </p:grpSpPr>
+      <p:sp>
+        <p:nvSpPr>
+          <p:cNvPr id="7" name="Obdélník: se zakulacenými rohy 6">
+            <a:extLst>
+              <a:ext uri="{FF2B5EF4-FFF2-40B4-BE49-F238E27FC236}">
+                <a16:creationId xmlns:a16="http://schemas.microsoft.com/office/drawing/2014/main" id="{31891C65-5143-85DC-70D3-FC14FF8F795F}"/>
+              </a:ext>
+            </a:extLst>
+          </p:cNvPr>
+          <p:cNvSpPr/>
+          <p:nvPr/>
+        </p:nvSpPr>
+        <p:spPr>
+          <a:xfrm>
+            <a:off x="2154196" y="2294300"/>
+            <a:ext cx="7883608" cy="4338735"/>
+          </a:xfrm>
+          <a:prstGeom prst="roundRect">
+            <a:avLst/>
+          </a:prstGeom>
+          <a:solidFill>
+            <a:srgbClr val="612E60"/>
+          </a:solidFill>
+          <a:ln>
+            <a:noFill/>
+          </a:ln>
+        </p:spPr>
+        <p:style>
+          <a:lnRef idx="2">
+            <a:schemeClr val="accent1">
+              <a:shade val="50000"/>
+            </a:schemeClr>
+          </a:lnRef>
+          <a:fillRef idx="1">
+            <a:schemeClr val="accent1"/>
+          </a:fillRef>
+          <a:effectRef idx="0">
+            <a:schemeClr val="accent1"/>
+          </a:effectRef>
+          <a:fontRef idx="minor">
+            <a:schemeClr val="lt1"/>
+          </a:fontRef>
+        </p:style>
+        <p:txBody>
+          <a:bodyPr rtlCol="0" anchor="ctr"/>
+          <a:lstStyle/>
+          <a:p>
+            <a:pPr algn="ctr"/>
+            <a:endParaRPr lang="cs-CZ"/>
+          </a:p>
+        </p:txBody>
+      </p:sp>
+      <p:sp>
+        <p:nvSpPr>
+          <p:cNvPr id="2" name="Nadpis 1">
+            <a:extLst>
+              <a:ext uri="{FF2B5EF4-FFF2-40B4-BE49-F238E27FC236}">
+                <a16:creationId xmlns:a16="http://schemas.microsoft.com/office/drawing/2014/main" id="{A9CF9038-97BE-42CA-9BFA-2441A244093F}"/>
+              </a:ext>
+            </a:extLst>
+          </p:cNvPr>
+          <p:cNvSpPr>
+            <a:spLocks noGrp="1"/>
+          </p:cNvSpPr>
+          <p:nvPr>
+            <p:ph type="title"/>
+          </p:nvPr>
+        </p:nvSpPr>
+        <p:spPr/>
+        <p:txBody>
+          <a:bodyPr/>
+          <a:lstStyle/>
+          <a:p>
+            <a:r>
+              <a:rPr lang="cs-CZ" dirty="0"/>
+              <a:t>Jmenná konvence</a:t>
+            </a:r>
+          </a:p>
+        </p:txBody>
+      </p:sp>
+      <p:pic>
+        <p:nvPicPr>
+          <p:cNvPr id="1026" name="Picture 2">
+            <a:extLst>
+              <a:ext uri="{FF2B5EF4-FFF2-40B4-BE49-F238E27FC236}">
+                <a16:creationId xmlns:a16="http://schemas.microsoft.com/office/drawing/2014/main" id="{C4456FC2-3494-65AC-F15C-33BFB42E40CC}"/>
+              </a:ext>
+            </a:extLst>
+          </p:cNvPr>
+          <p:cNvPicPr>
+            <a:picLocks noGrp="1" noChangeAspect="1" noChangeArrowheads="1"/>
+          </p:cNvPicPr>
+          <p:nvPr>
+            <p:ph idx="1"/>
+          </p:nvPr>
+        </p:nvPicPr>
+        <p:blipFill>
+          <a:blip r:embed="rId2">
+            <a:extLst>
+              <a:ext uri="{28A0092B-C50C-407E-A947-70E740481C1C}">
+                <a14:useLocalDpi xmlns:a14="http://schemas.microsoft.com/office/drawing/2010/main" val="0"/>
+              </a:ext>
+            </a:extLst>
+          </a:blip>
+          <a:srcRect/>
+          <a:stretch>
+            <a:fillRect/>
+          </a:stretch>
+        </p:blipFill>
+        <p:spPr bwMode="auto">
+          <a:xfrm>
+            <a:off x="2344506" y="2522733"/>
+            <a:ext cx="7502988" cy="4110302"/>
+          </a:xfrm>
+          <a:prstGeom prst="rect">
+            <a:avLst/>
+          </a:prstGeom>
+          <a:noFill/>
+          <a:extLst>
+            <a:ext uri="{909E8E84-426E-40DD-AFC4-6F175D3DCCD1}">
+              <a14:hiddenFill xmlns:a14="http://schemas.microsoft.com/office/drawing/2010/main">
+                <a:solidFill>
+                  <a:srgbClr val="FFFFFF"/>
+                </a:solidFill>
+              </a14:hiddenFill>
+            </a:ext>
+          </a:extLst>
+        </p:spPr>
+      </p:pic>
+    </p:spTree>
+    <p:extLst>
+      <p:ext uri="{BB962C8B-B14F-4D97-AF65-F5344CB8AC3E}">
+        <p14:creationId xmlns:p14="http://schemas.microsoft.com/office/powerpoint/2010/main" val="4270266244"/>
+      </p:ext>
+    </p:extLst>
+  </p:cSld>
+  <p:clrMapOvr>
+    <a:masterClrMapping/>
+  </p:clrMapOvr>
+  <mc:AlternateContent xmlns:mc="http://schemas.openxmlformats.org/markup-compatibility/2006">
+    <mc:Choice xmlns:p159="http://schemas.microsoft.com/office/powerpoint/2015/09/main" Requires="p159">
+      <p:transition spd="slow">
+        <p159:morph option="byObject"/>
+      </p:transition>
+    </mc:Choice>
+    <mc:Fallback>
+      <p:transition spd="slow">
+        <p:fade/>
+      </p:transition>
+    </mc:Fallback>
+  </mc:AlternateContent>
+</p:sld>
+</file>
+
+<file path=ppt/slides/slide5.xml><?xml version="1.0" encoding="utf-8"?>
+<p:sld xmlns:a="http://schemas.openxmlformats.org/drawingml/2006/main" xmlns:r="http://schemas.openxmlformats.org/officeDocument/2006/relationships" xmlns:p="http://schemas.openxmlformats.org/presentationml/2006/main">
+  <p:cSld>
+    <p:spTree>
+      <p:nvGrpSpPr>
+        <p:cNvPr id="1" name=""/>
+        <p:cNvGrpSpPr/>
+        <p:nvPr/>
+      </p:nvGrpSpPr>
+      <p:grpSpPr>
+        <a:xfrm>
+          <a:off x="0" y="0"/>
+          <a:ext cx="0" cy="0"/>
+          <a:chOff x="0" y="0"/>
+          <a:chExt cx="0" cy="0"/>
+        </a:xfrm>
+      </p:grpSpPr>
+      <p:sp>
+        <p:nvSpPr>
+          <p:cNvPr id="2" name="Nadpis 1">
+            <a:extLst>
+              <a:ext uri="{FF2B5EF4-FFF2-40B4-BE49-F238E27FC236}">
+                <a16:creationId xmlns:a16="http://schemas.microsoft.com/office/drawing/2014/main" id="{2DCEF770-55BB-8CD5-6BF1-9715EC0EBD11}"/>
+              </a:ext>
+            </a:extLst>
+          </p:cNvPr>
+          <p:cNvSpPr>
+            <a:spLocks noGrp="1"/>
+          </p:cNvSpPr>
+          <p:nvPr>
+            <p:ph type="title"/>
+          </p:nvPr>
+        </p:nvSpPr>
+        <p:spPr/>
+        <p:txBody>
+          <a:bodyPr/>
+          <a:lstStyle/>
+          <a:p>
+            <a:r>
+              <a:rPr lang="cs-CZ" dirty="0"/>
+              <a:t>ER Diagram</a:t>
+            </a:r>
+          </a:p>
+        </p:txBody>
+      </p:sp>
+      <p:pic>
+        <p:nvPicPr>
+          <p:cNvPr id="7" name="Zástupný obsah 6">
+            <a:extLst>
+              <a:ext uri="{FF2B5EF4-FFF2-40B4-BE49-F238E27FC236}">
+                <a16:creationId xmlns:a16="http://schemas.microsoft.com/office/drawing/2014/main" id="{1DEC5C66-91C0-453F-283C-96F2900711DF}"/>
+              </a:ext>
+            </a:extLst>
+          </p:cNvPr>
+          <p:cNvPicPr>
+            <a:picLocks noGrp="1" noChangeAspect="1"/>
+          </p:cNvPicPr>
+          <p:nvPr>
+            <p:ph idx="1"/>
+          </p:nvPr>
+        </p:nvPicPr>
+        <p:blipFill>
+          <a:blip r:embed="rId3">
+            <a:extLst>
+              <a:ext uri="{96DAC541-7B7A-43D3-8B79-37D633B846F1}">
+                <asvg:svgBlip xmlns:asvg="http://schemas.microsoft.com/office/drawing/2016/SVG/main" r:embed="rId4"/>
+              </a:ext>
+            </a:extLst>
+          </a:blip>
+          <a:srcRect/>
+          <a:stretch/>
+        </p:blipFill>
+        <p:spPr>
+          <a:xfrm>
+            <a:off x="349346" y="2802531"/>
+            <a:ext cx="11493308" cy="3081801"/>
+          </a:xfrm>
+        </p:spPr>
+      </p:pic>
+    </p:spTree>
+    <p:extLst>
+      <p:ext uri="{BB962C8B-B14F-4D97-AF65-F5344CB8AC3E}">
+        <p14:creationId xmlns:p14="http://schemas.microsoft.com/office/powerpoint/2010/main" val="3540870983"/>
+      </p:ext>
+    </p:extLst>
+  </p:cSld>
+  <p:clrMapOvr>
+    <a:masterClrMapping/>
+  </p:clrMapOvr>
+  <mc:AlternateContent xmlns:mc="http://schemas.openxmlformats.org/markup-compatibility/2006">
+    <mc:Choice xmlns:p159="http://schemas.microsoft.com/office/powerpoint/2015/09/main" Requires="p159">
+      <p:transition spd="slow">
+        <p159:morph option="byObject"/>
+      </p:transition>
+    </mc:Choice>
+    <mc:Fallback>
+      <p:transition spd="slow">
+        <p:fade/>
+      </p:transition>
+    </mc:Fallback>
+  </mc:AlternateContent>
+</p:sld>
+</file>
+
+<file path=ppt/slides/slide6.xml><?xml version="1.0" encoding="utf-8"?>
+<p:sld xmlns:a="http://schemas.openxmlformats.org/drawingml/2006/main" xmlns:r="http://schemas.openxmlformats.org/officeDocument/2006/relationships" xmlns:p="http://schemas.openxmlformats.org/presentationml/2006/main">
+  <p:cSld>
+    <p:spTree>
+      <p:nvGrpSpPr>
+        <p:cNvPr id="1" name=""/>
+        <p:cNvGrpSpPr/>
+        <p:nvPr/>
+      </p:nvGrpSpPr>
+      <p:grpSpPr>
+        <a:xfrm>
+          <a:off x="0" y="0"/>
+          <a:ext cx="0" cy="0"/>
+          <a:chOff x="0" y="0"/>
+          <a:chExt cx="0" cy="0"/>
+        </a:xfrm>
+      </p:grpSpPr>
+      <p:sp>
+        <p:nvSpPr>
+          <p:cNvPr id="2" name="Nadpis 1">
+            <a:extLst>
+              <a:ext uri="{FF2B5EF4-FFF2-40B4-BE49-F238E27FC236}">
+                <a16:creationId xmlns:a16="http://schemas.microsoft.com/office/drawing/2014/main" id="{2DCEF770-55BB-8CD5-6BF1-9715EC0EBD11}"/>
+              </a:ext>
+            </a:extLst>
+          </p:cNvPr>
+          <p:cNvSpPr>
+            <a:spLocks noGrp="1"/>
+          </p:cNvSpPr>
+          <p:nvPr>
+            <p:ph type="title"/>
+          </p:nvPr>
+        </p:nvSpPr>
+        <p:spPr/>
+        <p:txBody>
+          <a:bodyPr/>
+          <a:lstStyle/>
+          <a:p>
+            <a:r>
+              <a:rPr lang="cs-CZ" dirty="0"/>
+              <a:t>Schéma v DB</a:t>
+            </a:r>
+          </a:p>
+        </p:txBody>
+      </p:sp>
+      <p:pic>
+        <p:nvPicPr>
+          <p:cNvPr id="7" name="Zástupný obsah 6">
+            <a:extLst>
+              <a:ext uri="{FF2B5EF4-FFF2-40B4-BE49-F238E27FC236}">
+                <a16:creationId xmlns:a16="http://schemas.microsoft.com/office/drawing/2014/main" id="{1DEC5C66-91C0-453F-283C-96F2900711DF}"/>
+              </a:ext>
+            </a:extLst>
+          </p:cNvPr>
+          <p:cNvPicPr>
+            <a:picLocks noGrp="1" noChangeAspect="1"/>
+          </p:cNvPicPr>
+          <p:nvPr>
+            <p:ph idx="1"/>
+          </p:nvPr>
+        </p:nvPicPr>
+        <p:blipFill>
+          <a:blip r:embed="rId3">
+            <a:extLst>
+              <a:ext uri="{96DAC541-7B7A-43D3-8B79-37D633B846F1}">
+                <asvg:svgBlip xmlns:asvg="http://schemas.microsoft.com/office/drawing/2016/SVG/main" r:embed="rId4"/>
+              </a:ext>
+            </a:extLst>
+          </a:blip>
+          <a:srcRect/>
+          <a:stretch/>
+        </p:blipFill>
+        <p:spPr>
+          <a:xfrm>
+            <a:off x="349346" y="2802532"/>
+            <a:ext cx="5967478" cy="1600112"/>
+          </a:xfrm>
+        </p:spPr>
+      </p:pic>
+      <p:pic>
+        <p:nvPicPr>
+          <p:cNvPr id="4" name="Grafický objekt 3">
+            <a:extLst>
+              <a:ext uri="{FF2B5EF4-FFF2-40B4-BE49-F238E27FC236}">
+                <a16:creationId xmlns:a16="http://schemas.microsoft.com/office/drawing/2014/main" id="{292BADA1-99D8-FDD1-F227-1E5FB350D105}"/>
+              </a:ext>
+            </a:extLst>
+          </p:cNvPr>
+          <p:cNvPicPr>
+            <a:picLocks noChangeAspect="1"/>
+          </p:cNvPicPr>
+          <p:nvPr/>
+        </p:nvPicPr>
+        <p:blipFill>
+          <a:blip r:embed="rId5">
+            <a:extLst>
+              <a:ext uri="{96DAC541-7B7A-43D3-8B79-37D633B846F1}">
+                <asvg:svgBlip xmlns:asvg="http://schemas.microsoft.com/office/drawing/2016/SVG/main" r:embed="rId6"/>
+              </a:ext>
+            </a:extLst>
+          </a:blip>
+          <a:stretch>
+            <a:fillRect/>
+          </a:stretch>
+        </p:blipFill>
+        <p:spPr>
+          <a:xfrm>
+            <a:off x="6316824" y="2384479"/>
+            <a:ext cx="5164387" cy="4036330"/>
+          </a:xfrm>
+          <a:prstGeom prst="rect">
+            <a:avLst/>
+          </a:prstGeom>
+        </p:spPr>
+      </p:pic>
+    </p:spTree>
+    <p:extLst>
+      <p:ext uri="{BB962C8B-B14F-4D97-AF65-F5344CB8AC3E}">
+        <p14:creationId xmlns:p14="http://schemas.microsoft.com/office/powerpoint/2010/main" val="2657185355"/>
+      </p:ext>
+    </p:extLst>
+  </p:cSld>
+  <p:clrMapOvr>
+    <a:masterClrMapping/>
+  </p:clrMapOvr>
+  <mc:AlternateContent xmlns:mc="http://schemas.openxmlformats.org/markup-compatibility/2006">
+    <mc:Choice xmlns:p159="http://schemas.microsoft.com/office/powerpoint/2015/09/main" Requires="p159">
+      <p:transition spd="slow">
+        <p159:morph option="byObject"/>
+      </p:transition>
+    </mc:Choice>
+    <mc:Fallback>
+      <p:transition spd="slow">
+        <p:fade/>
+      </p:transition>
+    </mc:Fallback>
+  </mc:AlternateContent>
+</p:sld>
+</file>
+
+<file path=ppt/slides/slide7.xml><?xml version="1.0" encoding="utf-8"?>
+<p:sld xmlns:a="http://schemas.openxmlformats.org/drawingml/2006/main" xmlns:r="http://schemas.openxmlformats.org/officeDocument/2006/relationships" xmlns:p="http://schemas.openxmlformats.org/presentationml/2006/main">
+  <p:cSld>
+    <p:spTree>
+      <p:nvGrpSpPr>
+        <p:cNvPr id="1" name=""/>
+        <p:cNvGrpSpPr/>
+        <p:nvPr/>
+      </p:nvGrpSpPr>
+      <p:grpSpPr>
+        <a:xfrm>
+          <a:off x="0" y="0"/>
+          <a:ext cx="0" cy="0"/>
+          <a:chOff x="0" y="0"/>
+          <a:chExt cx="0" cy="0"/>
+        </a:xfrm>
+      </p:grpSpPr>
+      <p:sp>
+        <p:nvSpPr>
+          <p:cNvPr id="2" name="Nadpis 1">
+            <a:extLst>
+              <a:ext uri="{FF2B5EF4-FFF2-40B4-BE49-F238E27FC236}">
+                <a16:creationId xmlns:a16="http://schemas.microsoft.com/office/drawing/2014/main" id="{2DCEF770-55BB-8CD5-6BF1-9715EC0EBD11}"/>
+              </a:ext>
+            </a:extLst>
+          </p:cNvPr>
+          <p:cNvSpPr>
+            <a:spLocks noGrp="1"/>
+          </p:cNvSpPr>
+          <p:nvPr>
+            <p:ph type="title"/>
+          </p:nvPr>
+        </p:nvSpPr>
+        <p:spPr/>
+        <p:txBody>
+          <a:bodyPr/>
+          <a:lstStyle/>
+          <a:p>
+            <a:r>
+              <a:rPr lang="cs-CZ" dirty="0"/>
+              <a:t>Schéma v DB</a:t>
+            </a:r>
+          </a:p>
+        </p:txBody>
+      </p:sp>
+      <p:pic>
+        <p:nvPicPr>
+          <p:cNvPr id="7" name="Zástupný obsah 6">
+            <a:extLst>
+              <a:ext uri="{FF2B5EF4-FFF2-40B4-BE49-F238E27FC236}">
+                <a16:creationId xmlns:a16="http://schemas.microsoft.com/office/drawing/2014/main" id="{1DEC5C66-91C0-453F-283C-96F2900711DF}"/>
+              </a:ext>
+            </a:extLst>
+          </p:cNvPr>
+          <p:cNvPicPr>
+            <a:picLocks noGrp="1" noChangeAspect="1"/>
+          </p:cNvPicPr>
+          <p:nvPr>
+            <p:ph idx="1"/>
+          </p:nvPr>
+        </p:nvPicPr>
+        <p:blipFill>
+          <a:blip r:embed="rId3">
+            <a:extLst>
+              <a:ext uri="{96DAC541-7B7A-43D3-8B79-37D633B846F1}">
+                <asvg:svgBlip xmlns:asvg="http://schemas.microsoft.com/office/drawing/2016/SVG/main" r:embed="rId4"/>
+              </a:ext>
+            </a:extLst>
+          </a:blip>
+          <a:srcRect/>
+          <a:stretch/>
+        </p:blipFill>
+        <p:spPr>
+          <a:xfrm>
+            <a:off x="349346" y="2802532"/>
+            <a:ext cx="5967478" cy="1600112"/>
+          </a:xfrm>
+        </p:spPr>
+      </p:pic>
+      <p:pic>
+        <p:nvPicPr>
+          <p:cNvPr id="4" name="Grafický objekt 3">
+            <a:extLst>
+              <a:ext uri="{FF2B5EF4-FFF2-40B4-BE49-F238E27FC236}">
+                <a16:creationId xmlns:a16="http://schemas.microsoft.com/office/drawing/2014/main" id="{292BADA1-99D8-FDD1-F227-1E5FB350D105}"/>
+              </a:ext>
+            </a:extLst>
+          </p:cNvPr>
+          <p:cNvPicPr>
+            <a:picLocks noChangeAspect="1"/>
+          </p:cNvPicPr>
+          <p:nvPr/>
+        </p:nvPicPr>
+        <p:blipFill>
+          <a:blip r:embed="rId5">
+            <a:extLst>
+              <a:ext uri="{96DAC541-7B7A-43D3-8B79-37D633B846F1}">
+                <asvg:svgBlip xmlns:asvg="http://schemas.microsoft.com/office/drawing/2016/SVG/main" r:embed="rId6"/>
+              </a:ext>
+            </a:extLst>
+          </a:blip>
+          <a:srcRect/>
+          <a:stretch/>
+        </p:blipFill>
+        <p:spPr>
+          <a:xfrm>
+            <a:off x="6540760" y="2086750"/>
+            <a:ext cx="5143274" cy="4995184"/>
+          </a:xfrm>
+          <a:prstGeom prst="rect">
+            <a:avLst/>
+          </a:prstGeom>
+        </p:spPr>
+      </p:pic>
+    </p:spTree>
+    <p:extLst>
+      <p:ext uri="{BB962C8B-B14F-4D97-AF65-F5344CB8AC3E}">
+        <p14:creationId xmlns:p14="http://schemas.microsoft.com/office/powerpoint/2010/main" val="1651324353"/>
+      </p:ext>
+    </p:extLst>
+  </p:cSld>
+  <p:clrMapOvr>
+    <a:masterClrMapping/>
+  </p:clrMapOvr>
+  <mc:AlternateContent xmlns:mc="http://schemas.openxmlformats.org/markup-compatibility/2006">
+    <mc:Choice xmlns:p159="http://schemas.microsoft.com/office/powerpoint/2015/09/main" Requires="p159">
+      <p:transition spd="slow">
+        <p159:morph option="byObject"/>
+      </p:transition>
+    </mc:Choice>
+    <mc:Fallback>
+      <p:transition spd="slow">
+        <p:fade/>
+      </p:transition>
+    </mc:Fallback>
+  </mc:AlternateContent>
+</p:sld>
+</file>
+
+<file path=ppt/slides/slide8.xml><?xml version="1.0" encoding="utf-8"?>
 <p:sld xmlns:a="http://schemas.openxmlformats.org/drawingml/2006/main" xmlns:r="http://schemas.openxmlformats.org/officeDocument/2006/relationships" xmlns:p="http://schemas.openxmlformats.org/presentationml/2006/main">
   <p:cSld>
     <p:spTree>
@@ -14060,90 +15253,22 @@
   <p:clrMapOvr>
     <a:masterClrMapping/>
   </p:clrMapOvr>
+  <mc:AlternateContent xmlns:mc="http://schemas.openxmlformats.org/markup-compatibility/2006">
+    <mc:Choice xmlns:p159="http://schemas.microsoft.com/office/powerpoint/2015/09/main" Requires="p159">
+      <p:transition spd="slow">
+        <p159:morph option="byObject"/>
+      </p:transition>
+    </mc:Choice>
+    <mc:Fallback>
+      <p:transition spd="slow">
+        <p:fade/>
+      </p:transition>
+    </mc:Fallback>
+  </mc:AlternateContent>
 </p:sld>
 </file>
 
-<file path=ppt/slides/slide3.xml><?xml version="1.0" encoding="utf-8"?>
-<p:sld xmlns:a="http://schemas.openxmlformats.org/drawingml/2006/main" xmlns:r="http://schemas.openxmlformats.org/officeDocument/2006/relationships" xmlns:p="http://schemas.openxmlformats.org/presentationml/2006/main">
-  <p:cSld>
-    <p:spTree>
-      <p:nvGrpSpPr>
-        <p:cNvPr id="1" name=""/>
-        <p:cNvGrpSpPr/>
-        <p:nvPr/>
-      </p:nvGrpSpPr>
-      <p:grpSpPr>
-        <a:xfrm>
-          <a:off x="0" y="0"/>
-          <a:ext cx="0" cy="0"/>
-          <a:chOff x="0" y="0"/>
-          <a:chExt cx="0" cy="0"/>
-        </a:xfrm>
-      </p:grpSpPr>
-      <p:sp>
-        <p:nvSpPr>
-          <p:cNvPr id="2" name="Nadpis 1">
-            <a:extLst>
-              <a:ext uri="{FF2B5EF4-FFF2-40B4-BE49-F238E27FC236}">
-                <a16:creationId xmlns:a16="http://schemas.microsoft.com/office/drawing/2014/main" id="{2DCEF770-55BB-8CD5-6BF1-9715EC0EBD11}"/>
-              </a:ext>
-            </a:extLst>
-          </p:cNvPr>
-          <p:cNvSpPr>
-            <a:spLocks noGrp="1"/>
-          </p:cNvSpPr>
-          <p:nvPr>
-            <p:ph type="title"/>
-          </p:nvPr>
-        </p:nvSpPr>
-        <p:spPr/>
-        <p:txBody>
-          <a:bodyPr/>
-          <a:lstStyle/>
-          <a:p>
-            <a:endParaRPr lang="cs-CZ"/>
-          </a:p>
-        </p:txBody>
-      </p:sp>
-      <p:sp>
-        <p:nvSpPr>
-          <p:cNvPr id="3" name="Zástupný obsah 2">
-            <a:extLst>
-              <a:ext uri="{FF2B5EF4-FFF2-40B4-BE49-F238E27FC236}">
-                <a16:creationId xmlns:a16="http://schemas.microsoft.com/office/drawing/2014/main" id="{6EA3FAC1-5B1F-4EB3-48D3-3503D9CE4554}"/>
-              </a:ext>
-            </a:extLst>
-          </p:cNvPr>
-          <p:cNvSpPr>
-            <a:spLocks noGrp="1"/>
-          </p:cNvSpPr>
-          <p:nvPr>
-            <p:ph idx="1"/>
-          </p:nvPr>
-        </p:nvSpPr>
-        <p:spPr/>
-        <p:txBody>
-          <a:bodyPr/>
-          <a:lstStyle/>
-          <a:p>
-            <a:endParaRPr lang="cs-CZ"/>
-          </a:p>
-        </p:txBody>
-      </p:sp>
-    </p:spTree>
-    <p:extLst>
-      <p:ext uri="{BB962C8B-B14F-4D97-AF65-F5344CB8AC3E}">
-        <p14:creationId xmlns:p14="http://schemas.microsoft.com/office/powerpoint/2010/main" val="3540870983"/>
-      </p:ext>
-    </p:extLst>
-  </p:cSld>
-  <p:clrMapOvr>
-    <a:masterClrMapping/>
-  </p:clrMapOvr>
-</p:sld>
-</file>
-
-<file path=ppt/slides/slide4.xml><?xml version="1.0" encoding="utf-8"?>
+<file path=ppt/slides/slide9.xml><?xml version="1.0" encoding="utf-8"?>
 <p:sld xmlns:a="http://schemas.openxmlformats.org/drawingml/2006/main" xmlns:r="http://schemas.openxmlformats.org/officeDocument/2006/relationships" xmlns:p="http://schemas.openxmlformats.org/presentationml/2006/main">
   <p:cSld>
     <p:spTree>
@@ -14220,6 +15345,18 @@
   <p:clrMapOvr>
     <a:masterClrMapping/>
   </p:clrMapOvr>
+  <mc:AlternateContent xmlns:mc="http://schemas.openxmlformats.org/markup-compatibility/2006">
+    <mc:Choice xmlns:p159="http://schemas.microsoft.com/office/powerpoint/2015/09/main" Requires="p159">
+      <p:transition spd="slow">
+        <p159:morph option="byObject"/>
+      </p:transition>
+    </mc:Choice>
+    <mc:Fallback>
+      <p:transition spd="slow">
+        <p:fade/>
+      </p:transition>
+    </mc:Fallback>
+  </mc:AlternateContent>
 </p:sld>
 </file>
 

--- a/surrealdb.pptx
+++ b/surrealdb.pptx
@@ -5,18 +5,20 @@
     <p:sldMasterId id="2147483648" r:id="rId1"/>
   </p:sldMasterIdLst>
   <p:notesMasterIdLst>
-    <p:notesMasterId r:id="rId11"/>
+    <p:notesMasterId r:id="rId13"/>
   </p:notesMasterIdLst>
   <p:sldIdLst>
     <p:sldId id="256" r:id="rId2"/>
     <p:sldId id="262" r:id="rId3"/>
-    <p:sldId id="263" r:id="rId4"/>
-    <p:sldId id="264" r:id="rId5"/>
-    <p:sldId id="258" r:id="rId6"/>
-    <p:sldId id="260" r:id="rId7"/>
-    <p:sldId id="261" r:id="rId8"/>
-    <p:sldId id="257" r:id="rId9"/>
-    <p:sldId id="259" r:id="rId10"/>
+    <p:sldId id="266" r:id="rId4"/>
+    <p:sldId id="265" r:id="rId5"/>
+    <p:sldId id="264" r:id="rId6"/>
+    <p:sldId id="263" r:id="rId7"/>
+    <p:sldId id="258" r:id="rId8"/>
+    <p:sldId id="260" r:id="rId9"/>
+    <p:sldId id="261" r:id="rId10"/>
+    <p:sldId id="259" r:id="rId11"/>
+    <p:sldId id="257" r:id="rId12"/>
   </p:sldIdLst>
   <p:sldSz cx="12192000" cy="6858000"/>
   <p:notesSz cx="6858000" cy="9144000"/>
@@ -556,6 +558,251 @@
 </p:notes>
 </file>
 
+<file path=ppt/notesSlides/notesSlide10.xml><?xml version="1.0" encoding="utf-8"?>
+<p:notes xmlns:a="http://schemas.openxmlformats.org/drawingml/2006/main" xmlns:r="http://schemas.openxmlformats.org/officeDocument/2006/relationships" xmlns:p="http://schemas.openxmlformats.org/presentationml/2006/main">
+  <p:cSld>
+    <p:spTree>
+      <p:nvGrpSpPr>
+        <p:cNvPr id="1" name=""/>
+        <p:cNvGrpSpPr/>
+        <p:nvPr/>
+      </p:nvGrpSpPr>
+      <p:grpSpPr>
+        <a:xfrm>
+          <a:off x="0" y="0"/>
+          <a:ext cx="0" cy="0"/>
+          <a:chOff x="0" y="0"/>
+          <a:chExt cx="0" cy="0"/>
+        </a:xfrm>
+      </p:grpSpPr>
+      <p:sp>
+        <p:nvSpPr>
+          <p:cNvPr id="2" name="Zástupný symbol pro obrázek snímku 1"/>
+          <p:cNvSpPr>
+            <a:spLocks noGrp="1" noRot="1" noChangeAspect="1"/>
+          </p:cNvSpPr>
+          <p:nvPr>
+            <p:ph type="sldImg"/>
+          </p:nvPr>
+        </p:nvSpPr>
+        <p:spPr/>
+      </p:sp>
+      <p:sp>
+        <p:nvSpPr>
+          <p:cNvPr id="3" name="Zástupný symbol pro poznámky 2"/>
+          <p:cNvSpPr>
+            <a:spLocks noGrp="1"/>
+          </p:cNvSpPr>
+          <p:nvPr>
+            <p:ph type="body" idx="1"/>
+          </p:nvPr>
+        </p:nvSpPr>
+        <p:spPr/>
+        <p:txBody>
+          <a:bodyPr/>
+          <a:lstStyle/>
+          <a:p>
+            <a:r>
+              <a:rPr lang="cs-CZ" dirty="0"/>
+              <a:t>Pro vytvoření testovacích dat bylo využito </a:t>
+            </a:r>
+          </a:p>
+          <a:p>
+            <a:r>
+              <a:rPr lang="cs-CZ" dirty="0"/>
+              <a:t>Pro vygenerování náhodných </a:t>
+            </a:r>
+            <a:r>
+              <a:rPr lang="cs-CZ" dirty="0" err="1"/>
+              <a:t>jmén</a:t>
+            </a:r>
+            <a:r>
+              <a:rPr lang="cs-CZ" dirty="0"/>
+              <a:t>, názvů a textů bylo použito </a:t>
+            </a:r>
+            <a:r>
+              <a:rPr lang="cs-CZ" dirty="0" err="1"/>
+              <a:t>ChatGPT</a:t>
+            </a:r>
+            <a:r>
+              <a:rPr lang="cs-CZ" dirty="0"/>
+              <a:t>.</a:t>
+            </a:r>
+          </a:p>
+          <a:p>
+            <a:r>
+              <a:rPr lang="cs-CZ" dirty="0"/>
+              <a:t>data jsou propojena a vložena do databáze skriptem v Pythonu.</a:t>
+            </a:r>
+          </a:p>
+          <a:p>
+            <a:endParaRPr lang="cs-CZ" dirty="0"/>
+          </a:p>
+          <a:p>
+            <a:r>
+              <a:rPr lang="cs-CZ" dirty="0"/>
+              <a:t>Zde bych chtěl zmínit špatnou podporu knihoven v programovacích jazycích. </a:t>
+            </a:r>
+          </a:p>
+          <a:p>
+            <a:r>
+              <a:rPr lang="cs-CZ" dirty="0"/>
+              <a:t>Knihovna pro Python umí jen základní věci – zařídí připojení a pro jednodušší příkazy lze využít datové struktury jazyka.</a:t>
+            </a:r>
+          </a:p>
+          <a:p>
+            <a:r>
+              <a:rPr lang="cs-CZ" dirty="0"/>
+              <a:t>Ovšem jako můžete vidět na ukázce kódu vpravo, složitější dotazy je potřeba vložit do </a:t>
+            </a:r>
+            <a:r>
+              <a:rPr lang="cs-CZ" dirty="0" err="1"/>
+              <a:t>stringu</a:t>
+            </a:r>
+            <a:r>
+              <a:rPr lang="cs-CZ" dirty="0"/>
+              <a:t>.</a:t>
+            </a:r>
+          </a:p>
+          <a:p>
+            <a:endParaRPr lang="cs-CZ" dirty="0"/>
+          </a:p>
+          <a:p>
+            <a:r>
+              <a:rPr lang="cs-CZ" dirty="0"/>
+              <a:t>Díval jsem se i na knihovny pro další jazyky, například </a:t>
+            </a:r>
+            <a:r>
+              <a:rPr lang="cs-CZ" dirty="0" err="1"/>
+              <a:t>javascript</a:t>
+            </a:r>
+            <a:r>
+              <a:rPr lang="cs-CZ" dirty="0"/>
+              <a:t> a také mi nepřišly velmi kvalitní.</a:t>
+            </a:r>
+          </a:p>
+        </p:txBody>
+      </p:sp>
+      <p:sp>
+        <p:nvSpPr>
+          <p:cNvPr id="4" name="Zástupný symbol pro číslo snímku 3"/>
+          <p:cNvSpPr>
+            <a:spLocks noGrp="1"/>
+          </p:cNvSpPr>
+          <p:nvPr>
+            <p:ph type="sldNum" sz="quarter" idx="5"/>
+          </p:nvPr>
+        </p:nvSpPr>
+        <p:spPr/>
+        <p:txBody>
+          <a:bodyPr/>
+          <a:lstStyle/>
+          <a:p>
+            <a:fld id="{5EF1F1BE-7711-4EE4-A336-814F34B6F30D}" type="slidenum">
+              <a:rPr lang="cs-CZ" smtClean="0"/>
+              <a:t>10</a:t>
+            </a:fld>
+            <a:endParaRPr lang="cs-CZ"/>
+          </a:p>
+        </p:txBody>
+      </p:sp>
+    </p:spTree>
+    <p:extLst>
+      <p:ext uri="{BB962C8B-B14F-4D97-AF65-F5344CB8AC3E}">
+        <p14:creationId xmlns:p14="http://schemas.microsoft.com/office/powerpoint/2010/main" val="3620783680"/>
+      </p:ext>
+    </p:extLst>
+  </p:cSld>
+  <p:clrMapOvr>
+    <a:masterClrMapping/>
+  </p:clrMapOvr>
+</p:notes>
+</file>
+
+<file path=ppt/notesSlides/notesSlide11.xml><?xml version="1.0" encoding="utf-8"?>
+<p:notes xmlns:a="http://schemas.openxmlformats.org/drawingml/2006/main" xmlns:r="http://schemas.openxmlformats.org/officeDocument/2006/relationships" xmlns:p="http://schemas.openxmlformats.org/presentationml/2006/main">
+  <p:cSld>
+    <p:spTree>
+      <p:nvGrpSpPr>
+        <p:cNvPr id="1" name=""/>
+        <p:cNvGrpSpPr/>
+        <p:nvPr/>
+      </p:nvGrpSpPr>
+      <p:grpSpPr>
+        <a:xfrm>
+          <a:off x="0" y="0"/>
+          <a:ext cx="0" cy="0"/>
+          <a:chOff x="0" y="0"/>
+          <a:chExt cx="0" cy="0"/>
+        </a:xfrm>
+      </p:grpSpPr>
+      <p:sp>
+        <p:nvSpPr>
+          <p:cNvPr id="2" name="Zástupný symbol pro obrázek snímku 1"/>
+          <p:cNvSpPr>
+            <a:spLocks noGrp="1" noRot="1" noChangeAspect="1"/>
+          </p:cNvSpPr>
+          <p:nvPr>
+            <p:ph type="sldImg"/>
+          </p:nvPr>
+        </p:nvSpPr>
+        <p:spPr/>
+      </p:sp>
+      <p:sp>
+        <p:nvSpPr>
+          <p:cNvPr id="3" name="Zástupný symbol pro poznámky 2"/>
+          <p:cNvSpPr>
+            <a:spLocks noGrp="1"/>
+          </p:cNvSpPr>
+          <p:nvPr>
+            <p:ph type="body" idx="1"/>
+          </p:nvPr>
+        </p:nvSpPr>
+        <p:spPr/>
+        <p:txBody>
+          <a:bodyPr/>
+          <a:lstStyle/>
+          <a:p>
+            <a:endParaRPr lang="cs-CZ" dirty="0"/>
+          </a:p>
+        </p:txBody>
+      </p:sp>
+      <p:sp>
+        <p:nvSpPr>
+          <p:cNvPr id="4" name="Zástupný symbol pro číslo snímku 3"/>
+          <p:cNvSpPr>
+            <a:spLocks noGrp="1"/>
+          </p:cNvSpPr>
+          <p:nvPr>
+            <p:ph type="sldNum" sz="quarter" idx="5"/>
+          </p:nvPr>
+        </p:nvSpPr>
+        <p:spPr/>
+        <p:txBody>
+          <a:bodyPr/>
+          <a:lstStyle/>
+          <a:p>
+            <a:fld id="{5EF1F1BE-7711-4EE4-A336-814F34B6F30D}" type="slidenum">
+              <a:rPr lang="cs-CZ" smtClean="0"/>
+              <a:t>11</a:t>
+            </a:fld>
+            <a:endParaRPr lang="cs-CZ"/>
+          </a:p>
+        </p:txBody>
+      </p:sp>
+    </p:spTree>
+    <p:extLst>
+      <p:ext uri="{BB962C8B-B14F-4D97-AF65-F5344CB8AC3E}">
+        <p14:creationId xmlns:p14="http://schemas.microsoft.com/office/powerpoint/2010/main" val="2535284583"/>
+      </p:ext>
+    </p:extLst>
+  </p:cSld>
+  <p:clrMapOvr>
+    <a:masterClrMapping/>
+  </p:clrMapOvr>
+</p:notes>
+</file>
+
 <file path=ppt/notesSlides/notesSlide2.xml><?xml version="1.0" encoding="utf-8"?>
 <p:notes xmlns:a="http://schemas.openxmlformats.org/drawingml/2006/main" xmlns:r="http://schemas.openxmlformats.org/officeDocument/2006/relationships" xmlns:p="http://schemas.openxmlformats.org/presentationml/2006/main">
   <p:cSld>
@@ -600,7 +847,173 @@
           <a:bodyPr/>
           <a:lstStyle/>
           <a:p>
-            <a:endParaRPr lang="cs-CZ"/>
+            <a:pPr marL="0" marR="0" lvl="0" indent="0" algn="l" defTabSz="914400" rtl="0" eaLnBrk="1" fontAlgn="auto" latinLnBrk="0" hangingPunct="1">
+              <a:lnSpc>
+                <a:spcPct val="100000"/>
+              </a:lnSpc>
+              <a:spcBef>
+                <a:spcPts val="0"/>
+              </a:spcBef>
+              <a:spcAft>
+                <a:spcPts val="0"/>
+              </a:spcAft>
+              <a:buClrTx/>
+              <a:buSzTx/>
+              <a:buFontTx/>
+              <a:buNone/>
+              <a:tabLst/>
+              <a:defRPr/>
+            </a:pPr>
+            <a:r>
+              <a:rPr lang="cs-CZ" dirty="0"/>
+              <a:t>Jaké funkce a vlastnosti databáze má?</a:t>
+            </a:r>
+          </a:p>
+          <a:p>
+            <a:pPr marL="0" marR="0" lvl="0" indent="0" algn="l" defTabSz="914400" rtl="0" eaLnBrk="1" fontAlgn="auto" latinLnBrk="0" hangingPunct="1">
+              <a:lnSpc>
+                <a:spcPct val="100000"/>
+              </a:lnSpc>
+              <a:spcBef>
+                <a:spcPts val="0"/>
+              </a:spcBef>
+              <a:spcAft>
+                <a:spcPts val="0"/>
+              </a:spcAft>
+              <a:buClrTx/>
+              <a:buSzTx/>
+              <a:buFontTx/>
+              <a:buNone/>
+              <a:tabLst/>
+              <a:defRPr/>
+            </a:pPr>
+            <a:endParaRPr lang="cs-CZ" dirty="0"/>
+          </a:p>
+          <a:p>
+            <a:pPr marL="0" marR="0" lvl="0" indent="0" algn="l" defTabSz="914400" rtl="0" eaLnBrk="1" fontAlgn="auto" latinLnBrk="0" hangingPunct="1">
+              <a:lnSpc>
+                <a:spcPct val="100000"/>
+              </a:lnSpc>
+              <a:spcBef>
+                <a:spcPts val="0"/>
+              </a:spcBef>
+              <a:spcAft>
+                <a:spcPts val="0"/>
+              </a:spcAft>
+              <a:buClrTx/>
+              <a:buSzTx/>
+              <a:buFontTx/>
+              <a:buNone/>
+              <a:tabLst/>
+              <a:defRPr/>
+            </a:pPr>
+            <a:r>
+              <a:rPr lang="cs-CZ" dirty="0"/>
+              <a:t>Umí ukládat strukturovaná data v podobě dokumentů. Data lze propojovat do grafů. Umí efektivně pracovat s časovými a prostorovými daty.</a:t>
+            </a:r>
+          </a:p>
+          <a:p>
+            <a:pPr marL="0" marR="0" lvl="0" indent="0" algn="l" defTabSz="914400" rtl="0" eaLnBrk="1" fontAlgn="auto" latinLnBrk="0" hangingPunct="1">
+              <a:lnSpc>
+                <a:spcPct val="100000"/>
+              </a:lnSpc>
+              <a:spcBef>
+                <a:spcPts val="0"/>
+              </a:spcBef>
+              <a:spcAft>
+                <a:spcPts val="0"/>
+              </a:spcAft>
+              <a:buClrTx/>
+              <a:buSzTx/>
+              <a:buFontTx/>
+              <a:buNone/>
+              <a:tabLst/>
+              <a:defRPr/>
+            </a:pPr>
+            <a:r>
+              <a:rPr lang="cs-CZ" dirty="0"/>
+              <a:t>Lze pevně definovat strukturu dat, ale také zvládne data bez pevného schématu. </a:t>
+            </a:r>
+          </a:p>
+          <a:p>
+            <a:pPr marL="0" marR="0" lvl="0" indent="0" algn="l" defTabSz="914400" rtl="0" eaLnBrk="1" fontAlgn="auto" latinLnBrk="0" hangingPunct="1">
+              <a:lnSpc>
+                <a:spcPct val="100000"/>
+              </a:lnSpc>
+              <a:spcBef>
+                <a:spcPts val="0"/>
+              </a:spcBef>
+              <a:spcAft>
+                <a:spcPts val="0"/>
+              </a:spcAft>
+              <a:buClrTx/>
+              <a:buSzTx/>
+              <a:buFontTx/>
+              <a:buNone/>
+              <a:tabLst/>
+              <a:defRPr/>
+            </a:pPr>
+            <a:endParaRPr lang="cs-CZ" dirty="0"/>
+          </a:p>
+          <a:p>
+            <a:pPr marL="0" marR="0" lvl="0" indent="0" algn="l" defTabSz="914400" rtl="0" eaLnBrk="1" fontAlgn="auto" latinLnBrk="0" hangingPunct="1">
+              <a:lnSpc>
+                <a:spcPct val="100000"/>
+              </a:lnSpc>
+              <a:spcBef>
+                <a:spcPts val="0"/>
+              </a:spcBef>
+              <a:spcAft>
+                <a:spcPts val="0"/>
+              </a:spcAft>
+              <a:buClrTx/>
+              <a:buSzTx/>
+              <a:buFontTx/>
+              <a:buNone/>
+              <a:tabLst/>
+              <a:defRPr/>
+            </a:pPr>
+            <a:r>
+              <a:rPr lang="cs-CZ" dirty="0"/>
+              <a:t>Plně podporuje distribuované ACID transakce. Je vertikálně i horizontálně škálovatelná. Umožňuje full textové vyhledávání, streamování dat nebo jejich změn klientovi.  Místo </a:t>
+            </a:r>
+            <a:r>
+              <a:rPr lang="cs-CZ" dirty="0" err="1"/>
+              <a:t>JOINů</a:t>
+            </a:r>
+            <a:r>
+              <a:rPr lang="cs-CZ" dirty="0"/>
+              <a:t> se v ní pracuje s relacemi, což by mělo být </a:t>
+            </a:r>
+            <a:r>
+              <a:rPr lang="cs-CZ" dirty="0" err="1"/>
+              <a:t>snažší</a:t>
+            </a:r>
+            <a:r>
+              <a:rPr lang="cs-CZ" dirty="0"/>
+              <a:t> a efektivnější. </a:t>
+            </a:r>
+            <a:br>
+              <a:rPr lang="cs-CZ" dirty="0"/>
+            </a:br>
+            <a:br>
+              <a:rPr lang="cs-CZ" dirty="0"/>
+            </a:br>
+            <a:r>
+              <a:rPr lang="cs-CZ" dirty="0"/>
+              <a:t>Databáze může ukládat data v paměti nebo na disku. Může běžet zabudovaná v aplikace nebo u klienta v prohlížeči. Tak je možné nasadit ji </a:t>
+            </a:r>
+            <a:r>
+              <a:rPr lang="cs-CZ" dirty="0" err="1"/>
+              <a:t>distribuovaně</a:t>
+            </a:r>
+            <a:r>
+              <a:rPr lang="cs-CZ" dirty="0"/>
+              <a:t> v cloudu.</a:t>
+            </a:r>
+          </a:p>
+          <a:p>
+            <a:endParaRPr lang="cs-CZ" dirty="0"/>
           </a:p>
         </p:txBody>
       </p:sp>
@@ -621,7 +1034,7 @@
           <a:p>
             <a:fld id="{5EF1F1BE-7711-4EE4-A336-814F34B6F30D}" type="slidenum">
               <a:rPr lang="cs-CZ" smtClean="0"/>
-              <a:t>5</a:t>
+              <a:t>2</a:t>
             </a:fld>
             <a:endParaRPr lang="cs-CZ"/>
           </a:p>
@@ -630,7 +1043,7 @@
     </p:spTree>
     <p:extLst>
       <p:ext uri="{BB962C8B-B14F-4D97-AF65-F5344CB8AC3E}">
-        <p14:creationId xmlns:p14="http://schemas.microsoft.com/office/powerpoint/2010/main" val="618626218"/>
+        <p14:creationId xmlns:p14="http://schemas.microsoft.com/office/powerpoint/2010/main" val="1258966152"/>
       </p:ext>
     </p:extLst>
   </p:cSld>
@@ -684,7 +1097,50 @@
           <a:bodyPr/>
           <a:lstStyle/>
           <a:p>
-            <a:endParaRPr lang="cs-CZ"/>
+            <a:pPr marL="0" marR="0" lvl="0" indent="0" algn="l" defTabSz="914400" rtl="0" eaLnBrk="1" fontAlgn="auto" latinLnBrk="0" hangingPunct="1">
+              <a:lnSpc>
+                <a:spcPct val="100000"/>
+              </a:lnSpc>
+              <a:spcBef>
+                <a:spcPts val="0"/>
+              </a:spcBef>
+              <a:spcAft>
+                <a:spcPts val="0"/>
+              </a:spcAft>
+              <a:buClrTx/>
+              <a:buSzTx/>
+              <a:buFontTx/>
+              <a:buNone/>
+              <a:tabLst/>
+              <a:defRPr/>
+            </a:pPr>
+            <a:r>
+              <a:rPr lang="cs-CZ" dirty="0"/>
+              <a:t>Vlastně to zní jako že umí úplně všechno, co bychom od databáze mohli chtít.</a:t>
+            </a:r>
+          </a:p>
+          <a:p>
+            <a:pPr marL="0" marR="0" lvl="0" indent="0" algn="l" defTabSz="914400" rtl="0" eaLnBrk="1" fontAlgn="auto" latinLnBrk="0" hangingPunct="1">
+              <a:lnSpc>
+                <a:spcPct val="100000"/>
+              </a:lnSpc>
+              <a:spcBef>
+                <a:spcPts val="0"/>
+              </a:spcBef>
+              <a:spcAft>
+                <a:spcPts val="0"/>
+              </a:spcAft>
+              <a:buClrTx/>
+              <a:buSzTx/>
+              <a:buFontTx/>
+              <a:buNone/>
+              <a:tabLst/>
+              <a:defRPr/>
+            </a:pPr>
+            <a:r>
+              <a:rPr lang="cs-CZ" dirty="0"/>
+              <a:t>Jestli je tomu opravdu tak vyhodnotíme na závěr prezentace.</a:t>
+            </a:r>
           </a:p>
         </p:txBody>
       </p:sp>
@@ -705,7 +1161,7 @@
           <a:p>
             <a:fld id="{5EF1F1BE-7711-4EE4-A336-814F34B6F30D}" type="slidenum">
               <a:rPr lang="cs-CZ" smtClean="0"/>
-              <a:t>6</a:t>
+              <a:t>3</a:t>
             </a:fld>
             <a:endParaRPr lang="cs-CZ"/>
           </a:p>
@@ -714,7 +1170,7 @@
     </p:spTree>
     <p:extLst>
       <p:ext uri="{BB962C8B-B14F-4D97-AF65-F5344CB8AC3E}">
-        <p14:creationId xmlns:p14="http://schemas.microsoft.com/office/powerpoint/2010/main" val="3381456553"/>
+        <p14:creationId xmlns:p14="http://schemas.microsoft.com/office/powerpoint/2010/main" val="1042643587"/>
       </p:ext>
     </p:extLst>
   </p:cSld>
@@ -768,7 +1224,55 @@
           <a:bodyPr/>
           <a:lstStyle/>
           <a:p>
-            <a:endParaRPr lang="cs-CZ"/>
+            <a:r>
+              <a:rPr lang="cs-CZ" dirty="0" err="1"/>
+              <a:t>Pojdmě</a:t>
+            </a:r>
+            <a:r>
+              <a:rPr lang="cs-CZ" dirty="0"/>
+              <a:t> si v rychlosti představit historii projektu.</a:t>
+            </a:r>
+          </a:p>
+          <a:p>
+            <a:r>
+              <a:rPr lang="cs-CZ" dirty="0"/>
+              <a:t>Návrh a vývoj začal již někdy roce 2015. </a:t>
+            </a:r>
+          </a:p>
+          <a:p>
+            <a:r>
+              <a:rPr lang="cs-CZ" dirty="0"/>
+              <a:t>Systém byl zveřejněn jako open source až v roce 2021.</a:t>
+            </a:r>
+          </a:p>
+          <a:p>
+            <a:endParaRPr lang="cs-CZ" dirty="0"/>
+          </a:p>
+          <a:p>
+            <a:r>
+              <a:rPr lang="cs-CZ" dirty="0"/>
+              <a:t>Systém je momentálně v beta verzi. </a:t>
+            </a:r>
+          </a:p>
+          <a:p>
+            <a:r>
+              <a:rPr lang="cs-CZ" dirty="0"/>
+              <a:t>První plný </a:t>
+            </a:r>
+            <a:r>
+              <a:rPr lang="cs-CZ" dirty="0" err="1"/>
+              <a:t>release</a:t>
+            </a:r>
+            <a:r>
+              <a:rPr lang="cs-CZ" dirty="0"/>
+              <a:t> se očekává v druhém kvartálu tohoto roku.</a:t>
+            </a:r>
+          </a:p>
+          <a:p>
+            <a:r>
+              <a:rPr lang="cs-CZ" dirty="0"/>
+              <a:t>V dalších měsících by mělo následovat spuštění cloudové služby.</a:t>
+            </a:r>
           </a:p>
         </p:txBody>
       </p:sp>
@@ -789,7 +1293,575 @@
           <a:p>
             <a:fld id="{5EF1F1BE-7711-4EE4-A336-814F34B6F30D}" type="slidenum">
               <a:rPr lang="cs-CZ" smtClean="0"/>
+              <a:t>4</a:t>
+            </a:fld>
+            <a:endParaRPr lang="cs-CZ"/>
+          </a:p>
+        </p:txBody>
+      </p:sp>
+    </p:spTree>
+    <p:extLst>
+      <p:ext uri="{BB962C8B-B14F-4D97-AF65-F5344CB8AC3E}">
+        <p14:creationId xmlns:p14="http://schemas.microsoft.com/office/powerpoint/2010/main" val="3370773782"/>
+      </p:ext>
+    </p:extLst>
+  </p:cSld>
+  <p:clrMapOvr>
+    <a:masterClrMapping/>
+  </p:clrMapOvr>
+</p:notes>
+</file>
+
+<file path=ppt/notesSlides/notesSlide5.xml><?xml version="1.0" encoding="utf-8"?>
+<p:notes xmlns:a="http://schemas.openxmlformats.org/drawingml/2006/main" xmlns:r="http://schemas.openxmlformats.org/officeDocument/2006/relationships" xmlns:p="http://schemas.openxmlformats.org/presentationml/2006/main">
+  <p:cSld>
+    <p:spTree>
+      <p:nvGrpSpPr>
+        <p:cNvPr id="1" name=""/>
+        <p:cNvGrpSpPr/>
+        <p:nvPr/>
+      </p:nvGrpSpPr>
+      <p:grpSpPr>
+        <a:xfrm>
+          <a:off x="0" y="0"/>
+          <a:ext cx="0" cy="0"/>
+          <a:chOff x="0" y="0"/>
+          <a:chExt cx="0" cy="0"/>
+        </a:xfrm>
+      </p:grpSpPr>
+      <p:sp>
+        <p:nvSpPr>
+          <p:cNvPr id="2" name="Zástupný symbol pro obrázek snímku 1"/>
+          <p:cNvSpPr>
+            <a:spLocks noGrp="1" noRot="1" noChangeAspect="1"/>
+          </p:cNvSpPr>
+          <p:nvPr>
+            <p:ph type="sldImg"/>
+          </p:nvPr>
+        </p:nvSpPr>
+        <p:spPr/>
+      </p:sp>
+      <p:sp>
+        <p:nvSpPr>
+          <p:cNvPr id="3" name="Zástupný symbol pro poznámky 2"/>
+          <p:cNvSpPr>
+            <a:spLocks noGrp="1"/>
+          </p:cNvSpPr>
+          <p:nvPr>
+            <p:ph type="body" idx="1"/>
+          </p:nvPr>
+        </p:nvSpPr>
+        <p:spPr/>
+        <p:txBody>
+          <a:bodyPr/>
+          <a:lstStyle/>
+          <a:p>
+            <a:r>
+              <a:rPr lang="cs-CZ" dirty="0"/>
+              <a:t>Nyní si popíšeme </a:t>
+            </a:r>
+            <a:r>
+              <a:rPr lang="cs-CZ" dirty="0" err="1"/>
+              <a:t>jmenou</a:t>
+            </a:r>
+            <a:r>
+              <a:rPr lang="cs-CZ" dirty="0"/>
+              <a:t> konvenci systému.</a:t>
+            </a:r>
+          </a:p>
+          <a:p>
+            <a:endParaRPr lang="cs-CZ" dirty="0"/>
+          </a:p>
+          <a:p>
+            <a:r>
+              <a:rPr lang="cs-CZ" dirty="0"/>
+              <a:t>Na vrchu se nachází </a:t>
+            </a:r>
+            <a:r>
+              <a:rPr lang="cs-CZ" dirty="0" err="1"/>
+              <a:t>Namespace</a:t>
+            </a:r>
+            <a:r>
+              <a:rPr lang="cs-CZ" dirty="0"/>
+              <a:t> neboli jmenný prostor. Ten v sobě může obsahovat několik databází.  </a:t>
+            </a:r>
+            <a:r>
+              <a:rPr lang="cs-CZ" dirty="0" err="1"/>
+              <a:t>Namespacy</a:t>
+            </a:r>
+            <a:r>
+              <a:rPr lang="cs-CZ" dirty="0"/>
+              <a:t> jsou kompletně izolované. Lze je využít třeba na oddělení databází pro více zákazníků v cloudu.</a:t>
+            </a:r>
+          </a:p>
+          <a:p>
+            <a:endParaRPr lang="cs-CZ" dirty="0"/>
+          </a:p>
+          <a:p>
+            <a:r>
+              <a:rPr lang="cs-CZ" dirty="0"/>
+              <a:t>Databáze se jako v relačních systémech dělí na tabulky. Tabulky se ovšem chováním více blíží kolekcím dokumentových databází.</a:t>
+            </a:r>
+          </a:p>
+          <a:p>
+            <a:r>
+              <a:rPr lang="cs-CZ" dirty="0"/>
+              <a:t>Tabulky obsahují </a:t>
+            </a:r>
+            <a:r>
+              <a:rPr lang="cs-CZ" dirty="0" err="1"/>
+              <a:t>records</a:t>
+            </a:r>
+            <a:r>
+              <a:rPr lang="cs-CZ" dirty="0"/>
+              <a:t> neboli záznamy a ty se skládají z </a:t>
+            </a:r>
+            <a:r>
+              <a:rPr lang="cs-CZ" dirty="0" err="1"/>
+              <a:t>fields</a:t>
+            </a:r>
+            <a:r>
+              <a:rPr lang="cs-CZ" dirty="0"/>
+              <a:t> neboli polí.</a:t>
+            </a:r>
+          </a:p>
+        </p:txBody>
+      </p:sp>
+      <p:sp>
+        <p:nvSpPr>
+          <p:cNvPr id="4" name="Zástupný symbol pro číslo snímku 3"/>
+          <p:cNvSpPr>
+            <a:spLocks noGrp="1"/>
+          </p:cNvSpPr>
+          <p:nvPr>
+            <p:ph type="sldNum" sz="quarter" idx="5"/>
+          </p:nvPr>
+        </p:nvSpPr>
+        <p:spPr/>
+        <p:txBody>
+          <a:bodyPr/>
+          <a:lstStyle/>
+          <a:p>
+            <a:fld id="{5EF1F1BE-7711-4EE4-A336-814F34B6F30D}" type="slidenum">
+              <a:rPr lang="cs-CZ" smtClean="0"/>
+              <a:t>5</a:t>
+            </a:fld>
+            <a:endParaRPr lang="cs-CZ"/>
+          </a:p>
+        </p:txBody>
+      </p:sp>
+    </p:spTree>
+    <p:extLst>
+      <p:ext uri="{BB962C8B-B14F-4D97-AF65-F5344CB8AC3E}">
+        <p14:creationId xmlns:p14="http://schemas.microsoft.com/office/powerpoint/2010/main" val="3731186309"/>
+      </p:ext>
+    </p:extLst>
+  </p:cSld>
+  <p:clrMapOvr>
+    <a:masterClrMapping/>
+  </p:clrMapOvr>
+</p:notes>
+</file>
+
+<file path=ppt/notesSlides/notesSlide6.xml><?xml version="1.0" encoding="utf-8"?>
+<p:notes xmlns:a="http://schemas.openxmlformats.org/drawingml/2006/main" xmlns:r="http://schemas.openxmlformats.org/officeDocument/2006/relationships" xmlns:p="http://schemas.openxmlformats.org/presentationml/2006/main">
+  <p:cSld>
+    <p:spTree>
+      <p:nvGrpSpPr>
+        <p:cNvPr id="1" name=""/>
+        <p:cNvGrpSpPr/>
+        <p:nvPr/>
+      </p:nvGrpSpPr>
+      <p:grpSpPr>
+        <a:xfrm>
+          <a:off x="0" y="0"/>
+          <a:ext cx="0" cy="0"/>
+          <a:chOff x="0" y="0"/>
+          <a:chExt cx="0" cy="0"/>
+        </a:xfrm>
+      </p:grpSpPr>
+      <p:sp>
+        <p:nvSpPr>
+          <p:cNvPr id="2" name="Zástupný symbol pro obrázek snímku 1"/>
+          <p:cNvSpPr>
+            <a:spLocks noGrp="1" noRot="1" noChangeAspect="1"/>
+          </p:cNvSpPr>
+          <p:nvPr>
+            <p:ph type="sldImg"/>
+          </p:nvPr>
+        </p:nvSpPr>
+        <p:spPr/>
+      </p:sp>
+      <p:sp>
+        <p:nvSpPr>
+          <p:cNvPr id="3" name="Zástupný symbol pro poznámky 2"/>
+          <p:cNvSpPr>
+            <a:spLocks noGrp="1"/>
+          </p:cNvSpPr>
+          <p:nvPr>
+            <p:ph type="body" idx="1"/>
+          </p:nvPr>
+        </p:nvSpPr>
+        <p:spPr/>
+        <p:txBody>
+          <a:bodyPr/>
+          <a:lstStyle/>
+          <a:p>
+            <a:r>
+              <a:rPr lang="cs-CZ" dirty="0"/>
+              <a:t>Databázový systém je vyvinut v jazyce </a:t>
+            </a:r>
+            <a:r>
+              <a:rPr lang="cs-CZ" dirty="0" err="1"/>
+              <a:t>Rust</a:t>
+            </a:r>
+            <a:r>
+              <a:rPr lang="cs-CZ" dirty="0"/>
+              <a:t>.</a:t>
+            </a:r>
+          </a:p>
+          <a:p>
+            <a:r>
+              <a:rPr lang="cs-CZ" dirty="0"/>
+              <a:t>Skládá se ze dvou vrstev, které lze nezávisle škálovat. </a:t>
+            </a:r>
+          </a:p>
+          <a:p>
+            <a:r>
+              <a:rPr lang="cs-CZ" dirty="0"/>
+              <a:t>Obě vrstvy si zjednodušeně popíšeme.</a:t>
+            </a:r>
+          </a:p>
+          <a:p>
+            <a:endParaRPr lang="cs-CZ" dirty="0"/>
+          </a:p>
+          <a:p>
+            <a:r>
+              <a:rPr lang="cs-CZ" dirty="0"/>
+              <a:t>První je vrstva dotazovací. Ta má za úkol dotaz zanalyzovat, rozdělit na jednotlivé vykonávané části a připravit transakci. Následně určí jaká data budou vyžádána ze </a:t>
+            </a:r>
+            <a:r>
+              <a:rPr lang="cs-CZ" dirty="0" err="1"/>
+              <a:t>storage</a:t>
+            </a:r>
+            <a:r>
+              <a:rPr lang="cs-CZ" dirty="0"/>
+              <a:t> </a:t>
+            </a:r>
+            <a:r>
+              <a:rPr lang="cs-CZ" dirty="0" err="1"/>
+              <a:t>layer</a:t>
+            </a:r>
+            <a:r>
+              <a:rPr lang="cs-CZ" dirty="0"/>
+              <a:t> a každý dokument projde procesorem, který vyřeší práva.</a:t>
+            </a:r>
+          </a:p>
+          <a:p>
+            <a:endParaRPr lang="cs-CZ" dirty="0"/>
+          </a:p>
+          <a:p>
+            <a:r>
+              <a:rPr lang="cs-CZ" dirty="0"/>
+              <a:t>Druhá vrstva řeší ukládání dat. Podporováno je několik </a:t>
+            </a:r>
+            <a:r>
+              <a:rPr lang="cs-CZ" dirty="0" err="1"/>
+              <a:t>enginů</a:t>
+            </a:r>
+            <a:r>
+              <a:rPr lang="cs-CZ" dirty="0"/>
+              <a:t>, například </a:t>
+            </a:r>
+            <a:r>
+              <a:rPr lang="cs-CZ" dirty="0" err="1"/>
+              <a:t>RocksDB</a:t>
+            </a:r>
+            <a:r>
+              <a:rPr lang="cs-CZ" dirty="0"/>
+              <a:t> nebo </a:t>
+            </a:r>
+            <a:r>
+              <a:rPr lang="cs-CZ" dirty="0" err="1"/>
+              <a:t>IndexedDB</a:t>
+            </a:r>
+            <a:r>
+              <a:rPr lang="cs-CZ" dirty="0"/>
+              <a:t>, což je úložiště dat v prohlížečích.</a:t>
+            </a:r>
+          </a:p>
+        </p:txBody>
+      </p:sp>
+      <p:sp>
+        <p:nvSpPr>
+          <p:cNvPr id="4" name="Zástupný symbol pro číslo snímku 3"/>
+          <p:cNvSpPr>
+            <a:spLocks noGrp="1"/>
+          </p:cNvSpPr>
+          <p:nvPr>
+            <p:ph type="sldNum" sz="quarter" idx="5"/>
+          </p:nvPr>
+        </p:nvSpPr>
+        <p:spPr/>
+        <p:txBody>
+          <a:bodyPr/>
+          <a:lstStyle/>
+          <a:p>
+            <a:fld id="{5EF1F1BE-7711-4EE4-A336-814F34B6F30D}" type="slidenum">
+              <a:rPr lang="cs-CZ" smtClean="0"/>
+              <a:t>6</a:t>
+            </a:fld>
+            <a:endParaRPr lang="cs-CZ"/>
+          </a:p>
+        </p:txBody>
+      </p:sp>
+    </p:spTree>
+    <p:extLst>
+      <p:ext uri="{BB962C8B-B14F-4D97-AF65-F5344CB8AC3E}">
+        <p14:creationId xmlns:p14="http://schemas.microsoft.com/office/powerpoint/2010/main" val="1919684591"/>
+      </p:ext>
+    </p:extLst>
+  </p:cSld>
+  <p:clrMapOvr>
+    <a:masterClrMapping/>
+  </p:clrMapOvr>
+</p:notes>
+</file>
+
+<file path=ppt/notesSlides/notesSlide7.xml><?xml version="1.0" encoding="utf-8"?>
+<p:notes xmlns:a="http://schemas.openxmlformats.org/drawingml/2006/main" xmlns:r="http://schemas.openxmlformats.org/officeDocument/2006/relationships" xmlns:p="http://schemas.openxmlformats.org/presentationml/2006/main">
+  <p:cSld>
+    <p:spTree>
+      <p:nvGrpSpPr>
+        <p:cNvPr id="1" name=""/>
+        <p:cNvGrpSpPr/>
+        <p:nvPr/>
+      </p:nvGrpSpPr>
+      <p:grpSpPr>
+        <a:xfrm>
+          <a:off x="0" y="0"/>
+          <a:ext cx="0" cy="0"/>
+          <a:chOff x="0" y="0"/>
+          <a:chExt cx="0" cy="0"/>
+        </a:xfrm>
+      </p:grpSpPr>
+      <p:sp>
+        <p:nvSpPr>
+          <p:cNvPr id="2" name="Zástupný symbol pro obrázek snímku 1"/>
+          <p:cNvSpPr>
+            <a:spLocks noGrp="1" noRot="1" noChangeAspect="1"/>
+          </p:cNvSpPr>
+          <p:nvPr>
+            <p:ph type="sldImg"/>
+          </p:nvPr>
+        </p:nvSpPr>
+        <p:spPr/>
+      </p:sp>
+      <p:sp>
+        <p:nvSpPr>
+          <p:cNvPr id="3" name="Zástupný symbol pro poznámky 2"/>
+          <p:cNvSpPr>
+            <a:spLocks noGrp="1"/>
+          </p:cNvSpPr>
+          <p:nvPr>
+            <p:ph type="body" idx="1"/>
+          </p:nvPr>
+        </p:nvSpPr>
+        <p:spPr/>
+        <p:txBody>
+          <a:bodyPr/>
+          <a:lstStyle/>
+          <a:p>
+            <a:endParaRPr lang="cs-CZ"/>
+          </a:p>
+        </p:txBody>
+      </p:sp>
+      <p:sp>
+        <p:nvSpPr>
+          <p:cNvPr id="4" name="Zástupný symbol pro číslo snímku 3"/>
+          <p:cNvSpPr>
+            <a:spLocks noGrp="1"/>
+          </p:cNvSpPr>
+          <p:nvPr>
+            <p:ph type="sldNum" sz="quarter" idx="5"/>
+          </p:nvPr>
+        </p:nvSpPr>
+        <p:spPr/>
+        <p:txBody>
+          <a:bodyPr/>
+          <a:lstStyle/>
+          <a:p>
+            <a:fld id="{5EF1F1BE-7711-4EE4-A336-814F34B6F30D}" type="slidenum">
+              <a:rPr lang="cs-CZ" smtClean="0"/>
               <a:t>7</a:t>
+            </a:fld>
+            <a:endParaRPr lang="cs-CZ"/>
+          </a:p>
+        </p:txBody>
+      </p:sp>
+    </p:spTree>
+    <p:extLst>
+      <p:ext uri="{BB962C8B-B14F-4D97-AF65-F5344CB8AC3E}">
+        <p14:creationId xmlns:p14="http://schemas.microsoft.com/office/powerpoint/2010/main" val="618626218"/>
+      </p:ext>
+    </p:extLst>
+  </p:cSld>
+  <p:clrMapOvr>
+    <a:masterClrMapping/>
+  </p:clrMapOvr>
+</p:notes>
+</file>
+
+<file path=ppt/notesSlides/notesSlide8.xml><?xml version="1.0" encoding="utf-8"?>
+<p:notes xmlns:a="http://schemas.openxmlformats.org/drawingml/2006/main" xmlns:r="http://schemas.openxmlformats.org/officeDocument/2006/relationships" xmlns:p="http://schemas.openxmlformats.org/presentationml/2006/main">
+  <p:cSld>
+    <p:spTree>
+      <p:nvGrpSpPr>
+        <p:cNvPr id="1" name=""/>
+        <p:cNvGrpSpPr/>
+        <p:nvPr/>
+      </p:nvGrpSpPr>
+      <p:grpSpPr>
+        <a:xfrm>
+          <a:off x="0" y="0"/>
+          <a:ext cx="0" cy="0"/>
+          <a:chOff x="0" y="0"/>
+          <a:chExt cx="0" cy="0"/>
+        </a:xfrm>
+      </p:grpSpPr>
+      <p:sp>
+        <p:nvSpPr>
+          <p:cNvPr id="2" name="Zástupný symbol pro obrázek snímku 1"/>
+          <p:cNvSpPr>
+            <a:spLocks noGrp="1" noRot="1" noChangeAspect="1"/>
+          </p:cNvSpPr>
+          <p:nvPr>
+            <p:ph type="sldImg"/>
+          </p:nvPr>
+        </p:nvSpPr>
+        <p:spPr/>
+      </p:sp>
+      <p:sp>
+        <p:nvSpPr>
+          <p:cNvPr id="3" name="Zástupný symbol pro poznámky 2"/>
+          <p:cNvSpPr>
+            <a:spLocks noGrp="1"/>
+          </p:cNvSpPr>
+          <p:nvPr>
+            <p:ph type="body" idx="1"/>
+          </p:nvPr>
+        </p:nvSpPr>
+        <p:spPr/>
+        <p:txBody>
+          <a:bodyPr/>
+          <a:lstStyle/>
+          <a:p>
+            <a:endParaRPr lang="cs-CZ"/>
+          </a:p>
+        </p:txBody>
+      </p:sp>
+      <p:sp>
+        <p:nvSpPr>
+          <p:cNvPr id="4" name="Zástupný symbol pro číslo snímku 3"/>
+          <p:cNvSpPr>
+            <a:spLocks noGrp="1"/>
+          </p:cNvSpPr>
+          <p:nvPr>
+            <p:ph type="sldNum" sz="quarter" idx="5"/>
+          </p:nvPr>
+        </p:nvSpPr>
+        <p:spPr/>
+        <p:txBody>
+          <a:bodyPr/>
+          <a:lstStyle/>
+          <a:p>
+            <a:fld id="{5EF1F1BE-7711-4EE4-A336-814F34B6F30D}" type="slidenum">
+              <a:rPr lang="cs-CZ" smtClean="0"/>
+              <a:t>8</a:t>
+            </a:fld>
+            <a:endParaRPr lang="cs-CZ"/>
+          </a:p>
+        </p:txBody>
+      </p:sp>
+    </p:spTree>
+    <p:extLst>
+      <p:ext uri="{BB962C8B-B14F-4D97-AF65-F5344CB8AC3E}">
+        <p14:creationId xmlns:p14="http://schemas.microsoft.com/office/powerpoint/2010/main" val="3381456553"/>
+      </p:ext>
+    </p:extLst>
+  </p:cSld>
+  <p:clrMapOvr>
+    <a:masterClrMapping/>
+  </p:clrMapOvr>
+</p:notes>
+</file>
+
+<file path=ppt/notesSlides/notesSlide9.xml><?xml version="1.0" encoding="utf-8"?>
+<p:notes xmlns:a="http://schemas.openxmlformats.org/drawingml/2006/main" xmlns:r="http://schemas.openxmlformats.org/officeDocument/2006/relationships" xmlns:p="http://schemas.openxmlformats.org/presentationml/2006/main">
+  <p:cSld>
+    <p:spTree>
+      <p:nvGrpSpPr>
+        <p:cNvPr id="1" name=""/>
+        <p:cNvGrpSpPr/>
+        <p:nvPr/>
+      </p:nvGrpSpPr>
+      <p:grpSpPr>
+        <a:xfrm>
+          <a:off x="0" y="0"/>
+          <a:ext cx="0" cy="0"/>
+          <a:chOff x="0" y="0"/>
+          <a:chExt cx="0" cy="0"/>
+        </a:xfrm>
+      </p:grpSpPr>
+      <p:sp>
+        <p:nvSpPr>
+          <p:cNvPr id="2" name="Zástupný symbol pro obrázek snímku 1"/>
+          <p:cNvSpPr>
+            <a:spLocks noGrp="1" noRot="1" noChangeAspect="1"/>
+          </p:cNvSpPr>
+          <p:nvPr>
+            <p:ph type="sldImg"/>
+          </p:nvPr>
+        </p:nvSpPr>
+        <p:spPr/>
+      </p:sp>
+      <p:sp>
+        <p:nvSpPr>
+          <p:cNvPr id="3" name="Zástupný symbol pro poznámky 2"/>
+          <p:cNvSpPr>
+            <a:spLocks noGrp="1"/>
+          </p:cNvSpPr>
+          <p:nvPr>
+            <p:ph type="body" idx="1"/>
+          </p:nvPr>
+        </p:nvSpPr>
+        <p:spPr/>
+        <p:txBody>
+          <a:bodyPr/>
+          <a:lstStyle/>
+          <a:p>
+            <a:endParaRPr lang="cs-CZ"/>
+          </a:p>
+        </p:txBody>
+      </p:sp>
+      <p:sp>
+        <p:nvSpPr>
+          <p:cNvPr id="4" name="Zástupný symbol pro číslo snímku 3"/>
+          <p:cNvSpPr>
+            <a:spLocks noGrp="1"/>
+          </p:cNvSpPr>
+          <p:nvPr>
+            <p:ph type="sldNum" sz="quarter" idx="5"/>
+          </p:nvPr>
+        </p:nvSpPr>
+        <p:spPr/>
+        <p:txBody>
+          <a:bodyPr/>
+          <a:lstStyle/>
+          <a:p>
+            <a:fld id="{5EF1F1BE-7711-4EE4-A336-814F34B6F30D}" type="slidenum">
+              <a:rPr lang="cs-CZ" smtClean="0"/>
+              <a:t>9</a:t>
             </a:fld>
             <a:endParaRPr lang="cs-CZ"/>
           </a:p>
@@ -14389,6 +15461,452 @@
 </p:sld>
 </file>
 
+<file path=ppt/slides/slide10.xml><?xml version="1.0" encoding="utf-8"?>
+<p:sld xmlns:a="http://schemas.openxmlformats.org/drawingml/2006/main" xmlns:r="http://schemas.openxmlformats.org/officeDocument/2006/relationships" xmlns:p="http://schemas.openxmlformats.org/presentationml/2006/main">
+  <p:cSld>
+    <p:spTree>
+      <p:nvGrpSpPr>
+        <p:cNvPr id="1" name=""/>
+        <p:cNvGrpSpPr/>
+        <p:nvPr/>
+      </p:nvGrpSpPr>
+      <p:grpSpPr>
+        <a:xfrm>
+          <a:off x="0" y="0"/>
+          <a:ext cx="0" cy="0"/>
+          <a:chOff x="0" y="0"/>
+          <a:chExt cx="0" cy="0"/>
+        </a:xfrm>
+      </p:grpSpPr>
+      <p:sp>
+        <p:nvSpPr>
+          <p:cNvPr id="2" name="Nadpis 1">
+            <a:extLst>
+              <a:ext uri="{FF2B5EF4-FFF2-40B4-BE49-F238E27FC236}">
+                <a16:creationId xmlns:a16="http://schemas.microsoft.com/office/drawing/2014/main" id="{CF757B71-E363-B644-23EC-7D311F5363D7}"/>
+              </a:ext>
+            </a:extLst>
+          </p:cNvPr>
+          <p:cNvSpPr>
+            <a:spLocks noGrp="1"/>
+          </p:cNvSpPr>
+          <p:nvPr>
+            <p:ph type="title"/>
+          </p:nvPr>
+        </p:nvSpPr>
+        <p:spPr/>
+        <p:txBody>
+          <a:bodyPr/>
+          <a:lstStyle/>
+          <a:p>
+            <a:r>
+              <a:rPr lang="cs-CZ" dirty="0"/>
+              <a:t>Testovací data</a:t>
+            </a:r>
+          </a:p>
+        </p:txBody>
+      </p:sp>
+      <p:sp>
+        <p:nvSpPr>
+          <p:cNvPr id="3" name="Zástupný obsah 2">
+            <a:extLst>
+              <a:ext uri="{FF2B5EF4-FFF2-40B4-BE49-F238E27FC236}">
+                <a16:creationId xmlns:a16="http://schemas.microsoft.com/office/drawing/2014/main" id="{17604B73-CD4B-9726-8F8E-E6129E678A28}"/>
+              </a:ext>
+            </a:extLst>
+          </p:cNvPr>
+          <p:cNvSpPr>
+            <a:spLocks noGrp="1"/>
+          </p:cNvSpPr>
+          <p:nvPr>
+            <p:ph idx="1"/>
+          </p:nvPr>
+        </p:nvSpPr>
+        <p:spPr/>
+        <p:txBody>
+          <a:bodyPr/>
+          <a:lstStyle/>
+          <a:p>
+            <a:r>
+              <a:rPr lang="cs-CZ" dirty="0" err="1"/>
+              <a:t>ChatGPT</a:t>
+            </a:r>
+            <a:r>
+              <a:rPr lang="cs-CZ" dirty="0"/>
+              <a:t> </a:t>
+            </a:r>
+          </a:p>
+          <a:p>
+            <a:r>
+              <a:rPr lang="cs-CZ" dirty="0"/>
+              <a:t>Python</a:t>
+            </a:r>
+          </a:p>
+          <a:p>
+            <a:endParaRPr lang="cs-CZ" dirty="0"/>
+          </a:p>
+          <a:p>
+            <a:r>
+              <a:rPr lang="cs-CZ" dirty="0"/>
+              <a:t>1000 uživatelů</a:t>
+            </a:r>
+          </a:p>
+          <a:p>
+            <a:r>
+              <a:rPr lang="cs-CZ" dirty="0"/>
+              <a:t>50 restaurací ve 20 městech</a:t>
+            </a:r>
+          </a:p>
+          <a:p>
+            <a:r>
+              <a:rPr lang="cs-CZ" dirty="0"/>
+              <a:t>50 druhů jídel </a:t>
+            </a:r>
+          </a:p>
+          <a:p>
+            <a:r>
+              <a:rPr lang="cs-CZ" dirty="0"/>
+              <a:t>10000 hodnocení</a:t>
+            </a:r>
+          </a:p>
+        </p:txBody>
+      </p:sp>
+      <p:pic>
+        <p:nvPicPr>
+          <p:cNvPr id="1028" name="Picture 4">
+            <a:extLst>
+              <a:ext uri="{FF2B5EF4-FFF2-40B4-BE49-F238E27FC236}">
+                <a16:creationId xmlns:a16="http://schemas.microsoft.com/office/drawing/2014/main" id="{C4D7C3B4-561A-1412-02F5-4141DEF908F7}"/>
+              </a:ext>
+            </a:extLst>
+          </p:cNvPr>
+          <p:cNvPicPr>
+            <a:picLocks noChangeAspect="1" noChangeArrowheads="1"/>
+          </p:cNvPicPr>
+          <p:nvPr/>
+        </p:nvPicPr>
+        <p:blipFill>
+          <a:blip r:embed="rId3">
+            <a:extLst>
+              <a:ext uri="{28A0092B-C50C-407E-A947-70E740481C1C}">
+                <a14:useLocalDpi xmlns:a14="http://schemas.microsoft.com/office/drawing/2010/main" val="0"/>
+              </a:ext>
+            </a:extLst>
+          </a:blip>
+          <a:srcRect/>
+          <a:stretch>
+            <a:fillRect/>
+          </a:stretch>
+        </p:blipFill>
+        <p:spPr bwMode="auto">
+          <a:xfrm>
+            <a:off x="2819400" y="2603500"/>
+            <a:ext cx="340360" cy="340360"/>
+          </a:xfrm>
+          <a:prstGeom prst="rect">
+            <a:avLst/>
+          </a:prstGeom>
+          <a:noFill/>
+          <a:extLst>
+            <a:ext uri="{909E8E84-426E-40DD-AFC4-6F175D3DCCD1}">
+              <a14:hiddenFill xmlns:a14="http://schemas.microsoft.com/office/drawing/2010/main">
+                <a:solidFill>
+                  <a:srgbClr val="FFFFFF"/>
+                </a:solidFill>
+              </a14:hiddenFill>
+            </a:ext>
+          </a:extLst>
+        </p:spPr>
+      </p:pic>
+      <p:pic>
+        <p:nvPicPr>
+          <p:cNvPr id="1030" name="Picture 6">
+            <a:extLst>
+              <a:ext uri="{FF2B5EF4-FFF2-40B4-BE49-F238E27FC236}">
+                <a16:creationId xmlns:a16="http://schemas.microsoft.com/office/drawing/2014/main" id="{CE1BE687-278B-FAE9-3F3C-199CB2E01AB0}"/>
+              </a:ext>
+            </a:extLst>
+          </p:cNvPr>
+          <p:cNvPicPr>
+            <a:picLocks noChangeAspect="1" noChangeArrowheads="1"/>
+          </p:cNvPicPr>
+          <p:nvPr/>
+        </p:nvPicPr>
+        <p:blipFill>
+          <a:blip r:embed="rId4">
+            <a:extLst>
+              <a:ext uri="{28A0092B-C50C-407E-A947-70E740481C1C}">
+                <a14:useLocalDpi xmlns:a14="http://schemas.microsoft.com/office/drawing/2010/main" val="0"/>
+              </a:ext>
+            </a:extLst>
+          </a:blip>
+          <a:srcRect/>
+          <a:stretch>
+            <a:fillRect/>
+          </a:stretch>
+        </p:blipFill>
+        <p:spPr bwMode="auto">
+          <a:xfrm>
+            <a:off x="2819400" y="3064740"/>
+            <a:ext cx="340360" cy="372997"/>
+          </a:xfrm>
+          <a:prstGeom prst="rect">
+            <a:avLst/>
+          </a:prstGeom>
+          <a:noFill/>
+          <a:extLst>
+            <a:ext uri="{909E8E84-426E-40DD-AFC4-6F175D3DCCD1}">
+              <a14:hiddenFill xmlns:a14="http://schemas.microsoft.com/office/drawing/2010/main">
+                <a:solidFill>
+                  <a:srgbClr val="FFFFFF"/>
+                </a:solidFill>
+              </a14:hiddenFill>
+            </a:ext>
+          </a:extLst>
+        </p:spPr>
+      </p:pic>
+      <p:pic>
+        <p:nvPicPr>
+          <p:cNvPr id="7" name="Obrázek 6" descr="Obsah obrázku text&#10;&#10;Popis byl vytvořen automaticky">
+            <a:extLst>
+              <a:ext uri="{FF2B5EF4-FFF2-40B4-BE49-F238E27FC236}">
+                <a16:creationId xmlns:a16="http://schemas.microsoft.com/office/drawing/2014/main" id="{2AA5E339-0C0E-6EA8-FDB4-0C8C1A67F198}"/>
+              </a:ext>
+            </a:extLst>
+          </p:cNvPr>
+          <p:cNvPicPr>
+            <a:picLocks noChangeAspect="1"/>
+          </p:cNvPicPr>
+          <p:nvPr/>
+        </p:nvPicPr>
+        <p:blipFill>
+          <a:blip r:embed="rId5">
+            <a:extLst>
+              <a:ext uri="{BEBA8EAE-BF5A-486C-A8C5-ECC9F3942E4B}">
+                <a14:imgProps xmlns:a14="http://schemas.microsoft.com/office/drawing/2010/main">
+                  <a14:imgLayer r:embed="rId6">
+                    <a14:imgEffect>
+                      <a14:backgroundRemoval t="9954" b="90741" l="8934" r="93919">
+                        <a14:foregroundMark x1="8108" y1="14931" x2="44670" y2="51968"/>
+                        <a14:foregroundMark x1="44670" y1="51968" x2="32357" y2="69560"/>
+                        <a14:foregroundMark x1="32357" y1="69560" x2="44444" y2="81366"/>
+                        <a14:foregroundMark x1="44444" y1="81366" x2="73123" y2="78356"/>
+                        <a14:foregroundMark x1="73123" y1="78356" x2="82808" y2="67824"/>
+                        <a14:foregroundMark x1="82808" y1="67824" x2="80330" y2="26968"/>
+                        <a14:foregroundMark x1="80330" y1="26968" x2="13363" y2="16204"/>
+                        <a14:foregroundMark x1="13363" y1="16204" x2="9084" y2="77894"/>
+                        <a14:foregroundMark x1="9084" y1="77894" x2="24775" y2="79514"/>
+                        <a14:foregroundMark x1="24775" y1="79514" x2="17568" y2="64583"/>
+                        <a14:foregroundMark x1="17568" y1="64583" x2="28829" y2="75231"/>
+                        <a14:foregroundMark x1="90015" y1="73495" x2="90015" y2="73495"/>
+                        <a14:foregroundMark x1="90691" y1="69213" x2="63063" y2="79630"/>
+                        <a14:foregroundMark x1="63063" y1="79630" x2="44895" y2="59722"/>
+                        <a14:foregroundMark x1="44895" y1="59722" x2="58634" y2="39815"/>
+                        <a14:foregroundMark x1="58634" y1="39815" x2="45871" y2="30440"/>
+                        <a14:foregroundMark x1="45871" y1="30440" x2="25000" y2="39352"/>
+                        <a14:foregroundMark x1="25000" y1="39352" x2="19520" y2="55556"/>
+                        <a14:foregroundMark x1="88138" y1="18171" x2="92868" y2="42940"/>
+                        <a14:foregroundMark x1="92868" y1="42940" x2="91742" y2="78009"/>
+                        <a14:foregroundMark x1="91742" y1="78009" x2="77628" y2="82060"/>
+                        <a14:foregroundMark x1="77628" y1="82060" x2="38063" y2="78588"/>
+                        <a14:foregroundMark x1="38063" y1="78588" x2="21772" y2="83565"/>
+                        <a14:foregroundMark x1="21772" y1="83565" x2="10511" y2="77662"/>
+                        <a14:foregroundMark x1="10511" y1="77662" x2="8634" y2="40741"/>
+                        <a14:foregroundMark x1="8634" y1="40741" x2="9835" y2="22454"/>
+                        <a14:foregroundMark x1="9835" y1="22454" x2="43769" y2="17477"/>
+                        <a14:foregroundMark x1="43769" y1="17477" x2="76502" y2="20139"/>
+                        <a14:foregroundMark x1="76502" y1="20139" x2="52703" y2="29167"/>
+                        <a14:foregroundMark x1="52703" y1="29167" x2="34685" y2="51852"/>
+                        <a14:foregroundMark x1="34685" y1="51852" x2="25375" y2="40278"/>
+                        <a14:foregroundMark x1="25375" y1="40278" x2="19670" y2="25694"/>
+                        <a14:foregroundMark x1="19670" y1="25694" x2="32132" y2="27662"/>
+                        <a14:foregroundMark x1="32132" y1="27662" x2="62613" y2="48727"/>
+                        <a14:foregroundMark x1="62613" y1="48727" x2="81456" y2="37847"/>
+                        <a14:foregroundMark x1="81456" y1="37847" x2="87087" y2="17361"/>
+                        <a14:foregroundMark x1="87087" y1="17361" x2="92492" y2="32176"/>
+                        <a14:foregroundMark x1="92492" y1="32176" x2="91892" y2="50694"/>
+                        <a14:foregroundMark x1="91892" y1="50694" x2="83333" y2="68056"/>
+                        <a14:foregroundMark x1="83333" y1="68056" x2="29505" y2="70023"/>
+                        <a14:foregroundMark x1="29505" y1="70023" x2="24099" y2="53125"/>
+                        <a14:foregroundMark x1="24099" y1="53125" x2="23423" y2="35185"/>
+                        <a14:foregroundMark x1="23423" y1="35185" x2="33934" y2="30324"/>
+                        <a14:foregroundMark x1="33934" y1="30324" x2="60285" y2="39236"/>
+                        <a14:foregroundMark x1="60285" y1="39236" x2="50676" y2="63426"/>
+                        <a14:foregroundMark x1="50676" y1="63426" x2="66291" y2="65509"/>
+                        <a14:foregroundMark x1="66291" y1="65509" x2="75150" y2="51736"/>
+                        <a14:foregroundMark x1="75150" y1="51736" x2="76426" y2="33912"/>
+                        <a14:foregroundMark x1="76426" y1="33912" x2="56081" y2="19792"/>
+                        <a14:foregroundMark x1="56081" y1="19792" x2="25676" y2="32986"/>
+                        <a14:foregroundMark x1="25676" y1="32986" x2="18468" y2="51042"/>
+                        <a14:foregroundMark x1="18468" y1="51042" x2="20946" y2="77662"/>
+                        <a14:foregroundMark x1="20946" y1="77662" x2="39640" y2="87616"/>
+                        <a14:foregroundMark x1="39640" y1="87616" x2="54655" y2="82060"/>
+                        <a14:foregroundMark x1="54655" y1="82060" x2="54655" y2="81829"/>
+                        <a14:foregroundMark x1="84910" y1="79861" x2="93919" y2="88657"/>
+                        <a14:foregroundMark x1="93919" y1="88657" x2="92793" y2="89005"/>
+                        <a14:foregroundMark x1="89640" y1="79861" x2="90691" y2="89352"/>
+                        <a14:foregroundMark x1="93468" y1="80093" x2="87763" y2="90741"/>
+                        <a14:foregroundMark x1="83258" y1="84722" x2="93468" y2="87731"/>
+                        <a14:foregroundMark x1="93468" y1="87731" x2="90841" y2="89005"/>
+                        <a14:foregroundMark x1="88664" y1="89699" x2="93919" y2="89931"/>
+                        <a14:foregroundMark x1="92793" y1="81019" x2="93694" y2="83218"/>
+                        <a14:foregroundMark x1="93318" y1="78356" x2="93468" y2="86111"/>
+                        <a14:backgroundMark x1="5330" y1="10069" x2="2553" y2="84259"/>
+                        <a14:backgroundMark x1="2553" y1="84259" x2="9159" y2="95486"/>
+                        <a14:backgroundMark x1="9159" y1="95486" x2="23874" y2="97222"/>
+                        <a14:backgroundMark x1="23874" y1="97222" x2="41817" y2="96875"/>
+                        <a14:backgroundMark x1="41817" y1="96875" x2="59910" y2="97222"/>
+                        <a14:backgroundMark x1="59910" y1="97222" x2="89865" y2="95023"/>
+                        <a14:backgroundMark x1="94541" y1="78300" x2="97147" y2="68981"/>
+                        <a14:backgroundMark x1="89865" y1="95023" x2="90740" y2="91893"/>
+                        <a14:backgroundMark x1="97147" y1="68981" x2="96997" y2="2431"/>
+                        <a14:backgroundMark x1="96997" y1="2431" x2="4580" y2="4977"/>
+                        <a14:backgroundMark x1="4580" y1="4977" x2="450" y2="8681"/>
+                      </a14:backgroundRemoval>
+                    </a14:imgEffect>
+                  </a14:imgLayer>
+                </a14:imgProps>
+              </a:ext>
+            </a:extLst>
+          </a:blip>
+          <a:stretch>
+            <a:fillRect/>
+          </a:stretch>
+        </p:blipFill>
+        <p:spPr>
+          <a:xfrm>
+            <a:off x="5182773" y="2142066"/>
+            <a:ext cx="6689551" cy="4339168"/>
+          </a:xfrm>
+          <a:prstGeom prst="rect">
+            <a:avLst/>
+          </a:prstGeom>
+        </p:spPr>
+      </p:pic>
+    </p:spTree>
+    <p:extLst>
+      <p:ext uri="{BB962C8B-B14F-4D97-AF65-F5344CB8AC3E}">
+        <p14:creationId xmlns:p14="http://schemas.microsoft.com/office/powerpoint/2010/main" val="1276846647"/>
+      </p:ext>
+    </p:extLst>
+  </p:cSld>
+  <p:clrMapOvr>
+    <a:masterClrMapping/>
+  </p:clrMapOvr>
+  <mc:AlternateContent xmlns:mc="http://schemas.openxmlformats.org/markup-compatibility/2006">
+    <mc:Choice xmlns:p159="http://schemas.microsoft.com/office/powerpoint/2015/09/main" Requires="p159">
+      <p:transition spd="slow">
+        <p159:morph option="byObject"/>
+      </p:transition>
+    </mc:Choice>
+    <mc:Fallback>
+      <p:transition spd="slow">
+        <p:fade/>
+      </p:transition>
+    </mc:Fallback>
+  </mc:AlternateContent>
+</p:sld>
+</file>
+
+<file path=ppt/slides/slide11.xml><?xml version="1.0" encoding="utf-8"?>
+<p:sld xmlns:a="http://schemas.openxmlformats.org/drawingml/2006/main" xmlns:r="http://schemas.openxmlformats.org/officeDocument/2006/relationships" xmlns:p="http://schemas.openxmlformats.org/presentationml/2006/main">
+  <p:cSld>
+    <p:spTree>
+      <p:nvGrpSpPr>
+        <p:cNvPr id="1" name=""/>
+        <p:cNvGrpSpPr/>
+        <p:nvPr/>
+      </p:nvGrpSpPr>
+      <p:grpSpPr>
+        <a:xfrm>
+          <a:off x="0" y="0"/>
+          <a:ext cx="0" cy="0"/>
+          <a:chOff x="0" y="0"/>
+          <a:chExt cx="0" cy="0"/>
+        </a:xfrm>
+      </p:grpSpPr>
+      <p:sp>
+        <p:nvSpPr>
+          <p:cNvPr id="4" name="Nadpis 3">
+            <a:extLst>
+              <a:ext uri="{FF2B5EF4-FFF2-40B4-BE49-F238E27FC236}">
+                <a16:creationId xmlns:a16="http://schemas.microsoft.com/office/drawing/2014/main" id="{8CC5A844-41F3-3FFC-D764-5F3CD00B881A}"/>
+              </a:ext>
+            </a:extLst>
+          </p:cNvPr>
+          <p:cNvSpPr>
+            <a:spLocks noGrp="1"/>
+          </p:cNvSpPr>
+          <p:nvPr>
+            <p:ph type="title"/>
+          </p:nvPr>
+        </p:nvSpPr>
+        <p:spPr/>
+        <p:txBody>
+          <a:bodyPr/>
+          <a:lstStyle/>
+          <a:p>
+            <a:r>
+              <a:rPr lang="cs-CZ" dirty="0"/>
+              <a:t>Definice schématu</a:t>
+            </a:r>
+          </a:p>
+        </p:txBody>
+      </p:sp>
+      <p:pic>
+        <p:nvPicPr>
+          <p:cNvPr id="7" name="Obrázek 6" descr="Obsah obrázku text&#10;&#10;Popis byl vytvořen automaticky">
+            <a:extLst>
+              <a:ext uri="{FF2B5EF4-FFF2-40B4-BE49-F238E27FC236}">
+                <a16:creationId xmlns:a16="http://schemas.microsoft.com/office/drawing/2014/main" id="{4EDA9A50-0467-2B90-02B4-80931A764CFE}"/>
+              </a:ext>
+            </a:extLst>
+          </p:cNvPr>
+          <p:cNvPicPr>
+            <a:picLocks noChangeAspect="1"/>
+          </p:cNvPicPr>
+          <p:nvPr/>
+        </p:nvPicPr>
+        <p:blipFill rotWithShape="1">
+          <a:blip r:embed="rId3"/>
+          <a:srcRect l="3749" t="10227" r="3685" b="9039"/>
+          <a:stretch/>
+        </p:blipFill>
+        <p:spPr>
+          <a:xfrm>
+            <a:off x="453189" y="2695074"/>
+            <a:ext cx="11285621" cy="3501189"/>
+          </a:xfrm>
+          <a:prstGeom prst="rect">
+            <a:avLst/>
+          </a:prstGeom>
+        </p:spPr>
+      </p:pic>
+    </p:spTree>
+    <p:extLst>
+      <p:ext uri="{BB962C8B-B14F-4D97-AF65-F5344CB8AC3E}">
+        <p14:creationId xmlns:p14="http://schemas.microsoft.com/office/powerpoint/2010/main" val="2968953178"/>
+      </p:ext>
+    </p:extLst>
+  </p:cSld>
+  <p:clrMapOvr>
+    <a:masterClrMapping/>
+  </p:clrMapOvr>
+  <mc:AlternateContent xmlns:mc="http://schemas.openxmlformats.org/markup-compatibility/2006">
+    <mc:Choice xmlns:p159="http://schemas.microsoft.com/office/powerpoint/2015/09/main" Requires="p159">
+      <p:transition spd="slow">
+        <p159:morph option="byObject"/>
+      </p:transition>
+    </mc:Choice>
+    <mc:Fallback>
+      <p:transition spd="slow">
+        <p:fade/>
+      </p:transition>
+    </mc:Fallback>
+  </mc:AlternateContent>
+</p:sld>
+</file>
+
 <file path=ppt/slides/slide2.xml><?xml version="1.0" encoding="utf-8"?>
 <p:sld xmlns:a="http://schemas.openxmlformats.org/drawingml/2006/main" xmlns:r="http://schemas.openxmlformats.org/officeDocument/2006/relationships" xmlns:p="http://schemas.openxmlformats.org/presentationml/2006/main">
   <p:cSld>
@@ -14436,10 +15954,10 @@
       </p:sp>
       <p:sp>
         <p:nvSpPr>
-          <p:cNvPr id="3" name="Zástupný obsah 2">
+          <p:cNvPr id="4" name="Zástupný text 3">
             <a:extLst>
               <a:ext uri="{FF2B5EF4-FFF2-40B4-BE49-F238E27FC236}">
-                <a16:creationId xmlns:a16="http://schemas.microsoft.com/office/drawing/2014/main" id="{8A52C33C-0D4E-183B-43EA-06B57A6D1147}"/>
+                <a16:creationId xmlns:a16="http://schemas.microsoft.com/office/drawing/2014/main" id="{F563F2F6-3EDC-A867-92D1-9EB78A8E2D69}"/>
               </a:ext>
             </a:extLst>
           </p:cNvPr>
@@ -14447,15 +15965,398 @@
             <a:spLocks noGrp="1"/>
           </p:cNvSpPr>
           <p:nvPr>
-            <p:ph idx="1"/>
+            <p:ph type="body" idx="1"/>
           </p:nvPr>
         </p:nvSpPr>
-        <p:spPr/>
+        <p:spPr>
+          <a:xfrm>
+            <a:off x="1154954" y="2481582"/>
+            <a:ext cx="3141878" cy="576262"/>
+          </a:xfrm>
+        </p:spPr>
         <p:txBody>
           <a:bodyPr/>
           <a:lstStyle/>
           <a:p>
-            <a:endParaRPr lang="cs-CZ"/>
+            <a:r>
+              <a:rPr lang="cs-CZ" dirty="0"/>
+              <a:t>Data</a:t>
+            </a:r>
+          </a:p>
+        </p:txBody>
+      </p:sp>
+      <p:sp>
+        <p:nvSpPr>
+          <p:cNvPr id="7" name="Zástupný text 6">
+            <a:extLst>
+              <a:ext uri="{FF2B5EF4-FFF2-40B4-BE49-F238E27FC236}">
+                <a16:creationId xmlns:a16="http://schemas.microsoft.com/office/drawing/2014/main" id="{A81A3742-C28D-C32C-47C0-142107510773}"/>
+              </a:ext>
+            </a:extLst>
+          </p:cNvPr>
+          <p:cNvSpPr>
+            <a:spLocks noGrp="1"/>
+          </p:cNvSpPr>
+          <p:nvPr>
+            <p:ph type="body" sz="half" idx="15"/>
+          </p:nvPr>
+        </p:nvSpPr>
+        <p:spPr>
+          <a:xfrm>
+            <a:off x="1154953" y="3057844"/>
+            <a:ext cx="3148719" cy="2847293"/>
+          </a:xfrm>
+        </p:spPr>
+        <p:txBody>
+          <a:bodyPr>
+            <a:noAutofit/>
+          </a:bodyPr>
+          <a:lstStyle/>
+          <a:p>
+            <a:pPr marL="285750" indent="-285750">
+              <a:buFont typeface="Arial" panose="020B0604020202020204" pitchFamily="34" charset="0"/>
+              <a:buChar char="•"/>
+            </a:pPr>
+            <a:r>
+              <a:rPr lang="cs-CZ" sz="1800" dirty="0"/>
+              <a:t>dokumenty</a:t>
+            </a:r>
+          </a:p>
+          <a:p>
+            <a:pPr marL="285750" indent="-285750">
+              <a:buFont typeface="Arial" panose="020B0604020202020204" pitchFamily="34" charset="0"/>
+              <a:buChar char="•"/>
+            </a:pPr>
+            <a:r>
+              <a:rPr lang="cs-CZ" sz="1800" dirty="0"/>
+              <a:t>relace – grafy</a:t>
+            </a:r>
+          </a:p>
+          <a:p>
+            <a:pPr marL="285750" indent="-285750">
+              <a:buFont typeface="Arial" panose="020B0604020202020204" pitchFamily="34" charset="0"/>
+              <a:buChar char="•"/>
+            </a:pPr>
+            <a:r>
+              <a:rPr lang="cs-CZ" sz="1800" dirty="0"/>
+              <a:t>časová</a:t>
+            </a:r>
+          </a:p>
+          <a:p>
+            <a:pPr marL="285750" indent="-285750">
+              <a:buFont typeface="Arial" panose="020B0604020202020204" pitchFamily="34" charset="0"/>
+              <a:buChar char="•"/>
+            </a:pPr>
+            <a:r>
+              <a:rPr lang="cs-CZ" sz="1800" dirty="0"/>
+              <a:t>prostorová</a:t>
+            </a:r>
+          </a:p>
+          <a:p>
+            <a:pPr marL="285750" indent="-285750">
+              <a:buFont typeface="Arial" panose="020B0604020202020204" pitchFamily="34" charset="0"/>
+              <a:buChar char="•"/>
+            </a:pPr>
+            <a:endParaRPr lang="cs-CZ" sz="1800" dirty="0"/>
+          </a:p>
+          <a:p>
+            <a:pPr marL="285750" indent="-285750">
+              <a:buFont typeface="Arial" panose="020B0604020202020204" pitchFamily="34" charset="0"/>
+              <a:buChar char="•"/>
+            </a:pPr>
+            <a:r>
+              <a:rPr lang="cs-CZ" sz="1800" dirty="0"/>
+              <a:t>schemaless/</a:t>
+            </a:r>
+            <a:r>
+              <a:rPr lang="cs-CZ" sz="1800" dirty="0" err="1"/>
+              <a:t>schemafull</a:t>
+            </a:r>
+            <a:endParaRPr lang="cs-CZ" sz="1800" dirty="0"/>
+          </a:p>
+          <a:p>
+            <a:pPr marL="285750" indent="-285750">
+              <a:buFont typeface="Arial" panose="020B0604020202020204" pitchFamily="34" charset="0"/>
+              <a:buChar char="•"/>
+            </a:pPr>
+            <a:endParaRPr lang="cs-CZ" sz="1800" dirty="0"/>
+          </a:p>
+        </p:txBody>
+      </p:sp>
+      <p:sp>
+        <p:nvSpPr>
+          <p:cNvPr id="5" name="Zástupný text 4">
+            <a:extLst>
+              <a:ext uri="{FF2B5EF4-FFF2-40B4-BE49-F238E27FC236}">
+                <a16:creationId xmlns:a16="http://schemas.microsoft.com/office/drawing/2014/main" id="{1210AB52-347C-63FB-AF64-7A805BE4531C}"/>
+              </a:ext>
+            </a:extLst>
+          </p:cNvPr>
+          <p:cNvSpPr>
+            <a:spLocks noGrp="1"/>
+          </p:cNvSpPr>
+          <p:nvPr>
+            <p:ph type="body" sz="quarter" idx="3"/>
+          </p:nvPr>
+        </p:nvSpPr>
+        <p:spPr>
+          <a:xfrm>
+            <a:off x="4512721" y="2481580"/>
+            <a:ext cx="3147009" cy="576262"/>
+          </a:xfrm>
+        </p:spPr>
+        <p:txBody>
+          <a:bodyPr/>
+          <a:lstStyle/>
+          <a:p>
+            <a:r>
+              <a:rPr lang="cs-CZ" dirty="0"/>
+              <a:t>Vlastnosti</a:t>
+            </a:r>
+          </a:p>
+        </p:txBody>
+      </p:sp>
+      <p:sp>
+        <p:nvSpPr>
+          <p:cNvPr id="8" name="Zástupný text 7">
+            <a:extLst>
+              <a:ext uri="{FF2B5EF4-FFF2-40B4-BE49-F238E27FC236}">
+                <a16:creationId xmlns:a16="http://schemas.microsoft.com/office/drawing/2014/main" id="{7B3EA42B-9A97-47EA-B0CF-06A8228CDF42}"/>
+              </a:ext>
+            </a:extLst>
+          </p:cNvPr>
+          <p:cNvSpPr>
+            <a:spLocks noGrp="1"/>
+          </p:cNvSpPr>
+          <p:nvPr>
+            <p:ph type="body" sz="half" idx="16"/>
+          </p:nvPr>
+        </p:nvSpPr>
+        <p:spPr>
+          <a:xfrm>
+            <a:off x="4512721" y="3057843"/>
+            <a:ext cx="3147009" cy="2847293"/>
+          </a:xfrm>
+        </p:spPr>
+        <p:txBody>
+          <a:bodyPr>
+            <a:normAutofit/>
+          </a:bodyPr>
+          <a:lstStyle/>
+          <a:p>
+            <a:pPr marL="285750" indent="-285750">
+              <a:buFont typeface="Arial" panose="020B0604020202020204" pitchFamily="34" charset="0"/>
+              <a:buChar char="•"/>
+            </a:pPr>
+            <a:r>
+              <a:rPr lang="cs-CZ" sz="1800" dirty="0"/>
+              <a:t>ACID</a:t>
+            </a:r>
+          </a:p>
+          <a:p>
+            <a:pPr marL="285750" indent="-285750">
+              <a:buFont typeface="Arial" panose="020B0604020202020204" pitchFamily="34" charset="0"/>
+              <a:buChar char="•"/>
+            </a:pPr>
+            <a:r>
+              <a:rPr lang="cs-CZ" sz="1800" dirty="0"/>
+              <a:t>škálovatelnost</a:t>
+            </a:r>
+          </a:p>
+          <a:p>
+            <a:pPr marL="285750" indent="-285750">
+              <a:buFont typeface="Arial" panose="020B0604020202020204" pitchFamily="34" charset="0"/>
+              <a:buChar char="•"/>
+            </a:pPr>
+            <a:r>
+              <a:rPr lang="cs-CZ" sz="1800" dirty="0"/>
+              <a:t>fulltext </a:t>
+            </a:r>
+            <a:r>
+              <a:rPr lang="cs-CZ" sz="1800" dirty="0" err="1"/>
+              <a:t>search</a:t>
+            </a:r>
+            <a:endParaRPr lang="cs-CZ" sz="1800" dirty="0"/>
+          </a:p>
+          <a:p>
+            <a:pPr marL="285750" indent="-285750">
+              <a:buFont typeface="Arial" panose="020B0604020202020204" pitchFamily="34" charset="0"/>
+              <a:buChar char="•"/>
+            </a:pPr>
+            <a:r>
+              <a:rPr lang="cs-CZ" sz="1800" dirty="0" err="1"/>
+              <a:t>realtime</a:t>
+            </a:r>
+            <a:r>
+              <a:rPr lang="cs-CZ" sz="1800" dirty="0"/>
+              <a:t> live </a:t>
+            </a:r>
+            <a:r>
+              <a:rPr lang="cs-CZ" sz="1800" dirty="0" err="1"/>
+              <a:t>queries</a:t>
+            </a:r>
+            <a:endParaRPr lang="cs-CZ" sz="1800" dirty="0"/>
+          </a:p>
+          <a:p>
+            <a:pPr marL="285750" indent="-285750">
+              <a:buFont typeface="Arial" panose="020B0604020202020204" pitchFamily="34" charset="0"/>
+              <a:buChar char="•"/>
+            </a:pPr>
+            <a:r>
+              <a:rPr lang="cs-CZ" sz="1800" dirty="0"/>
+              <a:t>relace místo </a:t>
+            </a:r>
+            <a:r>
+              <a:rPr lang="cs-CZ" sz="1800" dirty="0" err="1"/>
+              <a:t>JOINů</a:t>
+            </a:r>
+            <a:endParaRPr lang="cs-CZ" sz="1800" dirty="0"/>
+          </a:p>
+          <a:p>
+            <a:pPr marL="285750" indent="-285750">
+              <a:buFont typeface="Arial" panose="020B0604020202020204" pitchFamily="34" charset="0"/>
+              <a:buChar char="•"/>
+            </a:pPr>
+            <a:r>
+              <a:rPr lang="cs-CZ" sz="1800" dirty="0"/>
+              <a:t>JS funkce v DB</a:t>
+            </a:r>
+          </a:p>
+          <a:p>
+            <a:pPr marL="285750" indent="-285750">
+              <a:buFont typeface="Arial" panose="020B0604020202020204" pitchFamily="34" charset="0"/>
+              <a:buChar char="•"/>
+            </a:pPr>
+            <a:endParaRPr lang="cs-CZ" sz="1800" dirty="0"/>
+          </a:p>
+        </p:txBody>
+      </p:sp>
+      <p:sp>
+        <p:nvSpPr>
+          <p:cNvPr id="6" name="Zástupný text 5">
+            <a:extLst>
+              <a:ext uri="{FF2B5EF4-FFF2-40B4-BE49-F238E27FC236}">
+                <a16:creationId xmlns:a16="http://schemas.microsoft.com/office/drawing/2014/main" id="{0D89D900-1CA6-5963-3956-641D4EB78EC5}"/>
+              </a:ext>
+            </a:extLst>
+          </p:cNvPr>
+          <p:cNvSpPr>
+            <a:spLocks noGrp="1"/>
+          </p:cNvSpPr>
+          <p:nvPr>
+            <p:ph type="body" sz="quarter" idx="13"/>
+          </p:nvPr>
+        </p:nvSpPr>
+        <p:spPr>
+          <a:xfrm>
+            <a:off x="7888135" y="2481581"/>
+            <a:ext cx="3145730" cy="576262"/>
+          </a:xfrm>
+        </p:spPr>
+        <p:txBody>
+          <a:bodyPr/>
+          <a:lstStyle/>
+          <a:p>
+            <a:r>
+              <a:rPr lang="cs-CZ" dirty="0"/>
+              <a:t>Nasazení</a:t>
+            </a:r>
+          </a:p>
+        </p:txBody>
+      </p:sp>
+      <p:sp>
+        <p:nvSpPr>
+          <p:cNvPr id="9" name="Zástupný text 8">
+            <a:extLst>
+              <a:ext uri="{FF2B5EF4-FFF2-40B4-BE49-F238E27FC236}">
+                <a16:creationId xmlns:a16="http://schemas.microsoft.com/office/drawing/2014/main" id="{FDDB54F8-1C61-2923-1688-E3A5CD7B2598}"/>
+              </a:ext>
+            </a:extLst>
+          </p:cNvPr>
+          <p:cNvSpPr>
+            <a:spLocks noGrp="1"/>
+          </p:cNvSpPr>
+          <p:nvPr>
+            <p:ph type="body" sz="half" idx="17"/>
+          </p:nvPr>
+        </p:nvSpPr>
+        <p:spPr>
+          <a:xfrm>
+            <a:off x="7888329" y="3057842"/>
+            <a:ext cx="3145536" cy="2847293"/>
+          </a:xfrm>
+        </p:spPr>
+        <p:txBody>
+          <a:bodyPr>
+            <a:normAutofit/>
+          </a:bodyPr>
+          <a:lstStyle/>
+          <a:p>
+            <a:pPr marL="285750" indent="-285750">
+              <a:buFont typeface="Arial" panose="020B0604020202020204" pitchFamily="34" charset="0"/>
+              <a:buChar char="•"/>
+            </a:pPr>
+            <a:r>
+              <a:rPr lang="cs-CZ" sz="1800" dirty="0"/>
+              <a:t>v paměti</a:t>
+            </a:r>
+          </a:p>
+          <a:p>
+            <a:pPr marL="285750" indent="-285750">
+              <a:buFont typeface="Arial" panose="020B0604020202020204" pitchFamily="34" charset="0"/>
+              <a:buChar char="•"/>
+            </a:pPr>
+            <a:r>
+              <a:rPr lang="cs-CZ" sz="1800" dirty="0"/>
+              <a:t>na disku</a:t>
+            </a:r>
+          </a:p>
+          <a:p>
+            <a:pPr marL="285750" indent="-285750">
+              <a:buFont typeface="Arial" panose="020B0604020202020204" pitchFamily="34" charset="0"/>
+              <a:buChar char="•"/>
+            </a:pPr>
+            <a:r>
+              <a:rPr lang="cs-CZ" sz="1800" dirty="0"/>
+              <a:t>embedded v aplikaci</a:t>
+            </a:r>
+          </a:p>
+          <a:p>
+            <a:pPr marL="285750" indent="-285750">
+              <a:buFont typeface="Arial" panose="020B0604020202020204" pitchFamily="34" charset="0"/>
+              <a:buChar char="•"/>
+            </a:pPr>
+            <a:r>
+              <a:rPr lang="cs-CZ" sz="1800" dirty="0"/>
+              <a:t>v prohlížeči</a:t>
+            </a:r>
+          </a:p>
+          <a:p>
+            <a:pPr marL="285750" indent="-285750">
+              <a:buFont typeface="Arial" panose="020B0604020202020204" pitchFamily="34" charset="0"/>
+              <a:buChar char="•"/>
+            </a:pPr>
+            <a:r>
+              <a:rPr lang="cs-CZ" sz="1800" dirty="0"/>
+              <a:t>distribuovaná v cloudu</a:t>
+            </a:r>
+          </a:p>
+          <a:p>
+            <a:pPr marL="285750" indent="-285750">
+              <a:buFont typeface="Arial" panose="020B0604020202020204" pitchFamily="34" charset="0"/>
+              <a:buChar char="•"/>
+            </a:pPr>
+            <a:endParaRPr lang="cs-CZ" sz="1800" dirty="0"/>
+          </a:p>
+          <a:p>
+            <a:pPr marL="285750" indent="-285750">
+              <a:buFont typeface="Arial" panose="020B0604020202020204" pitchFamily="34" charset="0"/>
+              <a:buChar char="•"/>
+            </a:pPr>
+            <a:r>
+              <a:rPr lang="cs-CZ" sz="1800" dirty="0"/>
+              <a:t>rozsáhlý systém práv</a:t>
+            </a:r>
           </a:p>
         </p:txBody>
       </p:sp>
@@ -14506,7 +16407,7 @@
           <p:cNvPr id="2" name="Nadpis 1">
             <a:extLst>
               <a:ext uri="{FF2B5EF4-FFF2-40B4-BE49-F238E27FC236}">
-                <a16:creationId xmlns:a16="http://schemas.microsoft.com/office/drawing/2014/main" id="{D51012BA-D035-CD74-C1C2-E9BE4AFC8FEF}"/>
+                <a16:creationId xmlns:a16="http://schemas.microsoft.com/office/drawing/2014/main" id="{D868B398-975C-C70C-108E-D4CB5D25512E}"/>
               </a:ext>
             </a:extLst>
           </p:cNvPr>
@@ -14524,17 +16425,17 @@
           <a:p>
             <a:r>
               <a:rPr lang="cs-CZ" dirty="0"/>
-              <a:t>Typ databáze</a:t>
+              <a:t>Co databáze umí?</a:t>
             </a:r>
           </a:p>
         </p:txBody>
       </p:sp>
       <p:sp>
         <p:nvSpPr>
-          <p:cNvPr id="3" name="Zástupný obsah 2">
+          <p:cNvPr id="4" name="Zástupný text 3">
             <a:extLst>
               <a:ext uri="{FF2B5EF4-FFF2-40B4-BE49-F238E27FC236}">
-                <a16:creationId xmlns:a16="http://schemas.microsoft.com/office/drawing/2014/main" id="{040A1D2D-586A-F399-1605-0BCE96D400E7}"/>
+                <a16:creationId xmlns:a16="http://schemas.microsoft.com/office/drawing/2014/main" id="{F563F2F6-3EDC-A867-92D1-9EB78A8E2D69}"/>
               </a:ext>
             </a:extLst>
           </p:cNvPr>
@@ -14542,65 +16443,585 @@
             <a:spLocks noGrp="1"/>
           </p:cNvSpPr>
           <p:nvPr>
-            <p:ph idx="1"/>
+            <p:ph type="body" idx="1"/>
           </p:nvPr>
         </p:nvSpPr>
-        <p:spPr/>
+        <p:spPr>
+          <a:xfrm>
+            <a:off x="1154954" y="2481582"/>
+            <a:ext cx="3141878" cy="576262"/>
+          </a:xfrm>
+        </p:spPr>
         <p:txBody>
           <a:bodyPr/>
           <a:lstStyle/>
           <a:p>
             <a:r>
               <a:rPr lang="cs-CZ" dirty="0"/>
-              <a:t> v jádru dokumentová databáze	- podpora složených typů- podle autorů vhodná k: 	- </a:t>
-            </a:r>
-            <a:r>
-              <a:rPr lang="cs-CZ" dirty="0" err="1"/>
-              <a:t>highly-connected</a:t>
-            </a:r>
+              <a:t>Data</a:t>
+            </a:r>
+          </a:p>
+        </p:txBody>
+      </p:sp>
+      <p:sp>
+        <p:nvSpPr>
+          <p:cNvPr id="7" name="Zástupný text 6">
+            <a:extLst>
+              <a:ext uri="{FF2B5EF4-FFF2-40B4-BE49-F238E27FC236}">
+                <a16:creationId xmlns:a16="http://schemas.microsoft.com/office/drawing/2014/main" id="{A81A3742-C28D-C32C-47C0-142107510773}"/>
+              </a:ext>
+            </a:extLst>
+          </p:cNvPr>
+          <p:cNvSpPr>
+            <a:spLocks noGrp="1"/>
+          </p:cNvSpPr>
+          <p:nvPr>
+            <p:ph type="body" sz="half" idx="15"/>
+          </p:nvPr>
+        </p:nvSpPr>
+        <p:spPr>
+          <a:xfrm>
+            <a:off x="1154953" y="3057844"/>
+            <a:ext cx="3148719" cy="2847293"/>
+          </a:xfrm>
+        </p:spPr>
+        <p:txBody>
+          <a:bodyPr>
+            <a:noAutofit/>
+          </a:bodyPr>
+          <a:lstStyle/>
+          <a:p>
+            <a:pPr marL="285750" indent="-285750">
+              <a:buFont typeface="Arial" panose="020B0604020202020204" pitchFamily="34" charset="0"/>
+              <a:buChar char="•"/>
+            </a:pPr>
+            <a:r>
+              <a:rPr lang="cs-CZ" sz="1800" dirty="0"/>
+              <a:t>dokumenty</a:t>
+            </a:r>
+          </a:p>
+          <a:p>
+            <a:pPr marL="285750" indent="-285750">
+              <a:buFont typeface="Arial" panose="020B0604020202020204" pitchFamily="34" charset="0"/>
+              <a:buChar char="•"/>
+            </a:pPr>
+            <a:r>
+              <a:rPr lang="cs-CZ" sz="1800" dirty="0"/>
+              <a:t>relace – grafy</a:t>
+            </a:r>
+          </a:p>
+          <a:p>
+            <a:pPr marL="285750" indent="-285750">
+              <a:buFont typeface="Arial" panose="020B0604020202020204" pitchFamily="34" charset="0"/>
+              <a:buChar char="•"/>
+            </a:pPr>
+            <a:r>
+              <a:rPr lang="cs-CZ" sz="1800" dirty="0"/>
+              <a:t>časová</a:t>
+            </a:r>
+          </a:p>
+          <a:p>
+            <a:pPr marL="285750" indent="-285750">
+              <a:buFont typeface="Arial" panose="020B0604020202020204" pitchFamily="34" charset="0"/>
+              <a:buChar char="•"/>
+            </a:pPr>
+            <a:r>
+              <a:rPr lang="cs-CZ" sz="1800" dirty="0"/>
+              <a:t>prostorová</a:t>
+            </a:r>
+          </a:p>
+          <a:p>
+            <a:pPr marL="285750" indent="-285750">
+              <a:buFont typeface="Arial" panose="020B0604020202020204" pitchFamily="34" charset="0"/>
+              <a:buChar char="•"/>
+            </a:pPr>
+            <a:endParaRPr lang="cs-CZ" sz="1800" dirty="0"/>
+          </a:p>
+          <a:p>
+            <a:pPr marL="285750" indent="-285750">
+              <a:buFont typeface="Arial" panose="020B0604020202020204" pitchFamily="34" charset="0"/>
+              <a:buChar char="•"/>
+            </a:pPr>
+            <a:r>
+              <a:rPr lang="cs-CZ" sz="1800" dirty="0"/>
+              <a:t>schemaless/</a:t>
+            </a:r>
+            <a:r>
+              <a:rPr lang="cs-CZ" sz="1800" dirty="0" err="1"/>
+              <a:t>schemafull</a:t>
+            </a:r>
+            <a:endParaRPr lang="cs-CZ" sz="1800" dirty="0"/>
+          </a:p>
+          <a:p>
+            <a:pPr marL="285750" indent="-285750">
+              <a:buFont typeface="Arial" panose="020B0604020202020204" pitchFamily="34" charset="0"/>
+              <a:buChar char="•"/>
+            </a:pPr>
+            <a:endParaRPr lang="cs-CZ" sz="1800" dirty="0"/>
+          </a:p>
+        </p:txBody>
+      </p:sp>
+      <p:sp>
+        <p:nvSpPr>
+          <p:cNvPr id="5" name="Zástupný text 4">
+            <a:extLst>
+              <a:ext uri="{FF2B5EF4-FFF2-40B4-BE49-F238E27FC236}">
+                <a16:creationId xmlns:a16="http://schemas.microsoft.com/office/drawing/2014/main" id="{1210AB52-347C-63FB-AF64-7A805BE4531C}"/>
+              </a:ext>
+            </a:extLst>
+          </p:cNvPr>
+          <p:cNvSpPr>
+            <a:spLocks noGrp="1"/>
+          </p:cNvSpPr>
+          <p:nvPr>
+            <p:ph type="body" sz="quarter" idx="3"/>
+          </p:nvPr>
+        </p:nvSpPr>
+        <p:spPr>
+          <a:xfrm>
+            <a:off x="4512721" y="2481580"/>
+            <a:ext cx="3147009" cy="576262"/>
+          </a:xfrm>
+        </p:spPr>
+        <p:txBody>
+          <a:bodyPr/>
+          <a:lstStyle/>
+          <a:p>
             <a:r>
               <a:rPr lang="cs-CZ" dirty="0"/>
-              <a:t> </a:t>
-            </a:r>
-            <a:r>
-              <a:rPr lang="cs-CZ" dirty="0" err="1"/>
-              <a:t>graph</a:t>
-            </a:r>
+              <a:t>Vlastnosti</a:t>
+            </a:r>
+          </a:p>
+        </p:txBody>
+      </p:sp>
+      <p:sp>
+        <p:nvSpPr>
+          <p:cNvPr id="8" name="Zástupný text 7">
+            <a:extLst>
+              <a:ext uri="{FF2B5EF4-FFF2-40B4-BE49-F238E27FC236}">
+                <a16:creationId xmlns:a16="http://schemas.microsoft.com/office/drawing/2014/main" id="{7B3EA42B-9A97-47EA-B0CF-06A8228CDF42}"/>
+              </a:ext>
+            </a:extLst>
+          </p:cNvPr>
+          <p:cNvSpPr>
+            <a:spLocks noGrp="1"/>
+          </p:cNvSpPr>
+          <p:nvPr>
+            <p:ph type="body" sz="half" idx="16"/>
+          </p:nvPr>
+        </p:nvSpPr>
+        <p:spPr>
+          <a:xfrm>
+            <a:off x="4512721" y="3057843"/>
+            <a:ext cx="3147009" cy="2847293"/>
+          </a:xfrm>
+        </p:spPr>
+        <p:txBody>
+          <a:bodyPr>
+            <a:normAutofit/>
+          </a:bodyPr>
+          <a:lstStyle/>
+          <a:p>
+            <a:pPr marL="285750" indent="-285750">
+              <a:buFont typeface="Arial" panose="020B0604020202020204" pitchFamily="34" charset="0"/>
+              <a:buChar char="•"/>
+            </a:pPr>
+            <a:r>
+              <a:rPr lang="cs-CZ" sz="1800" dirty="0"/>
+              <a:t>ACID</a:t>
+            </a:r>
+          </a:p>
+          <a:p>
+            <a:pPr marL="285750" indent="-285750">
+              <a:buFont typeface="Arial" panose="020B0604020202020204" pitchFamily="34" charset="0"/>
+              <a:buChar char="•"/>
+            </a:pPr>
+            <a:r>
+              <a:rPr lang="cs-CZ" sz="1800" dirty="0"/>
+              <a:t>škálovatelnost</a:t>
+            </a:r>
+          </a:p>
+          <a:p>
+            <a:pPr marL="285750" indent="-285750">
+              <a:buFont typeface="Arial" panose="020B0604020202020204" pitchFamily="34" charset="0"/>
+              <a:buChar char="•"/>
+            </a:pPr>
+            <a:r>
+              <a:rPr lang="cs-CZ" sz="1800" dirty="0"/>
+              <a:t>fulltext </a:t>
+            </a:r>
+            <a:r>
+              <a:rPr lang="cs-CZ" sz="1800" dirty="0" err="1"/>
+              <a:t>search</a:t>
+            </a:r>
+            <a:endParaRPr lang="cs-CZ" sz="1800" dirty="0"/>
+          </a:p>
+          <a:p>
+            <a:pPr marL="285750" indent="-285750">
+              <a:buFont typeface="Arial" panose="020B0604020202020204" pitchFamily="34" charset="0"/>
+              <a:buChar char="•"/>
+            </a:pPr>
+            <a:r>
+              <a:rPr lang="cs-CZ" sz="1800" dirty="0" err="1"/>
+              <a:t>realtime</a:t>
+            </a:r>
+            <a:r>
+              <a:rPr lang="cs-CZ" sz="1800" dirty="0"/>
+              <a:t> live </a:t>
+            </a:r>
+            <a:r>
+              <a:rPr lang="cs-CZ" sz="1800" dirty="0" err="1"/>
+              <a:t>queries</a:t>
+            </a:r>
+            <a:endParaRPr lang="cs-CZ" sz="1800" dirty="0"/>
+          </a:p>
+          <a:p>
+            <a:pPr marL="285750" indent="-285750">
+              <a:buFont typeface="Arial" panose="020B0604020202020204" pitchFamily="34" charset="0"/>
+              <a:buChar char="•"/>
+            </a:pPr>
+            <a:r>
+              <a:rPr lang="cs-CZ" sz="1800" dirty="0"/>
+              <a:t>relace místo </a:t>
+            </a:r>
+            <a:r>
+              <a:rPr lang="cs-CZ" sz="1800" dirty="0" err="1"/>
+              <a:t>JOINů</a:t>
+            </a:r>
+            <a:endParaRPr lang="cs-CZ" sz="1800" dirty="0"/>
+          </a:p>
+          <a:p>
+            <a:pPr marL="285750" indent="-285750">
+              <a:buFont typeface="Arial" panose="020B0604020202020204" pitchFamily="34" charset="0"/>
+              <a:buChar char="•"/>
+            </a:pPr>
+            <a:r>
+              <a:rPr lang="cs-CZ" sz="1800" dirty="0"/>
+              <a:t>JS funkce v DB</a:t>
+            </a:r>
+          </a:p>
+          <a:p>
+            <a:pPr marL="285750" indent="-285750">
+              <a:buFont typeface="Arial" panose="020B0604020202020204" pitchFamily="34" charset="0"/>
+              <a:buChar char="•"/>
+            </a:pPr>
+            <a:endParaRPr lang="cs-CZ" sz="1800" dirty="0"/>
+          </a:p>
+        </p:txBody>
+      </p:sp>
+      <p:sp>
+        <p:nvSpPr>
+          <p:cNvPr id="6" name="Zástupný text 5">
+            <a:extLst>
+              <a:ext uri="{FF2B5EF4-FFF2-40B4-BE49-F238E27FC236}">
+                <a16:creationId xmlns:a16="http://schemas.microsoft.com/office/drawing/2014/main" id="{0D89D900-1CA6-5963-3956-641D4EB78EC5}"/>
+              </a:ext>
+            </a:extLst>
+          </p:cNvPr>
+          <p:cNvSpPr>
+            <a:spLocks noGrp="1"/>
+          </p:cNvSpPr>
+          <p:nvPr>
+            <p:ph type="body" sz="quarter" idx="13"/>
+          </p:nvPr>
+        </p:nvSpPr>
+        <p:spPr>
+          <a:xfrm>
+            <a:off x="7888135" y="2481581"/>
+            <a:ext cx="3145730" cy="576262"/>
+          </a:xfrm>
+        </p:spPr>
+        <p:txBody>
+          <a:bodyPr/>
+          <a:lstStyle/>
+          <a:p>
             <a:r>
               <a:rPr lang="cs-CZ" dirty="0"/>
-              <a:t> data - relace mezi objekty a jazyk	- </a:t>
-            </a:r>
-            <a:r>
-              <a:rPr lang="cs-CZ" dirty="0" err="1"/>
-              <a:t>time-series</a:t>
-            </a:r>
-            <a:r>
-              <a:rPr lang="cs-CZ" dirty="0"/>
-              <a:t> </a:t>
-            </a:r>
-            <a:r>
-              <a:rPr lang="cs-CZ" dirty="0" err="1"/>
-              <a:t>ordered</a:t>
-            </a:r>
-            <a:r>
-              <a:rPr lang="cs-CZ" dirty="0"/>
-              <a:t>- běh	- jedno zařízení - paměť nebo disk	- distribuovaná	- </a:t>
-            </a:r>
-            <a:r>
-              <a:rPr lang="cs-CZ" dirty="0" err="1"/>
-              <a:t>embedovaná</a:t>
-            </a:r>
-            <a:r>
-              <a:rPr lang="cs-CZ" dirty="0"/>
-              <a:t> - v prohlížeči</a:t>
+              <a:t>Nasazení</a:t>
             </a:r>
           </a:p>
         </p:txBody>
       </p:sp>
+      <p:sp>
+        <p:nvSpPr>
+          <p:cNvPr id="9" name="Zástupný text 8">
+            <a:extLst>
+              <a:ext uri="{FF2B5EF4-FFF2-40B4-BE49-F238E27FC236}">
+                <a16:creationId xmlns:a16="http://schemas.microsoft.com/office/drawing/2014/main" id="{FDDB54F8-1C61-2923-1688-E3A5CD7B2598}"/>
+              </a:ext>
+            </a:extLst>
+          </p:cNvPr>
+          <p:cNvSpPr>
+            <a:spLocks noGrp="1"/>
+          </p:cNvSpPr>
+          <p:nvPr>
+            <p:ph type="body" sz="half" idx="17"/>
+          </p:nvPr>
+        </p:nvSpPr>
+        <p:spPr>
+          <a:xfrm>
+            <a:off x="7888329" y="3057842"/>
+            <a:ext cx="3145536" cy="2847293"/>
+          </a:xfrm>
+        </p:spPr>
+        <p:txBody>
+          <a:bodyPr>
+            <a:normAutofit/>
+          </a:bodyPr>
+          <a:lstStyle/>
+          <a:p>
+            <a:pPr marL="285750" indent="-285750">
+              <a:buFont typeface="Arial" panose="020B0604020202020204" pitchFamily="34" charset="0"/>
+              <a:buChar char="•"/>
+            </a:pPr>
+            <a:r>
+              <a:rPr lang="cs-CZ" sz="1800" dirty="0"/>
+              <a:t>v paměti</a:t>
+            </a:r>
+          </a:p>
+          <a:p>
+            <a:pPr marL="285750" indent="-285750">
+              <a:buFont typeface="Arial" panose="020B0604020202020204" pitchFamily="34" charset="0"/>
+              <a:buChar char="•"/>
+            </a:pPr>
+            <a:r>
+              <a:rPr lang="cs-CZ" sz="1800" dirty="0"/>
+              <a:t>na disku</a:t>
+            </a:r>
+          </a:p>
+          <a:p>
+            <a:pPr marL="285750" indent="-285750">
+              <a:buFont typeface="Arial" panose="020B0604020202020204" pitchFamily="34" charset="0"/>
+              <a:buChar char="•"/>
+            </a:pPr>
+            <a:r>
+              <a:rPr lang="cs-CZ" sz="1800" dirty="0"/>
+              <a:t>embedded v aplikaci</a:t>
+            </a:r>
+          </a:p>
+          <a:p>
+            <a:pPr marL="285750" indent="-285750">
+              <a:buFont typeface="Arial" panose="020B0604020202020204" pitchFamily="34" charset="0"/>
+              <a:buChar char="•"/>
+            </a:pPr>
+            <a:r>
+              <a:rPr lang="cs-CZ" sz="1800" dirty="0"/>
+              <a:t>v prohlížeči</a:t>
+            </a:r>
+          </a:p>
+          <a:p>
+            <a:pPr marL="285750" indent="-285750">
+              <a:buFont typeface="Arial" panose="020B0604020202020204" pitchFamily="34" charset="0"/>
+              <a:buChar char="•"/>
+            </a:pPr>
+            <a:r>
+              <a:rPr lang="cs-CZ" sz="1800" dirty="0"/>
+              <a:t>distribuovaná v cloudu</a:t>
+            </a:r>
+          </a:p>
+          <a:p>
+            <a:pPr marL="285750" indent="-285750">
+              <a:buFont typeface="Arial" panose="020B0604020202020204" pitchFamily="34" charset="0"/>
+              <a:buChar char="•"/>
+            </a:pPr>
+            <a:endParaRPr lang="cs-CZ" sz="1800" dirty="0"/>
+          </a:p>
+          <a:p>
+            <a:pPr marL="285750" indent="-285750">
+              <a:buFont typeface="Arial" panose="020B0604020202020204" pitchFamily="34" charset="0"/>
+              <a:buChar char="•"/>
+            </a:pPr>
+            <a:r>
+              <a:rPr lang="cs-CZ" sz="1800" dirty="0"/>
+              <a:t>rozsáhlý systém práv</a:t>
+            </a:r>
+          </a:p>
+        </p:txBody>
+      </p:sp>
+      <p:pic>
+        <p:nvPicPr>
+          <p:cNvPr id="13" name="Obrázek 12">
+            <a:extLst>
+              <a:ext uri="{FF2B5EF4-FFF2-40B4-BE49-F238E27FC236}">
+                <a16:creationId xmlns:a16="http://schemas.microsoft.com/office/drawing/2014/main" id="{68F3812B-CBB4-1B5B-BDE0-121AA4DA6A4B}"/>
+              </a:ext>
+            </a:extLst>
+          </p:cNvPr>
+          <p:cNvPicPr>
+            <a:picLocks noChangeAspect="1"/>
+          </p:cNvPicPr>
+          <p:nvPr/>
+        </p:nvPicPr>
+        <p:blipFill>
+          <a:blip r:embed="rId3"/>
+          <a:stretch>
+            <a:fillRect/>
+          </a:stretch>
+        </p:blipFill>
+        <p:spPr>
+          <a:xfrm>
+            <a:off x="390298" y="2329743"/>
+            <a:ext cx="5695927" cy="879935"/>
+          </a:xfrm>
+          <a:prstGeom prst="rect">
+            <a:avLst/>
+          </a:prstGeom>
+        </p:spPr>
+      </p:pic>
+      <p:pic>
+        <p:nvPicPr>
+          <p:cNvPr id="15" name="Obrázek 14">
+            <a:extLst>
+              <a:ext uri="{FF2B5EF4-FFF2-40B4-BE49-F238E27FC236}">
+                <a16:creationId xmlns:a16="http://schemas.microsoft.com/office/drawing/2014/main" id="{A40227DF-FB9D-C97C-B41E-D904C45E7D3B}"/>
+              </a:ext>
+            </a:extLst>
+          </p:cNvPr>
+          <p:cNvPicPr>
+            <a:picLocks noChangeAspect="1"/>
+          </p:cNvPicPr>
+          <p:nvPr/>
+        </p:nvPicPr>
+        <p:blipFill>
+          <a:blip r:embed="rId4"/>
+          <a:stretch>
+            <a:fillRect/>
+          </a:stretch>
+        </p:blipFill>
+        <p:spPr>
+          <a:xfrm>
+            <a:off x="6597783" y="2400056"/>
+            <a:ext cx="5463467" cy="833138"/>
+          </a:xfrm>
+          <a:prstGeom prst="rect">
+            <a:avLst/>
+          </a:prstGeom>
+        </p:spPr>
+      </p:pic>
+      <p:pic>
+        <p:nvPicPr>
+          <p:cNvPr id="17" name="Obrázek 16">
+            <a:extLst>
+              <a:ext uri="{FF2B5EF4-FFF2-40B4-BE49-F238E27FC236}">
+                <a16:creationId xmlns:a16="http://schemas.microsoft.com/office/drawing/2014/main" id="{5C63246D-8D3F-B2B7-0938-F37FC1847FDA}"/>
+              </a:ext>
+            </a:extLst>
+          </p:cNvPr>
+          <p:cNvPicPr>
+            <a:picLocks noChangeAspect="1"/>
+          </p:cNvPicPr>
+          <p:nvPr/>
+        </p:nvPicPr>
+        <p:blipFill>
+          <a:blip r:embed="rId5"/>
+          <a:stretch>
+            <a:fillRect/>
+          </a:stretch>
+        </p:blipFill>
+        <p:spPr>
+          <a:xfrm>
+            <a:off x="402199" y="3646071"/>
+            <a:ext cx="4794279" cy="708720"/>
+          </a:xfrm>
+          <a:prstGeom prst="rect">
+            <a:avLst/>
+          </a:prstGeom>
+        </p:spPr>
+      </p:pic>
+      <p:pic>
+        <p:nvPicPr>
+          <p:cNvPr id="19" name="Obrázek 18">
+            <a:extLst>
+              <a:ext uri="{FF2B5EF4-FFF2-40B4-BE49-F238E27FC236}">
+                <a16:creationId xmlns:a16="http://schemas.microsoft.com/office/drawing/2014/main" id="{DCDD26CF-C2A8-BE0B-358E-B191B33BA3F0}"/>
+              </a:ext>
+            </a:extLst>
+          </p:cNvPr>
+          <p:cNvPicPr>
+            <a:picLocks noChangeAspect="1"/>
+          </p:cNvPicPr>
+          <p:nvPr/>
+        </p:nvPicPr>
+        <p:blipFill>
+          <a:blip r:embed="rId6"/>
+          <a:stretch>
+            <a:fillRect/>
+          </a:stretch>
+        </p:blipFill>
+        <p:spPr>
+          <a:xfrm>
+            <a:off x="7021930" y="5177401"/>
+            <a:ext cx="4201912" cy="833137"/>
+          </a:xfrm>
+          <a:prstGeom prst="rect">
+            <a:avLst/>
+          </a:prstGeom>
+        </p:spPr>
+      </p:pic>
+      <p:pic>
+        <p:nvPicPr>
+          <p:cNvPr id="21" name="Obrázek 20">
+            <a:extLst>
+              <a:ext uri="{FF2B5EF4-FFF2-40B4-BE49-F238E27FC236}">
+                <a16:creationId xmlns:a16="http://schemas.microsoft.com/office/drawing/2014/main" id="{74873BE2-2510-7B25-7163-18A3E792D309}"/>
+              </a:ext>
+            </a:extLst>
+          </p:cNvPr>
+          <p:cNvPicPr>
+            <a:picLocks noChangeAspect="1"/>
+          </p:cNvPicPr>
+          <p:nvPr/>
+        </p:nvPicPr>
+        <p:blipFill>
+          <a:blip r:embed="rId7"/>
+          <a:stretch>
+            <a:fillRect/>
+          </a:stretch>
+        </p:blipFill>
+        <p:spPr>
+          <a:xfrm>
+            <a:off x="6223863" y="3818944"/>
+            <a:ext cx="6038347" cy="802503"/>
+          </a:xfrm>
+          <a:prstGeom prst="rect">
+            <a:avLst/>
+          </a:prstGeom>
+        </p:spPr>
+      </p:pic>
+      <p:pic>
+        <p:nvPicPr>
+          <p:cNvPr id="23" name="Obrázek 22">
+            <a:extLst>
+              <a:ext uri="{FF2B5EF4-FFF2-40B4-BE49-F238E27FC236}">
+                <a16:creationId xmlns:a16="http://schemas.microsoft.com/office/drawing/2014/main" id="{0520D953-691F-7A2B-09AC-1414BB74BF15}"/>
+              </a:ext>
+            </a:extLst>
+          </p:cNvPr>
+          <p:cNvPicPr>
+            <a:picLocks noChangeAspect="1"/>
+          </p:cNvPicPr>
+          <p:nvPr/>
+        </p:nvPicPr>
+        <p:blipFill>
+          <a:blip r:embed="rId8"/>
+          <a:stretch>
+            <a:fillRect/>
+          </a:stretch>
+        </p:blipFill>
+        <p:spPr>
+          <a:xfrm>
+            <a:off x="475842" y="4832253"/>
+            <a:ext cx="5793334" cy="1649145"/>
+          </a:xfrm>
+          <a:prstGeom prst="rect">
+            <a:avLst/>
+          </a:prstGeom>
+        </p:spPr>
+      </p:pic>
     </p:spTree>
     <p:extLst>
       <p:ext uri="{BB962C8B-B14F-4D97-AF65-F5344CB8AC3E}">
-        <p14:creationId xmlns:p14="http://schemas.microsoft.com/office/powerpoint/2010/main" val="2839996060"/>
+        <p14:creationId xmlns:p14="http://schemas.microsoft.com/office/powerpoint/2010/main" val="3655652076"/>
       </p:ext>
     </p:extLst>
   </p:cSld>
@@ -14641,6 +17062,157 @@
       </p:grpSpPr>
       <p:sp>
         <p:nvSpPr>
+          <p:cNvPr id="2" name="Nadpis 1">
+            <a:extLst>
+              <a:ext uri="{FF2B5EF4-FFF2-40B4-BE49-F238E27FC236}">
+                <a16:creationId xmlns:a16="http://schemas.microsoft.com/office/drawing/2014/main" id="{F9E29CA7-E99B-03E4-0F5A-299ED911A02C}"/>
+              </a:ext>
+            </a:extLst>
+          </p:cNvPr>
+          <p:cNvSpPr>
+            <a:spLocks noGrp="1"/>
+          </p:cNvSpPr>
+          <p:nvPr>
+            <p:ph type="title"/>
+          </p:nvPr>
+        </p:nvSpPr>
+        <p:spPr/>
+        <p:txBody>
+          <a:bodyPr/>
+          <a:lstStyle/>
+          <a:p>
+            <a:r>
+              <a:rPr lang="cs-CZ" dirty="0"/>
+              <a:t>Trocha historie</a:t>
+            </a:r>
+          </a:p>
+        </p:txBody>
+      </p:sp>
+      <p:sp>
+        <p:nvSpPr>
+          <p:cNvPr id="9" name="Zástupný obsah 8">
+            <a:extLst>
+              <a:ext uri="{FF2B5EF4-FFF2-40B4-BE49-F238E27FC236}">
+                <a16:creationId xmlns:a16="http://schemas.microsoft.com/office/drawing/2014/main" id="{4ECE6EEA-5A2E-4A40-E85F-E0DC0EE11C90}"/>
+              </a:ext>
+            </a:extLst>
+          </p:cNvPr>
+          <p:cNvSpPr>
+            <a:spLocks noGrp="1"/>
+          </p:cNvSpPr>
+          <p:nvPr>
+            <p:ph idx="1"/>
+          </p:nvPr>
+        </p:nvSpPr>
+        <p:spPr/>
+        <p:txBody>
+          <a:bodyPr/>
+          <a:lstStyle/>
+          <a:p>
+            <a:r>
+              <a:rPr lang="cs-CZ" dirty="0"/>
+              <a:t>od 2015</a:t>
+            </a:r>
+          </a:p>
+          <a:p>
+            <a:r>
+              <a:rPr lang="cs-CZ" dirty="0"/>
+              <a:t>open source od 2021 - beta</a:t>
+            </a:r>
+          </a:p>
+          <a:p>
+            <a:endParaRPr lang="cs-CZ" dirty="0"/>
+          </a:p>
+          <a:p>
+            <a:r>
+              <a:rPr lang="cs-CZ" dirty="0"/>
+              <a:t>Q2 2023 - </a:t>
+            </a:r>
+            <a:r>
+              <a:rPr lang="cs-CZ" dirty="0" err="1"/>
+              <a:t>SurrealDB</a:t>
+            </a:r>
+            <a:r>
+              <a:rPr lang="cs-CZ" dirty="0"/>
+              <a:t> 1.0.0</a:t>
+            </a:r>
+          </a:p>
+          <a:p>
+            <a:endParaRPr lang="cs-CZ" dirty="0"/>
+          </a:p>
+          <a:p>
+            <a:r>
+              <a:rPr lang="cs-CZ" dirty="0"/>
+              <a:t>Q3 2023 – public cloud</a:t>
+            </a:r>
+            <a:endParaRPr lang="cs-CZ" b="1" i="0" dirty="0">
+              <a:solidFill>
+                <a:srgbClr val="FFFFFF"/>
+              </a:solidFill>
+              <a:effectLst/>
+              <a:latin typeface="Poppins" panose="00000500000000000000" pitchFamily="2" charset="-18"/>
+            </a:endParaRPr>
+          </a:p>
+          <a:p>
+            <a:r>
+              <a:rPr lang="cs-CZ" dirty="0"/>
+              <a:t>Q4 2023 – </a:t>
+            </a:r>
+            <a:r>
+              <a:rPr lang="cs-CZ" dirty="0" err="1"/>
+              <a:t>private</a:t>
+            </a:r>
+            <a:r>
+              <a:rPr lang="cs-CZ" dirty="0"/>
+              <a:t> cloud</a:t>
+            </a:r>
+          </a:p>
+        </p:txBody>
+      </p:sp>
+    </p:spTree>
+    <p:extLst>
+      <p:ext uri="{BB962C8B-B14F-4D97-AF65-F5344CB8AC3E}">
+        <p14:creationId xmlns:p14="http://schemas.microsoft.com/office/powerpoint/2010/main" val="4034995535"/>
+      </p:ext>
+    </p:extLst>
+  </p:cSld>
+  <p:clrMapOvr>
+    <a:masterClrMapping/>
+  </p:clrMapOvr>
+  <mc:AlternateContent xmlns:mc="http://schemas.openxmlformats.org/markup-compatibility/2006">
+    <mc:Choice xmlns:p159="http://schemas.microsoft.com/office/powerpoint/2015/09/main" Requires="p159">
+      <p:transition spd="slow">
+        <p159:morph option="byObject"/>
+      </p:transition>
+    </mc:Choice>
+    <mc:Fallback>
+      <p:transition spd="slow">
+        <p:fade/>
+      </p:transition>
+    </mc:Fallback>
+  </mc:AlternateContent>
+</p:sld>
+</file>
+
+<file path=ppt/slides/slide5.xml><?xml version="1.0" encoding="utf-8"?>
+<p:sld xmlns:a="http://schemas.openxmlformats.org/drawingml/2006/main" xmlns:r="http://schemas.openxmlformats.org/officeDocument/2006/relationships" xmlns:p="http://schemas.openxmlformats.org/presentationml/2006/main">
+  <p:cSld>
+    <p:spTree>
+      <p:nvGrpSpPr>
+        <p:cNvPr id="1" name=""/>
+        <p:cNvGrpSpPr/>
+        <p:nvPr/>
+      </p:nvGrpSpPr>
+      <p:grpSpPr>
+        <a:xfrm>
+          <a:off x="0" y="0"/>
+          <a:ext cx="0" cy="0"/>
+          <a:chOff x="0" y="0"/>
+          <a:chExt cx="0" cy="0"/>
+        </a:xfrm>
+      </p:grpSpPr>
+      <p:sp>
+        <p:nvSpPr>
           <p:cNvPr id="7" name="Obdélník: se zakulacenými rohy 6">
             <a:extLst>
               <a:ext uri="{FF2B5EF4-FFF2-40B4-BE49-F238E27FC236}">
@@ -14736,7 +17308,7 @@
           </p:nvPr>
         </p:nvPicPr>
         <p:blipFill>
-          <a:blip r:embed="rId2">
+          <a:blip r:embed="rId3">
             <a:extLst>
               <a:ext uri="{28A0092B-C50C-407E-A947-70E740481C1C}">
                 <a14:useLocalDpi xmlns:a14="http://schemas.microsoft.com/office/drawing/2010/main" val="0"/>
@@ -14793,7 +17365,218 @@
 </p:sld>
 </file>
 
-<file path=ppt/slides/slide5.xml><?xml version="1.0" encoding="utf-8"?>
+<file path=ppt/slides/slide6.xml><?xml version="1.0" encoding="utf-8"?>
+<p:sld xmlns:a="http://schemas.openxmlformats.org/drawingml/2006/main" xmlns:r="http://schemas.openxmlformats.org/officeDocument/2006/relationships" xmlns:p="http://schemas.openxmlformats.org/presentationml/2006/main">
+  <p:cSld>
+    <p:spTree>
+      <p:nvGrpSpPr>
+        <p:cNvPr id="1" name=""/>
+        <p:cNvGrpSpPr/>
+        <p:nvPr/>
+      </p:nvGrpSpPr>
+      <p:grpSpPr>
+        <a:xfrm>
+          <a:off x="0" y="0"/>
+          <a:ext cx="0" cy="0"/>
+          <a:chOff x="0" y="0"/>
+          <a:chExt cx="0" cy="0"/>
+        </a:xfrm>
+      </p:grpSpPr>
+      <p:sp>
+        <p:nvSpPr>
+          <p:cNvPr id="2" name="Nadpis 1">
+            <a:extLst>
+              <a:ext uri="{FF2B5EF4-FFF2-40B4-BE49-F238E27FC236}">
+                <a16:creationId xmlns:a16="http://schemas.microsoft.com/office/drawing/2014/main" id="{D51012BA-D035-CD74-C1C2-E9BE4AFC8FEF}"/>
+              </a:ext>
+            </a:extLst>
+          </p:cNvPr>
+          <p:cNvSpPr>
+            <a:spLocks noGrp="1"/>
+          </p:cNvSpPr>
+          <p:nvPr>
+            <p:ph type="title"/>
+          </p:nvPr>
+        </p:nvSpPr>
+        <p:spPr/>
+        <p:txBody>
+          <a:bodyPr/>
+          <a:lstStyle/>
+          <a:p>
+            <a:r>
+              <a:rPr lang="cs-CZ" dirty="0"/>
+              <a:t>Technické okénko</a:t>
+            </a:r>
+          </a:p>
+        </p:txBody>
+      </p:sp>
+      <p:sp>
+        <p:nvSpPr>
+          <p:cNvPr id="3" name="Zástupný obsah 2">
+            <a:extLst>
+              <a:ext uri="{FF2B5EF4-FFF2-40B4-BE49-F238E27FC236}">
+                <a16:creationId xmlns:a16="http://schemas.microsoft.com/office/drawing/2014/main" id="{040A1D2D-586A-F399-1605-0BCE96D400E7}"/>
+              </a:ext>
+            </a:extLst>
+          </p:cNvPr>
+          <p:cNvSpPr>
+            <a:spLocks noGrp="1"/>
+          </p:cNvSpPr>
+          <p:nvPr>
+            <p:ph idx="1"/>
+          </p:nvPr>
+        </p:nvSpPr>
+        <p:spPr/>
+        <p:txBody>
+          <a:bodyPr>
+            <a:normAutofit/>
+          </a:bodyPr>
+          <a:lstStyle/>
+          <a:p>
+            <a:r>
+              <a:rPr lang="cs-CZ" dirty="0" err="1"/>
+              <a:t>Rust</a:t>
+            </a:r>
+            <a:endParaRPr lang="cs-CZ" dirty="0"/>
+          </a:p>
+          <a:p>
+            <a:r>
+              <a:rPr lang="cs-CZ" dirty="0" err="1"/>
+              <a:t>Query</a:t>
+            </a:r>
+            <a:r>
+              <a:rPr lang="cs-CZ" dirty="0"/>
+              <a:t> </a:t>
+            </a:r>
+            <a:r>
+              <a:rPr lang="cs-CZ" dirty="0" err="1"/>
+              <a:t>layer</a:t>
+            </a:r>
+            <a:endParaRPr lang="cs-CZ" dirty="0"/>
+          </a:p>
+          <a:p>
+            <a:pPr lvl="1"/>
+            <a:r>
+              <a:rPr lang="cs-CZ" dirty="0" err="1"/>
+              <a:t>query</a:t>
+            </a:r>
+            <a:r>
+              <a:rPr lang="cs-CZ" dirty="0"/>
+              <a:t> </a:t>
+            </a:r>
+            <a:r>
+              <a:rPr lang="cs-CZ" dirty="0" err="1"/>
+              <a:t>parser</a:t>
+            </a:r>
+            <a:endParaRPr lang="cs-CZ" dirty="0"/>
+          </a:p>
+          <a:p>
+            <a:pPr lvl="1"/>
+            <a:r>
+              <a:rPr lang="cs-CZ" dirty="0" err="1"/>
+              <a:t>executor</a:t>
+            </a:r>
+            <a:endParaRPr lang="cs-CZ" dirty="0"/>
+          </a:p>
+          <a:p>
+            <a:pPr lvl="1"/>
+            <a:r>
+              <a:rPr lang="cs-CZ" dirty="0" err="1"/>
+              <a:t>iterator</a:t>
+            </a:r>
+            <a:endParaRPr lang="cs-CZ" dirty="0"/>
+          </a:p>
+          <a:p>
+            <a:pPr lvl="1"/>
+            <a:r>
+              <a:rPr lang="cs-CZ" dirty="0" err="1"/>
+              <a:t>document</a:t>
+            </a:r>
+            <a:r>
+              <a:rPr lang="cs-CZ" dirty="0"/>
+              <a:t> </a:t>
+            </a:r>
+            <a:r>
+              <a:rPr lang="cs-CZ" dirty="0" err="1"/>
+              <a:t>processor</a:t>
+            </a:r>
+            <a:endParaRPr lang="cs-CZ" dirty="0"/>
+          </a:p>
+          <a:p>
+            <a:r>
+              <a:rPr lang="cs-CZ" dirty="0" err="1"/>
+              <a:t>Storage</a:t>
+            </a:r>
+            <a:r>
+              <a:rPr lang="cs-CZ" dirty="0"/>
+              <a:t> </a:t>
+            </a:r>
+            <a:r>
+              <a:rPr lang="cs-CZ" dirty="0" err="1"/>
+              <a:t>layer</a:t>
+            </a:r>
+            <a:endParaRPr lang="cs-CZ" dirty="0"/>
+          </a:p>
+          <a:p>
+            <a:pPr lvl="1"/>
+            <a:r>
+              <a:rPr lang="cs-CZ" dirty="0" err="1"/>
+              <a:t>key-value</a:t>
+            </a:r>
+            <a:r>
+              <a:rPr lang="cs-CZ" dirty="0"/>
+              <a:t> </a:t>
+            </a:r>
+            <a:r>
+              <a:rPr lang="cs-CZ" dirty="0" err="1"/>
+              <a:t>store</a:t>
+            </a:r>
+            <a:endParaRPr lang="cs-CZ" dirty="0"/>
+          </a:p>
+          <a:p>
+            <a:pPr lvl="1"/>
+            <a:r>
+              <a:rPr lang="cs-CZ" dirty="0" err="1"/>
+              <a:t>RocksDB</a:t>
+            </a:r>
+            <a:r>
+              <a:rPr lang="cs-CZ" dirty="0"/>
+              <a:t>, </a:t>
+            </a:r>
+            <a:r>
+              <a:rPr lang="cs-CZ" dirty="0" err="1"/>
+              <a:t>IndexedDB</a:t>
+            </a:r>
+            <a:endParaRPr lang="cs-CZ" dirty="0"/>
+          </a:p>
+        </p:txBody>
+      </p:sp>
+    </p:spTree>
+    <p:extLst>
+      <p:ext uri="{BB962C8B-B14F-4D97-AF65-F5344CB8AC3E}">
+        <p14:creationId xmlns:p14="http://schemas.microsoft.com/office/powerpoint/2010/main" val="2839996060"/>
+      </p:ext>
+    </p:extLst>
+  </p:cSld>
+  <p:clrMapOvr>
+    <a:masterClrMapping/>
+  </p:clrMapOvr>
+  <mc:AlternateContent xmlns:mc="http://schemas.openxmlformats.org/markup-compatibility/2006">
+    <mc:Choice xmlns:p159="http://schemas.microsoft.com/office/powerpoint/2015/09/main" Requires="p159">
+      <p:transition spd="slow">
+        <p159:morph option="byObject"/>
+      </p:transition>
+    </mc:Choice>
+    <mc:Fallback>
+      <p:transition spd="slow">
+        <p:fade/>
+      </p:transition>
+    </mc:Fallback>
+  </mc:AlternateContent>
+</p:sld>
+</file>
+
+<file path=ppt/slides/slide7.xml><?xml version="1.0" encoding="utf-8"?>
 <p:sld xmlns:a="http://schemas.openxmlformats.org/drawingml/2006/main" xmlns:r="http://schemas.openxmlformats.org/officeDocument/2006/relationships" xmlns:p="http://schemas.openxmlformats.org/presentationml/2006/main">
   <p:cSld>
     <p:spTree>
@@ -14897,7 +17680,7 @@
 </p:sld>
 </file>
 
-<file path=ppt/slides/slide6.xml><?xml version="1.0" encoding="utf-8"?>
+<file path=ppt/slides/slide8.xml><?xml version="1.0" encoding="utf-8"?>
 <p:sld xmlns:a="http://schemas.openxmlformats.org/drawingml/2006/main" xmlns:r="http://schemas.openxmlformats.org/officeDocument/2006/relationships" xmlns:p="http://schemas.openxmlformats.org/presentationml/2006/main">
   <p:cSld>
     <p:spTree>
@@ -15037,7 +17820,7 @@
 </p:sld>
 </file>
 
-<file path=ppt/slides/slide7.xml><?xml version="1.0" encoding="utf-8"?>
+<file path=ppt/slides/slide9.xml><?xml version="1.0" encoding="utf-8"?>
 <p:sld xmlns:a="http://schemas.openxmlformats.org/drawingml/2006/main" xmlns:r="http://schemas.openxmlformats.org/officeDocument/2006/relationships" xmlns:p="http://schemas.openxmlformats.org/presentationml/2006/main">
   <p:cSld>
     <p:spTree>
@@ -15155,190 +17938,6 @@
     <p:extLst>
       <p:ext uri="{BB962C8B-B14F-4D97-AF65-F5344CB8AC3E}">
         <p14:creationId xmlns:p14="http://schemas.microsoft.com/office/powerpoint/2010/main" val="1651324353"/>
-      </p:ext>
-    </p:extLst>
-  </p:cSld>
-  <p:clrMapOvr>
-    <a:masterClrMapping/>
-  </p:clrMapOvr>
-  <mc:AlternateContent xmlns:mc="http://schemas.openxmlformats.org/markup-compatibility/2006">
-    <mc:Choice xmlns:p159="http://schemas.microsoft.com/office/powerpoint/2015/09/main" Requires="p159">
-      <p:transition spd="slow">
-        <p159:morph option="byObject"/>
-      </p:transition>
-    </mc:Choice>
-    <mc:Fallback>
-      <p:transition spd="slow">
-        <p:fade/>
-      </p:transition>
-    </mc:Fallback>
-  </mc:AlternateContent>
-</p:sld>
-</file>
-
-<file path=ppt/slides/slide8.xml><?xml version="1.0" encoding="utf-8"?>
-<p:sld xmlns:a="http://schemas.openxmlformats.org/drawingml/2006/main" xmlns:r="http://schemas.openxmlformats.org/officeDocument/2006/relationships" xmlns:p="http://schemas.openxmlformats.org/presentationml/2006/main">
-  <p:cSld>
-    <p:spTree>
-      <p:nvGrpSpPr>
-        <p:cNvPr id="1" name=""/>
-        <p:cNvGrpSpPr/>
-        <p:nvPr/>
-      </p:nvGrpSpPr>
-      <p:grpSpPr>
-        <a:xfrm>
-          <a:off x="0" y="0"/>
-          <a:ext cx="0" cy="0"/>
-          <a:chOff x="0" y="0"/>
-          <a:chExt cx="0" cy="0"/>
-        </a:xfrm>
-      </p:grpSpPr>
-      <p:sp>
-        <p:nvSpPr>
-          <p:cNvPr id="4" name="Nadpis 3">
-            <a:extLst>
-              <a:ext uri="{FF2B5EF4-FFF2-40B4-BE49-F238E27FC236}">
-                <a16:creationId xmlns:a16="http://schemas.microsoft.com/office/drawing/2014/main" id="{8CC5A844-41F3-3FFC-D764-5F3CD00B881A}"/>
-              </a:ext>
-            </a:extLst>
-          </p:cNvPr>
-          <p:cNvSpPr>
-            <a:spLocks noGrp="1"/>
-          </p:cNvSpPr>
-          <p:nvPr>
-            <p:ph type="title"/>
-          </p:nvPr>
-        </p:nvSpPr>
-        <p:spPr/>
-        <p:txBody>
-          <a:bodyPr/>
-          <a:lstStyle/>
-          <a:p>
-            <a:endParaRPr lang="cs-CZ"/>
-          </a:p>
-        </p:txBody>
-      </p:sp>
-      <p:sp>
-        <p:nvSpPr>
-          <p:cNvPr id="5" name="Zástupný text 4">
-            <a:extLst>
-              <a:ext uri="{FF2B5EF4-FFF2-40B4-BE49-F238E27FC236}">
-                <a16:creationId xmlns:a16="http://schemas.microsoft.com/office/drawing/2014/main" id="{FA3CFE3A-B958-57D2-2654-222DCE6CF56E}"/>
-              </a:ext>
-            </a:extLst>
-          </p:cNvPr>
-          <p:cNvSpPr>
-            <a:spLocks noGrp="1"/>
-          </p:cNvSpPr>
-          <p:nvPr>
-            <p:ph type="body" sz="half" idx="2"/>
-          </p:nvPr>
-        </p:nvSpPr>
-        <p:spPr/>
-        <p:txBody>
-          <a:bodyPr/>
-          <a:lstStyle/>
-          <a:p>
-            <a:endParaRPr lang="cs-CZ"/>
-          </a:p>
-        </p:txBody>
-      </p:sp>
-    </p:spTree>
-    <p:extLst>
-      <p:ext uri="{BB962C8B-B14F-4D97-AF65-F5344CB8AC3E}">
-        <p14:creationId xmlns:p14="http://schemas.microsoft.com/office/powerpoint/2010/main" val="2968953178"/>
-      </p:ext>
-    </p:extLst>
-  </p:cSld>
-  <p:clrMapOvr>
-    <a:masterClrMapping/>
-  </p:clrMapOvr>
-  <mc:AlternateContent xmlns:mc="http://schemas.openxmlformats.org/markup-compatibility/2006">
-    <mc:Choice xmlns:p159="http://schemas.microsoft.com/office/powerpoint/2015/09/main" Requires="p159">
-      <p:transition spd="slow">
-        <p159:morph option="byObject"/>
-      </p:transition>
-    </mc:Choice>
-    <mc:Fallback>
-      <p:transition spd="slow">
-        <p:fade/>
-      </p:transition>
-    </mc:Fallback>
-  </mc:AlternateContent>
-</p:sld>
-</file>
-
-<file path=ppt/slides/slide9.xml><?xml version="1.0" encoding="utf-8"?>
-<p:sld xmlns:a="http://schemas.openxmlformats.org/drawingml/2006/main" xmlns:r="http://schemas.openxmlformats.org/officeDocument/2006/relationships" xmlns:p="http://schemas.openxmlformats.org/presentationml/2006/main">
-  <p:cSld>
-    <p:spTree>
-      <p:nvGrpSpPr>
-        <p:cNvPr id="1" name=""/>
-        <p:cNvGrpSpPr/>
-        <p:nvPr/>
-      </p:nvGrpSpPr>
-      <p:grpSpPr>
-        <a:xfrm>
-          <a:off x="0" y="0"/>
-          <a:ext cx="0" cy="0"/>
-          <a:chOff x="0" y="0"/>
-          <a:chExt cx="0" cy="0"/>
-        </a:xfrm>
-      </p:grpSpPr>
-      <p:sp>
-        <p:nvSpPr>
-          <p:cNvPr id="2" name="Nadpis 1">
-            <a:extLst>
-              <a:ext uri="{FF2B5EF4-FFF2-40B4-BE49-F238E27FC236}">
-                <a16:creationId xmlns:a16="http://schemas.microsoft.com/office/drawing/2014/main" id="{CF757B71-E363-B644-23EC-7D311F5363D7}"/>
-              </a:ext>
-            </a:extLst>
-          </p:cNvPr>
-          <p:cNvSpPr>
-            <a:spLocks noGrp="1"/>
-          </p:cNvSpPr>
-          <p:nvPr>
-            <p:ph type="title"/>
-          </p:nvPr>
-        </p:nvSpPr>
-        <p:spPr/>
-        <p:txBody>
-          <a:bodyPr/>
-          <a:lstStyle/>
-          <a:p>
-            <a:endParaRPr lang="cs-CZ"/>
-          </a:p>
-        </p:txBody>
-      </p:sp>
-      <p:sp>
-        <p:nvSpPr>
-          <p:cNvPr id="3" name="Zástupný obsah 2">
-            <a:extLst>
-              <a:ext uri="{FF2B5EF4-FFF2-40B4-BE49-F238E27FC236}">
-                <a16:creationId xmlns:a16="http://schemas.microsoft.com/office/drawing/2014/main" id="{17604B73-CD4B-9726-8F8E-E6129E678A28}"/>
-              </a:ext>
-            </a:extLst>
-          </p:cNvPr>
-          <p:cNvSpPr>
-            <a:spLocks noGrp="1"/>
-          </p:cNvSpPr>
-          <p:nvPr>
-            <p:ph idx="1"/>
-          </p:nvPr>
-        </p:nvSpPr>
-        <p:spPr/>
-        <p:txBody>
-          <a:bodyPr/>
-          <a:lstStyle/>
-          <a:p>
-            <a:endParaRPr lang="cs-CZ"/>
-          </a:p>
-        </p:txBody>
-      </p:sp>
-    </p:spTree>
-    <p:extLst>
-      <p:ext uri="{BB962C8B-B14F-4D97-AF65-F5344CB8AC3E}">
-        <p14:creationId xmlns:p14="http://schemas.microsoft.com/office/powerpoint/2010/main" val="1276846647"/>
       </p:ext>
     </p:extLst>
   </p:cSld>

--- a/surrealdb.pptx
+++ b/surrealdb.pptx
@@ -5,7 +5,7 @@
     <p:sldMasterId id="2147483648" r:id="rId1"/>
   </p:sldMasterIdLst>
   <p:notesMasterIdLst>
-    <p:notesMasterId r:id="rId13"/>
+    <p:notesMasterId r:id="rId24"/>
   </p:notesMasterIdLst>
   <p:sldIdLst>
     <p:sldId id="256" r:id="rId2"/>
@@ -14,11 +14,22 @@
     <p:sldId id="265" r:id="rId5"/>
     <p:sldId id="264" r:id="rId6"/>
     <p:sldId id="263" r:id="rId7"/>
-    <p:sldId id="258" r:id="rId8"/>
-    <p:sldId id="260" r:id="rId9"/>
-    <p:sldId id="261" r:id="rId10"/>
-    <p:sldId id="259" r:id="rId11"/>
-    <p:sldId id="257" r:id="rId12"/>
+    <p:sldId id="272" r:id="rId8"/>
+    <p:sldId id="258" r:id="rId9"/>
+    <p:sldId id="260" r:id="rId10"/>
+    <p:sldId id="261" r:id="rId11"/>
+    <p:sldId id="259" r:id="rId12"/>
+    <p:sldId id="270" r:id="rId13"/>
+    <p:sldId id="271" r:id="rId14"/>
+    <p:sldId id="257" r:id="rId15"/>
+    <p:sldId id="267" r:id="rId16"/>
+    <p:sldId id="273" r:id="rId17"/>
+    <p:sldId id="268" r:id="rId18"/>
+    <p:sldId id="277" r:id="rId19"/>
+    <p:sldId id="275" r:id="rId20"/>
+    <p:sldId id="269" r:id="rId21"/>
+    <p:sldId id="276" r:id="rId22"/>
+    <p:sldId id="274" r:id="rId23"/>
   </p:sldIdLst>
   <p:sldSz cx="12192000" cy="6858000"/>
   <p:notesSz cx="6858000" cy="9144000"/>
@@ -207,7 +218,7 @@
           <a:p>
             <a:fld id="{D4CFF3F3-8D45-4198-ADD3-D8B9164C4588}" type="datetimeFigureOut">
               <a:rPr lang="cs-CZ" smtClean="0"/>
-              <a:t>08.05.2023</a:t>
+              <a:t>09.05.2023</a:t>
             </a:fld>
             <a:endParaRPr lang="cs-CZ"/>
           </a:p>
@@ -604,81 +615,68 @@
           <a:p>
             <a:r>
               <a:rPr lang="cs-CZ" dirty="0"/>
-              <a:t>Pro vytvoření testovacích dat bylo využito </a:t>
-            </a:r>
-          </a:p>
-          <a:p>
-            <a:r>
-              <a:rPr lang="cs-CZ" dirty="0"/>
-              <a:t>Pro vygenerování náhodných </a:t>
+              <a:t>Zde je ještě podrobnější reprezentace schématu v databázi ve formě jednotlivých tabulek.</a:t>
+            </a:r>
+          </a:p>
+          <a:p>
+            <a:endParaRPr lang="cs-CZ" dirty="0"/>
+          </a:p>
+          <a:p>
+            <a:r>
+              <a:rPr lang="cs-CZ" dirty="0"/>
+              <a:t>Zde za pozornost stojí atribut email u uživatele. Je na něm zaveden unikátní index a navíc je jeho datový typ email. Databáze skutečně umožňuje kontrolu hodnoty atributu, tak aby mohl obsahovat jen validní řetězec s formátem emailové adresy. Takovou kontrolu si můžeme </a:t>
             </a:r>
             <a:r>
               <a:rPr lang="cs-CZ" dirty="0" err="1"/>
-              <a:t>jmén</a:t>
-            </a:r>
-            <a:r>
-              <a:rPr lang="cs-CZ" dirty="0"/>
-              <a:t>, názvů a textů bylo použito </a:t>
+              <a:t>zadefinovat</a:t>
+            </a:r>
+            <a:r>
+              <a:rPr lang="cs-CZ" dirty="0"/>
+              <a:t> i vlastní.</a:t>
+            </a:r>
+          </a:p>
+          <a:p>
+            <a:endParaRPr lang="cs-CZ" dirty="0"/>
+          </a:p>
+          <a:p>
+            <a:r>
+              <a:rPr lang="cs-CZ" dirty="0"/>
+              <a:t>Relace se ukládají v podobě relačních tabulek. Mají dva povinné atributy, in a out – jsou to cizí klíče ukazující na propojené objekty. </a:t>
+            </a:r>
+          </a:p>
+          <a:p>
+            <a:r>
+              <a:rPr lang="cs-CZ" dirty="0"/>
+              <a:t>Restaurace je zde zavedena jako cizí klíč v relaci hodnocení.</a:t>
+            </a:r>
+          </a:p>
+          <a:p>
+            <a:r>
+              <a:rPr lang="cs-CZ" dirty="0"/>
+              <a:t>Ingredience jídla jsou vedeny jako pole hodnot.</a:t>
+            </a:r>
+          </a:p>
+          <a:p>
+            <a:endParaRPr lang="cs-CZ" dirty="0"/>
+          </a:p>
+          <a:p>
+            <a:r>
+              <a:rPr lang="cs-CZ" dirty="0"/>
+              <a:t>Již zmíněná „funkce“ počet restaurací má datový typ </a:t>
             </a:r>
             <a:r>
               <a:rPr lang="cs-CZ" dirty="0" err="1"/>
-              <a:t>ChatGPT</a:t>
-            </a:r>
-            <a:r>
-              <a:rPr lang="cs-CZ" dirty="0"/>
-              <a:t>.</a:t>
-            </a:r>
-          </a:p>
-          <a:p>
-            <a:r>
-              <a:rPr lang="cs-CZ" dirty="0"/>
-              <a:t>data jsou propojena a vložena do databáze skriptem v Pythonu.</a:t>
-            </a:r>
-          </a:p>
-          <a:p>
-            <a:endParaRPr lang="cs-CZ" dirty="0"/>
-          </a:p>
-          <a:p>
-            <a:r>
-              <a:rPr lang="cs-CZ" dirty="0"/>
-              <a:t>Zde bych chtěl zmínit špatnou podporu knihoven v programovacích jazycích. </a:t>
-            </a:r>
-          </a:p>
-          <a:p>
-            <a:r>
-              <a:rPr lang="cs-CZ" dirty="0"/>
-              <a:t>Knihovna pro Python umí jen základní věci – zařídí připojení a pro jednodušší příkazy lze využít datové struktury jazyka.</a:t>
-            </a:r>
-          </a:p>
-          <a:p>
-            <a:r>
-              <a:rPr lang="cs-CZ" dirty="0"/>
-              <a:t>Ovšem jako můžete vidět na ukázce kódu vpravo, složitější dotazy je potřeba vložit do </a:t>
-            </a:r>
-            <a:r>
-              <a:rPr lang="cs-CZ" dirty="0" err="1"/>
-              <a:t>stringu</a:t>
-            </a:r>
-            <a:r>
-              <a:rPr lang="cs-CZ" dirty="0"/>
-              <a:t>.</a:t>
-            </a:r>
-          </a:p>
-          <a:p>
-            <a:endParaRPr lang="cs-CZ" dirty="0"/>
-          </a:p>
-          <a:p>
-            <a:r>
-              <a:rPr lang="cs-CZ" dirty="0"/>
-              <a:t>Díval jsem se i na knihovny pro další jazyky, například </a:t>
-            </a:r>
-            <a:r>
-              <a:rPr lang="cs-CZ" dirty="0" err="1"/>
-              <a:t>javascript</a:t>
-            </a:r>
-            <a:r>
-              <a:rPr lang="cs-CZ" dirty="0"/>
-              <a:t> a také mi nepřišly velmi kvalitní.</a:t>
+              <a:t>future</a:t>
+            </a:r>
+            <a:r>
+              <a:rPr lang="cs-CZ" dirty="0"/>
+              <a:t> – je to hodnota vypočtená až v čase dotazu.</a:t>
+            </a:r>
+          </a:p>
+          <a:p>
+            <a:r>
+              <a:rPr lang="cs-CZ" dirty="0"/>
+              <a:t>Na závěr bych ještě upozornil na datový typ Point – je to datový typ z formátu GEOJSON, který databáze plně podporuje.</a:t>
             </a:r>
           </a:p>
         </p:txBody>
@@ -709,7 +707,7 @@
     </p:spTree>
     <p:extLst>
       <p:ext uri="{BB962C8B-B14F-4D97-AF65-F5344CB8AC3E}">
-        <p14:creationId xmlns:p14="http://schemas.microsoft.com/office/powerpoint/2010/main" val="3620783680"/>
+        <p14:creationId xmlns:p14="http://schemas.microsoft.com/office/powerpoint/2010/main" val="212637992"/>
       </p:ext>
     </p:extLst>
   </p:cSld>
@@ -763,7 +761,78 @@
           <a:bodyPr/>
           <a:lstStyle/>
           <a:p>
+            <a:r>
+              <a:rPr lang="cs-CZ" dirty="0"/>
+              <a:t>Pro vygenerování náhodných </a:t>
+            </a:r>
+            <a:r>
+              <a:rPr lang="cs-CZ" dirty="0" err="1"/>
+              <a:t>jmén</a:t>
+            </a:r>
+            <a:r>
+              <a:rPr lang="cs-CZ" dirty="0"/>
+              <a:t>, názvů restaurací, textů hodnocení a podobně bylo použito </a:t>
+            </a:r>
+            <a:r>
+              <a:rPr lang="cs-CZ" dirty="0" err="1"/>
+              <a:t>ChatGPT</a:t>
+            </a:r>
+            <a:r>
+              <a:rPr lang="cs-CZ" dirty="0"/>
+              <a:t>.</a:t>
+            </a:r>
+          </a:p>
+          <a:p>
+            <a:r>
+              <a:rPr lang="cs-CZ" dirty="0"/>
+              <a:t>Tyto hodnoty jsou propojeny a vloženy do databáze skriptem v Pythonu.</a:t>
+            </a:r>
+          </a:p>
+          <a:p>
             <a:endParaRPr lang="cs-CZ" dirty="0"/>
+          </a:p>
+          <a:p>
+            <a:r>
+              <a:rPr lang="cs-CZ" dirty="0"/>
+              <a:t>Zde bych chtěl zmínit špatnou podporu knihoven v programovacích jazycích. </a:t>
+            </a:r>
+          </a:p>
+          <a:p>
+            <a:r>
+              <a:rPr lang="cs-CZ" dirty="0"/>
+              <a:t>Knihovna pro Python umí jen základní věci. Jak můžete vidět na ukázce kódu vpravo - zařídí připojení a pro jednodušší příkazy lze využít datové struktury jazyka.</a:t>
+            </a:r>
+          </a:p>
+          <a:p>
+            <a:r>
+              <a:rPr lang="cs-CZ" dirty="0"/>
+              <a:t>Ovšem složitější dotazy je potřeba psát ručně do </a:t>
+            </a:r>
+            <a:r>
+              <a:rPr lang="cs-CZ" dirty="0" err="1"/>
+              <a:t>stringu</a:t>
+            </a:r>
+            <a:r>
+              <a:rPr lang="cs-CZ" dirty="0"/>
+              <a:t>.</a:t>
+            </a:r>
+          </a:p>
+          <a:p>
+            <a:endParaRPr lang="cs-CZ" dirty="0"/>
+          </a:p>
+          <a:p>
+            <a:r>
+              <a:rPr lang="cs-CZ" dirty="0"/>
+              <a:t>Díval jsem se i na knihovny pro další jazyky, například </a:t>
+            </a:r>
+            <a:r>
+              <a:rPr lang="cs-CZ" dirty="0" err="1"/>
+              <a:t>javascript</a:t>
+            </a:r>
+            <a:r>
+              <a:rPr lang="cs-CZ" dirty="0"/>
+              <a:t> a také mi nepřišly velmi kvalitní.</a:t>
+            </a:r>
           </a:p>
         </p:txBody>
       </p:sp>
@@ -793,7 +862,1019 @@
     </p:spTree>
     <p:extLst>
       <p:ext uri="{BB962C8B-B14F-4D97-AF65-F5344CB8AC3E}">
+        <p14:creationId xmlns:p14="http://schemas.microsoft.com/office/powerpoint/2010/main" val="3620783680"/>
+      </p:ext>
+    </p:extLst>
+  </p:cSld>
+  <p:clrMapOvr>
+    <a:masterClrMapping/>
+  </p:clrMapOvr>
+</p:notes>
+</file>
+
+<file path=ppt/notesSlides/notesSlide12.xml><?xml version="1.0" encoding="utf-8"?>
+<p:notes xmlns:a="http://schemas.openxmlformats.org/drawingml/2006/main" xmlns:r="http://schemas.openxmlformats.org/officeDocument/2006/relationships" xmlns:p="http://schemas.openxmlformats.org/presentationml/2006/main">
+  <p:cSld>
+    <p:spTree>
+      <p:nvGrpSpPr>
+        <p:cNvPr id="1" name=""/>
+        <p:cNvGrpSpPr/>
+        <p:nvPr/>
+      </p:nvGrpSpPr>
+      <p:grpSpPr>
+        <a:xfrm>
+          <a:off x="0" y="0"/>
+          <a:ext cx="0" cy="0"/>
+          <a:chOff x="0" y="0"/>
+          <a:chExt cx="0" cy="0"/>
+        </a:xfrm>
+      </p:grpSpPr>
+      <p:sp>
+        <p:nvSpPr>
+          <p:cNvPr id="2" name="Zástupný symbol pro obrázek snímku 1"/>
+          <p:cNvSpPr>
+            <a:spLocks noGrp="1" noRot="1" noChangeAspect="1"/>
+          </p:cNvSpPr>
+          <p:nvPr>
+            <p:ph type="sldImg"/>
+          </p:nvPr>
+        </p:nvSpPr>
+        <p:spPr/>
+      </p:sp>
+      <p:sp>
+        <p:nvSpPr>
+          <p:cNvPr id="3" name="Zástupný symbol pro poznámky 2"/>
+          <p:cNvSpPr>
+            <a:spLocks noGrp="1"/>
+          </p:cNvSpPr>
+          <p:nvPr>
+            <p:ph type="body" idx="1"/>
+          </p:nvPr>
+        </p:nvSpPr>
+        <p:spPr/>
+        <p:txBody>
+          <a:bodyPr/>
+          <a:lstStyle/>
+          <a:p>
+            <a:r>
+              <a:rPr lang="cs-CZ" dirty="0"/>
+              <a:t>Databáze pro dotazování využívá jazyk </a:t>
+            </a:r>
+            <a:r>
+              <a:rPr lang="cs-CZ" dirty="0" err="1"/>
+              <a:t>SurrealQL</a:t>
+            </a:r>
+            <a:r>
+              <a:rPr lang="cs-CZ" dirty="0"/>
+              <a:t>. Je velmi podobný </a:t>
+            </a:r>
+            <a:r>
+              <a:rPr lang="cs-CZ" dirty="0" err="1"/>
+              <a:t>SQLs</a:t>
+            </a:r>
+            <a:r>
+              <a:rPr lang="cs-CZ" dirty="0"/>
+              <a:t> několika modifikacemi. Běžné operace jsou podobné SQL – SELECT, INSERT, UPDATE, DELETE. </a:t>
+            </a:r>
+          </a:p>
+          <a:p>
+            <a:r>
+              <a:rPr lang="cs-CZ" dirty="0"/>
+              <a:t>Jazyk nepodporuje spojování tabulek pomocí </a:t>
+            </a:r>
+            <a:r>
+              <a:rPr lang="cs-CZ" dirty="0" err="1"/>
+              <a:t>JOINů</a:t>
+            </a:r>
+            <a:r>
+              <a:rPr lang="cs-CZ" dirty="0"/>
+              <a:t>, využívá se relací. </a:t>
+            </a:r>
+          </a:p>
+          <a:p>
+            <a:r>
+              <a:rPr lang="cs-CZ" dirty="0"/>
+              <a:t>V dotazu napravo vidíme výběr názvu jídel, která hodnotil uživatel se jménem Jan Novák.</a:t>
+            </a:r>
+          </a:p>
+          <a:p>
+            <a:r>
+              <a:rPr lang="cs-CZ" dirty="0"/>
+              <a:t>Výběr začne v tabulce uživatel, pokračuje šipkou přes odchozí relaci </a:t>
+            </a:r>
+            <a:r>
+              <a:rPr lang="cs-CZ" dirty="0" err="1"/>
+              <a:t>reviewed</a:t>
+            </a:r>
+            <a:r>
+              <a:rPr lang="cs-CZ" dirty="0"/>
+              <a:t> do tabulky food, kde vybere názvy všech hodnocených jídel.</a:t>
+            </a:r>
+          </a:p>
+          <a:p>
+            <a:endParaRPr lang="cs-CZ" dirty="0"/>
+          </a:p>
+          <a:p>
+            <a:r>
+              <a:rPr lang="cs-CZ" dirty="0"/>
+              <a:t>Co je na jazyku zajímavé je například podpora strukturovaných identifikátorů – mohou to být pole i objekty.</a:t>
+            </a:r>
+          </a:p>
+          <a:p>
+            <a:r>
+              <a:rPr lang="cs-CZ" dirty="0"/>
+              <a:t>Dále má také jazyk velmi široký výběr operátorů a funkcí, umožňuje například pokročilou práci s poli, </a:t>
+            </a:r>
+            <a:r>
+              <a:rPr lang="cs-CZ" dirty="0" err="1"/>
+              <a:t>GeoJSONem</a:t>
+            </a:r>
+            <a:r>
+              <a:rPr lang="cs-CZ" dirty="0"/>
+              <a:t> nebo matematickými formulemi.</a:t>
+            </a:r>
+          </a:p>
+        </p:txBody>
+      </p:sp>
+      <p:sp>
+        <p:nvSpPr>
+          <p:cNvPr id="4" name="Zástupný symbol pro číslo snímku 3"/>
+          <p:cNvSpPr>
+            <a:spLocks noGrp="1"/>
+          </p:cNvSpPr>
+          <p:nvPr>
+            <p:ph type="sldNum" sz="quarter" idx="5"/>
+          </p:nvPr>
+        </p:nvSpPr>
+        <p:spPr/>
+        <p:txBody>
+          <a:bodyPr/>
+          <a:lstStyle/>
+          <a:p>
+            <a:fld id="{5EF1F1BE-7711-4EE4-A336-814F34B6F30D}" type="slidenum">
+              <a:rPr lang="cs-CZ" smtClean="0"/>
+              <a:t>12</a:t>
+            </a:fld>
+            <a:endParaRPr lang="cs-CZ"/>
+          </a:p>
+        </p:txBody>
+      </p:sp>
+    </p:spTree>
+    <p:extLst>
+      <p:ext uri="{BB962C8B-B14F-4D97-AF65-F5344CB8AC3E}">
+        <p14:creationId xmlns:p14="http://schemas.microsoft.com/office/powerpoint/2010/main" val="2963229759"/>
+      </p:ext>
+    </p:extLst>
+  </p:cSld>
+  <p:clrMapOvr>
+    <a:masterClrMapping/>
+  </p:clrMapOvr>
+</p:notes>
+</file>
+
+<file path=ppt/notesSlides/notesSlide13.xml><?xml version="1.0" encoding="utf-8"?>
+<p:notes xmlns:a="http://schemas.openxmlformats.org/drawingml/2006/main" xmlns:r="http://schemas.openxmlformats.org/officeDocument/2006/relationships" xmlns:p="http://schemas.openxmlformats.org/presentationml/2006/main">
+  <p:cSld>
+    <p:spTree>
+      <p:nvGrpSpPr>
+        <p:cNvPr id="1" name=""/>
+        <p:cNvGrpSpPr/>
+        <p:nvPr/>
+      </p:nvGrpSpPr>
+      <p:grpSpPr>
+        <a:xfrm>
+          <a:off x="0" y="0"/>
+          <a:ext cx="0" cy="0"/>
+          <a:chOff x="0" y="0"/>
+          <a:chExt cx="0" cy="0"/>
+        </a:xfrm>
+      </p:grpSpPr>
+      <p:sp>
+        <p:nvSpPr>
+          <p:cNvPr id="2" name="Zástupný symbol pro obrázek snímku 1"/>
+          <p:cNvSpPr>
+            <a:spLocks noGrp="1" noRot="1" noChangeAspect="1"/>
+          </p:cNvSpPr>
+          <p:nvPr>
+            <p:ph type="sldImg"/>
+          </p:nvPr>
+        </p:nvSpPr>
+        <p:spPr/>
+      </p:sp>
+      <p:sp>
+        <p:nvSpPr>
+          <p:cNvPr id="3" name="Zástupný symbol pro poznámky 2"/>
+          <p:cNvSpPr>
+            <a:spLocks noGrp="1"/>
+          </p:cNvSpPr>
+          <p:nvPr>
+            <p:ph type="body" idx="1"/>
+          </p:nvPr>
+        </p:nvSpPr>
+        <p:spPr/>
+        <p:txBody>
+          <a:bodyPr/>
+          <a:lstStyle/>
+          <a:p>
+            <a:r>
+              <a:rPr lang="cs-CZ" dirty="0"/>
+              <a:t>Zde je krátký přehled běžných dotazů.</a:t>
+            </a:r>
+          </a:p>
+          <a:p>
+            <a:endParaRPr lang="cs-CZ" dirty="0"/>
+          </a:p>
+          <a:p>
+            <a:r>
+              <a:rPr lang="cs-CZ" dirty="0"/>
+              <a:t>Příkaz INSERT funguje stejně jako v SQL. Mimo něj existuje příkaz CREATE, se kterým lze snadněji vkládat dokumenty s různou strukturou.</a:t>
+            </a:r>
+          </a:p>
+          <a:p>
+            <a:r>
+              <a:rPr lang="cs-CZ" dirty="0"/>
+              <a:t>Příkaz UPDATE aktualizuje existující záznam.</a:t>
+            </a:r>
+          </a:p>
+          <a:p>
+            <a:endParaRPr lang="cs-CZ" dirty="0"/>
+          </a:p>
+          <a:p>
+            <a:r>
+              <a:rPr lang="cs-CZ" dirty="0"/>
+              <a:t>Relace se vytváří příkazem RELATE pomocí šipkové notace. Relaci lze přiřadit atribut, zde využijeme funkci vracející aktuální čas.</a:t>
+            </a:r>
+          </a:p>
+          <a:p>
+            <a:r>
+              <a:rPr lang="cs-CZ" dirty="0"/>
+              <a:t>Záznam smažeme příkazem DELETE.</a:t>
+            </a:r>
+          </a:p>
+          <a:p>
+            <a:endParaRPr lang="cs-CZ" dirty="0"/>
+          </a:p>
+          <a:p>
+            <a:r>
+              <a:rPr lang="cs-CZ" dirty="0"/>
+              <a:t> Příkazy jsou zabaleny v jedné transakci, která funguje stejně jako v SQL.</a:t>
+            </a:r>
+          </a:p>
+          <a:p>
+            <a:endParaRPr lang="cs-CZ" dirty="0"/>
+          </a:p>
+          <a:p>
+            <a:r>
+              <a:rPr lang="cs-CZ" dirty="0"/>
+              <a:t>V </a:t>
+            </a:r>
+            <a:r>
+              <a:rPr lang="cs-CZ" dirty="0" err="1"/>
+              <a:t>budoucnou</a:t>
+            </a:r>
+            <a:r>
+              <a:rPr lang="cs-CZ" dirty="0"/>
+              <a:t> by měla přibýt i podpora pro </a:t>
+            </a:r>
+            <a:r>
+              <a:rPr lang="cs-CZ" dirty="0" err="1"/>
+              <a:t>GraphQL</a:t>
+            </a:r>
+            <a:r>
+              <a:rPr lang="cs-CZ" dirty="0"/>
+              <a:t> dotazování.</a:t>
+            </a:r>
+          </a:p>
+        </p:txBody>
+      </p:sp>
+      <p:sp>
+        <p:nvSpPr>
+          <p:cNvPr id="4" name="Zástupný symbol pro číslo snímku 3"/>
+          <p:cNvSpPr>
+            <a:spLocks noGrp="1"/>
+          </p:cNvSpPr>
+          <p:nvPr>
+            <p:ph type="sldNum" sz="quarter" idx="5"/>
+          </p:nvPr>
+        </p:nvSpPr>
+        <p:spPr/>
+        <p:txBody>
+          <a:bodyPr/>
+          <a:lstStyle/>
+          <a:p>
+            <a:fld id="{5EF1F1BE-7711-4EE4-A336-814F34B6F30D}" type="slidenum">
+              <a:rPr lang="cs-CZ" smtClean="0"/>
+              <a:t>13</a:t>
+            </a:fld>
+            <a:endParaRPr lang="cs-CZ"/>
+          </a:p>
+        </p:txBody>
+      </p:sp>
+    </p:spTree>
+    <p:extLst>
+      <p:ext uri="{BB962C8B-B14F-4D97-AF65-F5344CB8AC3E}">
+        <p14:creationId xmlns:p14="http://schemas.microsoft.com/office/powerpoint/2010/main" val="241187240"/>
+      </p:ext>
+    </p:extLst>
+  </p:cSld>
+  <p:clrMapOvr>
+    <a:masterClrMapping/>
+  </p:clrMapOvr>
+</p:notes>
+</file>
+
+<file path=ppt/notesSlides/notesSlide14.xml><?xml version="1.0" encoding="utf-8"?>
+<p:notes xmlns:a="http://schemas.openxmlformats.org/drawingml/2006/main" xmlns:r="http://schemas.openxmlformats.org/officeDocument/2006/relationships" xmlns:p="http://schemas.openxmlformats.org/presentationml/2006/main">
+  <p:cSld>
+    <p:spTree>
+      <p:nvGrpSpPr>
+        <p:cNvPr id="1" name=""/>
+        <p:cNvGrpSpPr/>
+        <p:nvPr/>
+      </p:nvGrpSpPr>
+      <p:grpSpPr>
+        <a:xfrm>
+          <a:off x="0" y="0"/>
+          <a:ext cx="0" cy="0"/>
+          <a:chOff x="0" y="0"/>
+          <a:chExt cx="0" cy="0"/>
+        </a:xfrm>
+      </p:grpSpPr>
+      <p:sp>
+        <p:nvSpPr>
+          <p:cNvPr id="2" name="Zástupný symbol pro obrázek snímku 1"/>
+          <p:cNvSpPr>
+            <a:spLocks noGrp="1" noRot="1" noChangeAspect="1"/>
+          </p:cNvSpPr>
+          <p:nvPr>
+            <p:ph type="sldImg"/>
+          </p:nvPr>
+        </p:nvSpPr>
+        <p:spPr/>
+      </p:sp>
+      <p:sp>
+        <p:nvSpPr>
+          <p:cNvPr id="3" name="Zástupný symbol pro poznámky 2"/>
+          <p:cNvSpPr>
+            <a:spLocks noGrp="1"/>
+          </p:cNvSpPr>
+          <p:nvPr>
+            <p:ph type="body" idx="1"/>
+          </p:nvPr>
+        </p:nvSpPr>
+        <p:spPr/>
+        <p:txBody>
+          <a:bodyPr/>
+          <a:lstStyle/>
+          <a:p>
+            <a:r>
+              <a:rPr lang="cs-CZ" dirty="0"/>
+              <a:t>Zde můžeme vidět ukázku definice schématu databáze.</a:t>
+            </a:r>
+          </a:p>
+          <a:p>
+            <a:r>
+              <a:rPr lang="cs-CZ" dirty="0"/>
+              <a:t>Lze </a:t>
+            </a:r>
+            <a:r>
+              <a:rPr lang="cs-CZ" dirty="0" err="1"/>
+              <a:t>zadefinovat</a:t>
+            </a:r>
+            <a:r>
+              <a:rPr lang="cs-CZ" dirty="0"/>
+              <a:t> pevnou strukturu tabulky, jako má zde uživatel.</a:t>
+            </a:r>
+          </a:p>
+          <a:p>
+            <a:endParaRPr lang="cs-CZ" dirty="0"/>
+          </a:p>
+          <a:p>
+            <a:r>
+              <a:rPr lang="cs-CZ" dirty="0"/>
+              <a:t>U atributu email můžeme vidět validaci emailu a definici unikátního indexu.</a:t>
+            </a:r>
+          </a:p>
+          <a:p>
+            <a:endParaRPr lang="cs-CZ" dirty="0"/>
+          </a:p>
+          <a:p>
+            <a:r>
+              <a:rPr lang="cs-CZ" dirty="0"/>
+              <a:t>Tabulku lze are definovat bez schématu – jako zde restauraci – pak lze do ní vkládat nestrukturovaná dat. </a:t>
+            </a:r>
+            <a:br>
+              <a:rPr lang="cs-CZ" dirty="0"/>
+            </a:br>
+            <a:r>
+              <a:rPr lang="cs-CZ" dirty="0"/>
+              <a:t>Přístup je možné zkombinovat – některé atributy pevně definovat a zbytek tabulky nechat volný. </a:t>
+            </a:r>
+          </a:p>
+        </p:txBody>
+      </p:sp>
+      <p:sp>
+        <p:nvSpPr>
+          <p:cNvPr id="4" name="Zástupný symbol pro číslo snímku 3"/>
+          <p:cNvSpPr>
+            <a:spLocks noGrp="1"/>
+          </p:cNvSpPr>
+          <p:nvPr>
+            <p:ph type="sldNum" sz="quarter" idx="5"/>
+          </p:nvPr>
+        </p:nvSpPr>
+        <p:spPr/>
+        <p:txBody>
+          <a:bodyPr/>
+          <a:lstStyle/>
+          <a:p>
+            <a:fld id="{5EF1F1BE-7711-4EE4-A336-814F34B6F30D}" type="slidenum">
+              <a:rPr lang="cs-CZ" smtClean="0"/>
+              <a:t>14</a:t>
+            </a:fld>
+            <a:endParaRPr lang="cs-CZ"/>
+          </a:p>
+        </p:txBody>
+      </p:sp>
+    </p:spTree>
+    <p:extLst>
+      <p:ext uri="{BB962C8B-B14F-4D97-AF65-F5344CB8AC3E}">
         <p14:creationId xmlns:p14="http://schemas.microsoft.com/office/powerpoint/2010/main" val="2535284583"/>
+      </p:ext>
+    </p:extLst>
+  </p:cSld>
+  <p:clrMapOvr>
+    <a:masterClrMapping/>
+  </p:clrMapOvr>
+</p:notes>
+</file>
+
+<file path=ppt/notesSlides/notesSlide15.xml><?xml version="1.0" encoding="utf-8"?>
+<p:notes xmlns:a="http://schemas.openxmlformats.org/drawingml/2006/main" xmlns:r="http://schemas.openxmlformats.org/officeDocument/2006/relationships" xmlns:p="http://schemas.openxmlformats.org/presentationml/2006/main">
+  <p:cSld>
+    <p:spTree>
+      <p:nvGrpSpPr>
+        <p:cNvPr id="1" name=""/>
+        <p:cNvGrpSpPr/>
+        <p:nvPr/>
+      </p:nvGrpSpPr>
+      <p:grpSpPr>
+        <a:xfrm>
+          <a:off x="0" y="0"/>
+          <a:ext cx="0" cy="0"/>
+          <a:chOff x="0" y="0"/>
+          <a:chExt cx="0" cy="0"/>
+        </a:xfrm>
+      </p:grpSpPr>
+      <p:sp>
+        <p:nvSpPr>
+          <p:cNvPr id="2" name="Zástupný symbol pro obrázek snímku 1"/>
+          <p:cNvSpPr>
+            <a:spLocks noGrp="1" noRot="1" noChangeAspect="1"/>
+          </p:cNvSpPr>
+          <p:nvPr>
+            <p:ph type="sldImg"/>
+          </p:nvPr>
+        </p:nvSpPr>
+        <p:spPr/>
+      </p:sp>
+      <p:sp>
+        <p:nvSpPr>
+          <p:cNvPr id="3" name="Zástupný symbol pro poznámky 2"/>
+          <p:cNvSpPr>
+            <a:spLocks noGrp="1"/>
+          </p:cNvSpPr>
+          <p:nvPr>
+            <p:ph type="body" idx="1"/>
+          </p:nvPr>
+        </p:nvSpPr>
+        <p:spPr/>
+        <p:txBody>
+          <a:bodyPr/>
+          <a:lstStyle/>
+          <a:p>
+            <a:endParaRPr lang="cs-CZ" dirty="0"/>
+          </a:p>
+          <a:p>
+            <a:r>
+              <a:rPr lang="cs-CZ" dirty="0"/>
+              <a:t>Tento dotaz pro každé město vypočte vzdálenost od Prahy v kilometrech a výsledky seřadí vzestupně. Můžeme zde vidět práci s prostorovými daty.</a:t>
+            </a:r>
+          </a:p>
+          <a:p>
+            <a:endParaRPr lang="cs-CZ" dirty="0"/>
+          </a:p>
+          <a:p>
+            <a:r>
+              <a:rPr lang="cs-CZ" dirty="0"/>
+              <a:t>Skript změřil průměrnou dobu trvání příkazu při 100 opakováních jako 1,33 </a:t>
+            </a:r>
+            <a:r>
+              <a:rPr lang="cs-CZ" dirty="0" err="1"/>
+              <a:t>ms</a:t>
+            </a:r>
+            <a:r>
+              <a:rPr lang="cs-CZ" dirty="0"/>
+              <a:t>. Skript ale zahrnuje i síťovou komunikaci.</a:t>
+            </a:r>
+          </a:p>
+          <a:p>
+            <a:endParaRPr lang="cs-CZ" dirty="0"/>
+          </a:p>
+          <a:p>
+            <a:r>
+              <a:rPr lang="cs-CZ" dirty="0"/>
+              <a:t>Podle statistik databáze dotaz trvalo vykonat přibližně půl milisekundy.</a:t>
+            </a:r>
+          </a:p>
+          <a:p>
+            <a:endParaRPr lang="cs-CZ" dirty="0"/>
+          </a:p>
+          <a:p>
+            <a:r>
+              <a:rPr lang="cs-CZ" dirty="0"/>
+              <a:t>Napravo můžeme vidět výsledky.</a:t>
+            </a:r>
+          </a:p>
+          <a:p>
+            <a:endParaRPr lang="cs-CZ" dirty="0"/>
+          </a:p>
+          <a:p>
+            <a:r>
+              <a:rPr lang="cs-CZ" dirty="0"/>
+              <a:t>Databázi jsem nastavil ukládání na disku, ne v paměti.</a:t>
+            </a:r>
+          </a:p>
+          <a:p>
+            <a:endParaRPr lang="cs-CZ" dirty="0"/>
+          </a:p>
+        </p:txBody>
+      </p:sp>
+      <p:sp>
+        <p:nvSpPr>
+          <p:cNvPr id="4" name="Zástupný symbol pro číslo snímku 3"/>
+          <p:cNvSpPr>
+            <a:spLocks noGrp="1"/>
+          </p:cNvSpPr>
+          <p:nvPr>
+            <p:ph type="sldNum" sz="quarter" idx="5"/>
+          </p:nvPr>
+        </p:nvSpPr>
+        <p:spPr/>
+        <p:txBody>
+          <a:bodyPr/>
+          <a:lstStyle/>
+          <a:p>
+            <a:fld id="{5EF1F1BE-7711-4EE4-A336-814F34B6F30D}" type="slidenum">
+              <a:rPr lang="cs-CZ" smtClean="0"/>
+              <a:t>15</a:t>
+            </a:fld>
+            <a:endParaRPr lang="cs-CZ"/>
+          </a:p>
+        </p:txBody>
+      </p:sp>
+    </p:spTree>
+    <p:extLst>
+      <p:ext uri="{BB962C8B-B14F-4D97-AF65-F5344CB8AC3E}">
+        <p14:creationId xmlns:p14="http://schemas.microsoft.com/office/powerpoint/2010/main" val="1571482592"/>
+      </p:ext>
+    </p:extLst>
+  </p:cSld>
+  <p:clrMapOvr>
+    <a:masterClrMapping/>
+  </p:clrMapOvr>
+</p:notes>
+</file>
+
+<file path=ppt/notesSlides/notesSlide16.xml><?xml version="1.0" encoding="utf-8"?>
+<p:notes xmlns:a="http://schemas.openxmlformats.org/drawingml/2006/main" xmlns:r="http://schemas.openxmlformats.org/officeDocument/2006/relationships" xmlns:p="http://schemas.openxmlformats.org/presentationml/2006/main">
+  <p:cSld>
+    <p:spTree>
+      <p:nvGrpSpPr>
+        <p:cNvPr id="1" name=""/>
+        <p:cNvGrpSpPr/>
+        <p:nvPr/>
+      </p:nvGrpSpPr>
+      <p:grpSpPr>
+        <a:xfrm>
+          <a:off x="0" y="0"/>
+          <a:ext cx="0" cy="0"/>
+          <a:chOff x="0" y="0"/>
+          <a:chExt cx="0" cy="0"/>
+        </a:xfrm>
+      </p:grpSpPr>
+      <p:sp>
+        <p:nvSpPr>
+          <p:cNvPr id="2" name="Zástupný symbol pro obrázek snímku 1"/>
+          <p:cNvSpPr>
+            <a:spLocks noGrp="1" noRot="1" noChangeAspect="1"/>
+          </p:cNvSpPr>
+          <p:nvPr>
+            <p:ph type="sldImg"/>
+          </p:nvPr>
+        </p:nvSpPr>
+        <p:spPr/>
+      </p:sp>
+      <p:sp>
+        <p:nvSpPr>
+          <p:cNvPr id="3" name="Zástupný symbol pro poznámky 2"/>
+          <p:cNvSpPr>
+            <a:spLocks noGrp="1"/>
+          </p:cNvSpPr>
+          <p:nvPr>
+            <p:ph type="body" idx="1"/>
+          </p:nvPr>
+        </p:nvSpPr>
+        <p:spPr/>
+        <p:txBody>
+          <a:bodyPr/>
+          <a:lstStyle/>
+          <a:p>
+            <a:endParaRPr lang="cs-CZ" dirty="0"/>
+          </a:p>
+          <a:p>
+            <a:r>
+              <a:rPr lang="cs-CZ" dirty="0"/>
+              <a:t>Tento dotaz pro všechny uživatele se jménem Jan vrátí města, ve kterých ohodnotili nějakou restauraci. </a:t>
+            </a:r>
+          </a:p>
+          <a:p>
+            <a:r>
+              <a:rPr lang="cs-CZ" dirty="0"/>
+              <a:t>Zde můžeme vidět pokročilejší dotaz přes dvě relace a funkci pracují s polem. Ta vrátí jen rozdílné hodnoty.</a:t>
+            </a:r>
+          </a:p>
+          <a:p>
+            <a:endParaRPr lang="cs-CZ" dirty="0"/>
+          </a:p>
+          <a:p>
+            <a:r>
+              <a:rPr lang="cs-CZ" dirty="0"/>
+              <a:t>Skript změřil průměrnou dobu trvání 65ms. </a:t>
+            </a:r>
+          </a:p>
+          <a:p>
+            <a:r>
+              <a:rPr lang="cs-CZ" dirty="0"/>
+              <a:t>Podle statistik databáze dotaz trvalo dotaz vykonat 60ms.</a:t>
+            </a:r>
+          </a:p>
+        </p:txBody>
+      </p:sp>
+      <p:sp>
+        <p:nvSpPr>
+          <p:cNvPr id="4" name="Zástupný symbol pro číslo snímku 3"/>
+          <p:cNvSpPr>
+            <a:spLocks noGrp="1"/>
+          </p:cNvSpPr>
+          <p:nvPr>
+            <p:ph type="sldNum" sz="quarter" idx="5"/>
+          </p:nvPr>
+        </p:nvSpPr>
+        <p:spPr/>
+        <p:txBody>
+          <a:bodyPr/>
+          <a:lstStyle/>
+          <a:p>
+            <a:fld id="{5EF1F1BE-7711-4EE4-A336-814F34B6F30D}" type="slidenum">
+              <a:rPr lang="cs-CZ" smtClean="0"/>
+              <a:t>16</a:t>
+            </a:fld>
+            <a:endParaRPr lang="cs-CZ"/>
+          </a:p>
+        </p:txBody>
+      </p:sp>
+    </p:spTree>
+    <p:extLst>
+      <p:ext uri="{BB962C8B-B14F-4D97-AF65-F5344CB8AC3E}">
+        <p14:creationId xmlns:p14="http://schemas.microsoft.com/office/powerpoint/2010/main" val="2909619629"/>
+      </p:ext>
+    </p:extLst>
+  </p:cSld>
+  <p:clrMapOvr>
+    <a:masterClrMapping/>
+  </p:clrMapOvr>
+</p:notes>
+</file>
+
+<file path=ppt/notesSlides/notesSlide17.xml><?xml version="1.0" encoding="utf-8"?>
+<p:notes xmlns:a="http://schemas.openxmlformats.org/drawingml/2006/main" xmlns:r="http://schemas.openxmlformats.org/officeDocument/2006/relationships" xmlns:p="http://schemas.openxmlformats.org/presentationml/2006/main">
+  <p:cSld>
+    <p:spTree>
+      <p:nvGrpSpPr>
+        <p:cNvPr id="1" name=""/>
+        <p:cNvGrpSpPr/>
+        <p:nvPr/>
+      </p:nvGrpSpPr>
+      <p:grpSpPr>
+        <a:xfrm>
+          <a:off x="0" y="0"/>
+          <a:ext cx="0" cy="0"/>
+          <a:chOff x="0" y="0"/>
+          <a:chExt cx="0" cy="0"/>
+        </a:xfrm>
+      </p:grpSpPr>
+      <p:sp>
+        <p:nvSpPr>
+          <p:cNvPr id="2" name="Zástupný symbol pro obrázek snímku 1"/>
+          <p:cNvSpPr>
+            <a:spLocks noGrp="1" noRot="1" noChangeAspect="1"/>
+          </p:cNvSpPr>
+          <p:nvPr>
+            <p:ph type="sldImg"/>
+          </p:nvPr>
+        </p:nvSpPr>
+        <p:spPr/>
+      </p:sp>
+      <p:sp>
+        <p:nvSpPr>
+          <p:cNvPr id="3" name="Zástupný symbol pro poznámky 2"/>
+          <p:cNvSpPr>
+            <a:spLocks noGrp="1"/>
+          </p:cNvSpPr>
+          <p:nvPr>
+            <p:ph type="body" idx="1"/>
+          </p:nvPr>
+        </p:nvSpPr>
+        <p:spPr/>
+        <p:txBody>
+          <a:bodyPr/>
+          <a:lstStyle/>
+          <a:p>
+            <a:r>
+              <a:rPr lang="cs-CZ" dirty="0"/>
+              <a:t>Databáze podporuje uložení dotazů a funkcí v databázi.</a:t>
+            </a:r>
+          </a:p>
+          <a:p>
+            <a:endParaRPr lang="cs-CZ" dirty="0"/>
+          </a:p>
+          <a:p>
+            <a:r>
+              <a:rPr lang="cs-CZ" dirty="0"/>
+              <a:t>Datový typ </a:t>
+            </a:r>
+            <a:r>
+              <a:rPr lang="cs-CZ" dirty="0" err="1"/>
+              <a:t>future</a:t>
+            </a:r>
+            <a:r>
+              <a:rPr lang="cs-CZ" dirty="0"/>
+              <a:t> je v podstatě uložený dotaz, který se spustí při každém přístupu na atribut.</a:t>
+            </a:r>
+          </a:p>
+          <a:p>
+            <a:r>
+              <a:rPr lang="cs-CZ" dirty="0"/>
+              <a:t>Lze v databázi ale uložit i kompletní funkci v Javascriptu nebo </a:t>
+            </a:r>
+            <a:r>
+              <a:rPr lang="cs-CZ" dirty="0" err="1"/>
+              <a:t>WebAssembly</a:t>
+            </a:r>
+            <a:r>
+              <a:rPr lang="cs-CZ" dirty="0"/>
+              <a:t>.</a:t>
+            </a:r>
+          </a:p>
+          <a:p>
+            <a:r>
+              <a:rPr lang="cs-CZ" dirty="0"/>
+              <a:t>Zkusil jsem napsat funkci pro výpočet faktoriálu – zajímavé bylo že když jsem dotaz spustil spadla celá databáze a ne jen dotaz.</a:t>
+            </a:r>
+          </a:p>
+          <a:p>
+            <a:endParaRPr lang="cs-CZ" dirty="0"/>
+          </a:p>
+          <a:p>
+            <a:r>
+              <a:rPr lang="cs-CZ" dirty="0"/>
+              <a:t>A na závěr mi přišla zajímavá možnost práce s HTTP funkcemi. Je tedy možné napsat dotaz, který získá JSON a rovnou s ním pracuje. Prohlášení dokumentace, že databází lze kompletně nahradit </a:t>
+            </a:r>
+            <a:r>
+              <a:rPr lang="cs-CZ" dirty="0" err="1"/>
+              <a:t>backend</a:t>
+            </a:r>
+            <a:r>
+              <a:rPr lang="cs-CZ" dirty="0"/>
+              <a:t> není úplně nereálné.</a:t>
+            </a:r>
+          </a:p>
+          <a:p>
+            <a:endParaRPr lang="cs-CZ" dirty="0"/>
+          </a:p>
+          <a:p>
+            <a:endParaRPr lang="cs-CZ" dirty="0"/>
+          </a:p>
+        </p:txBody>
+      </p:sp>
+      <p:sp>
+        <p:nvSpPr>
+          <p:cNvPr id="4" name="Zástupný symbol pro číslo snímku 3"/>
+          <p:cNvSpPr>
+            <a:spLocks noGrp="1"/>
+          </p:cNvSpPr>
+          <p:nvPr>
+            <p:ph type="sldNum" sz="quarter" idx="5"/>
+          </p:nvPr>
+        </p:nvSpPr>
+        <p:spPr/>
+        <p:txBody>
+          <a:bodyPr/>
+          <a:lstStyle/>
+          <a:p>
+            <a:fld id="{5EF1F1BE-7711-4EE4-A336-814F34B6F30D}" type="slidenum">
+              <a:rPr lang="cs-CZ" smtClean="0"/>
+              <a:t>18</a:t>
+            </a:fld>
+            <a:endParaRPr lang="cs-CZ"/>
+          </a:p>
+        </p:txBody>
+      </p:sp>
+    </p:spTree>
+    <p:extLst>
+      <p:ext uri="{BB962C8B-B14F-4D97-AF65-F5344CB8AC3E}">
+        <p14:creationId xmlns:p14="http://schemas.microsoft.com/office/powerpoint/2010/main" val="3319472130"/>
+      </p:ext>
+    </p:extLst>
+  </p:cSld>
+  <p:clrMapOvr>
+    <a:masterClrMapping/>
+  </p:clrMapOvr>
+</p:notes>
+</file>
+
+<file path=ppt/notesSlides/notesSlide18.xml><?xml version="1.0" encoding="utf-8"?>
+<p:notes xmlns:a="http://schemas.openxmlformats.org/drawingml/2006/main" xmlns:r="http://schemas.openxmlformats.org/officeDocument/2006/relationships" xmlns:p="http://schemas.openxmlformats.org/presentationml/2006/main">
+  <p:cSld>
+    <p:spTree>
+      <p:nvGrpSpPr>
+        <p:cNvPr id="1" name=""/>
+        <p:cNvGrpSpPr/>
+        <p:nvPr/>
+      </p:nvGrpSpPr>
+      <p:grpSpPr>
+        <a:xfrm>
+          <a:off x="0" y="0"/>
+          <a:ext cx="0" cy="0"/>
+          <a:chOff x="0" y="0"/>
+          <a:chExt cx="0" cy="0"/>
+        </a:xfrm>
+      </p:grpSpPr>
+      <p:sp>
+        <p:nvSpPr>
+          <p:cNvPr id="2" name="Zástupný symbol pro obrázek snímku 1"/>
+          <p:cNvSpPr>
+            <a:spLocks noGrp="1" noRot="1" noChangeAspect="1"/>
+          </p:cNvSpPr>
+          <p:nvPr>
+            <p:ph type="sldImg"/>
+          </p:nvPr>
+        </p:nvSpPr>
+        <p:spPr/>
+      </p:sp>
+      <p:sp>
+        <p:nvSpPr>
+          <p:cNvPr id="3" name="Zástupný symbol pro poznámky 2"/>
+          <p:cNvSpPr>
+            <a:spLocks noGrp="1"/>
+          </p:cNvSpPr>
+          <p:nvPr>
+            <p:ph type="body" idx="1"/>
+          </p:nvPr>
+        </p:nvSpPr>
+        <p:spPr/>
+        <p:txBody>
+          <a:bodyPr/>
+          <a:lstStyle/>
+          <a:p>
+            <a:r>
+              <a:rPr lang="cs-CZ" dirty="0"/>
+              <a:t>Zde je seznam přiložených souborů.</a:t>
+            </a:r>
+          </a:p>
+          <a:p>
+            <a:endParaRPr lang="cs-CZ" dirty="0"/>
+          </a:p>
+          <a:p>
+            <a:r>
+              <a:rPr lang="cs-CZ" dirty="0"/>
+              <a:t>Kompletní návod na instalaci a spuštění dotazů je na úplném konci prezentace.</a:t>
+            </a:r>
+          </a:p>
+        </p:txBody>
+      </p:sp>
+      <p:sp>
+        <p:nvSpPr>
+          <p:cNvPr id="4" name="Zástupný symbol pro číslo snímku 3"/>
+          <p:cNvSpPr>
+            <a:spLocks noGrp="1"/>
+          </p:cNvSpPr>
+          <p:nvPr>
+            <p:ph type="sldNum" sz="quarter" idx="5"/>
+          </p:nvPr>
+        </p:nvSpPr>
+        <p:spPr/>
+        <p:txBody>
+          <a:bodyPr/>
+          <a:lstStyle/>
+          <a:p>
+            <a:fld id="{5EF1F1BE-7711-4EE4-A336-814F34B6F30D}" type="slidenum">
+              <a:rPr lang="cs-CZ" smtClean="0"/>
+              <a:t>20</a:t>
+            </a:fld>
+            <a:endParaRPr lang="cs-CZ"/>
+          </a:p>
+        </p:txBody>
+      </p:sp>
+    </p:spTree>
+    <p:extLst>
+      <p:ext uri="{BB962C8B-B14F-4D97-AF65-F5344CB8AC3E}">
+        <p14:creationId xmlns:p14="http://schemas.microsoft.com/office/powerpoint/2010/main" val="1820903299"/>
+      </p:ext>
+    </p:extLst>
+  </p:cSld>
+  <p:clrMapOvr>
+    <a:masterClrMapping/>
+  </p:clrMapOvr>
+</p:notes>
+</file>
+
+<file path=ppt/notesSlides/notesSlide19.xml><?xml version="1.0" encoding="utf-8"?>
+<p:notes xmlns:a="http://schemas.openxmlformats.org/drawingml/2006/main" xmlns:r="http://schemas.openxmlformats.org/officeDocument/2006/relationships" xmlns:p="http://schemas.openxmlformats.org/presentationml/2006/main">
+  <p:cSld>
+    <p:spTree>
+      <p:nvGrpSpPr>
+        <p:cNvPr id="1" name=""/>
+        <p:cNvGrpSpPr/>
+        <p:nvPr/>
+      </p:nvGrpSpPr>
+      <p:grpSpPr>
+        <a:xfrm>
+          <a:off x="0" y="0"/>
+          <a:ext cx="0" cy="0"/>
+          <a:chOff x="0" y="0"/>
+          <a:chExt cx="0" cy="0"/>
+        </a:xfrm>
+      </p:grpSpPr>
+      <p:sp>
+        <p:nvSpPr>
+          <p:cNvPr id="2" name="Zástupný symbol pro obrázek snímku 1"/>
+          <p:cNvSpPr>
+            <a:spLocks noGrp="1" noRot="1" noChangeAspect="1"/>
+          </p:cNvSpPr>
+          <p:nvPr>
+            <p:ph type="sldImg"/>
+          </p:nvPr>
+        </p:nvSpPr>
+        <p:spPr/>
+      </p:sp>
+      <p:sp>
+        <p:nvSpPr>
+          <p:cNvPr id="3" name="Zástupný symbol pro poznámky 2"/>
+          <p:cNvSpPr>
+            <a:spLocks noGrp="1"/>
+          </p:cNvSpPr>
+          <p:nvPr>
+            <p:ph type="body" idx="1"/>
+          </p:nvPr>
+        </p:nvSpPr>
+        <p:spPr/>
+        <p:txBody>
+          <a:bodyPr/>
+          <a:lstStyle/>
+          <a:p>
+            <a:endParaRPr lang="cs-CZ" dirty="0"/>
+          </a:p>
+        </p:txBody>
+      </p:sp>
+      <p:sp>
+        <p:nvSpPr>
+          <p:cNvPr id="4" name="Zástupný symbol pro číslo snímku 3"/>
+          <p:cNvSpPr>
+            <a:spLocks noGrp="1"/>
+          </p:cNvSpPr>
+          <p:nvPr>
+            <p:ph type="sldNum" sz="quarter" idx="5"/>
+          </p:nvPr>
+        </p:nvSpPr>
+        <p:spPr/>
+        <p:txBody>
+          <a:bodyPr/>
+          <a:lstStyle/>
+          <a:p>
+            <a:fld id="{5EF1F1BE-7711-4EE4-A336-814F34B6F30D}" type="slidenum">
+              <a:rPr lang="cs-CZ" smtClean="0"/>
+              <a:t>21</a:t>
+            </a:fld>
+            <a:endParaRPr lang="cs-CZ"/>
+          </a:p>
+        </p:txBody>
+      </p:sp>
+    </p:spTree>
+    <p:extLst>
+      <p:ext uri="{BB962C8B-B14F-4D97-AF65-F5344CB8AC3E}">
+        <p14:creationId xmlns:p14="http://schemas.microsoft.com/office/powerpoint/2010/main" val="3805784645"/>
       </p:ext>
     </p:extLst>
   </p:cSld>
@@ -909,7 +1990,15 @@
             </a:pPr>
             <a:r>
               <a:rPr lang="cs-CZ" dirty="0"/>
-              <a:t>Umí ukládat strukturovaná data v podobě dokumentů. Data lze propojovat do grafů. Umí efektivně pracovat s časovými a prostorovými daty.</a:t>
+              <a:t>Databáze je </a:t>
+            </a:r>
+            <a:r>
+              <a:rPr lang="cs-CZ" dirty="0" err="1"/>
+              <a:t>multi</a:t>
+            </a:r>
+            <a:r>
+              <a:rPr lang="cs-CZ" dirty="0"/>
+              <a:t>-modelová. Umí ukládat strukturovaná data v podobě dokumentů. Data lze propojovat do grafů pomocí relací. Umí efektivně pracovat s časovými a prostorovými daty.</a:t>
             </a:r>
           </a:p>
           <a:p>
@@ -1044,6 +2133,90 @@
     <p:extLst>
       <p:ext uri="{BB962C8B-B14F-4D97-AF65-F5344CB8AC3E}">
         <p14:creationId xmlns:p14="http://schemas.microsoft.com/office/powerpoint/2010/main" val="1258966152"/>
+      </p:ext>
+    </p:extLst>
+  </p:cSld>
+  <p:clrMapOvr>
+    <a:masterClrMapping/>
+  </p:clrMapOvr>
+</p:notes>
+</file>
+
+<file path=ppt/notesSlides/notesSlide20.xml><?xml version="1.0" encoding="utf-8"?>
+<p:notes xmlns:a="http://schemas.openxmlformats.org/drawingml/2006/main" xmlns:r="http://schemas.openxmlformats.org/officeDocument/2006/relationships" xmlns:p="http://schemas.openxmlformats.org/presentationml/2006/main">
+  <p:cSld>
+    <p:spTree>
+      <p:nvGrpSpPr>
+        <p:cNvPr id="1" name=""/>
+        <p:cNvGrpSpPr/>
+        <p:nvPr/>
+      </p:nvGrpSpPr>
+      <p:grpSpPr>
+        <a:xfrm>
+          <a:off x="0" y="0"/>
+          <a:ext cx="0" cy="0"/>
+          <a:chOff x="0" y="0"/>
+          <a:chExt cx="0" cy="0"/>
+        </a:xfrm>
+      </p:grpSpPr>
+      <p:sp>
+        <p:nvSpPr>
+          <p:cNvPr id="2" name="Zástupný symbol pro obrázek snímku 1"/>
+          <p:cNvSpPr>
+            <a:spLocks noGrp="1" noRot="1" noChangeAspect="1"/>
+          </p:cNvSpPr>
+          <p:nvPr>
+            <p:ph type="sldImg"/>
+          </p:nvPr>
+        </p:nvSpPr>
+        <p:spPr/>
+      </p:sp>
+      <p:sp>
+        <p:nvSpPr>
+          <p:cNvPr id="3" name="Zástupný symbol pro poznámky 2"/>
+          <p:cNvSpPr>
+            <a:spLocks noGrp="1"/>
+          </p:cNvSpPr>
+          <p:nvPr>
+            <p:ph type="body" idx="1"/>
+          </p:nvPr>
+        </p:nvSpPr>
+        <p:spPr/>
+        <p:txBody>
+          <a:bodyPr/>
+          <a:lstStyle/>
+          <a:p>
+            <a:endParaRPr lang="cs-CZ" dirty="0"/>
+          </a:p>
+        </p:txBody>
+      </p:sp>
+      <p:sp>
+        <p:nvSpPr>
+          <p:cNvPr id="4" name="Zástupný symbol pro číslo snímku 3"/>
+          <p:cNvSpPr>
+            <a:spLocks noGrp="1"/>
+          </p:cNvSpPr>
+          <p:nvPr>
+            <p:ph type="sldNum" sz="quarter" idx="5"/>
+          </p:nvPr>
+        </p:nvSpPr>
+        <p:spPr/>
+        <p:txBody>
+          <a:bodyPr/>
+          <a:lstStyle/>
+          <a:p>
+            <a:fld id="{5EF1F1BE-7711-4EE4-A336-814F34B6F30D}" type="slidenum">
+              <a:rPr lang="cs-CZ" smtClean="0"/>
+              <a:t>22</a:t>
+            </a:fld>
+            <a:endParaRPr lang="cs-CZ"/>
+          </a:p>
+        </p:txBody>
+      </p:sp>
+    </p:spTree>
+    <p:extLst>
+      <p:ext uri="{BB962C8B-B14F-4D97-AF65-F5344CB8AC3E}">
+        <p14:creationId xmlns:p14="http://schemas.microsoft.com/office/powerpoint/2010/main" val="1878934947"/>
       </p:ext>
     </p:extLst>
   </p:cSld>
@@ -1139,7 +2312,7 @@
             </a:pPr>
             <a:r>
               <a:rPr lang="cs-CZ" dirty="0"/>
-              <a:t>Jestli je tomu opravdu tak vyhodnotíme na závěr prezentace.</a:t>
+              <a:t>Jestli je tomu opravdu tak se přesvědčíme v průběhu prezentace.</a:t>
             </a:r>
           </a:p>
         </p:txBody>
@@ -1236,7 +2409,7 @@
           <a:p>
             <a:r>
               <a:rPr lang="cs-CZ" dirty="0"/>
-              <a:t>Návrh a vývoj začal již někdy roce 2015. </a:t>
+              <a:t>Vývoj začal již někdy roce 2015. </a:t>
             </a:r>
           </a:p>
           <a:p>
@@ -1251,7 +2424,7 @@
           <a:p>
             <a:r>
               <a:rPr lang="cs-CZ" dirty="0"/>
-              <a:t>Systém je momentálně v beta verzi. </a:t>
+              <a:t>Momentálně se nachází v beta verzi. </a:t>
             </a:r>
           </a:p>
           <a:p>
@@ -1265,7 +2438,15 @@
             </a:r>
             <a:r>
               <a:rPr lang="cs-CZ" dirty="0"/>
-              <a:t> se očekává v druhém kvartálu tohoto roku.</a:t>
+              <a:t> se očekává v druhém kvartálu tohoto roku, ale momentálně je květen a </a:t>
+            </a:r>
+            <a:r>
+              <a:rPr lang="cs-CZ" dirty="0" err="1"/>
+              <a:t>releasu</a:t>
+            </a:r>
+            <a:r>
+              <a:rPr lang="cs-CZ" dirty="0"/>
+              <a:t> nic nenasvědčuje.</a:t>
             </a:r>
           </a:p>
           <a:p>
@@ -1391,7 +2572,7 @@
             </a:r>
             <a:r>
               <a:rPr lang="cs-CZ" dirty="0"/>
-              <a:t> jsou kompletně izolované. Lze je využít třeba na oddělení databází pro více zákazníků v cloudu.</a:t>
+              <a:t> jsou kompletně izolované. Lze je využít třeba na oddělení databází pro více klientů v cloudu.</a:t>
             </a:r>
           </a:p>
           <a:p>
@@ -1422,7 +2603,15 @@
             </a:r>
             <a:r>
               <a:rPr lang="cs-CZ" dirty="0"/>
-              <a:t> neboli polí.</a:t>
+              <a:t> neboli polí. </a:t>
+            </a:r>
+            <a:r>
+              <a:rPr lang="cs-CZ" dirty="0" err="1"/>
+              <a:t>Fields</a:t>
+            </a:r>
+            <a:r>
+              <a:rPr lang="cs-CZ" dirty="0"/>
+              <a:t> budu označovat jako atributy, aby nedošlo ke zmatení s datovým typem pole.</a:t>
             </a:r>
           </a:p>
         </p:txBody>
@@ -1563,7 +2752,31 @@
           <a:p>
             <a:r>
               <a:rPr lang="cs-CZ" dirty="0"/>
-              <a:t>Druhá vrstva řeší ukládání dat. Podporováno je několik </a:t>
+              <a:t>Druhá vrstva řeší ukládání dat. Je využito nějakého z </a:t>
+            </a:r>
+            <a:r>
+              <a:rPr lang="cs-CZ" dirty="0" err="1"/>
+              <a:t>existujích</a:t>
+            </a:r>
+            <a:r>
+              <a:rPr lang="cs-CZ" dirty="0"/>
+              <a:t> </a:t>
+            </a:r>
+            <a:r>
+              <a:rPr lang="cs-CZ" dirty="0" err="1"/>
+              <a:t>key-value</a:t>
+            </a:r>
+            <a:r>
+              <a:rPr lang="cs-CZ" dirty="0"/>
+              <a:t> </a:t>
+            </a:r>
+            <a:r>
+              <a:rPr lang="cs-CZ" dirty="0" err="1"/>
+              <a:t>storage</a:t>
+            </a:r>
+            <a:r>
+              <a:rPr lang="cs-CZ" dirty="0"/>
+              <a:t> </a:t>
             </a:r>
             <a:r>
               <a:rPr lang="cs-CZ" dirty="0" err="1"/>
@@ -1571,7 +2784,7 @@
             </a:r>
             <a:r>
               <a:rPr lang="cs-CZ" dirty="0"/>
-              <a:t>, například </a:t>
+              <a:t>. Podporováno je jich několik, například </a:t>
             </a:r>
             <a:r>
               <a:rPr lang="cs-CZ" dirty="0" err="1"/>
@@ -1672,7 +2885,58 @@
           <a:bodyPr/>
           <a:lstStyle/>
           <a:p>
-            <a:endParaRPr lang="cs-CZ"/>
+            <a:r>
+              <a:rPr lang="cs-CZ" dirty="0"/>
+              <a:t>Oficiální </a:t>
+            </a:r>
+            <a:r>
+              <a:rPr lang="cs-CZ" dirty="0" err="1"/>
+              <a:t>dokumentce</a:t>
+            </a:r>
+            <a:r>
+              <a:rPr lang="cs-CZ" dirty="0"/>
+              <a:t> obsahuje instalační příručku. Na všech systémech lze databázi nainstalovat jedním příkazem.</a:t>
+            </a:r>
+          </a:p>
+          <a:p>
+            <a:endParaRPr lang="cs-CZ" dirty="0"/>
+          </a:p>
+          <a:p>
+            <a:r>
+              <a:rPr lang="cs-CZ" dirty="0"/>
+              <a:t>Já jsem databázi nainstaloval na Windows, příkazem na slidu, přes </a:t>
+            </a:r>
+            <a:r>
+              <a:rPr lang="cs-CZ" dirty="0" err="1"/>
+              <a:t>Powershell</a:t>
+            </a:r>
+            <a:r>
+              <a:rPr lang="cs-CZ" dirty="0"/>
+              <a:t>.</a:t>
+            </a:r>
+          </a:p>
+          <a:p>
+            <a:r>
+              <a:rPr lang="cs-CZ" dirty="0"/>
+              <a:t>Databázi je také možné nainstalovat na macOS, Linuxu nebo přes </a:t>
+            </a:r>
+            <a:r>
+              <a:rPr lang="cs-CZ" dirty="0" err="1"/>
+              <a:t>Docker</a:t>
+            </a:r>
+            <a:r>
+              <a:rPr lang="cs-CZ" dirty="0"/>
+              <a:t>.</a:t>
+            </a:r>
+          </a:p>
+          <a:p>
+            <a:endParaRPr lang="cs-CZ" dirty="0"/>
+          </a:p>
+          <a:p>
+            <a:r>
+              <a:rPr lang="cs-CZ" dirty="0"/>
+              <a:t>Pro spuštění přiložených skriptů je potřeba mít nainstalovaný Python a knihovny ze souboru requirements.txt</a:t>
+            </a:r>
           </a:p>
         </p:txBody>
       </p:sp>
@@ -1702,7 +2966,7 @@
     </p:spTree>
     <p:extLst>
       <p:ext uri="{BB962C8B-B14F-4D97-AF65-F5344CB8AC3E}">
-        <p14:creationId xmlns:p14="http://schemas.microsoft.com/office/powerpoint/2010/main" val="618626218"/>
+        <p14:creationId xmlns:p14="http://schemas.microsoft.com/office/powerpoint/2010/main" val="2156676743"/>
       </p:ext>
     </p:extLst>
   </p:cSld>
@@ -1756,7 +3020,54 @@
           <a:bodyPr/>
           <a:lstStyle/>
           <a:p>
-            <a:endParaRPr lang="cs-CZ"/>
+            <a:r>
+              <a:rPr lang="cs-CZ" dirty="0"/>
+              <a:t>Jako doménu jsem si zvolil systém hodnocení jídel v restauracích.</a:t>
+            </a:r>
+          </a:p>
+          <a:p>
+            <a:endParaRPr lang="cs-CZ" dirty="0"/>
+          </a:p>
+          <a:p>
+            <a:r>
+              <a:rPr lang="cs-CZ" dirty="0"/>
+              <a:t>Restaurace jsou umístěny ve městech. V restauracích se podávají různá jídla. Uživatelé hodnotí jídlo v restauraci, kterou navštívily.</a:t>
+            </a:r>
+          </a:p>
+          <a:p>
+            <a:endParaRPr lang="cs-CZ" dirty="0"/>
+          </a:p>
+          <a:p>
+            <a:r>
+              <a:rPr lang="cs-CZ" dirty="0"/>
+              <a:t>Uživatel má kromě primárního klíče i sekundární – unikátní email.</a:t>
+            </a:r>
+          </a:p>
+          <a:p>
+            <a:r>
+              <a:rPr lang="cs-CZ" dirty="0"/>
+              <a:t>Město a restaurace mají složený atribut lokace.</a:t>
+            </a:r>
+          </a:p>
+          <a:p>
+            <a:r>
+              <a:rPr lang="cs-CZ" dirty="0"/>
+              <a:t>Jídlo obsahuje pole ingrediencí. Všimněme si, že jeden druh jídla může být servírován ve více restauracích.</a:t>
+            </a:r>
+          </a:p>
+          <a:p>
+            <a:r>
+              <a:rPr lang="cs-CZ" dirty="0"/>
+              <a:t>U města je schválně </a:t>
+            </a:r>
+            <a:r>
+              <a:rPr lang="cs-CZ" dirty="0" err="1"/>
+              <a:t>zadefinovaná</a:t>
+            </a:r>
+            <a:r>
+              <a:rPr lang="cs-CZ" dirty="0"/>
+              <a:t> funkce počet restaurací pro demonstraci jedné z funkcionalit databáze, kterou si ukážeme později.</a:t>
+            </a:r>
           </a:p>
         </p:txBody>
       </p:sp>
@@ -1786,7 +3097,7 @@
     </p:spTree>
     <p:extLst>
       <p:ext uri="{BB962C8B-B14F-4D97-AF65-F5344CB8AC3E}">
-        <p14:creationId xmlns:p14="http://schemas.microsoft.com/office/powerpoint/2010/main" val="3381456553"/>
+        <p14:creationId xmlns:p14="http://schemas.microsoft.com/office/powerpoint/2010/main" val="618626218"/>
       </p:ext>
     </p:extLst>
   </p:cSld>
@@ -1840,7 +3151,81 @@
           <a:bodyPr/>
           <a:lstStyle/>
           <a:p>
-            <a:endParaRPr lang="cs-CZ"/>
+            <a:r>
+              <a:rPr lang="cs-CZ" dirty="0"/>
+              <a:t>Do </a:t>
+            </a:r>
+            <a:r>
+              <a:rPr lang="cs-CZ" dirty="0" err="1"/>
+              <a:t>SurrealDB</a:t>
+            </a:r>
+            <a:r>
+              <a:rPr lang="cs-CZ" dirty="0"/>
+              <a:t> jsem toto schéma převedl následovně.</a:t>
+            </a:r>
+          </a:p>
+          <a:p>
+            <a:endParaRPr lang="cs-CZ" dirty="0"/>
+          </a:p>
+          <a:p>
+            <a:r>
+              <a:rPr lang="cs-CZ" dirty="0"/>
+              <a:t>Máme 4 hlavní tabulky – uživatele, jídlo, restauraci a město.</a:t>
+            </a:r>
+          </a:p>
+          <a:p>
+            <a:r>
+              <a:rPr lang="cs-CZ" dirty="0"/>
+              <a:t>Mezi nimi jsou tři relace. Relace vždy mají daný směr. </a:t>
+            </a:r>
+          </a:p>
+          <a:p>
+            <a:r>
+              <a:rPr lang="cs-CZ" dirty="0"/>
+              <a:t>Uživatel hodnotí jídlo, jídlo je servírováno v restauraci a restaurace se nachází ve městě.</a:t>
+            </a:r>
+          </a:p>
+          <a:p>
+            <a:endParaRPr lang="cs-CZ" dirty="0"/>
+          </a:p>
+          <a:p>
+            <a:r>
+              <a:rPr lang="cs-CZ" dirty="0" err="1"/>
+              <a:t>Uživtael</a:t>
+            </a:r>
+            <a:r>
+              <a:rPr lang="cs-CZ" dirty="0"/>
+              <a:t> hodnotí jídlo v konkrétní restauraci, ale relace mohou být vytvořeny jen mezi dvěma záznamy.</a:t>
+            </a:r>
+          </a:p>
+          <a:p>
+            <a:pPr marL="0" marR="0" lvl="0" indent="0" algn="l" defTabSz="914400" rtl="0" eaLnBrk="1" fontAlgn="auto" latinLnBrk="0" hangingPunct="1">
+              <a:lnSpc>
+                <a:spcPct val="100000"/>
+              </a:lnSpc>
+              <a:spcBef>
+                <a:spcPts val="0"/>
+              </a:spcBef>
+              <a:spcAft>
+                <a:spcPts val="0"/>
+              </a:spcAft>
+              <a:buClrTx/>
+              <a:buSzTx/>
+              <a:buFontTx/>
+              <a:buNone/>
+              <a:tabLst/>
+              <a:defRPr/>
+            </a:pPr>
+            <a:r>
+              <a:rPr lang="cs-CZ" dirty="0"/>
+              <a:t>Relace ovšem mohou také mít atributy.  Klíč restaurace bude tedy uložen jako atribut relace.</a:t>
+            </a:r>
+          </a:p>
+          <a:p>
+            <a:endParaRPr lang="cs-CZ" dirty="0"/>
+          </a:p>
+          <a:p>
+            <a:endParaRPr lang="cs-CZ" dirty="0"/>
           </a:p>
         </p:txBody>
       </p:sp>
@@ -1870,7 +3255,7 @@
     </p:spTree>
     <p:extLst>
       <p:ext uri="{BB962C8B-B14F-4D97-AF65-F5344CB8AC3E}">
-        <p14:creationId xmlns:p14="http://schemas.microsoft.com/office/powerpoint/2010/main" val="212637992"/>
+        <p14:creationId xmlns:p14="http://schemas.microsoft.com/office/powerpoint/2010/main" val="3381456553"/>
       </p:ext>
     </p:extLst>
   </p:cSld>
@@ -2216,7 +3601,7 @@
             <a:fld id="{5923F103-BC34-4FE4-A40E-EDDEECFDA5D0}" type="datetimeFigureOut">
               <a:rPr lang="en-US" dirty="0"/>
               <a:pPr/>
-              <a:t>5/8/2023</a:t>
+              <a:t>5/9/2023</a:t>
             </a:fld>
             <a:endParaRPr lang="en-US" dirty="0"/>
           </a:p>
@@ -2326,13 +3711,13 @@
   <p:clrMapOvr>
     <a:masterClrMapping/>
   </p:clrMapOvr>
-  <mc:AlternateContent xmlns:mc="http://schemas.openxmlformats.org/markup-compatibility/2006">
-    <mc:Choice xmlns:p159="http://schemas.microsoft.com/office/powerpoint/2015/09/main" Requires="p159">
+  <mc:AlternateContent xmlns:mc="http://schemas.openxmlformats.org/markup-compatibility/2006" xmlns:p159="http://schemas.microsoft.com/office/powerpoint/2015/09/main">
+    <mc:Choice Requires="p159">
       <p:transition spd="slow">
         <p159:morph option="byObject"/>
       </p:transition>
     </mc:Choice>
-    <mc:Fallback>
+    <mc:Fallback xmlns="">
       <p:transition spd="slow">
         <p:fade/>
       </p:transition>
@@ -3312,7 +4697,7 @@
           <a:p>
             <a:fld id="{923A1CC3-2375-41D4-9E03-427CAF2A4C1A}" type="datetimeFigureOut">
               <a:rPr lang="en-US" dirty="0"/>
-              <a:t>5/8/2023</a:t>
+              <a:t>5/9/2023</a:t>
             </a:fld>
             <a:endParaRPr lang="en-US" dirty="0"/>
           </a:p>
@@ -3402,13 +4787,13 @@
   <p:clrMapOvr>
     <a:masterClrMapping/>
   </p:clrMapOvr>
-  <mc:AlternateContent xmlns:mc="http://schemas.openxmlformats.org/markup-compatibility/2006">
-    <mc:Choice xmlns:p159="http://schemas.microsoft.com/office/powerpoint/2015/09/main" Requires="p159">
+  <mc:AlternateContent xmlns:mc="http://schemas.openxmlformats.org/markup-compatibility/2006" xmlns:p159="http://schemas.microsoft.com/office/powerpoint/2015/09/main">
+    <mc:Choice Requires="p159">
       <p:transition spd="slow">
         <p159:morph option="byObject"/>
       </p:transition>
     </mc:Choice>
-    <mc:Fallback>
+    <mc:Fallback xmlns="">
       <p:transition spd="slow">
         <p:fade/>
       </p:transition>
@@ -4300,7 +5685,7 @@
           <a:p>
             <a:fld id="{AFF16868-8199-4C2C-A5B1-63AEE139F88E}" type="datetimeFigureOut">
               <a:rPr lang="en-US" dirty="0"/>
-              <a:t>5/8/2023</a:t>
+              <a:t>5/9/2023</a:t>
             </a:fld>
             <a:endParaRPr lang="en-US" dirty="0"/>
           </a:p>
@@ -4390,13 +5775,13 @@
   <p:clrMapOvr>
     <a:masterClrMapping/>
   </p:clrMapOvr>
-  <mc:AlternateContent xmlns:mc="http://schemas.openxmlformats.org/markup-compatibility/2006">
-    <mc:Choice xmlns:p159="http://schemas.microsoft.com/office/powerpoint/2015/09/main" Requires="p159">
+  <mc:AlternateContent xmlns:mc="http://schemas.openxmlformats.org/markup-compatibility/2006" xmlns:p159="http://schemas.microsoft.com/office/powerpoint/2015/09/main">
+    <mc:Choice Requires="p159">
       <p:transition spd="slow">
         <p159:morph option="byObject"/>
       </p:transition>
     </mc:Choice>
-    <mc:Fallback>
+    <mc:Fallback xmlns="">
       <p:transition spd="slow">
         <p:fade/>
       </p:transition>
@@ -5442,7 +6827,7 @@
           <a:p>
             <a:fld id="{AAD9FF7F-6988-44CC-821B-644E70CD2F73}" type="datetimeFigureOut">
               <a:rPr lang="en-US" dirty="0"/>
-              <a:t>5/8/2023</a:t>
+              <a:t>5/9/2023</a:t>
             </a:fld>
             <a:endParaRPr lang="en-US" dirty="0"/>
           </a:p>
@@ -5532,13 +6917,13 @@
   <p:clrMapOvr>
     <a:masterClrMapping/>
   </p:clrMapOvr>
-  <mc:AlternateContent xmlns:mc="http://schemas.openxmlformats.org/markup-compatibility/2006">
-    <mc:Choice xmlns:p159="http://schemas.microsoft.com/office/powerpoint/2015/09/main" Requires="p159">
+  <mc:AlternateContent xmlns:mc="http://schemas.openxmlformats.org/markup-compatibility/2006" xmlns:p159="http://schemas.microsoft.com/office/powerpoint/2015/09/main">
+    <mc:Choice Requires="p159">
       <p:transition spd="slow">
         <p159:morph option="byObject"/>
       </p:transition>
     </mc:Choice>
-    <mc:Fallback>
+    <mc:Fallback xmlns="">
       <p:transition spd="slow">
         <p:fade/>
       </p:transition>
@@ -6483,7 +7868,7 @@
           <a:p>
             <a:fld id="{5C12C299-16B2-4475-990D-751901EACC14}" type="datetimeFigureOut">
               <a:rPr lang="en-US" dirty="0"/>
-              <a:t>5/8/2023</a:t>
+              <a:t>5/9/2023</a:t>
             </a:fld>
             <a:endParaRPr lang="en-US" dirty="0"/>
           </a:p>
@@ -6573,13 +7958,13 @@
   <p:clrMapOvr>
     <a:masterClrMapping/>
   </p:clrMapOvr>
-  <mc:AlternateContent xmlns:mc="http://schemas.openxmlformats.org/markup-compatibility/2006">
-    <mc:Choice xmlns:p159="http://schemas.microsoft.com/office/powerpoint/2015/09/main" Requires="p159">
+  <mc:AlternateContent xmlns:mc="http://schemas.openxmlformats.org/markup-compatibility/2006" xmlns:p159="http://schemas.microsoft.com/office/powerpoint/2015/09/main">
+    <mc:Choice Requires="p159">
       <p:transition spd="slow">
         <p159:morph option="byObject"/>
       </p:transition>
     </mc:Choice>
-    <mc:Fallback>
+    <mc:Fallback xmlns="">
       <p:transition spd="slow">
         <p:fade/>
       </p:transition>
@@ -7151,7 +8536,7 @@
           <a:p>
             <a:fld id="{9FE86839-B9D8-4651-8783-F325ECE74E65}" type="datetimeFigureOut">
               <a:rPr lang="en-US" dirty="0"/>
-              <a:t>5/8/2023</a:t>
+              <a:t>5/9/2023</a:t>
             </a:fld>
             <a:endParaRPr lang="en-US" dirty="0"/>
           </a:p>
@@ -7205,13 +8590,13 @@
   <p:clrMapOvr>
     <a:masterClrMapping/>
   </p:clrMapOvr>
-  <mc:AlternateContent xmlns:mc="http://schemas.openxmlformats.org/markup-compatibility/2006">
-    <mc:Choice xmlns:p159="http://schemas.microsoft.com/office/powerpoint/2015/09/main" Requires="p159">
+  <mc:AlternateContent xmlns:mc="http://schemas.openxmlformats.org/markup-compatibility/2006" xmlns:p159="http://schemas.microsoft.com/office/powerpoint/2015/09/main">
+    <mc:Choice Requires="p159">
       <p:transition spd="slow">
         <p159:morph option="byObject"/>
       </p:transition>
     </mc:Choice>
-    <mc:Fallback>
+    <mc:Fallback xmlns="">
       <p:transition spd="slow">
         <p:fade/>
       </p:transition>
@@ -8020,7 +9405,7 @@
           <a:p>
             <a:fld id="{FD484F64-32F6-45C5-931F-ADC1662401D0}" type="datetimeFigureOut">
               <a:rPr lang="en-US" dirty="0"/>
-              <a:t>5/8/2023</a:t>
+              <a:t>5/9/2023</a:t>
             </a:fld>
             <a:endParaRPr lang="en-US" dirty="0"/>
           </a:p>
@@ -8079,13 +9464,13 @@
   <p:clrMapOvr>
     <a:masterClrMapping/>
   </p:clrMapOvr>
-  <mc:AlternateContent xmlns:mc="http://schemas.openxmlformats.org/markup-compatibility/2006">
-    <mc:Choice xmlns:p159="http://schemas.microsoft.com/office/powerpoint/2015/09/main" Requires="p159">
+  <mc:AlternateContent xmlns:mc="http://schemas.openxmlformats.org/markup-compatibility/2006" xmlns:p159="http://schemas.microsoft.com/office/powerpoint/2015/09/main">
+    <mc:Choice Requires="p159">
       <p:transition spd="slow">
         <p159:morph option="byObject"/>
       </p:transition>
     </mc:Choice>
-    <mc:Fallback>
+    <mc:Fallback xmlns="">
       <p:transition spd="slow">
         <p:fade/>
       </p:transition>
@@ -8218,7 +9603,7 @@
           <a:p>
             <a:fld id="{53086D93-FCAC-47E0-A2EE-787E62CA814C}" type="datetimeFigureOut">
               <a:rPr lang="en-US" dirty="0"/>
-              <a:t>5/8/2023</a:t>
+              <a:t>5/9/2023</a:t>
             </a:fld>
             <a:endParaRPr lang="en-US" dirty="0"/>
           </a:p>
@@ -8272,13 +9657,13 @@
   <p:clrMapOvr>
     <a:masterClrMapping/>
   </p:clrMapOvr>
-  <mc:AlternateContent xmlns:mc="http://schemas.openxmlformats.org/markup-compatibility/2006">
-    <mc:Choice xmlns:p159="http://schemas.microsoft.com/office/powerpoint/2015/09/main" Requires="p159">
+  <mc:AlternateContent xmlns:mc="http://schemas.openxmlformats.org/markup-compatibility/2006" xmlns:p159="http://schemas.microsoft.com/office/powerpoint/2015/09/main">
+    <mc:Choice Requires="p159">
       <p:transition spd="slow">
         <p159:morph option="byObject"/>
       </p:transition>
     </mc:Choice>
-    <mc:Fallback>
+    <mc:Fallback xmlns="">
       <p:transition spd="slow">
         <p:fade/>
       </p:transition>
@@ -9198,7 +10583,7 @@
           <a:p>
             <a:fld id="{CDA879A6-0FD0-4734-A311-86BFCA472E6E}" type="datetimeFigureOut">
               <a:rPr lang="en-US" dirty="0"/>
-              <a:t>5/8/2023</a:t>
+              <a:t>5/9/2023</a:t>
             </a:fld>
             <a:endParaRPr lang="en-US" dirty="0"/>
           </a:p>
@@ -9288,13 +10673,13 @@
   <p:clrMapOvr>
     <a:masterClrMapping/>
   </p:clrMapOvr>
-  <mc:AlternateContent xmlns:mc="http://schemas.openxmlformats.org/markup-compatibility/2006">
-    <mc:Choice xmlns:p159="http://schemas.microsoft.com/office/powerpoint/2015/09/main" Requires="p159">
+  <mc:AlternateContent xmlns:mc="http://schemas.openxmlformats.org/markup-compatibility/2006" xmlns:p159="http://schemas.microsoft.com/office/powerpoint/2015/09/main">
+    <mc:Choice Requires="p159">
       <p:transition spd="slow">
         <p159:morph option="byObject"/>
       </p:transition>
     </mc:Choice>
-    <mc:Fallback>
+    <mc:Fallback xmlns="">
       <p:transition spd="slow">
         <p:fade/>
       </p:transition>
@@ -9417,7 +10802,7 @@
           <a:p>
             <a:fld id="{19C9CA7B-DFD4-44B5-8C60-D14B8CD1FB59}" type="datetimeFigureOut">
               <a:rPr lang="en-US" dirty="0"/>
-              <a:t>5/8/2023</a:t>
+              <a:t>5/9/2023</a:t>
             </a:fld>
             <a:endParaRPr lang="en-US" dirty="0"/>
           </a:p>
@@ -9471,13 +10856,13 @@
   <p:clrMapOvr>
     <a:masterClrMapping/>
   </p:clrMapOvr>
-  <mc:AlternateContent xmlns:mc="http://schemas.openxmlformats.org/markup-compatibility/2006">
-    <mc:Choice xmlns:p159="http://schemas.microsoft.com/office/powerpoint/2015/09/main" Requires="p159">
+  <mc:AlternateContent xmlns:mc="http://schemas.openxmlformats.org/markup-compatibility/2006" xmlns:p159="http://schemas.microsoft.com/office/powerpoint/2015/09/main">
+    <mc:Choice Requires="p159">
       <p:transition spd="slow">
         <p159:morph option="byObject"/>
       </p:transition>
     </mc:Choice>
-    <mc:Fallback>
+    <mc:Fallback xmlns="">
       <p:transition spd="slow">
         <p:fade/>
       </p:transition>
@@ -10459,7 +11844,7 @@
           <a:p>
             <a:fld id="{F34E6425-0181-43F2-84FC-787E803FD2F8}" type="datetimeFigureOut">
               <a:rPr lang="en-US" dirty="0"/>
-              <a:t>5/8/2023</a:t>
+              <a:t>5/9/2023</a:t>
             </a:fld>
             <a:endParaRPr lang="en-US" dirty="0"/>
           </a:p>
@@ -10549,13 +11934,13 @@
   <p:clrMapOvr>
     <a:masterClrMapping/>
   </p:clrMapOvr>
-  <mc:AlternateContent xmlns:mc="http://schemas.openxmlformats.org/markup-compatibility/2006">
-    <mc:Choice xmlns:p159="http://schemas.microsoft.com/office/powerpoint/2015/09/main" Requires="p159">
+  <mc:AlternateContent xmlns:mc="http://schemas.openxmlformats.org/markup-compatibility/2006" xmlns:p159="http://schemas.microsoft.com/office/powerpoint/2015/09/main">
+    <mc:Choice Requires="p159">
       <p:transition spd="slow">
         <p159:morph option="byObject"/>
       </p:transition>
     </mc:Choice>
-    <mc:Fallback>
+    <mc:Fallback xmlns="">
       <p:transition spd="slow">
         <p:fade/>
       </p:transition>
@@ -10739,7 +12124,7 @@
           <a:p>
             <a:fld id="{3BDB8791-F1B0-41E7-B7FD-A781E65C4266}" type="datetimeFigureOut">
               <a:rPr lang="en-US" dirty="0"/>
-              <a:t>5/8/2023</a:t>
+              <a:t>5/9/2023</a:t>
             </a:fld>
             <a:endParaRPr lang="en-US" dirty="0"/>
           </a:p>
@@ -10793,13 +12178,13 @@
   <p:clrMapOvr>
     <a:masterClrMapping/>
   </p:clrMapOvr>
-  <mc:AlternateContent xmlns:mc="http://schemas.openxmlformats.org/markup-compatibility/2006">
-    <mc:Choice xmlns:p159="http://schemas.microsoft.com/office/powerpoint/2015/09/main" Requires="p159">
+  <mc:AlternateContent xmlns:mc="http://schemas.openxmlformats.org/markup-compatibility/2006" xmlns:p159="http://schemas.microsoft.com/office/powerpoint/2015/09/main">
+    <mc:Choice Requires="p159">
       <p:transition spd="slow">
         <p159:morph option="byObject"/>
       </p:transition>
     </mc:Choice>
-    <mc:Fallback>
+    <mc:Fallback xmlns="">
       <p:transition spd="slow">
         <p:fade/>
       </p:transition>
@@ -11157,7 +12542,7 @@
           <a:p>
             <a:fld id="{5FDD63B2-E120-4ED8-B27B-C685F510A5FE}" type="datetimeFigureOut">
               <a:rPr lang="en-US" dirty="0"/>
-              <a:t>5/8/2023</a:t>
+              <a:t>5/9/2023</a:t>
             </a:fld>
             <a:endParaRPr lang="en-US" dirty="0"/>
           </a:p>
@@ -11211,13 +12596,13 @@
   <p:clrMapOvr>
     <a:masterClrMapping/>
   </p:clrMapOvr>
-  <mc:AlternateContent xmlns:mc="http://schemas.openxmlformats.org/markup-compatibility/2006">
-    <mc:Choice xmlns:p159="http://schemas.microsoft.com/office/powerpoint/2015/09/main" Requires="p159">
+  <mc:AlternateContent xmlns:mc="http://schemas.openxmlformats.org/markup-compatibility/2006" xmlns:p159="http://schemas.microsoft.com/office/powerpoint/2015/09/main">
+    <mc:Choice Requires="p159">
       <p:transition spd="slow">
         <p159:morph option="byObject"/>
       </p:transition>
     </mc:Choice>
-    <mc:Fallback>
+    <mc:Fallback xmlns="">
       <p:transition spd="slow">
         <p:fade/>
       </p:transition>
@@ -11292,7 +12677,7 @@
           <a:p>
             <a:fld id="{7AA18ACC-A947-437B-A130-35BD54FDF1E9}" type="datetimeFigureOut">
               <a:rPr lang="en-US" dirty="0"/>
-              <a:t>5/8/2023</a:t>
+              <a:t>5/9/2023</a:t>
             </a:fld>
             <a:endParaRPr lang="en-US" dirty="0"/>
           </a:p>
@@ -11346,13 +12731,13 @@
   <p:clrMapOvr>
     <a:masterClrMapping/>
   </p:clrMapOvr>
-  <mc:AlternateContent xmlns:mc="http://schemas.openxmlformats.org/markup-compatibility/2006">
-    <mc:Choice xmlns:p159="http://schemas.microsoft.com/office/powerpoint/2015/09/main" Requires="p159">
+  <mc:AlternateContent xmlns:mc="http://schemas.openxmlformats.org/markup-compatibility/2006" xmlns:p159="http://schemas.microsoft.com/office/powerpoint/2015/09/main">
+    <mc:Choice Requires="p159">
       <p:transition spd="slow">
         <p159:morph option="byObject"/>
       </p:transition>
     </mc:Choice>
-    <mc:Fallback>
+    <mc:Fallback xmlns="">
       <p:transition spd="slow">
         <p:fade/>
       </p:transition>
@@ -11395,7 +12780,7 @@
           <a:p>
             <a:fld id="{7C8D7E02-BCB8-4D50-A234-369438C08659}" type="datetimeFigureOut">
               <a:rPr lang="en-US" dirty="0"/>
-              <a:t>5/8/2023</a:t>
+              <a:t>5/9/2023</a:t>
             </a:fld>
             <a:endParaRPr lang="en-US" dirty="0"/>
           </a:p>
@@ -11485,13 +12870,13 @@
   <p:clrMapOvr>
     <a:masterClrMapping/>
   </p:clrMapOvr>
-  <mc:AlternateContent xmlns:mc="http://schemas.openxmlformats.org/markup-compatibility/2006">
-    <mc:Choice xmlns:p159="http://schemas.microsoft.com/office/powerpoint/2015/09/main" Requires="p159">
+  <mc:AlternateContent xmlns:mc="http://schemas.openxmlformats.org/markup-compatibility/2006" xmlns:p159="http://schemas.microsoft.com/office/powerpoint/2015/09/main">
+    <mc:Choice Requires="p159">
       <p:transition spd="slow">
         <p159:morph option="byObject"/>
       </p:transition>
     </mc:Choice>
-    <mc:Fallback>
+    <mc:Fallback xmlns="">
       <p:transition spd="slow">
         <p:fade/>
       </p:transition>
@@ -12484,7 +13869,7 @@
           <a:p>
             <a:fld id="{76E86A4C-8E40-4F87-A4F0-01A0687C5742}" type="datetimeFigureOut">
               <a:rPr lang="en-US" dirty="0"/>
-              <a:t>5/8/2023</a:t>
+              <a:t>5/9/2023</a:t>
             </a:fld>
             <a:endParaRPr lang="en-US" dirty="0"/>
           </a:p>
@@ -12574,13 +13959,13 @@
   <p:clrMapOvr>
     <a:masterClrMapping/>
   </p:clrMapOvr>
-  <mc:AlternateContent xmlns:mc="http://schemas.openxmlformats.org/markup-compatibility/2006">
-    <mc:Choice xmlns:p159="http://schemas.microsoft.com/office/powerpoint/2015/09/main" Requires="p159">
+  <mc:AlternateContent xmlns:mc="http://schemas.openxmlformats.org/markup-compatibility/2006" xmlns:p159="http://schemas.microsoft.com/office/powerpoint/2015/09/main">
+    <mc:Choice Requires="p159">
       <p:transition spd="slow">
         <p159:morph option="byObject"/>
       </p:transition>
     </mc:Choice>
-    <mc:Fallback>
+    <mc:Fallback xmlns="">
       <p:transition spd="slow">
         <p:fade/>
       </p:transition>
@@ -13600,7 +14985,7 @@
           <a:p>
             <a:fld id="{35E72C73-2D91-4E12-BA25-F0AA0C03599B}" type="datetimeFigureOut">
               <a:rPr lang="en-US" dirty="0"/>
-              <a:t>5/8/2023</a:t>
+              <a:t>5/9/2023</a:t>
             </a:fld>
             <a:endParaRPr lang="en-US" dirty="0"/>
           </a:p>
@@ -13690,13 +15075,13 @@
   <p:clrMapOvr>
     <a:masterClrMapping/>
   </p:clrMapOvr>
-  <mc:AlternateContent xmlns:mc="http://schemas.openxmlformats.org/markup-compatibility/2006">
-    <mc:Choice xmlns:p159="http://schemas.microsoft.com/office/powerpoint/2015/09/main" Requires="p159">
+  <mc:AlternateContent xmlns:mc="http://schemas.openxmlformats.org/markup-compatibility/2006" xmlns:p159="http://schemas.microsoft.com/office/powerpoint/2015/09/main">
+    <mc:Choice Requires="p159">
       <p:transition spd="slow">
         <p159:morph option="byObject"/>
       </p:transition>
     </mc:Choice>
-    <mc:Fallback>
+    <mc:Fallback xmlns="">
       <p:transition spd="slow">
         <p:fade/>
       </p:transition>
@@ -14605,7 +15990,7 @@
           <a:p>
             <a:fld id="{2BE451C3-0FF4-47C4-B829-773ADF60F88C}" type="datetimeFigureOut">
               <a:rPr lang="en-US" dirty="0"/>
-              <a:t>5/8/2023</a:t>
+              <a:t>5/9/2023</a:t>
             </a:fld>
             <a:endParaRPr lang="en-US" dirty="0"/>
           </a:p>
@@ -14744,13 +16129,13 @@
     <p:sldLayoutId id="2147483658" r:id="rId16"/>
     <p:sldLayoutId id="2147483659" r:id="rId17"/>
   </p:sldLayoutIdLst>
-  <mc:AlternateContent xmlns:mc="http://schemas.openxmlformats.org/markup-compatibility/2006">
-    <mc:Choice xmlns:p159="http://schemas.microsoft.com/office/powerpoint/2015/09/main" Requires="p159">
+  <mc:AlternateContent xmlns:mc="http://schemas.openxmlformats.org/markup-compatibility/2006" xmlns:p159="http://schemas.microsoft.com/office/powerpoint/2015/09/main">
+    <mc:Choice Requires="p159">
       <p:transition spd="slow">
         <p159:morph option="byObject"/>
       </p:transition>
     </mc:Choice>
-    <mc:Fallback>
+    <mc:Fallback xmlns="">
       <p:transition spd="slow">
         <p:fade/>
       </p:transition>
@@ -15446,13 +16831,13 @@
   <p:clrMapOvr>
     <a:overrideClrMapping bg1="dk1" tx1="lt1" bg2="dk2" tx2="lt2" accent1="accent1" accent2="accent2" accent3="accent3" accent4="accent4" accent5="accent5" accent6="accent6" hlink="hlink" folHlink="folHlink"/>
   </p:clrMapOvr>
-  <mc:AlternateContent xmlns:mc="http://schemas.openxmlformats.org/markup-compatibility/2006">
-    <mc:Choice xmlns:p159="http://schemas.microsoft.com/office/powerpoint/2015/09/main" Requires="p159">
+  <mc:AlternateContent xmlns:mc="http://schemas.openxmlformats.org/markup-compatibility/2006" xmlns:p159="http://schemas.microsoft.com/office/powerpoint/2015/09/main">
+    <mc:Choice Requires="p159">
       <p:transition spd="slow">
         <p159:morph option="byObject"/>
       </p:transition>
     </mc:Choice>
-    <mc:Fallback>
+    <mc:Fallback xmlns="">
       <p:transition spd="slow">
         <p:fade/>
       </p:transition>
@@ -15462,6 +16847,145 @@
 </file>
 
 <file path=ppt/slides/slide10.xml><?xml version="1.0" encoding="utf-8"?>
+<p:sld xmlns:a="http://schemas.openxmlformats.org/drawingml/2006/main" xmlns:r="http://schemas.openxmlformats.org/officeDocument/2006/relationships" xmlns:p="http://schemas.openxmlformats.org/presentationml/2006/main">
+  <p:cSld>
+    <p:spTree>
+      <p:nvGrpSpPr>
+        <p:cNvPr id="1" name=""/>
+        <p:cNvGrpSpPr/>
+        <p:nvPr/>
+      </p:nvGrpSpPr>
+      <p:grpSpPr>
+        <a:xfrm>
+          <a:off x="0" y="0"/>
+          <a:ext cx="0" cy="0"/>
+          <a:chOff x="0" y="0"/>
+          <a:chExt cx="0" cy="0"/>
+        </a:xfrm>
+      </p:grpSpPr>
+      <p:sp>
+        <p:nvSpPr>
+          <p:cNvPr id="2" name="Nadpis 1">
+            <a:extLst>
+              <a:ext uri="{FF2B5EF4-FFF2-40B4-BE49-F238E27FC236}">
+                <a16:creationId xmlns:a16="http://schemas.microsoft.com/office/drawing/2014/main" id="{2DCEF770-55BB-8CD5-6BF1-9715EC0EBD11}"/>
+              </a:ext>
+            </a:extLst>
+          </p:cNvPr>
+          <p:cNvSpPr>
+            <a:spLocks noGrp="1"/>
+          </p:cNvSpPr>
+          <p:nvPr>
+            <p:ph type="title"/>
+          </p:nvPr>
+        </p:nvSpPr>
+        <p:spPr/>
+        <p:txBody>
+          <a:bodyPr/>
+          <a:lstStyle/>
+          <a:p>
+            <a:r>
+              <a:rPr lang="cs-CZ" dirty="0"/>
+              <a:t>Schéma v DB</a:t>
+            </a:r>
+          </a:p>
+        </p:txBody>
+      </p:sp>
+      <p:pic>
+        <p:nvPicPr>
+          <p:cNvPr id="7" name="Zástupný obsah 6">
+            <a:extLst>
+              <a:ext uri="{FF2B5EF4-FFF2-40B4-BE49-F238E27FC236}">
+                <a16:creationId xmlns:a16="http://schemas.microsoft.com/office/drawing/2014/main" id="{1DEC5C66-91C0-453F-283C-96F2900711DF}"/>
+              </a:ext>
+            </a:extLst>
+          </p:cNvPr>
+          <p:cNvPicPr>
+            <a:picLocks noGrp="1" noChangeAspect="1"/>
+          </p:cNvPicPr>
+          <p:nvPr>
+            <p:ph idx="1"/>
+          </p:nvPr>
+        </p:nvPicPr>
+        <p:blipFill>
+          <a:blip r:embed="rId3">
+            <a:extLst>
+              <a:ext uri="{96DAC541-7B7A-43D3-8B79-37D633B846F1}">
+                <asvg:svgBlip xmlns:asvg="http://schemas.microsoft.com/office/drawing/2016/SVG/main" r:embed="rId4"/>
+              </a:ext>
+            </a:extLst>
+          </a:blip>
+          <a:srcRect/>
+          <a:stretch/>
+        </p:blipFill>
+        <p:spPr>
+          <a:xfrm>
+            <a:off x="349346" y="2802532"/>
+            <a:ext cx="5967478" cy="1600112"/>
+          </a:xfrm>
+        </p:spPr>
+      </p:pic>
+      <p:pic>
+        <p:nvPicPr>
+          <p:cNvPr id="4" name="Grafický objekt 3">
+            <a:extLst>
+              <a:ext uri="{FF2B5EF4-FFF2-40B4-BE49-F238E27FC236}">
+                <a16:creationId xmlns:a16="http://schemas.microsoft.com/office/drawing/2014/main" id="{292BADA1-99D8-FDD1-F227-1E5FB350D105}"/>
+              </a:ext>
+            </a:extLst>
+          </p:cNvPr>
+          <p:cNvPicPr>
+            <a:picLocks noChangeAspect="1"/>
+          </p:cNvPicPr>
+          <p:nvPr/>
+        </p:nvPicPr>
+        <p:blipFill>
+          <a:blip r:embed="rId5">
+            <a:extLst>
+              <a:ext uri="{96DAC541-7B7A-43D3-8B79-37D633B846F1}">
+                <asvg:svgBlip xmlns:asvg="http://schemas.microsoft.com/office/drawing/2016/SVG/main" r:embed="rId6"/>
+              </a:ext>
+            </a:extLst>
+          </a:blip>
+          <a:srcRect/>
+          <a:stretch/>
+        </p:blipFill>
+        <p:spPr>
+          <a:xfrm>
+            <a:off x="6540760" y="2086750"/>
+            <a:ext cx="5143274" cy="4995184"/>
+          </a:xfrm>
+          <a:prstGeom prst="rect">
+            <a:avLst/>
+          </a:prstGeom>
+        </p:spPr>
+      </p:pic>
+    </p:spTree>
+    <p:extLst>
+      <p:ext uri="{BB962C8B-B14F-4D97-AF65-F5344CB8AC3E}">
+        <p14:creationId xmlns:p14="http://schemas.microsoft.com/office/powerpoint/2010/main" val="1651324353"/>
+      </p:ext>
+    </p:extLst>
+  </p:cSld>
+  <p:clrMapOvr>
+    <a:masterClrMapping/>
+  </p:clrMapOvr>
+  <mc:AlternateContent xmlns:mc="http://schemas.openxmlformats.org/markup-compatibility/2006" xmlns:p159="http://schemas.microsoft.com/office/powerpoint/2015/09/main">
+    <mc:Choice Requires="p159">
+      <p:transition spd="slow">
+        <p159:morph option="byObject"/>
+      </p:transition>
+    </mc:Choice>
+    <mc:Fallback xmlns="">
+      <p:transition spd="slow">
+        <p:fade/>
+      </p:transition>
+    </mc:Fallback>
+  </mc:AlternateContent>
+</p:sld>
+</file>
+
+<file path=ppt/slides/slide11.xml><?xml version="1.0" encoding="utf-8"?>
 <p:sld xmlns:a="http://schemas.openxmlformats.org/drawingml/2006/main" xmlns:r="http://schemas.openxmlformats.org/officeDocument/2006/relationships" xmlns:p="http://schemas.openxmlformats.org/presentationml/2006/main">
   <p:cSld>
     <p:spTree>
@@ -15667,7 +17191,7 @@
       </p:pic>
       <p:pic>
         <p:nvPicPr>
-          <p:cNvPr id="7" name="Obrázek 6" descr="Obsah obrázku text&#10;&#10;Popis byl vytvořen automaticky">
+          <p:cNvPr id="7" name="Obrázek 6">
             <a:extLst>
               <a:ext uri="{FF2B5EF4-FFF2-40B4-BE49-F238E27FC236}">
                 <a16:creationId xmlns:a16="http://schemas.microsoft.com/office/drawing/2014/main" id="{2AA5E339-0C0E-6EA8-FDB4-0C8C1A67F198}"/>
@@ -15680,103 +17204,14 @@
           <p:nvPr/>
         </p:nvPicPr>
         <p:blipFill>
-          <a:blip r:embed="rId5">
-            <a:extLst>
-              <a:ext uri="{BEBA8EAE-BF5A-486C-A8C5-ECC9F3942E4B}">
-                <a14:imgProps xmlns:a14="http://schemas.microsoft.com/office/drawing/2010/main">
-                  <a14:imgLayer r:embed="rId6">
-                    <a14:imgEffect>
-                      <a14:backgroundRemoval t="9954" b="90741" l="8934" r="93919">
-                        <a14:foregroundMark x1="8108" y1="14931" x2="44670" y2="51968"/>
-                        <a14:foregroundMark x1="44670" y1="51968" x2="32357" y2="69560"/>
-                        <a14:foregroundMark x1="32357" y1="69560" x2="44444" y2="81366"/>
-                        <a14:foregroundMark x1="44444" y1="81366" x2="73123" y2="78356"/>
-                        <a14:foregroundMark x1="73123" y1="78356" x2="82808" y2="67824"/>
-                        <a14:foregroundMark x1="82808" y1="67824" x2="80330" y2="26968"/>
-                        <a14:foregroundMark x1="80330" y1="26968" x2="13363" y2="16204"/>
-                        <a14:foregroundMark x1="13363" y1="16204" x2="9084" y2="77894"/>
-                        <a14:foregroundMark x1="9084" y1="77894" x2="24775" y2="79514"/>
-                        <a14:foregroundMark x1="24775" y1="79514" x2="17568" y2="64583"/>
-                        <a14:foregroundMark x1="17568" y1="64583" x2="28829" y2="75231"/>
-                        <a14:foregroundMark x1="90015" y1="73495" x2="90015" y2="73495"/>
-                        <a14:foregroundMark x1="90691" y1="69213" x2="63063" y2="79630"/>
-                        <a14:foregroundMark x1="63063" y1="79630" x2="44895" y2="59722"/>
-                        <a14:foregroundMark x1="44895" y1="59722" x2="58634" y2="39815"/>
-                        <a14:foregroundMark x1="58634" y1="39815" x2="45871" y2="30440"/>
-                        <a14:foregroundMark x1="45871" y1="30440" x2="25000" y2="39352"/>
-                        <a14:foregroundMark x1="25000" y1="39352" x2="19520" y2="55556"/>
-                        <a14:foregroundMark x1="88138" y1="18171" x2="92868" y2="42940"/>
-                        <a14:foregroundMark x1="92868" y1="42940" x2="91742" y2="78009"/>
-                        <a14:foregroundMark x1="91742" y1="78009" x2="77628" y2="82060"/>
-                        <a14:foregroundMark x1="77628" y1="82060" x2="38063" y2="78588"/>
-                        <a14:foregroundMark x1="38063" y1="78588" x2="21772" y2="83565"/>
-                        <a14:foregroundMark x1="21772" y1="83565" x2="10511" y2="77662"/>
-                        <a14:foregroundMark x1="10511" y1="77662" x2="8634" y2="40741"/>
-                        <a14:foregroundMark x1="8634" y1="40741" x2="9835" y2="22454"/>
-                        <a14:foregroundMark x1="9835" y1="22454" x2="43769" y2="17477"/>
-                        <a14:foregroundMark x1="43769" y1="17477" x2="76502" y2="20139"/>
-                        <a14:foregroundMark x1="76502" y1="20139" x2="52703" y2="29167"/>
-                        <a14:foregroundMark x1="52703" y1="29167" x2="34685" y2="51852"/>
-                        <a14:foregroundMark x1="34685" y1="51852" x2="25375" y2="40278"/>
-                        <a14:foregroundMark x1="25375" y1="40278" x2="19670" y2="25694"/>
-                        <a14:foregroundMark x1="19670" y1="25694" x2="32132" y2="27662"/>
-                        <a14:foregroundMark x1="32132" y1="27662" x2="62613" y2="48727"/>
-                        <a14:foregroundMark x1="62613" y1="48727" x2="81456" y2="37847"/>
-                        <a14:foregroundMark x1="81456" y1="37847" x2="87087" y2="17361"/>
-                        <a14:foregroundMark x1="87087" y1="17361" x2="92492" y2="32176"/>
-                        <a14:foregroundMark x1="92492" y1="32176" x2="91892" y2="50694"/>
-                        <a14:foregroundMark x1="91892" y1="50694" x2="83333" y2="68056"/>
-                        <a14:foregroundMark x1="83333" y1="68056" x2="29505" y2="70023"/>
-                        <a14:foregroundMark x1="29505" y1="70023" x2="24099" y2="53125"/>
-                        <a14:foregroundMark x1="24099" y1="53125" x2="23423" y2="35185"/>
-                        <a14:foregroundMark x1="23423" y1="35185" x2="33934" y2="30324"/>
-                        <a14:foregroundMark x1="33934" y1="30324" x2="60285" y2="39236"/>
-                        <a14:foregroundMark x1="60285" y1="39236" x2="50676" y2="63426"/>
-                        <a14:foregroundMark x1="50676" y1="63426" x2="66291" y2="65509"/>
-                        <a14:foregroundMark x1="66291" y1="65509" x2="75150" y2="51736"/>
-                        <a14:foregroundMark x1="75150" y1="51736" x2="76426" y2="33912"/>
-                        <a14:foregroundMark x1="76426" y1="33912" x2="56081" y2="19792"/>
-                        <a14:foregroundMark x1="56081" y1="19792" x2="25676" y2="32986"/>
-                        <a14:foregroundMark x1="25676" y1="32986" x2="18468" y2="51042"/>
-                        <a14:foregroundMark x1="18468" y1="51042" x2="20946" y2="77662"/>
-                        <a14:foregroundMark x1="20946" y1="77662" x2="39640" y2="87616"/>
-                        <a14:foregroundMark x1="39640" y1="87616" x2="54655" y2="82060"/>
-                        <a14:foregroundMark x1="54655" y1="82060" x2="54655" y2="81829"/>
-                        <a14:foregroundMark x1="84910" y1="79861" x2="93919" y2="88657"/>
-                        <a14:foregroundMark x1="93919" y1="88657" x2="92793" y2="89005"/>
-                        <a14:foregroundMark x1="89640" y1="79861" x2="90691" y2="89352"/>
-                        <a14:foregroundMark x1="93468" y1="80093" x2="87763" y2="90741"/>
-                        <a14:foregroundMark x1="83258" y1="84722" x2="93468" y2="87731"/>
-                        <a14:foregroundMark x1="93468" y1="87731" x2="90841" y2="89005"/>
-                        <a14:foregroundMark x1="88664" y1="89699" x2="93919" y2="89931"/>
-                        <a14:foregroundMark x1="92793" y1="81019" x2="93694" y2="83218"/>
-                        <a14:foregroundMark x1="93318" y1="78356" x2="93468" y2="86111"/>
-                        <a14:backgroundMark x1="5330" y1="10069" x2="2553" y2="84259"/>
-                        <a14:backgroundMark x1="2553" y1="84259" x2="9159" y2="95486"/>
-                        <a14:backgroundMark x1="9159" y1="95486" x2="23874" y2="97222"/>
-                        <a14:backgroundMark x1="23874" y1="97222" x2="41817" y2="96875"/>
-                        <a14:backgroundMark x1="41817" y1="96875" x2="59910" y2="97222"/>
-                        <a14:backgroundMark x1="59910" y1="97222" x2="89865" y2="95023"/>
-                        <a14:backgroundMark x1="94541" y1="78300" x2="97147" y2="68981"/>
-                        <a14:backgroundMark x1="89865" y1="95023" x2="90740" y2="91893"/>
-                        <a14:backgroundMark x1="97147" y1="68981" x2="96997" y2="2431"/>
-                        <a14:backgroundMark x1="96997" y1="2431" x2="4580" y2="4977"/>
-                        <a14:backgroundMark x1="4580" y1="4977" x2="450" y2="8681"/>
-                      </a14:backgroundRemoval>
-                    </a14:imgEffect>
-                  </a14:imgLayer>
-                </a14:imgProps>
-              </a:ext>
-            </a:extLst>
-          </a:blip>
-          <a:stretch>
-            <a:fillRect/>
-          </a:stretch>
+          <a:blip r:embed="rId5"/>
+          <a:srcRect/>
+          <a:stretch/>
         </p:blipFill>
         <p:spPr>
           <a:xfrm>
-            <a:off x="5182773" y="2142066"/>
-            <a:ext cx="6689551" cy="4339168"/>
+            <a:off x="4705253" y="2271233"/>
+            <a:ext cx="7131147" cy="4282971"/>
           </a:xfrm>
           <a:prstGeom prst="rect">
             <a:avLst/>
@@ -15787,6 +17222,352 @@
     <p:extLst>
       <p:ext uri="{BB962C8B-B14F-4D97-AF65-F5344CB8AC3E}">
         <p14:creationId xmlns:p14="http://schemas.microsoft.com/office/powerpoint/2010/main" val="1276846647"/>
+      </p:ext>
+    </p:extLst>
+  </p:cSld>
+  <p:clrMapOvr>
+    <a:masterClrMapping/>
+  </p:clrMapOvr>
+  <mc:AlternateContent xmlns:mc="http://schemas.openxmlformats.org/markup-compatibility/2006" xmlns:p159="http://schemas.microsoft.com/office/powerpoint/2015/09/main">
+    <mc:Choice Requires="p159">
+      <p:transition spd="slow">
+        <p159:morph option="byObject"/>
+      </p:transition>
+    </mc:Choice>
+    <mc:Fallback xmlns="">
+      <p:transition spd="slow">
+        <p:fade/>
+      </p:transition>
+    </mc:Fallback>
+  </mc:AlternateContent>
+</p:sld>
+</file>
+
+<file path=ppt/slides/slide12.xml><?xml version="1.0" encoding="utf-8"?>
+<p:sld xmlns:a="http://schemas.openxmlformats.org/drawingml/2006/main" xmlns:r="http://schemas.openxmlformats.org/officeDocument/2006/relationships" xmlns:p="http://schemas.openxmlformats.org/presentationml/2006/main">
+  <p:cSld>
+    <p:spTree>
+      <p:nvGrpSpPr>
+        <p:cNvPr id="1" name=""/>
+        <p:cNvGrpSpPr/>
+        <p:nvPr/>
+      </p:nvGrpSpPr>
+      <p:grpSpPr>
+        <a:xfrm>
+          <a:off x="0" y="0"/>
+          <a:ext cx="0" cy="0"/>
+          <a:chOff x="0" y="0"/>
+          <a:chExt cx="0" cy="0"/>
+        </a:xfrm>
+      </p:grpSpPr>
+      <p:sp>
+        <p:nvSpPr>
+          <p:cNvPr id="2" name="Nadpis 1">
+            <a:extLst>
+              <a:ext uri="{FF2B5EF4-FFF2-40B4-BE49-F238E27FC236}">
+                <a16:creationId xmlns:a16="http://schemas.microsoft.com/office/drawing/2014/main" id="{00CEAD4A-87D0-35FD-AB75-FC91F9BFE6DC}"/>
+              </a:ext>
+            </a:extLst>
+          </p:cNvPr>
+          <p:cNvSpPr>
+            <a:spLocks noGrp="1"/>
+          </p:cNvSpPr>
+          <p:nvPr>
+            <p:ph type="title"/>
+          </p:nvPr>
+        </p:nvSpPr>
+        <p:spPr/>
+        <p:txBody>
+          <a:bodyPr/>
+          <a:lstStyle/>
+          <a:p>
+            <a:r>
+              <a:rPr lang="cs-CZ" dirty="0"/>
+              <a:t>Dotazovací jazyk</a:t>
+            </a:r>
+          </a:p>
+        </p:txBody>
+      </p:sp>
+      <p:sp>
+        <p:nvSpPr>
+          <p:cNvPr id="5" name="Zástupný obsah 4">
+            <a:extLst>
+              <a:ext uri="{FF2B5EF4-FFF2-40B4-BE49-F238E27FC236}">
+                <a16:creationId xmlns:a16="http://schemas.microsoft.com/office/drawing/2014/main" id="{DEBF1468-B763-A15A-670E-5737B5ECE588}"/>
+              </a:ext>
+            </a:extLst>
+          </p:cNvPr>
+          <p:cNvSpPr>
+            <a:spLocks noGrp="1"/>
+          </p:cNvSpPr>
+          <p:nvPr>
+            <p:ph sz="half" idx="1"/>
+          </p:nvPr>
+        </p:nvSpPr>
+        <p:spPr/>
+        <p:txBody>
+          <a:bodyPr>
+            <a:normAutofit/>
+          </a:bodyPr>
+          <a:lstStyle/>
+          <a:p>
+            <a:r>
+              <a:rPr lang="cs-CZ" dirty="0"/>
+              <a:t>Modifikované SQL</a:t>
+            </a:r>
+          </a:p>
+          <a:p>
+            <a:r>
+              <a:rPr lang="cs-CZ" dirty="0"/>
+              <a:t>SELECT, INSERT, UPDATE, DELETE</a:t>
+            </a:r>
+          </a:p>
+          <a:p>
+            <a:r>
+              <a:rPr lang="cs-CZ" dirty="0"/>
+              <a:t>JOIN ➪ RELATE a -&gt;</a:t>
+            </a:r>
+          </a:p>
+          <a:p>
+            <a:r>
+              <a:rPr lang="cs-CZ" dirty="0"/>
+              <a:t>Zvládá strukturovaná ID</a:t>
+            </a:r>
+          </a:p>
+          <a:p>
+            <a:r>
+              <a:rPr lang="cs-CZ" dirty="0"/>
+              <a:t>Široký výběr operátorů a funkcí</a:t>
+            </a:r>
+          </a:p>
+          <a:p>
+            <a:pPr lvl="1"/>
+            <a:r>
+              <a:rPr lang="cs-CZ" dirty="0"/>
+              <a:t>Práce s polem</a:t>
+            </a:r>
+          </a:p>
+          <a:p>
+            <a:pPr lvl="1"/>
+            <a:r>
+              <a:rPr lang="cs-CZ" dirty="0"/>
+              <a:t>Práce s GEOJSON</a:t>
+            </a:r>
+          </a:p>
+          <a:p>
+            <a:pPr lvl="1"/>
+            <a:r>
+              <a:rPr lang="cs-CZ" dirty="0"/>
+              <a:t>Matematické formule</a:t>
+            </a:r>
+          </a:p>
+        </p:txBody>
+      </p:sp>
+      <p:pic>
+        <p:nvPicPr>
+          <p:cNvPr id="8" name="Zástupný obsah 7">
+            <a:extLst>
+              <a:ext uri="{FF2B5EF4-FFF2-40B4-BE49-F238E27FC236}">
+                <a16:creationId xmlns:a16="http://schemas.microsoft.com/office/drawing/2014/main" id="{2295C4F4-9B65-C12B-922D-B6621CE42D0B}"/>
+              </a:ext>
+            </a:extLst>
+          </p:cNvPr>
+          <p:cNvPicPr>
+            <a:picLocks noGrp="1" noChangeAspect="1"/>
+          </p:cNvPicPr>
+          <p:nvPr>
+            <p:ph sz="half" idx="2"/>
+          </p:nvPr>
+        </p:nvPicPr>
+        <p:blipFill rotWithShape="1">
+          <a:blip r:embed="rId3"/>
+          <a:srcRect l="6655" t="12218" r="6923" b="12143"/>
+          <a:stretch/>
+        </p:blipFill>
+        <p:spPr>
+          <a:xfrm>
+            <a:off x="5862280" y="2815336"/>
+            <a:ext cx="5907064" cy="2992628"/>
+          </a:xfrm>
+        </p:spPr>
+      </p:pic>
+      <p:pic>
+        <p:nvPicPr>
+          <p:cNvPr id="4" name="Grafický objekt 3">
+            <a:extLst>
+              <a:ext uri="{FF2B5EF4-FFF2-40B4-BE49-F238E27FC236}">
+                <a16:creationId xmlns:a16="http://schemas.microsoft.com/office/drawing/2014/main" id="{6D99DC8F-67B7-716F-B5D8-3D217C9A63E7}"/>
+              </a:ext>
+            </a:extLst>
+          </p:cNvPr>
+          <p:cNvPicPr>
+            <a:picLocks noChangeAspect="1"/>
+          </p:cNvPicPr>
+          <p:nvPr/>
+        </p:nvPicPr>
+        <p:blipFill>
+          <a:blip r:embed="rId4">
+            <a:extLst>
+              <a:ext uri="{96DAC541-7B7A-43D3-8B79-37D633B846F1}">
+                <asvg:svgBlip xmlns:asvg="http://schemas.microsoft.com/office/drawing/2016/SVG/main" r:embed="rId5"/>
+              </a:ext>
+            </a:extLst>
+          </a:blip>
+          <a:stretch>
+            <a:fillRect/>
+          </a:stretch>
+        </p:blipFill>
+        <p:spPr>
+          <a:xfrm>
+            <a:off x="5121893" y="1117840"/>
+            <a:ext cx="2656884" cy="418619"/>
+          </a:xfrm>
+          <a:prstGeom prst="rect">
+            <a:avLst/>
+          </a:prstGeom>
+        </p:spPr>
+      </p:pic>
+    </p:spTree>
+    <p:extLst>
+      <p:ext uri="{BB962C8B-B14F-4D97-AF65-F5344CB8AC3E}">
+        <p14:creationId xmlns:p14="http://schemas.microsoft.com/office/powerpoint/2010/main" val="1195780748"/>
+      </p:ext>
+    </p:extLst>
+  </p:cSld>
+  <p:clrMapOvr>
+    <a:masterClrMapping/>
+  </p:clrMapOvr>
+  <mc:AlternateContent xmlns:mc="http://schemas.openxmlformats.org/markup-compatibility/2006" xmlns:p159="http://schemas.microsoft.com/office/powerpoint/2015/09/main">
+    <mc:Choice Requires="p159">
+      <p:transition spd="slow">
+        <p159:morph option="byObject"/>
+      </p:transition>
+    </mc:Choice>
+    <mc:Fallback xmlns="">
+      <p:transition spd="slow">
+        <p:fade/>
+      </p:transition>
+    </mc:Fallback>
+  </mc:AlternateContent>
+</p:sld>
+</file>
+
+<file path=ppt/slides/slide13.xml><?xml version="1.0" encoding="utf-8"?>
+<p:sld xmlns:a="http://schemas.openxmlformats.org/drawingml/2006/main" xmlns:r="http://schemas.openxmlformats.org/officeDocument/2006/relationships" xmlns:p="http://schemas.openxmlformats.org/presentationml/2006/main">
+  <p:cSld>
+    <p:spTree>
+      <p:nvGrpSpPr>
+        <p:cNvPr id="1" name=""/>
+        <p:cNvGrpSpPr/>
+        <p:nvPr/>
+      </p:nvGrpSpPr>
+      <p:grpSpPr>
+        <a:xfrm>
+          <a:off x="0" y="0"/>
+          <a:ext cx="0" cy="0"/>
+          <a:chOff x="0" y="0"/>
+          <a:chExt cx="0" cy="0"/>
+        </a:xfrm>
+      </p:grpSpPr>
+      <p:sp>
+        <p:nvSpPr>
+          <p:cNvPr id="2" name="Nadpis 1">
+            <a:extLst>
+              <a:ext uri="{FF2B5EF4-FFF2-40B4-BE49-F238E27FC236}">
+                <a16:creationId xmlns:a16="http://schemas.microsoft.com/office/drawing/2014/main" id="{00CEAD4A-87D0-35FD-AB75-FC91F9BFE6DC}"/>
+              </a:ext>
+            </a:extLst>
+          </p:cNvPr>
+          <p:cNvSpPr>
+            <a:spLocks noGrp="1"/>
+          </p:cNvSpPr>
+          <p:nvPr>
+            <p:ph type="title"/>
+          </p:nvPr>
+        </p:nvSpPr>
+        <p:spPr/>
+        <p:txBody>
+          <a:bodyPr/>
+          <a:lstStyle/>
+          <a:p>
+            <a:r>
+              <a:rPr lang="cs-CZ" dirty="0"/>
+              <a:t>Dotazovací jazyk</a:t>
+            </a:r>
+          </a:p>
+        </p:txBody>
+      </p:sp>
+      <p:pic>
+        <p:nvPicPr>
+          <p:cNvPr id="4" name="Grafický objekt 3">
+            <a:extLst>
+              <a:ext uri="{FF2B5EF4-FFF2-40B4-BE49-F238E27FC236}">
+                <a16:creationId xmlns:a16="http://schemas.microsoft.com/office/drawing/2014/main" id="{6D99DC8F-67B7-716F-B5D8-3D217C9A63E7}"/>
+              </a:ext>
+            </a:extLst>
+          </p:cNvPr>
+          <p:cNvPicPr>
+            <a:picLocks noChangeAspect="1"/>
+          </p:cNvPicPr>
+          <p:nvPr/>
+        </p:nvPicPr>
+        <p:blipFill>
+          <a:blip r:embed="rId3">
+            <a:extLst>
+              <a:ext uri="{96DAC541-7B7A-43D3-8B79-37D633B846F1}">
+                <asvg:svgBlip xmlns:asvg="http://schemas.microsoft.com/office/drawing/2016/SVG/main" r:embed="rId4"/>
+              </a:ext>
+            </a:extLst>
+          </a:blip>
+          <a:stretch>
+            <a:fillRect/>
+          </a:stretch>
+        </p:blipFill>
+        <p:spPr>
+          <a:xfrm>
+            <a:off x="5121893" y="1117840"/>
+            <a:ext cx="2656884" cy="418619"/>
+          </a:xfrm>
+          <a:prstGeom prst="rect">
+            <a:avLst/>
+          </a:prstGeom>
+        </p:spPr>
+      </p:pic>
+      <p:pic>
+        <p:nvPicPr>
+          <p:cNvPr id="15" name="Zástupný obsah 11" descr="Obsah obrázku text&#10;&#10;Popis byl vytvořen automaticky">
+            <a:extLst>
+              <a:ext uri="{FF2B5EF4-FFF2-40B4-BE49-F238E27FC236}">
+                <a16:creationId xmlns:a16="http://schemas.microsoft.com/office/drawing/2014/main" id="{08147C24-616C-E582-F3FA-E12A025F641E}"/>
+              </a:ext>
+            </a:extLst>
+          </p:cNvPr>
+          <p:cNvPicPr>
+            <a:picLocks noGrp="1" noChangeAspect="1"/>
+          </p:cNvPicPr>
+          <p:nvPr>
+            <p:ph idx="1"/>
+          </p:nvPr>
+        </p:nvPicPr>
+        <p:blipFill rotWithShape="1">
+          <a:blip r:embed="rId5"/>
+          <a:srcRect l="4631" t="11896" r="4673" b="11821"/>
+          <a:stretch/>
+        </p:blipFill>
+        <p:spPr>
+          <a:xfrm>
+            <a:off x="444143" y="2662178"/>
+            <a:ext cx="11303713" cy="3877518"/>
+          </a:xfrm>
+          <a:prstGeom prst="rect">
+            <a:avLst/>
+          </a:prstGeom>
+        </p:spPr>
+      </p:pic>
+    </p:spTree>
+    <p:extLst>
+      <p:ext uri="{BB962C8B-B14F-4D97-AF65-F5344CB8AC3E}">
+        <p14:creationId xmlns:p14="http://schemas.microsoft.com/office/powerpoint/2010/main" val="298663310"/>
       </p:ext>
     </p:extLst>
   </p:cSld>
@@ -15808,7 +17589,7 @@
 </p:sld>
 </file>
 
-<file path=ppt/slides/slide11.xml><?xml version="1.0" encoding="utf-8"?>
+<file path=ppt/slides/slide14.xml><?xml version="1.0" encoding="utf-8"?>
 <p:sld xmlns:a="http://schemas.openxmlformats.org/drawingml/2006/main" xmlns:r="http://schemas.openxmlformats.org/officeDocument/2006/relationships" xmlns:p="http://schemas.openxmlformats.org/presentationml/2006/main">
   <p:cSld>
     <p:spTree>
@@ -15855,10 +17636,10 @@
       </p:sp>
       <p:pic>
         <p:nvPicPr>
-          <p:cNvPr id="7" name="Obrázek 6" descr="Obsah obrázku text&#10;&#10;Popis byl vytvořen automaticky">
+          <p:cNvPr id="11" name="Obrázek 10" descr="Obsah obrázku text&#10;&#10;Popis byl vytvořen automaticky">
             <a:extLst>
               <a:ext uri="{FF2B5EF4-FFF2-40B4-BE49-F238E27FC236}">
-                <a16:creationId xmlns:a16="http://schemas.microsoft.com/office/drawing/2014/main" id="{4EDA9A50-0467-2B90-02B4-80931A764CFE}"/>
+                <a16:creationId xmlns:a16="http://schemas.microsoft.com/office/drawing/2014/main" id="{777DF7E4-9542-E994-6D98-05CFB8BCBC53}"/>
               </a:ext>
             </a:extLst>
           </p:cNvPr>
@@ -15867,15 +17648,16 @@
           </p:cNvPicPr>
           <p:nvPr/>
         </p:nvPicPr>
-        <p:blipFill rotWithShape="1">
+        <p:blipFill>
           <a:blip r:embed="rId3"/>
-          <a:srcRect l="3749" t="10227" r="3685" b="9039"/>
-          <a:stretch/>
+          <a:stretch>
+            <a:fillRect/>
+          </a:stretch>
         </p:blipFill>
         <p:spPr>
           <a:xfrm>
-            <a:off x="453189" y="2695074"/>
-            <a:ext cx="11285621" cy="3501189"/>
+            <a:off x="-122968" y="1807954"/>
+            <a:ext cx="12437935" cy="5381179"/>
           </a:xfrm>
           <a:prstGeom prst="rect">
             <a:avLst/>
@@ -15892,6 +17674,1034 @@
   <p:clrMapOvr>
     <a:masterClrMapping/>
   </p:clrMapOvr>
+  <mc:AlternateContent xmlns:mc="http://schemas.openxmlformats.org/markup-compatibility/2006" xmlns:p159="http://schemas.microsoft.com/office/powerpoint/2015/09/main">
+    <mc:Choice Requires="p159">
+      <p:transition spd="slow">
+        <p159:morph option="byObject"/>
+      </p:transition>
+    </mc:Choice>
+    <mc:Fallback xmlns="">
+      <p:transition spd="slow">
+        <p:fade/>
+      </p:transition>
+    </mc:Fallback>
+  </mc:AlternateContent>
+</p:sld>
+</file>
+
+<file path=ppt/slides/slide15.xml><?xml version="1.0" encoding="utf-8"?>
+<p:sld xmlns:a="http://schemas.openxmlformats.org/drawingml/2006/main" xmlns:r="http://schemas.openxmlformats.org/officeDocument/2006/relationships" xmlns:p="http://schemas.openxmlformats.org/presentationml/2006/main">
+  <p:cSld>
+    <p:spTree>
+      <p:nvGrpSpPr>
+        <p:cNvPr id="1" name=""/>
+        <p:cNvGrpSpPr/>
+        <p:nvPr/>
+      </p:nvGrpSpPr>
+      <p:grpSpPr>
+        <a:xfrm>
+          <a:off x="0" y="0"/>
+          <a:ext cx="0" cy="0"/>
+          <a:chOff x="0" y="0"/>
+          <a:chExt cx="0" cy="0"/>
+        </a:xfrm>
+      </p:grpSpPr>
+      <p:sp>
+        <p:nvSpPr>
+          <p:cNvPr id="13" name="Nadpis 12">
+            <a:extLst>
+              <a:ext uri="{FF2B5EF4-FFF2-40B4-BE49-F238E27FC236}">
+                <a16:creationId xmlns:a16="http://schemas.microsoft.com/office/drawing/2014/main" id="{EF10BB49-1A78-D7FE-D0FB-BBB905B57296}"/>
+              </a:ext>
+            </a:extLst>
+          </p:cNvPr>
+          <p:cNvSpPr>
+            <a:spLocks noGrp="1"/>
+          </p:cNvSpPr>
+          <p:nvPr>
+            <p:ph type="title"/>
+          </p:nvPr>
+        </p:nvSpPr>
+        <p:spPr/>
+        <p:txBody>
+          <a:bodyPr/>
+          <a:lstStyle/>
+          <a:p>
+            <a:r>
+              <a:rPr lang="cs-CZ" dirty="0"/>
+              <a:t>Dotaz 1 – Vzdálenost od Prahy</a:t>
+            </a:r>
+          </a:p>
+        </p:txBody>
+      </p:sp>
+      <p:sp>
+        <p:nvSpPr>
+          <p:cNvPr id="14" name="Zástupný obsah 13">
+            <a:extLst>
+              <a:ext uri="{FF2B5EF4-FFF2-40B4-BE49-F238E27FC236}">
+                <a16:creationId xmlns:a16="http://schemas.microsoft.com/office/drawing/2014/main" id="{B357172B-C612-37DF-01AC-2E881FCAB484}"/>
+              </a:ext>
+            </a:extLst>
+          </p:cNvPr>
+          <p:cNvSpPr>
+            <a:spLocks noGrp="1"/>
+          </p:cNvSpPr>
+          <p:nvPr>
+            <p:ph idx="1"/>
+          </p:nvPr>
+        </p:nvSpPr>
+        <p:spPr>
+          <a:xfrm>
+            <a:off x="1154954" y="4456068"/>
+            <a:ext cx="2726166" cy="1551940"/>
+          </a:xfrm>
+        </p:spPr>
+        <p:txBody>
+          <a:bodyPr>
+            <a:normAutofit lnSpcReduction="10000"/>
+          </a:bodyPr>
+          <a:lstStyle/>
+          <a:p>
+            <a:r>
+              <a:rPr lang="cs-CZ" dirty="0"/>
+              <a:t>AVG 1.33 </a:t>
+            </a:r>
+            <a:r>
+              <a:rPr lang="cs-CZ" dirty="0" err="1"/>
+              <a:t>ms</a:t>
+            </a:r>
+            <a:endParaRPr lang="cs-CZ" dirty="0"/>
+          </a:p>
+          <a:p>
+            <a:r>
+              <a:rPr lang="cs-CZ" dirty="0"/>
+              <a:t>MAX 2.00 </a:t>
+            </a:r>
+            <a:r>
+              <a:rPr lang="cs-CZ" dirty="0" err="1"/>
+              <a:t>ms</a:t>
+            </a:r>
+            <a:endParaRPr lang="cs-CZ" dirty="0"/>
+          </a:p>
+          <a:p>
+            <a:r>
+              <a:rPr lang="cs-CZ" dirty="0"/>
+              <a:t>MIN 1.00 </a:t>
+            </a:r>
+            <a:r>
+              <a:rPr lang="cs-CZ" dirty="0" err="1"/>
+              <a:t>ms</a:t>
+            </a:r>
+            <a:endParaRPr lang="cs-CZ" dirty="0"/>
+          </a:p>
+          <a:p>
+            <a:r>
+              <a:rPr lang="cs-CZ" dirty="0"/>
+              <a:t>DB 0.551ms</a:t>
+            </a:r>
+          </a:p>
+        </p:txBody>
+      </p:sp>
+      <p:pic>
+        <p:nvPicPr>
+          <p:cNvPr id="15" name="Zástupný obsah 7" descr="Obsah obrázku text&#10;&#10;Popis byl vytvořen automaticky">
+            <a:extLst>
+              <a:ext uri="{FF2B5EF4-FFF2-40B4-BE49-F238E27FC236}">
+                <a16:creationId xmlns:a16="http://schemas.microsoft.com/office/drawing/2014/main" id="{6FD1F77E-B498-236F-3589-3C179E3B93D9}"/>
+              </a:ext>
+            </a:extLst>
+          </p:cNvPr>
+          <p:cNvPicPr>
+            <a:picLocks noChangeAspect="1"/>
+          </p:cNvPicPr>
+          <p:nvPr/>
+        </p:nvPicPr>
+        <p:blipFill>
+          <a:blip r:embed="rId3"/>
+          <a:stretch>
+            <a:fillRect/>
+          </a:stretch>
+        </p:blipFill>
+        <p:spPr>
+          <a:xfrm>
+            <a:off x="744214" y="2027888"/>
+            <a:ext cx="10005409" cy="2428180"/>
+          </a:xfrm>
+          <a:prstGeom prst="rect">
+            <a:avLst/>
+          </a:prstGeom>
+        </p:spPr>
+      </p:pic>
+      <p:sp>
+        <p:nvSpPr>
+          <p:cNvPr id="16" name="Zástupný obsah 13">
+            <a:extLst>
+              <a:ext uri="{FF2B5EF4-FFF2-40B4-BE49-F238E27FC236}">
+                <a16:creationId xmlns:a16="http://schemas.microsoft.com/office/drawing/2014/main" id="{0F76B3B9-D21C-8B41-997B-B48CF94D7FE3}"/>
+              </a:ext>
+            </a:extLst>
+          </p:cNvPr>
+          <p:cNvSpPr txBox="1">
+            <a:spLocks/>
+          </p:cNvSpPr>
+          <p:nvPr/>
+        </p:nvSpPr>
+        <p:spPr>
+          <a:xfrm>
+            <a:off x="4903993" y="4456068"/>
+            <a:ext cx="5012373" cy="1551940"/>
+          </a:xfrm>
+          <a:prstGeom prst="rect">
+            <a:avLst/>
+          </a:prstGeom>
+        </p:spPr>
+        <p:txBody>
+          <a:bodyPr vert="horz" lIns="91440" tIns="45720" rIns="91440" bIns="45720" rtlCol="0">
+            <a:normAutofit/>
+          </a:bodyPr>
+          <a:lstStyle>
+            <a:lvl1pPr marL="342900" indent="-342900" algn="l" defTabSz="457200" rtl="0" eaLnBrk="1" latinLnBrk="0" hangingPunct="1">
+              <a:spcBef>
+                <a:spcPts val="1000"/>
+              </a:spcBef>
+              <a:spcAft>
+                <a:spcPts val="0"/>
+              </a:spcAft>
+              <a:buClr>
+                <a:schemeClr val="accent1"/>
+              </a:buClr>
+              <a:buSzPct val="80000"/>
+              <a:buFont typeface="Wingdings 3" charset="2"/>
+              <a:buChar char=""/>
+              <a:defRPr sz="1800" b="0" i="0" kern="1200">
+                <a:solidFill>
+                  <a:schemeClr val="tx1">
+                    <a:lumMod val="75000"/>
+                    <a:lumOff val="25000"/>
+                  </a:schemeClr>
+                </a:solidFill>
+                <a:latin typeface="+mn-lt"/>
+                <a:ea typeface="+mn-ea"/>
+                <a:cs typeface="+mn-cs"/>
+              </a:defRPr>
+            </a:lvl1pPr>
+            <a:lvl2pPr marL="742950" indent="-285750" algn="l" defTabSz="457200" rtl="0" eaLnBrk="1" latinLnBrk="0" hangingPunct="1">
+              <a:spcBef>
+                <a:spcPts val="1000"/>
+              </a:spcBef>
+              <a:spcAft>
+                <a:spcPts val="0"/>
+              </a:spcAft>
+              <a:buClr>
+                <a:schemeClr val="accent1"/>
+              </a:buClr>
+              <a:buSzPct val="80000"/>
+              <a:buFont typeface="Wingdings 3" charset="2"/>
+              <a:buChar char=""/>
+              <a:defRPr sz="1600" b="0" i="0" kern="1200">
+                <a:solidFill>
+                  <a:schemeClr val="tx1">
+                    <a:lumMod val="75000"/>
+                    <a:lumOff val="25000"/>
+                  </a:schemeClr>
+                </a:solidFill>
+                <a:latin typeface="+mn-lt"/>
+                <a:ea typeface="+mn-ea"/>
+                <a:cs typeface="+mn-cs"/>
+              </a:defRPr>
+            </a:lvl2pPr>
+            <a:lvl3pPr marL="1143000" indent="-228600" algn="l" defTabSz="457200" rtl="0" eaLnBrk="1" latinLnBrk="0" hangingPunct="1">
+              <a:spcBef>
+                <a:spcPts val="1000"/>
+              </a:spcBef>
+              <a:spcAft>
+                <a:spcPts val="0"/>
+              </a:spcAft>
+              <a:buClr>
+                <a:schemeClr val="accent1"/>
+              </a:buClr>
+              <a:buSzPct val="80000"/>
+              <a:buFont typeface="Wingdings 3" charset="2"/>
+              <a:buChar char=""/>
+              <a:defRPr sz="1400" b="0" i="0" kern="1200">
+                <a:solidFill>
+                  <a:schemeClr val="tx1">
+                    <a:lumMod val="75000"/>
+                    <a:lumOff val="25000"/>
+                  </a:schemeClr>
+                </a:solidFill>
+                <a:latin typeface="+mn-lt"/>
+                <a:ea typeface="+mn-ea"/>
+                <a:cs typeface="+mn-cs"/>
+              </a:defRPr>
+            </a:lvl3pPr>
+            <a:lvl4pPr marL="1600200" indent="-228600" algn="l" defTabSz="457200" rtl="0" eaLnBrk="1" latinLnBrk="0" hangingPunct="1">
+              <a:spcBef>
+                <a:spcPts val="1000"/>
+              </a:spcBef>
+              <a:spcAft>
+                <a:spcPts val="0"/>
+              </a:spcAft>
+              <a:buClr>
+                <a:schemeClr val="accent1"/>
+              </a:buClr>
+              <a:buSzPct val="80000"/>
+              <a:buFont typeface="Wingdings 3" charset="2"/>
+              <a:buChar char=""/>
+              <a:defRPr sz="1200" b="0" i="0" kern="1200">
+                <a:solidFill>
+                  <a:schemeClr val="tx1">
+                    <a:lumMod val="75000"/>
+                    <a:lumOff val="25000"/>
+                  </a:schemeClr>
+                </a:solidFill>
+                <a:latin typeface="+mn-lt"/>
+                <a:ea typeface="+mn-ea"/>
+                <a:cs typeface="+mn-cs"/>
+              </a:defRPr>
+            </a:lvl4pPr>
+            <a:lvl5pPr marL="2057400" indent="-228600" algn="l" defTabSz="457200" rtl="0" eaLnBrk="1" latinLnBrk="0" hangingPunct="1">
+              <a:spcBef>
+                <a:spcPts val="1000"/>
+              </a:spcBef>
+              <a:spcAft>
+                <a:spcPts val="0"/>
+              </a:spcAft>
+              <a:buClr>
+                <a:schemeClr val="accent1"/>
+              </a:buClr>
+              <a:buSzPct val="80000"/>
+              <a:buFont typeface="Wingdings 3" charset="2"/>
+              <a:buChar char=""/>
+              <a:defRPr sz="1200" b="0" i="0" kern="1200">
+                <a:solidFill>
+                  <a:schemeClr val="tx1">
+                    <a:lumMod val="75000"/>
+                    <a:lumOff val="25000"/>
+                  </a:schemeClr>
+                </a:solidFill>
+                <a:latin typeface="+mn-lt"/>
+                <a:ea typeface="+mn-ea"/>
+                <a:cs typeface="+mn-cs"/>
+              </a:defRPr>
+            </a:lvl5pPr>
+            <a:lvl6pPr marL="2514600" indent="-228600" algn="l" defTabSz="457200" rtl="0" eaLnBrk="1" latinLnBrk="0" hangingPunct="1">
+              <a:spcBef>
+                <a:spcPts val="1000"/>
+              </a:spcBef>
+              <a:spcAft>
+                <a:spcPts val="0"/>
+              </a:spcAft>
+              <a:buClr>
+                <a:schemeClr val="accent1"/>
+              </a:buClr>
+              <a:buSzPct val="80000"/>
+              <a:buFont typeface="Wingdings 3" charset="2"/>
+              <a:buChar char=""/>
+              <a:defRPr sz="1200" b="0" i="0" kern="1200">
+                <a:solidFill>
+                  <a:schemeClr val="tx1">
+                    <a:lumMod val="75000"/>
+                    <a:lumOff val="25000"/>
+                  </a:schemeClr>
+                </a:solidFill>
+                <a:latin typeface="+mn-lt"/>
+                <a:ea typeface="+mn-ea"/>
+                <a:cs typeface="+mn-cs"/>
+              </a:defRPr>
+            </a:lvl6pPr>
+            <a:lvl7pPr marL="2971800" indent="-228600" algn="l" defTabSz="457200" rtl="0" eaLnBrk="1" latinLnBrk="0" hangingPunct="1">
+              <a:spcBef>
+                <a:spcPts val="1000"/>
+              </a:spcBef>
+              <a:spcAft>
+                <a:spcPts val="0"/>
+              </a:spcAft>
+              <a:buClr>
+                <a:schemeClr val="accent1"/>
+              </a:buClr>
+              <a:buSzPct val="80000"/>
+              <a:buFont typeface="Wingdings 3" charset="2"/>
+              <a:buChar char=""/>
+              <a:defRPr sz="1200" b="0" i="0" kern="1200">
+                <a:solidFill>
+                  <a:schemeClr val="tx1">
+                    <a:lumMod val="75000"/>
+                    <a:lumOff val="25000"/>
+                  </a:schemeClr>
+                </a:solidFill>
+                <a:latin typeface="+mn-lt"/>
+                <a:ea typeface="+mn-ea"/>
+                <a:cs typeface="+mn-cs"/>
+              </a:defRPr>
+            </a:lvl7pPr>
+            <a:lvl8pPr marL="3429000" indent="-228600" algn="l" defTabSz="457200" rtl="0" eaLnBrk="1" latinLnBrk="0" hangingPunct="1">
+              <a:spcBef>
+                <a:spcPts val="1000"/>
+              </a:spcBef>
+              <a:spcAft>
+                <a:spcPts val="0"/>
+              </a:spcAft>
+              <a:buClr>
+                <a:schemeClr val="accent1"/>
+              </a:buClr>
+              <a:buSzPct val="80000"/>
+              <a:buFont typeface="Wingdings 3" charset="2"/>
+              <a:buChar char=""/>
+              <a:defRPr sz="1200" b="0" i="0" kern="1200">
+                <a:solidFill>
+                  <a:schemeClr val="tx1">
+                    <a:lumMod val="75000"/>
+                    <a:lumOff val="25000"/>
+                  </a:schemeClr>
+                </a:solidFill>
+                <a:latin typeface="+mn-lt"/>
+                <a:ea typeface="+mn-ea"/>
+                <a:cs typeface="+mn-cs"/>
+              </a:defRPr>
+            </a:lvl8pPr>
+            <a:lvl9pPr marL="3886200" indent="-228600" algn="l" defTabSz="457200" rtl="0" eaLnBrk="1" latinLnBrk="0" hangingPunct="1">
+              <a:spcBef>
+                <a:spcPts val="1000"/>
+              </a:spcBef>
+              <a:spcAft>
+                <a:spcPts val="0"/>
+              </a:spcAft>
+              <a:buClr>
+                <a:schemeClr val="accent1"/>
+              </a:buClr>
+              <a:buSzPct val="80000"/>
+              <a:buFont typeface="Wingdings 3" charset="2"/>
+              <a:buChar char=""/>
+              <a:defRPr sz="1200" b="0" i="0" kern="1200">
+                <a:solidFill>
+                  <a:schemeClr val="tx1">
+                    <a:lumMod val="75000"/>
+                    <a:lumOff val="25000"/>
+                  </a:schemeClr>
+                </a:solidFill>
+                <a:latin typeface="+mn-lt"/>
+                <a:ea typeface="+mn-ea"/>
+                <a:cs typeface="+mn-cs"/>
+              </a:defRPr>
+            </a:lvl9pPr>
+          </a:lstStyle>
+          <a:p>
+            <a:pPr marL="0" indent="0">
+              <a:buNone/>
+            </a:pPr>
+            <a:r>
+              <a:rPr lang="cs-CZ" dirty="0"/>
+              <a:t>{'</a:t>
+            </a:r>
+            <a:r>
+              <a:rPr lang="cs-CZ" dirty="0" err="1"/>
+              <a:t>name</a:t>
+            </a:r>
+            <a:r>
+              <a:rPr lang="cs-CZ" dirty="0"/>
+              <a:t>': 'Brno', '</a:t>
+            </a:r>
+            <a:r>
+              <a:rPr lang="cs-CZ" dirty="0" err="1"/>
+              <a:t>prague_dist</a:t>
+            </a:r>
+            <a:r>
+              <a:rPr lang="cs-CZ" dirty="0"/>
+              <a:t>': '258.968'}, {'</a:t>
+            </a:r>
+            <a:r>
+              <a:rPr lang="cs-CZ" dirty="0" err="1"/>
+              <a:t>name</a:t>
+            </a:r>
+            <a:r>
+              <a:rPr lang="cs-CZ" dirty="0"/>
+              <a:t>': '</a:t>
+            </a:r>
+            <a:r>
+              <a:rPr lang="cs-CZ" dirty="0" err="1"/>
+              <a:t>Berlin</a:t>
+            </a:r>
+            <a:r>
+              <a:rPr lang="cs-CZ" dirty="0"/>
+              <a:t>', '</a:t>
+            </a:r>
+            <a:r>
+              <a:rPr lang="cs-CZ" dirty="0" err="1"/>
+              <a:t>prague_dist</a:t>
+            </a:r>
+            <a:r>
+              <a:rPr lang="cs-CZ" dirty="0"/>
+              <a:t>': '287.738‘},</a:t>
+            </a:r>
+            <a:br>
+              <a:rPr lang="cs-CZ" dirty="0"/>
+            </a:br>
+            <a:r>
+              <a:rPr lang="cs-CZ" dirty="0"/>
+              <a:t>{'</a:t>
+            </a:r>
+            <a:r>
+              <a:rPr lang="cs-CZ" dirty="0" err="1"/>
+              <a:t>name</a:t>
+            </a:r>
+            <a:r>
+              <a:rPr lang="cs-CZ" dirty="0"/>
+              <a:t>': '</a:t>
+            </a:r>
+            <a:r>
+              <a:rPr lang="cs-CZ" dirty="0" err="1"/>
+              <a:t>Vienna</a:t>
+            </a:r>
+            <a:r>
+              <a:rPr lang="cs-CZ" dirty="0"/>
+              <a:t>', '</a:t>
+            </a:r>
+            <a:r>
+              <a:rPr lang="cs-CZ" dirty="0" err="1"/>
+              <a:t>prague_dist</a:t>
+            </a:r>
+            <a:r>
+              <a:rPr lang="cs-CZ" dirty="0"/>
+              <a:t>': '293.951‘},</a:t>
+            </a:r>
+            <a:br>
+              <a:rPr lang="cs-CZ" dirty="0"/>
+            </a:br>
+            <a:r>
+              <a:rPr lang="cs-CZ" dirty="0"/>
+              <a:t>…</a:t>
+            </a:r>
+            <a:br>
+              <a:rPr lang="cs-CZ" dirty="0"/>
+            </a:br>
+            <a:r>
+              <a:rPr lang="pt-BR" dirty="0"/>
+              <a:t>{'name': 'Lisbon', 'prague_dist': '2905.29'}</a:t>
+            </a:r>
+            <a:endParaRPr lang="cs-CZ" dirty="0"/>
+          </a:p>
+        </p:txBody>
+      </p:sp>
+    </p:spTree>
+    <p:extLst>
+      <p:ext uri="{BB962C8B-B14F-4D97-AF65-F5344CB8AC3E}">
+        <p14:creationId xmlns:p14="http://schemas.microsoft.com/office/powerpoint/2010/main" val="3740565920"/>
+      </p:ext>
+    </p:extLst>
+  </p:cSld>
+  <p:clrMapOvr>
+    <a:masterClrMapping/>
+  </p:clrMapOvr>
+  <mc:AlternateContent xmlns:mc="http://schemas.openxmlformats.org/markup-compatibility/2006" xmlns:p159="http://schemas.microsoft.com/office/powerpoint/2015/09/main">
+    <mc:Choice Requires="p159">
+      <p:transition spd="slow">
+        <p159:morph option="byObject"/>
+      </p:transition>
+    </mc:Choice>
+    <mc:Fallback xmlns="">
+      <p:transition spd="slow">
+        <p:fade/>
+      </p:transition>
+    </mc:Fallback>
+  </mc:AlternateContent>
+</p:sld>
+</file>
+
+<file path=ppt/slides/slide16.xml><?xml version="1.0" encoding="utf-8"?>
+<p:sld xmlns:a="http://schemas.openxmlformats.org/drawingml/2006/main" xmlns:r="http://schemas.openxmlformats.org/officeDocument/2006/relationships" xmlns:p="http://schemas.openxmlformats.org/presentationml/2006/main">
+  <p:cSld>
+    <p:spTree>
+      <p:nvGrpSpPr>
+        <p:cNvPr id="1" name=""/>
+        <p:cNvGrpSpPr/>
+        <p:nvPr/>
+      </p:nvGrpSpPr>
+      <p:grpSpPr>
+        <a:xfrm>
+          <a:off x="0" y="0"/>
+          <a:ext cx="0" cy="0"/>
+          <a:chOff x="0" y="0"/>
+          <a:chExt cx="0" cy="0"/>
+        </a:xfrm>
+      </p:grpSpPr>
+      <p:sp>
+        <p:nvSpPr>
+          <p:cNvPr id="13" name="Nadpis 12">
+            <a:extLst>
+              <a:ext uri="{FF2B5EF4-FFF2-40B4-BE49-F238E27FC236}">
+                <a16:creationId xmlns:a16="http://schemas.microsoft.com/office/drawing/2014/main" id="{EF10BB49-1A78-D7FE-D0FB-BBB905B57296}"/>
+              </a:ext>
+            </a:extLst>
+          </p:cNvPr>
+          <p:cNvSpPr>
+            <a:spLocks noGrp="1"/>
+          </p:cNvSpPr>
+          <p:nvPr>
+            <p:ph type="title"/>
+          </p:nvPr>
+        </p:nvSpPr>
+        <p:spPr/>
+        <p:txBody>
+          <a:bodyPr/>
+          <a:lstStyle/>
+          <a:p>
+            <a:r>
+              <a:rPr lang="cs-CZ" dirty="0"/>
+              <a:t>Dotaz 2 – Města navštívená Janem</a:t>
+            </a:r>
+          </a:p>
+        </p:txBody>
+      </p:sp>
+      <p:sp>
+        <p:nvSpPr>
+          <p:cNvPr id="14" name="Zástupný obsah 13">
+            <a:extLst>
+              <a:ext uri="{FF2B5EF4-FFF2-40B4-BE49-F238E27FC236}">
+                <a16:creationId xmlns:a16="http://schemas.microsoft.com/office/drawing/2014/main" id="{B357172B-C612-37DF-01AC-2E881FCAB484}"/>
+              </a:ext>
+            </a:extLst>
+          </p:cNvPr>
+          <p:cNvSpPr>
+            <a:spLocks noGrp="1"/>
+          </p:cNvSpPr>
+          <p:nvPr>
+            <p:ph idx="1"/>
+          </p:nvPr>
+        </p:nvSpPr>
+        <p:spPr>
+          <a:xfrm>
+            <a:off x="1154954" y="4456068"/>
+            <a:ext cx="2726166" cy="1551940"/>
+          </a:xfrm>
+        </p:spPr>
+        <p:txBody>
+          <a:bodyPr>
+            <a:normAutofit lnSpcReduction="10000"/>
+          </a:bodyPr>
+          <a:lstStyle/>
+          <a:p>
+            <a:r>
+              <a:rPr lang="cs-CZ" dirty="0"/>
+              <a:t>AVG 65 </a:t>
+            </a:r>
+            <a:r>
+              <a:rPr lang="cs-CZ" dirty="0" err="1"/>
+              <a:t>ms</a:t>
+            </a:r>
+            <a:endParaRPr lang="cs-CZ" dirty="0"/>
+          </a:p>
+          <a:p>
+            <a:r>
+              <a:rPr lang="cs-CZ" dirty="0"/>
+              <a:t>MAX 85 </a:t>
+            </a:r>
+            <a:r>
+              <a:rPr lang="cs-CZ" dirty="0" err="1"/>
+              <a:t>ms</a:t>
+            </a:r>
+            <a:endParaRPr lang="cs-CZ" dirty="0"/>
+          </a:p>
+          <a:p>
+            <a:r>
+              <a:rPr lang="cs-CZ" dirty="0"/>
+              <a:t>MIN 59 </a:t>
+            </a:r>
+            <a:r>
+              <a:rPr lang="cs-CZ" dirty="0" err="1"/>
+              <a:t>ms</a:t>
+            </a:r>
+            <a:endParaRPr lang="cs-CZ" dirty="0"/>
+          </a:p>
+          <a:p>
+            <a:r>
+              <a:rPr lang="cs-CZ" dirty="0"/>
+              <a:t>DB 60ms</a:t>
+            </a:r>
+          </a:p>
+        </p:txBody>
+      </p:sp>
+      <p:pic>
+        <p:nvPicPr>
+          <p:cNvPr id="15" name="Zástupný obsah 7">
+            <a:extLst>
+              <a:ext uri="{FF2B5EF4-FFF2-40B4-BE49-F238E27FC236}">
+                <a16:creationId xmlns:a16="http://schemas.microsoft.com/office/drawing/2014/main" id="{6FD1F77E-B498-236F-3589-3C179E3B93D9}"/>
+              </a:ext>
+            </a:extLst>
+          </p:cNvPr>
+          <p:cNvPicPr>
+            <a:picLocks noChangeAspect="1"/>
+          </p:cNvPicPr>
+          <p:nvPr/>
+        </p:nvPicPr>
+        <p:blipFill>
+          <a:blip r:embed="rId3"/>
+          <a:srcRect/>
+          <a:stretch/>
+        </p:blipFill>
+        <p:spPr>
+          <a:xfrm>
+            <a:off x="1318742" y="2027888"/>
+            <a:ext cx="8856352" cy="2428180"/>
+          </a:xfrm>
+          <a:prstGeom prst="rect">
+            <a:avLst/>
+          </a:prstGeom>
+        </p:spPr>
+      </p:pic>
+      <p:sp>
+        <p:nvSpPr>
+          <p:cNvPr id="16" name="Zástupný obsah 13">
+            <a:extLst>
+              <a:ext uri="{FF2B5EF4-FFF2-40B4-BE49-F238E27FC236}">
+                <a16:creationId xmlns:a16="http://schemas.microsoft.com/office/drawing/2014/main" id="{0F76B3B9-D21C-8B41-997B-B48CF94D7FE3}"/>
+              </a:ext>
+            </a:extLst>
+          </p:cNvPr>
+          <p:cNvSpPr txBox="1">
+            <a:spLocks/>
+          </p:cNvSpPr>
+          <p:nvPr/>
+        </p:nvSpPr>
+        <p:spPr>
+          <a:xfrm>
+            <a:off x="3698240" y="4456068"/>
+            <a:ext cx="8249920" cy="1551940"/>
+          </a:xfrm>
+          <a:prstGeom prst="rect">
+            <a:avLst/>
+          </a:prstGeom>
+        </p:spPr>
+        <p:txBody>
+          <a:bodyPr vert="horz" lIns="91440" tIns="45720" rIns="91440" bIns="45720" rtlCol="0">
+            <a:noAutofit/>
+          </a:bodyPr>
+          <a:lstStyle>
+            <a:lvl1pPr marL="342900" indent="-342900" algn="l" defTabSz="457200" rtl="0" eaLnBrk="1" latinLnBrk="0" hangingPunct="1">
+              <a:spcBef>
+                <a:spcPts val="1000"/>
+              </a:spcBef>
+              <a:spcAft>
+                <a:spcPts val="0"/>
+              </a:spcAft>
+              <a:buClr>
+                <a:schemeClr val="accent1"/>
+              </a:buClr>
+              <a:buSzPct val="80000"/>
+              <a:buFont typeface="Wingdings 3" charset="2"/>
+              <a:buChar char=""/>
+              <a:defRPr sz="1800" b="0" i="0" kern="1200">
+                <a:solidFill>
+                  <a:schemeClr val="tx1">
+                    <a:lumMod val="75000"/>
+                    <a:lumOff val="25000"/>
+                  </a:schemeClr>
+                </a:solidFill>
+                <a:latin typeface="+mn-lt"/>
+                <a:ea typeface="+mn-ea"/>
+                <a:cs typeface="+mn-cs"/>
+              </a:defRPr>
+            </a:lvl1pPr>
+            <a:lvl2pPr marL="742950" indent="-285750" algn="l" defTabSz="457200" rtl="0" eaLnBrk="1" latinLnBrk="0" hangingPunct="1">
+              <a:spcBef>
+                <a:spcPts val="1000"/>
+              </a:spcBef>
+              <a:spcAft>
+                <a:spcPts val="0"/>
+              </a:spcAft>
+              <a:buClr>
+                <a:schemeClr val="accent1"/>
+              </a:buClr>
+              <a:buSzPct val="80000"/>
+              <a:buFont typeface="Wingdings 3" charset="2"/>
+              <a:buChar char=""/>
+              <a:defRPr sz="1600" b="0" i="0" kern="1200">
+                <a:solidFill>
+                  <a:schemeClr val="tx1">
+                    <a:lumMod val="75000"/>
+                    <a:lumOff val="25000"/>
+                  </a:schemeClr>
+                </a:solidFill>
+                <a:latin typeface="+mn-lt"/>
+                <a:ea typeface="+mn-ea"/>
+                <a:cs typeface="+mn-cs"/>
+              </a:defRPr>
+            </a:lvl2pPr>
+            <a:lvl3pPr marL="1143000" indent="-228600" algn="l" defTabSz="457200" rtl="0" eaLnBrk="1" latinLnBrk="0" hangingPunct="1">
+              <a:spcBef>
+                <a:spcPts val="1000"/>
+              </a:spcBef>
+              <a:spcAft>
+                <a:spcPts val="0"/>
+              </a:spcAft>
+              <a:buClr>
+                <a:schemeClr val="accent1"/>
+              </a:buClr>
+              <a:buSzPct val="80000"/>
+              <a:buFont typeface="Wingdings 3" charset="2"/>
+              <a:buChar char=""/>
+              <a:defRPr sz="1400" b="0" i="0" kern="1200">
+                <a:solidFill>
+                  <a:schemeClr val="tx1">
+                    <a:lumMod val="75000"/>
+                    <a:lumOff val="25000"/>
+                  </a:schemeClr>
+                </a:solidFill>
+                <a:latin typeface="+mn-lt"/>
+                <a:ea typeface="+mn-ea"/>
+                <a:cs typeface="+mn-cs"/>
+              </a:defRPr>
+            </a:lvl3pPr>
+            <a:lvl4pPr marL="1600200" indent="-228600" algn="l" defTabSz="457200" rtl="0" eaLnBrk="1" latinLnBrk="0" hangingPunct="1">
+              <a:spcBef>
+                <a:spcPts val="1000"/>
+              </a:spcBef>
+              <a:spcAft>
+                <a:spcPts val="0"/>
+              </a:spcAft>
+              <a:buClr>
+                <a:schemeClr val="accent1"/>
+              </a:buClr>
+              <a:buSzPct val="80000"/>
+              <a:buFont typeface="Wingdings 3" charset="2"/>
+              <a:buChar char=""/>
+              <a:defRPr sz="1200" b="0" i="0" kern="1200">
+                <a:solidFill>
+                  <a:schemeClr val="tx1">
+                    <a:lumMod val="75000"/>
+                    <a:lumOff val="25000"/>
+                  </a:schemeClr>
+                </a:solidFill>
+                <a:latin typeface="+mn-lt"/>
+                <a:ea typeface="+mn-ea"/>
+                <a:cs typeface="+mn-cs"/>
+              </a:defRPr>
+            </a:lvl4pPr>
+            <a:lvl5pPr marL="2057400" indent="-228600" algn="l" defTabSz="457200" rtl="0" eaLnBrk="1" latinLnBrk="0" hangingPunct="1">
+              <a:spcBef>
+                <a:spcPts val="1000"/>
+              </a:spcBef>
+              <a:spcAft>
+                <a:spcPts val="0"/>
+              </a:spcAft>
+              <a:buClr>
+                <a:schemeClr val="accent1"/>
+              </a:buClr>
+              <a:buSzPct val="80000"/>
+              <a:buFont typeface="Wingdings 3" charset="2"/>
+              <a:buChar char=""/>
+              <a:defRPr sz="1200" b="0" i="0" kern="1200">
+                <a:solidFill>
+                  <a:schemeClr val="tx1">
+                    <a:lumMod val="75000"/>
+                    <a:lumOff val="25000"/>
+                  </a:schemeClr>
+                </a:solidFill>
+                <a:latin typeface="+mn-lt"/>
+                <a:ea typeface="+mn-ea"/>
+                <a:cs typeface="+mn-cs"/>
+              </a:defRPr>
+            </a:lvl5pPr>
+            <a:lvl6pPr marL="2514600" indent="-228600" algn="l" defTabSz="457200" rtl="0" eaLnBrk="1" latinLnBrk="0" hangingPunct="1">
+              <a:spcBef>
+                <a:spcPts val="1000"/>
+              </a:spcBef>
+              <a:spcAft>
+                <a:spcPts val="0"/>
+              </a:spcAft>
+              <a:buClr>
+                <a:schemeClr val="accent1"/>
+              </a:buClr>
+              <a:buSzPct val="80000"/>
+              <a:buFont typeface="Wingdings 3" charset="2"/>
+              <a:buChar char=""/>
+              <a:defRPr sz="1200" b="0" i="0" kern="1200">
+                <a:solidFill>
+                  <a:schemeClr val="tx1">
+                    <a:lumMod val="75000"/>
+                    <a:lumOff val="25000"/>
+                  </a:schemeClr>
+                </a:solidFill>
+                <a:latin typeface="+mn-lt"/>
+                <a:ea typeface="+mn-ea"/>
+                <a:cs typeface="+mn-cs"/>
+              </a:defRPr>
+            </a:lvl6pPr>
+            <a:lvl7pPr marL="2971800" indent="-228600" algn="l" defTabSz="457200" rtl="0" eaLnBrk="1" latinLnBrk="0" hangingPunct="1">
+              <a:spcBef>
+                <a:spcPts val="1000"/>
+              </a:spcBef>
+              <a:spcAft>
+                <a:spcPts val="0"/>
+              </a:spcAft>
+              <a:buClr>
+                <a:schemeClr val="accent1"/>
+              </a:buClr>
+              <a:buSzPct val="80000"/>
+              <a:buFont typeface="Wingdings 3" charset="2"/>
+              <a:buChar char=""/>
+              <a:defRPr sz="1200" b="0" i="0" kern="1200">
+                <a:solidFill>
+                  <a:schemeClr val="tx1">
+                    <a:lumMod val="75000"/>
+                    <a:lumOff val="25000"/>
+                  </a:schemeClr>
+                </a:solidFill>
+                <a:latin typeface="+mn-lt"/>
+                <a:ea typeface="+mn-ea"/>
+                <a:cs typeface="+mn-cs"/>
+              </a:defRPr>
+            </a:lvl7pPr>
+            <a:lvl8pPr marL="3429000" indent="-228600" algn="l" defTabSz="457200" rtl="0" eaLnBrk="1" latinLnBrk="0" hangingPunct="1">
+              <a:spcBef>
+                <a:spcPts val="1000"/>
+              </a:spcBef>
+              <a:spcAft>
+                <a:spcPts val="0"/>
+              </a:spcAft>
+              <a:buClr>
+                <a:schemeClr val="accent1"/>
+              </a:buClr>
+              <a:buSzPct val="80000"/>
+              <a:buFont typeface="Wingdings 3" charset="2"/>
+              <a:buChar char=""/>
+              <a:defRPr sz="1200" b="0" i="0" kern="1200">
+                <a:solidFill>
+                  <a:schemeClr val="tx1">
+                    <a:lumMod val="75000"/>
+                    <a:lumOff val="25000"/>
+                  </a:schemeClr>
+                </a:solidFill>
+                <a:latin typeface="+mn-lt"/>
+                <a:ea typeface="+mn-ea"/>
+                <a:cs typeface="+mn-cs"/>
+              </a:defRPr>
+            </a:lvl8pPr>
+            <a:lvl9pPr marL="3886200" indent="-228600" algn="l" defTabSz="457200" rtl="0" eaLnBrk="1" latinLnBrk="0" hangingPunct="1">
+              <a:spcBef>
+                <a:spcPts val="1000"/>
+              </a:spcBef>
+              <a:spcAft>
+                <a:spcPts val="0"/>
+              </a:spcAft>
+              <a:buClr>
+                <a:schemeClr val="accent1"/>
+              </a:buClr>
+              <a:buSzPct val="80000"/>
+              <a:buFont typeface="Wingdings 3" charset="2"/>
+              <a:buChar char=""/>
+              <a:defRPr sz="1200" b="0" i="0" kern="1200">
+                <a:solidFill>
+                  <a:schemeClr val="tx1">
+                    <a:lumMod val="75000"/>
+                    <a:lumOff val="25000"/>
+                  </a:schemeClr>
+                </a:solidFill>
+                <a:latin typeface="+mn-lt"/>
+                <a:ea typeface="+mn-ea"/>
+                <a:cs typeface="+mn-cs"/>
+              </a:defRPr>
+            </a:lvl9pPr>
+          </a:lstStyle>
+          <a:p>
+            <a:pPr marL="0" indent="0">
+              <a:buNone/>
+            </a:pPr>
+            <a:r>
+              <a:rPr lang="cs-CZ" dirty="0"/>
+              <a:t>{</a:t>
+            </a:r>
+          </a:p>
+          <a:p>
+            <a:pPr marL="0" indent="0">
+              <a:buNone/>
+            </a:pPr>
+            <a:r>
+              <a:rPr lang="cs-CZ" dirty="0"/>
+              <a:t>	'</a:t>
+            </a:r>
+            <a:r>
+              <a:rPr lang="cs-CZ" dirty="0" err="1"/>
+              <a:t>cities</a:t>
+            </a:r>
+            <a:r>
+              <a:rPr lang="cs-CZ" dirty="0"/>
+              <a:t>': ['Madrid', 'Ostrava', '</a:t>
+            </a:r>
+            <a:r>
+              <a:rPr lang="cs-CZ" dirty="0" err="1"/>
+              <a:t>Lisbon</a:t>
+            </a:r>
+            <a:r>
+              <a:rPr lang="cs-CZ" dirty="0"/>
+              <a:t>', 'Brno', '</a:t>
+            </a:r>
+            <a:r>
+              <a:rPr lang="cs-CZ" dirty="0" err="1"/>
+              <a:t>Zurich</a:t>
+            </a:r>
+            <a:r>
+              <a:rPr lang="cs-CZ" dirty="0"/>
+              <a:t>', 'Paris', 'Hamburg‘], </a:t>
+            </a:r>
+            <a:br>
+              <a:rPr lang="cs-CZ" dirty="0"/>
+            </a:br>
+            <a:r>
+              <a:rPr lang="cs-CZ" dirty="0"/>
+              <a:t>       '</a:t>
+            </a:r>
+            <a:r>
+              <a:rPr lang="cs-CZ" dirty="0" err="1"/>
+              <a:t>name</a:t>
+            </a:r>
+            <a:r>
+              <a:rPr lang="cs-CZ" dirty="0"/>
+              <a:t>': 'Jan‘, </a:t>
+            </a:r>
+            <a:br>
+              <a:rPr lang="cs-CZ" dirty="0"/>
+            </a:br>
+            <a:r>
+              <a:rPr lang="cs-CZ" dirty="0"/>
+              <a:t>	'</a:t>
+            </a:r>
+            <a:r>
+              <a:rPr lang="cs-CZ" dirty="0" err="1"/>
+              <a:t>surname</a:t>
+            </a:r>
+            <a:r>
+              <a:rPr lang="cs-CZ" dirty="0"/>
+              <a:t>': 'Černý‘</a:t>
+            </a:r>
+            <a:br>
+              <a:rPr lang="cs-CZ" dirty="0"/>
+            </a:br>
+            <a:r>
+              <a:rPr lang="cs-CZ" dirty="0"/>
+              <a:t>},</a:t>
+            </a:r>
+            <a:br>
+              <a:rPr lang="cs-CZ" dirty="0"/>
+            </a:br>
+            <a:r>
+              <a:rPr lang="cs-CZ" dirty="0"/>
+              <a:t>…</a:t>
+            </a:r>
+          </a:p>
+        </p:txBody>
+      </p:sp>
+    </p:spTree>
+    <p:extLst>
+      <p:ext uri="{BB962C8B-B14F-4D97-AF65-F5344CB8AC3E}">
+        <p14:creationId xmlns:p14="http://schemas.microsoft.com/office/powerpoint/2010/main" val="927522687"/>
+      </p:ext>
+    </p:extLst>
+  </p:cSld>
+  <p:clrMapOvr>
+    <a:masterClrMapping/>
+  </p:clrMapOvr>
   <mc:AlternateContent xmlns:mc="http://schemas.openxmlformats.org/markup-compatibility/2006">
     <mc:Choice xmlns:p159="http://schemas.microsoft.com/office/powerpoint/2015/09/main" Requires="p159">
       <p:transition spd="slow">
@@ -15899,6 +18709,334 @@
       </p:transition>
     </mc:Choice>
     <mc:Fallback>
+      <p:transition spd="slow">
+        <p:fade/>
+      </p:transition>
+    </mc:Fallback>
+  </mc:AlternateContent>
+</p:sld>
+</file>
+
+<file path=ppt/slides/slide17.xml><?xml version="1.0" encoding="utf-8"?>
+<p:sld xmlns:a="http://schemas.openxmlformats.org/drawingml/2006/main" xmlns:r="http://schemas.openxmlformats.org/officeDocument/2006/relationships" xmlns:p="http://schemas.openxmlformats.org/presentationml/2006/main">
+  <p:cSld>
+    <p:spTree>
+      <p:nvGrpSpPr>
+        <p:cNvPr id="1" name=""/>
+        <p:cNvGrpSpPr/>
+        <p:nvPr/>
+      </p:nvGrpSpPr>
+      <p:grpSpPr>
+        <a:xfrm>
+          <a:off x="0" y="0"/>
+          <a:ext cx="0" cy="0"/>
+          <a:chOff x="0" y="0"/>
+          <a:chExt cx="0" cy="0"/>
+        </a:xfrm>
+      </p:grpSpPr>
+      <p:sp>
+        <p:nvSpPr>
+          <p:cNvPr id="2" name="Nadpis 1">
+            <a:extLst>
+              <a:ext uri="{FF2B5EF4-FFF2-40B4-BE49-F238E27FC236}">
+                <a16:creationId xmlns:a16="http://schemas.microsoft.com/office/drawing/2014/main" id="{119B9CC7-D268-5499-347F-0C07DE6641A0}"/>
+              </a:ext>
+            </a:extLst>
+          </p:cNvPr>
+          <p:cNvSpPr>
+            <a:spLocks noGrp="1"/>
+          </p:cNvSpPr>
+          <p:nvPr>
+            <p:ph type="title"/>
+          </p:nvPr>
+        </p:nvSpPr>
+        <p:spPr/>
+        <p:txBody>
+          <a:bodyPr/>
+          <a:lstStyle/>
+          <a:p>
+            <a:r>
+              <a:rPr lang="cs-CZ" dirty="0"/>
+              <a:t>Dotaz 3</a:t>
+            </a:r>
+          </a:p>
+        </p:txBody>
+      </p:sp>
+      <p:sp>
+        <p:nvSpPr>
+          <p:cNvPr id="3" name="Zástupný obsah 2">
+            <a:extLst>
+              <a:ext uri="{FF2B5EF4-FFF2-40B4-BE49-F238E27FC236}">
+                <a16:creationId xmlns:a16="http://schemas.microsoft.com/office/drawing/2014/main" id="{3F5FFE46-E217-082E-24E5-DFFA37E8C962}"/>
+              </a:ext>
+            </a:extLst>
+          </p:cNvPr>
+          <p:cNvSpPr>
+            <a:spLocks noGrp="1"/>
+          </p:cNvSpPr>
+          <p:nvPr>
+            <p:ph idx="1"/>
+          </p:nvPr>
+        </p:nvSpPr>
+        <p:spPr/>
+        <p:txBody>
+          <a:bodyPr/>
+          <a:lstStyle/>
+          <a:p>
+            <a:endParaRPr lang="cs-CZ"/>
+          </a:p>
+        </p:txBody>
+      </p:sp>
+    </p:spTree>
+    <p:extLst>
+      <p:ext uri="{BB962C8B-B14F-4D97-AF65-F5344CB8AC3E}">
+        <p14:creationId xmlns:p14="http://schemas.microsoft.com/office/powerpoint/2010/main" val="3110638508"/>
+      </p:ext>
+    </p:extLst>
+  </p:cSld>
+  <p:clrMapOvr>
+    <a:masterClrMapping/>
+  </p:clrMapOvr>
+  <mc:AlternateContent xmlns:mc="http://schemas.openxmlformats.org/markup-compatibility/2006" xmlns:p159="http://schemas.microsoft.com/office/powerpoint/2015/09/main">
+    <mc:Choice Requires="p159">
+      <p:transition spd="slow">
+        <p159:morph option="byObject"/>
+      </p:transition>
+    </mc:Choice>
+    <mc:Fallback xmlns="">
+      <p:transition spd="slow">
+        <p:fade/>
+      </p:transition>
+    </mc:Fallback>
+  </mc:AlternateContent>
+</p:sld>
+</file>
+
+<file path=ppt/slides/slide18.xml><?xml version="1.0" encoding="utf-8"?>
+<p:sld xmlns:a="http://schemas.openxmlformats.org/drawingml/2006/main" xmlns:r="http://schemas.openxmlformats.org/officeDocument/2006/relationships" xmlns:p="http://schemas.openxmlformats.org/presentationml/2006/main">
+  <p:cSld>
+    <p:spTree>
+      <p:nvGrpSpPr>
+        <p:cNvPr id="1" name=""/>
+        <p:cNvGrpSpPr/>
+        <p:nvPr/>
+      </p:nvGrpSpPr>
+      <p:grpSpPr>
+        <a:xfrm>
+          <a:off x="0" y="0"/>
+          <a:ext cx="0" cy="0"/>
+          <a:chOff x="0" y="0"/>
+          <a:chExt cx="0" cy="0"/>
+        </a:xfrm>
+      </p:grpSpPr>
+      <p:sp>
+        <p:nvSpPr>
+          <p:cNvPr id="2" name="Nadpis 1">
+            <a:extLst>
+              <a:ext uri="{FF2B5EF4-FFF2-40B4-BE49-F238E27FC236}">
+                <a16:creationId xmlns:a16="http://schemas.microsoft.com/office/drawing/2014/main" id="{119B9CC7-D268-5499-347F-0C07DE6641A0}"/>
+              </a:ext>
+            </a:extLst>
+          </p:cNvPr>
+          <p:cNvSpPr>
+            <a:spLocks noGrp="1"/>
+          </p:cNvSpPr>
+          <p:nvPr>
+            <p:ph type="title"/>
+          </p:nvPr>
+        </p:nvSpPr>
+        <p:spPr/>
+        <p:txBody>
+          <a:bodyPr/>
+          <a:lstStyle/>
+          <a:p>
+            <a:r>
+              <a:rPr lang="cs-CZ" dirty="0"/>
+              <a:t>Zajímavosti</a:t>
+            </a:r>
+          </a:p>
+        </p:txBody>
+      </p:sp>
+      <p:sp>
+        <p:nvSpPr>
+          <p:cNvPr id="3" name="Zástupný obsah 2">
+            <a:extLst>
+              <a:ext uri="{FF2B5EF4-FFF2-40B4-BE49-F238E27FC236}">
+                <a16:creationId xmlns:a16="http://schemas.microsoft.com/office/drawing/2014/main" id="{3F5FFE46-E217-082E-24E5-DFFA37E8C962}"/>
+              </a:ext>
+            </a:extLst>
+          </p:cNvPr>
+          <p:cNvSpPr>
+            <a:spLocks noGrp="1"/>
+          </p:cNvSpPr>
+          <p:nvPr>
+            <p:ph idx="1"/>
+          </p:nvPr>
+        </p:nvSpPr>
+        <p:spPr>
+          <a:xfrm>
+            <a:off x="1154954" y="2468032"/>
+            <a:ext cx="8825659" cy="3416300"/>
+          </a:xfrm>
+        </p:spPr>
+        <p:txBody>
+          <a:bodyPr/>
+          <a:lstStyle/>
+          <a:p>
+            <a:r>
+              <a:rPr lang="cs-CZ" dirty="0"/>
+              <a:t>Futures – hodnota vypočtená při dotazu</a:t>
+            </a:r>
+          </a:p>
+          <a:p>
+            <a:r>
+              <a:rPr lang="cs-CZ" dirty="0"/>
+              <a:t>Funkce – JS nebo WA uložená v DB</a:t>
+            </a:r>
+          </a:p>
+        </p:txBody>
+      </p:sp>
+      <p:pic>
+        <p:nvPicPr>
+          <p:cNvPr id="7" name="Obrázek 6">
+            <a:extLst>
+              <a:ext uri="{FF2B5EF4-FFF2-40B4-BE49-F238E27FC236}">
+                <a16:creationId xmlns:a16="http://schemas.microsoft.com/office/drawing/2014/main" id="{20BCFDAB-BE56-0DBE-09AF-CA6F1D0068ED}"/>
+              </a:ext>
+            </a:extLst>
+          </p:cNvPr>
+          <p:cNvPicPr>
+            <a:picLocks noChangeAspect="1"/>
+          </p:cNvPicPr>
+          <p:nvPr/>
+        </p:nvPicPr>
+        <p:blipFill>
+          <a:blip r:embed="rId3"/>
+          <a:srcRect/>
+          <a:stretch/>
+        </p:blipFill>
+        <p:spPr>
+          <a:xfrm>
+            <a:off x="924560" y="3065552"/>
+            <a:ext cx="10342879" cy="4126571"/>
+          </a:xfrm>
+          <a:prstGeom prst="rect">
+            <a:avLst/>
+          </a:prstGeom>
+        </p:spPr>
+      </p:pic>
+    </p:spTree>
+    <p:extLst>
+      <p:ext uri="{BB962C8B-B14F-4D97-AF65-F5344CB8AC3E}">
+        <p14:creationId xmlns:p14="http://schemas.microsoft.com/office/powerpoint/2010/main" val="2920821845"/>
+      </p:ext>
+    </p:extLst>
+  </p:cSld>
+  <p:clrMapOvr>
+    <a:masterClrMapping/>
+  </p:clrMapOvr>
+  <mc:AlternateContent xmlns:mc="http://schemas.openxmlformats.org/markup-compatibility/2006">
+    <mc:Choice xmlns:p159="http://schemas.microsoft.com/office/powerpoint/2015/09/main" Requires="p159">
+      <p:transition spd="slow">
+        <p159:morph option="byObject"/>
+      </p:transition>
+    </mc:Choice>
+    <mc:Fallback>
+      <p:transition spd="slow">
+        <p:fade/>
+      </p:transition>
+    </mc:Fallback>
+  </mc:AlternateContent>
+</p:sld>
+</file>
+
+<file path=ppt/slides/slide19.xml><?xml version="1.0" encoding="utf-8"?>
+<p:sld xmlns:a="http://schemas.openxmlformats.org/drawingml/2006/main" xmlns:r="http://schemas.openxmlformats.org/officeDocument/2006/relationships" xmlns:p="http://schemas.openxmlformats.org/presentationml/2006/main">
+  <p:cSld>
+    <p:spTree>
+      <p:nvGrpSpPr>
+        <p:cNvPr id="1" name=""/>
+        <p:cNvGrpSpPr/>
+        <p:nvPr/>
+      </p:nvGrpSpPr>
+      <p:grpSpPr>
+        <a:xfrm>
+          <a:off x="0" y="0"/>
+          <a:ext cx="0" cy="0"/>
+          <a:chOff x="0" y="0"/>
+          <a:chExt cx="0" cy="0"/>
+        </a:xfrm>
+      </p:grpSpPr>
+      <p:sp>
+        <p:nvSpPr>
+          <p:cNvPr id="2" name="Nadpis 1">
+            <a:extLst>
+              <a:ext uri="{FF2B5EF4-FFF2-40B4-BE49-F238E27FC236}">
+                <a16:creationId xmlns:a16="http://schemas.microsoft.com/office/drawing/2014/main" id="{86BBA770-591A-36F0-4270-0BCB45E5F7B0}"/>
+              </a:ext>
+            </a:extLst>
+          </p:cNvPr>
+          <p:cNvSpPr>
+            <a:spLocks noGrp="1"/>
+          </p:cNvSpPr>
+          <p:nvPr>
+            <p:ph type="title"/>
+          </p:nvPr>
+        </p:nvSpPr>
+        <p:spPr/>
+        <p:txBody>
+          <a:bodyPr/>
+          <a:lstStyle/>
+          <a:p>
+            <a:r>
+              <a:rPr lang="cs-CZ" dirty="0"/>
+              <a:t>Hodnocení</a:t>
+            </a:r>
+          </a:p>
+        </p:txBody>
+      </p:sp>
+      <p:sp>
+        <p:nvSpPr>
+          <p:cNvPr id="3" name="Zástupný obsah 2">
+            <a:extLst>
+              <a:ext uri="{FF2B5EF4-FFF2-40B4-BE49-F238E27FC236}">
+                <a16:creationId xmlns:a16="http://schemas.microsoft.com/office/drawing/2014/main" id="{18739D52-C53F-FF71-D45F-0BAEA204E28E}"/>
+              </a:ext>
+            </a:extLst>
+          </p:cNvPr>
+          <p:cNvSpPr>
+            <a:spLocks noGrp="1"/>
+          </p:cNvSpPr>
+          <p:nvPr>
+            <p:ph idx="1"/>
+          </p:nvPr>
+        </p:nvSpPr>
+        <p:spPr/>
+        <p:txBody>
+          <a:bodyPr/>
+          <a:lstStyle/>
+          <a:p>
+            <a:endParaRPr lang="cs-CZ"/>
+          </a:p>
+        </p:txBody>
+      </p:sp>
+    </p:spTree>
+    <p:extLst>
+      <p:ext uri="{BB962C8B-B14F-4D97-AF65-F5344CB8AC3E}">
+        <p14:creationId xmlns:p14="http://schemas.microsoft.com/office/powerpoint/2010/main" val="4253873078"/>
+      </p:ext>
+    </p:extLst>
+  </p:cSld>
+  <p:clrMapOvr>
+    <a:masterClrMapping/>
+  </p:clrMapOvr>
+  <mc:AlternateContent xmlns:mc="http://schemas.openxmlformats.org/markup-compatibility/2006" xmlns:p159="http://schemas.microsoft.com/office/powerpoint/2015/09/main">
+    <mc:Choice Requires="p159">
+      <p:transition spd="slow">
+        <p159:morph option="byObject"/>
+      </p:transition>
+    </mc:Choice>
+    <mc:Fallback xmlns="">
       <p:transition spd="slow">
         <p:fade/>
       </p:transition>
@@ -16364,6 +19502,870 @@
     <p:extLst>
       <p:ext uri="{BB962C8B-B14F-4D97-AF65-F5344CB8AC3E}">
         <p14:creationId xmlns:p14="http://schemas.microsoft.com/office/powerpoint/2010/main" val="4068777146"/>
+      </p:ext>
+    </p:extLst>
+  </p:cSld>
+  <p:clrMapOvr>
+    <a:masterClrMapping/>
+  </p:clrMapOvr>
+  <mc:AlternateContent xmlns:mc="http://schemas.openxmlformats.org/markup-compatibility/2006" xmlns:p159="http://schemas.microsoft.com/office/powerpoint/2015/09/main">
+    <mc:Choice Requires="p159">
+      <p:transition spd="slow">
+        <p159:morph option="byObject"/>
+      </p:transition>
+    </mc:Choice>
+    <mc:Fallback xmlns="">
+      <p:transition spd="slow">
+        <p:fade/>
+      </p:transition>
+    </mc:Fallback>
+  </mc:AlternateContent>
+</p:sld>
+</file>
+
+<file path=ppt/slides/slide20.xml><?xml version="1.0" encoding="utf-8"?>
+<p:sld xmlns:a="http://schemas.openxmlformats.org/drawingml/2006/main" xmlns:r="http://schemas.openxmlformats.org/officeDocument/2006/relationships" xmlns:p="http://schemas.openxmlformats.org/presentationml/2006/main">
+  <p:cSld>
+    <p:spTree>
+      <p:nvGrpSpPr>
+        <p:cNvPr id="1" name=""/>
+        <p:cNvGrpSpPr/>
+        <p:nvPr/>
+      </p:nvGrpSpPr>
+      <p:grpSpPr>
+        <a:xfrm>
+          <a:off x="0" y="0"/>
+          <a:ext cx="0" cy="0"/>
+          <a:chOff x="0" y="0"/>
+          <a:chExt cx="0" cy="0"/>
+        </a:xfrm>
+      </p:grpSpPr>
+      <p:sp>
+        <p:nvSpPr>
+          <p:cNvPr id="2" name="Nadpis 1">
+            <a:extLst>
+              <a:ext uri="{FF2B5EF4-FFF2-40B4-BE49-F238E27FC236}">
+                <a16:creationId xmlns:a16="http://schemas.microsoft.com/office/drawing/2014/main" id="{4F421581-4D7C-10C4-3838-CFB5C277C743}"/>
+              </a:ext>
+            </a:extLst>
+          </p:cNvPr>
+          <p:cNvSpPr>
+            <a:spLocks noGrp="1"/>
+          </p:cNvSpPr>
+          <p:nvPr>
+            <p:ph type="title"/>
+          </p:nvPr>
+        </p:nvSpPr>
+        <p:spPr/>
+        <p:txBody>
+          <a:bodyPr/>
+          <a:lstStyle/>
+          <a:p>
+            <a:r>
+              <a:rPr lang="cs-CZ" dirty="0"/>
+              <a:t>Přiložené soubory</a:t>
+            </a:r>
+          </a:p>
+        </p:txBody>
+      </p:sp>
+      <p:sp>
+        <p:nvSpPr>
+          <p:cNvPr id="3" name="Zástupný obsah 2">
+            <a:extLst>
+              <a:ext uri="{FF2B5EF4-FFF2-40B4-BE49-F238E27FC236}">
+                <a16:creationId xmlns:a16="http://schemas.microsoft.com/office/drawing/2014/main" id="{5A4057BC-E3AA-A322-7FBD-62049F75CCFE}"/>
+              </a:ext>
+            </a:extLst>
+          </p:cNvPr>
+          <p:cNvSpPr>
+            <a:spLocks noGrp="1"/>
+          </p:cNvSpPr>
+          <p:nvPr>
+            <p:ph idx="1"/>
+          </p:nvPr>
+        </p:nvSpPr>
+        <p:spPr/>
+        <p:txBody>
+          <a:bodyPr/>
+          <a:lstStyle/>
+          <a:p>
+            <a:r>
+              <a:rPr lang="cs-CZ" dirty="0"/>
+              <a:t>commands.md 				– příkazy pro spuštění databáze</a:t>
+            </a:r>
+          </a:p>
+          <a:p>
+            <a:r>
+              <a:rPr lang="cs-CZ" dirty="0"/>
+              <a:t>scripts/generate_data.py 	– inicializace DB</a:t>
+            </a:r>
+          </a:p>
+          <a:p>
+            <a:r>
+              <a:rPr lang="cs-CZ" dirty="0"/>
+              <a:t>queries/query_*.py 			– skripty měřící trvání dotazů</a:t>
+            </a:r>
+          </a:p>
+          <a:p>
+            <a:endParaRPr lang="cs-CZ" dirty="0"/>
+          </a:p>
+          <a:p>
+            <a:r>
+              <a:rPr lang="cs-CZ" dirty="0"/>
+              <a:t>surrealdb.pptx				- prezentace</a:t>
+            </a:r>
+          </a:p>
+          <a:p>
+            <a:r>
+              <a:rPr lang="cs-CZ" dirty="0"/>
+              <a:t>presentation.mp4 			- nahrávka prezentace</a:t>
+            </a:r>
+          </a:p>
+          <a:p>
+            <a:endParaRPr lang="cs-CZ" dirty="0"/>
+          </a:p>
+        </p:txBody>
+      </p:sp>
+    </p:spTree>
+    <p:extLst>
+      <p:ext uri="{BB962C8B-B14F-4D97-AF65-F5344CB8AC3E}">
+        <p14:creationId xmlns:p14="http://schemas.microsoft.com/office/powerpoint/2010/main" val="3544044661"/>
+      </p:ext>
+    </p:extLst>
+  </p:cSld>
+  <p:clrMapOvr>
+    <a:masterClrMapping/>
+  </p:clrMapOvr>
+  <mc:AlternateContent xmlns:mc="http://schemas.openxmlformats.org/markup-compatibility/2006" xmlns:p159="http://schemas.microsoft.com/office/powerpoint/2015/09/main">
+    <mc:Choice Requires="p159">
+      <p:transition spd="slow">
+        <p159:morph option="byObject"/>
+      </p:transition>
+    </mc:Choice>
+    <mc:Fallback xmlns="">
+      <p:transition spd="slow">
+        <p:fade/>
+      </p:transition>
+    </mc:Fallback>
+  </mc:AlternateContent>
+</p:sld>
+</file>
+
+<file path=ppt/slides/slide21.xml><?xml version="1.0" encoding="utf-8"?>
+<p:sld xmlns:a="http://schemas.openxmlformats.org/drawingml/2006/main" xmlns:r="http://schemas.openxmlformats.org/officeDocument/2006/relationships" xmlns:p="http://schemas.openxmlformats.org/presentationml/2006/main">
+  <p:cSld>
+    <p:bg>
+      <p:bgPr>
+        <a:solidFill>
+          <a:schemeClr val="bg1"/>
+        </a:solidFill>
+        <a:effectLst/>
+      </p:bgPr>
+    </p:bg>
+    <p:spTree>
+      <p:nvGrpSpPr>
+        <p:cNvPr id="1" name=""/>
+        <p:cNvGrpSpPr/>
+        <p:nvPr/>
+      </p:nvGrpSpPr>
+      <p:grpSpPr>
+        <a:xfrm>
+          <a:off x="0" y="0"/>
+          <a:ext cx="0" cy="0"/>
+          <a:chOff x="0" y="0"/>
+          <a:chExt cx="0" cy="0"/>
+        </a:xfrm>
+      </p:grpSpPr>
+      <p:grpSp>
+        <p:nvGrpSpPr>
+          <p:cNvPr id="26" name="Group 25">
+            <a:extLst>
+              <a:ext uri="{FF2B5EF4-FFF2-40B4-BE49-F238E27FC236}">
+                <a16:creationId xmlns:a16="http://schemas.microsoft.com/office/drawing/2014/main" id="{4091D54B-59AB-4A5E-8E9E-0421BD66D4FB}"/>
+              </a:ext>
+              <a:ext uri="{C183D7F6-B498-43B3-948B-1728B52AA6E4}">
+                <adec:decorative xmlns:adec="http://schemas.microsoft.com/office/drawing/2017/decorative" val="1"/>
+              </a:ext>
+            </a:extLst>
+          </p:cNvPr>
+          <p:cNvGrpSpPr>
+            <a:grpSpLocks noGrp="1" noUngrp="1" noRot="1" noChangeAspect="1" noMove="1" noResize="1"/>
+          </p:cNvGrpSpPr>
+          <p:nvPr>
+            <p:extLst>
+              <p:ext uri="{386F3935-93C4-4BCD-93E2-E3B085C9AB24}">
+                <p16:designElem xmlns:p16="http://schemas.microsoft.com/office/powerpoint/2015/main" val="1"/>
+              </p:ext>
+            </p:extLst>
+          </p:nvPr>
+        </p:nvGrpSpPr>
+        <p:grpSpPr>
+          <a:xfrm>
+            <a:off x="0" y="0"/>
+            <a:ext cx="12192000" cy="6858000"/>
+            <a:chOff x="0" y="0"/>
+            <a:chExt cx="12192000" cy="6858000"/>
+          </a:xfrm>
+        </p:grpSpPr>
+        <p:sp>
+          <p:nvSpPr>
+            <p:cNvPr id="27" name="Rectangle 26">
+              <a:extLst>
+                <a:ext uri="{FF2B5EF4-FFF2-40B4-BE49-F238E27FC236}">
+                  <a16:creationId xmlns:a16="http://schemas.microsoft.com/office/drawing/2014/main" id="{547CE62E-FFFD-4A1F-BA78-C3B89C36FCA5}"/>
+                </a:ext>
+                <a:ext uri="{C183D7F6-B498-43B3-948B-1728B52AA6E4}">
+                  <adec:decorative xmlns:adec="http://schemas.microsoft.com/office/drawing/2017/decorative" val="1"/>
+                </a:ext>
+              </a:extLst>
+            </p:cNvPr>
+            <p:cNvSpPr/>
+            <p:nvPr>
+              <p:extLst>
+                <p:ext uri="{386F3935-93C4-4BCD-93E2-E3B085C9AB24}">
+                  <p16:designElem xmlns:p16="http://schemas.microsoft.com/office/powerpoint/2015/main" val="1"/>
+                </p:ext>
+              </p:extLst>
+            </p:nvPr>
+          </p:nvSpPr>
+          <p:spPr>
+            <a:xfrm>
+              <a:off x="0" y="0"/>
+              <a:ext cx="12192000" cy="6858000"/>
+            </a:xfrm>
+            <a:prstGeom prst="rect">
+              <a:avLst/>
+            </a:prstGeom>
+            <a:blipFill>
+              <a:blip r:embed="rId3">
+                <a:duotone>
+                  <a:schemeClr val="dk2">
+                    <a:shade val="69000"/>
+                    <a:hueMod val="91000"/>
+                    <a:satMod val="164000"/>
+                    <a:lumMod val="74000"/>
+                  </a:schemeClr>
+                  <a:schemeClr val="dk2">
+                    <a:hueMod val="124000"/>
+                    <a:satMod val="140000"/>
+                    <a:lumMod val="142000"/>
+                  </a:schemeClr>
+                </a:duotone>
+              </a:blip>
+              <a:stretch>
+                <a:fillRect/>
+              </a:stretch>
+            </a:blipFill>
+            <a:ln>
+              <a:noFill/>
+            </a:ln>
+          </p:spPr>
+          <p:style>
+            <a:lnRef idx="2">
+              <a:schemeClr val="accent1">
+                <a:shade val="50000"/>
+              </a:schemeClr>
+            </a:lnRef>
+            <a:fillRef idx="1">
+              <a:schemeClr val="accent1"/>
+            </a:fillRef>
+            <a:effectRef idx="0">
+              <a:schemeClr val="accent1"/>
+            </a:effectRef>
+            <a:fontRef idx="minor">
+              <a:schemeClr val="lt1"/>
+            </a:fontRef>
+          </p:style>
+        </p:sp>
+        <p:sp>
+          <p:nvSpPr>
+            <p:cNvPr id="28" name="Freeform 5">
+              <a:extLst>
+                <a:ext uri="{FF2B5EF4-FFF2-40B4-BE49-F238E27FC236}">
+                  <a16:creationId xmlns:a16="http://schemas.microsoft.com/office/drawing/2014/main" id="{AE51FD27-6B6A-4D21-BF22-245DA9BD0B3E}"/>
+                </a:ext>
+                <a:ext uri="{C183D7F6-B498-43B3-948B-1728B52AA6E4}">
+                  <adec:decorative xmlns:adec="http://schemas.microsoft.com/office/drawing/2017/decorative" val="1"/>
+                </a:ext>
+              </a:extLst>
+            </p:cNvPr>
+            <p:cNvSpPr>
+              <a:spLocks noEditPoints="1"/>
+            </p:cNvSpPr>
+            <p:nvPr>
+              <p:extLst>
+                <p:ext uri="{386F3935-93C4-4BCD-93E2-E3B085C9AB24}">
+                  <p16:designElem xmlns:p16="http://schemas.microsoft.com/office/powerpoint/2015/main" val="1"/>
+                </p:ext>
+              </p:extLst>
+            </p:nvPr>
+          </p:nvSpPr>
+          <p:spPr bwMode="gray">
+            <a:xfrm>
+              <a:off x="0" y="1587"/>
+              <a:ext cx="12192000" cy="6856413"/>
+            </a:xfrm>
+            <a:custGeom>
+              <a:avLst/>
+              <a:gdLst/>
+              <a:ahLst/>
+              <a:cxnLst/>
+              <a:rect l="0" t="0" r="r" b="b"/>
+              <a:pathLst>
+                <a:path w="15356" h="8638">
+                  <a:moveTo>
+                    <a:pt x="0" y="0"/>
+                  </a:moveTo>
+                  <a:lnTo>
+                    <a:pt x="0" y="8638"/>
+                  </a:lnTo>
+                  <a:lnTo>
+                    <a:pt x="15356" y="8638"/>
+                  </a:lnTo>
+                  <a:lnTo>
+                    <a:pt x="15356" y="0"/>
+                  </a:lnTo>
+                  <a:lnTo>
+                    <a:pt x="0" y="0"/>
+                  </a:lnTo>
+                  <a:close/>
+                  <a:moveTo>
+                    <a:pt x="14748" y="8038"/>
+                  </a:moveTo>
+                  <a:lnTo>
+                    <a:pt x="600" y="8038"/>
+                  </a:lnTo>
+                  <a:lnTo>
+                    <a:pt x="600" y="592"/>
+                  </a:lnTo>
+                  <a:lnTo>
+                    <a:pt x="14748" y="592"/>
+                  </a:lnTo>
+                  <a:lnTo>
+                    <a:pt x="14748" y="8038"/>
+                  </a:lnTo>
+                  <a:close/>
+                </a:path>
+              </a:pathLst>
+            </a:custGeom>
+            <a:solidFill>
+              <a:schemeClr val="bg1"/>
+            </a:solidFill>
+            <a:ln>
+              <a:noFill/>
+            </a:ln>
+          </p:spPr>
+        </p:sp>
+      </p:grpSp>
+      <p:sp>
+        <p:nvSpPr>
+          <p:cNvPr id="30" name="Rectangle 29">
+            <a:extLst>
+              <a:ext uri="{FF2B5EF4-FFF2-40B4-BE49-F238E27FC236}">
+                <a16:creationId xmlns:a16="http://schemas.microsoft.com/office/drawing/2014/main" id="{B8144315-1C5A-4185-A952-25D98D303D46}"/>
+              </a:ext>
+              <a:ext uri="{C183D7F6-B498-43B3-948B-1728B52AA6E4}">
+                <adec:decorative xmlns:adec="http://schemas.microsoft.com/office/drawing/2017/decorative" val="1"/>
+              </a:ext>
+            </a:extLst>
+          </p:cNvPr>
+          <p:cNvSpPr>
+            <a:spLocks noGrp="1" noRot="1" noChangeAspect="1" noMove="1" noResize="1" noEditPoints="1" noAdjustHandles="1" noChangeArrowheads="1" noChangeShapeType="1" noTextEdit="1"/>
+          </p:cNvSpPr>
+          <p:nvPr>
+            <p:extLst>
+              <p:ext uri="{386F3935-93C4-4BCD-93E2-E3B085C9AB24}">
+                <p16:designElem xmlns:p16="http://schemas.microsoft.com/office/powerpoint/2015/main" val="1"/>
+              </p:ext>
+            </p:extLst>
+          </p:nvPr>
+        </p:nvSpPr>
+        <p:spPr>
+          <a:xfrm>
+            <a:off x="10437812" y="0"/>
+            <a:ext cx="685800" cy="1143000"/>
+          </a:xfrm>
+          <a:prstGeom prst="rect">
+            <a:avLst/>
+          </a:prstGeom>
+          <a:solidFill>
+            <a:schemeClr val="accent1"/>
+          </a:solidFill>
+          <a:ln>
+            <a:noFill/>
+          </a:ln>
+        </p:spPr>
+        <p:style>
+          <a:lnRef idx="1">
+            <a:schemeClr val="accent1"/>
+          </a:lnRef>
+          <a:fillRef idx="3">
+            <a:schemeClr val="accent1"/>
+          </a:fillRef>
+          <a:effectRef idx="2">
+            <a:schemeClr val="accent1"/>
+          </a:effectRef>
+          <a:fontRef idx="minor">
+            <a:schemeClr val="lt1"/>
+          </a:fontRef>
+        </p:style>
+      </p:sp>
+      <p:sp>
+        <p:nvSpPr>
+          <p:cNvPr id="32" name="Freeform 5">
+            <a:extLst>
+              <a:ext uri="{FF2B5EF4-FFF2-40B4-BE49-F238E27FC236}">
+                <a16:creationId xmlns:a16="http://schemas.microsoft.com/office/drawing/2014/main" id="{31D248D0-90D8-4EAF-84EE-DA3868518829}"/>
+              </a:ext>
+              <a:ext uri="{C183D7F6-B498-43B3-948B-1728B52AA6E4}">
+                <adec:decorative xmlns:adec="http://schemas.microsoft.com/office/drawing/2017/decorative" val="1"/>
+              </a:ext>
+            </a:extLst>
+          </p:cNvPr>
+          <p:cNvSpPr>
+            <a:spLocks noGrp="1" noRot="1" noChangeAspect="1" noMove="1" noResize="1" noEditPoints="1" noAdjustHandles="1" noChangeArrowheads="1" noChangeShapeType="1" noTextEdit="1"/>
+          </p:cNvSpPr>
+          <p:nvPr>
+            <p:extLst>
+              <p:ext uri="{386F3935-93C4-4BCD-93E2-E3B085C9AB24}">
+                <p16:designElem xmlns:p16="http://schemas.microsoft.com/office/powerpoint/2015/main" val="1"/>
+              </p:ext>
+            </p:extLst>
+          </p:nvPr>
+        </p:nvSpPr>
+        <p:spPr bwMode="gray">
+          <a:xfrm>
+            <a:off x="0" y="1587"/>
+            <a:ext cx="12192000" cy="6856413"/>
+          </a:xfrm>
+          <a:custGeom>
+            <a:avLst/>
+            <a:gdLst/>
+            <a:ahLst/>
+            <a:cxnLst/>
+            <a:rect l="0" t="0" r="r" b="b"/>
+            <a:pathLst>
+              <a:path w="15356" h="8638">
+                <a:moveTo>
+                  <a:pt x="0" y="0"/>
+                </a:moveTo>
+                <a:lnTo>
+                  <a:pt x="0" y="8638"/>
+                </a:lnTo>
+                <a:lnTo>
+                  <a:pt x="15356" y="8638"/>
+                </a:lnTo>
+                <a:lnTo>
+                  <a:pt x="15356" y="0"/>
+                </a:lnTo>
+                <a:lnTo>
+                  <a:pt x="0" y="0"/>
+                </a:lnTo>
+                <a:close/>
+                <a:moveTo>
+                  <a:pt x="14748" y="8038"/>
+                </a:moveTo>
+                <a:lnTo>
+                  <a:pt x="600" y="8038"/>
+                </a:lnTo>
+                <a:lnTo>
+                  <a:pt x="600" y="592"/>
+                </a:lnTo>
+                <a:lnTo>
+                  <a:pt x="14748" y="592"/>
+                </a:lnTo>
+                <a:lnTo>
+                  <a:pt x="14748" y="8038"/>
+                </a:lnTo>
+                <a:close/>
+              </a:path>
+            </a:pathLst>
+          </a:custGeom>
+          <a:solidFill>
+            <a:schemeClr val="tx1"/>
+          </a:solidFill>
+          <a:ln>
+            <a:noFill/>
+          </a:ln>
+        </p:spPr>
+      </p:sp>
+      <p:sp>
+        <p:nvSpPr>
+          <p:cNvPr id="2" name="Nadpis 1">
+            <a:extLst>
+              <a:ext uri="{FF2B5EF4-FFF2-40B4-BE49-F238E27FC236}">
+                <a16:creationId xmlns:a16="http://schemas.microsoft.com/office/drawing/2014/main" id="{0ADE3752-E9FC-B833-5B31-C4CB2494EA17}"/>
+              </a:ext>
+            </a:extLst>
+          </p:cNvPr>
+          <p:cNvSpPr>
+            <a:spLocks noGrp="1"/>
+          </p:cNvSpPr>
+          <p:nvPr>
+            <p:ph type="title"/>
+          </p:nvPr>
+        </p:nvSpPr>
+        <p:spPr>
+          <a:xfrm>
+            <a:off x="644537" y="2878576"/>
+            <a:ext cx="10893094" cy="1915940"/>
+          </a:xfrm>
+        </p:spPr>
+        <p:txBody>
+          <a:bodyPr vert="horz" lIns="91440" tIns="45720" rIns="91440" bIns="45720" rtlCol="0" anchor="b">
+            <a:normAutofit/>
+          </a:bodyPr>
+          <a:lstStyle/>
+          <a:p>
+            <a:pPr algn="ctr"/>
+            <a:r>
+              <a:rPr lang="en-US" sz="6600" b="0" i="0" kern="1200" dirty="0" err="1">
+                <a:solidFill>
+                  <a:srgbClr val="EBEBEB"/>
+                </a:solidFill>
+                <a:latin typeface="+mj-lt"/>
+                <a:ea typeface="+mj-ea"/>
+                <a:cs typeface="+mj-cs"/>
+              </a:rPr>
+              <a:t>Děkuji</a:t>
+            </a:r>
+            <a:r>
+              <a:rPr lang="en-US" sz="6600" b="0" i="0" kern="1200" dirty="0">
+                <a:solidFill>
+                  <a:srgbClr val="EBEBEB"/>
+                </a:solidFill>
+                <a:latin typeface="+mj-lt"/>
+                <a:ea typeface="+mj-ea"/>
+                <a:cs typeface="+mj-cs"/>
+              </a:rPr>
+              <a:t> za </a:t>
+            </a:r>
+            <a:r>
+              <a:rPr lang="en-US" sz="6600" b="0" i="0" kern="1200" dirty="0" err="1">
+                <a:solidFill>
+                  <a:srgbClr val="EBEBEB"/>
+                </a:solidFill>
+                <a:latin typeface="+mj-lt"/>
+                <a:ea typeface="+mj-ea"/>
+                <a:cs typeface="+mj-cs"/>
+              </a:rPr>
+              <a:t>pozornost</a:t>
+            </a:r>
+            <a:endParaRPr lang="en-US" sz="6600" b="0" i="0" kern="1200" dirty="0">
+              <a:solidFill>
+                <a:srgbClr val="EBEBEB"/>
+              </a:solidFill>
+              <a:latin typeface="+mj-lt"/>
+              <a:ea typeface="+mj-ea"/>
+              <a:cs typeface="+mj-cs"/>
+            </a:endParaRPr>
+          </a:p>
+        </p:txBody>
+      </p:sp>
+      <p:pic>
+        <p:nvPicPr>
+          <p:cNvPr id="6" name="Zástupný obsah 5">
+            <a:extLst>
+              <a:ext uri="{FF2B5EF4-FFF2-40B4-BE49-F238E27FC236}">
+                <a16:creationId xmlns:a16="http://schemas.microsoft.com/office/drawing/2014/main" id="{C46C617B-2FB0-1A10-6C65-EA1AC8A494A0}"/>
+              </a:ext>
+            </a:extLst>
+          </p:cNvPr>
+          <p:cNvPicPr>
+            <a:picLocks noGrp="1" noChangeAspect="1"/>
+          </p:cNvPicPr>
+          <p:nvPr>
+            <p:ph idx="1"/>
+          </p:nvPr>
+        </p:nvPicPr>
+        <p:blipFill>
+          <a:blip r:embed="rId4">
+            <a:extLst>
+              <a:ext uri="{96DAC541-7B7A-43D3-8B79-37D633B846F1}">
+                <asvg:svgBlip xmlns:asvg="http://schemas.microsoft.com/office/drawing/2016/SVG/main" r:embed="rId5"/>
+              </a:ext>
+            </a:extLst>
+          </a:blip>
+          <a:stretch>
+            <a:fillRect/>
+          </a:stretch>
+        </p:blipFill>
+        <p:spPr>
+          <a:xfrm>
+            <a:off x="2233496" y="1363733"/>
+            <a:ext cx="7715176" cy="1657722"/>
+          </a:xfrm>
+          <a:prstGeom prst="roundRect">
+            <a:avLst>
+              <a:gd name="adj" fmla="val 1858"/>
+            </a:avLst>
+          </a:prstGeom>
+          <a:effectLst>
+            <a:outerShdw blurRad="50800" dist="50800" dir="5400000" algn="tl" rotWithShape="0">
+              <a:srgbClr val="000000">
+                <a:alpha val="43000"/>
+              </a:srgbClr>
+            </a:outerShdw>
+          </a:effectLst>
+        </p:spPr>
+      </p:pic>
+      <p:sp>
+        <p:nvSpPr>
+          <p:cNvPr id="34" name="Rectangle 33">
+            <a:extLst>
+              <a:ext uri="{FF2B5EF4-FFF2-40B4-BE49-F238E27FC236}">
+                <a16:creationId xmlns:a16="http://schemas.microsoft.com/office/drawing/2014/main" id="{0775805F-9E56-4330-9EA3-04D38DCEC3F1}"/>
+              </a:ext>
+              <a:ext uri="{C183D7F6-B498-43B3-948B-1728B52AA6E4}">
+                <adec:decorative xmlns:adec="http://schemas.microsoft.com/office/drawing/2017/decorative" val="1"/>
+              </a:ext>
+            </a:extLst>
+          </p:cNvPr>
+          <p:cNvSpPr>
+            <a:spLocks noGrp="1" noRot="1" noChangeAspect="1" noMove="1" noResize="1" noEditPoints="1" noAdjustHandles="1" noChangeArrowheads="1" noChangeShapeType="1" noTextEdit="1"/>
+          </p:cNvSpPr>
+          <p:nvPr>
+            <p:extLst>
+              <p:ext uri="{386F3935-93C4-4BCD-93E2-E3B085C9AB24}">
+                <p16:designElem xmlns:p16="http://schemas.microsoft.com/office/powerpoint/2015/main" val="1"/>
+              </p:ext>
+            </p:extLst>
+          </p:nvPr>
+        </p:nvSpPr>
+        <p:spPr>
+          <a:xfrm>
+            <a:off x="10437812" y="0"/>
+            <a:ext cx="685800" cy="1143000"/>
+          </a:xfrm>
+          <a:prstGeom prst="rect">
+            <a:avLst/>
+          </a:prstGeom>
+          <a:solidFill>
+            <a:schemeClr val="accent1"/>
+          </a:solidFill>
+          <a:ln>
+            <a:noFill/>
+          </a:ln>
+        </p:spPr>
+        <p:style>
+          <a:lnRef idx="1">
+            <a:schemeClr val="accent1"/>
+          </a:lnRef>
+          <a:fillRef idx="3">
+            <a:schemeClr val="accent1"/>
+          </a:fillRef>
+          <a:effectRef idx="2">
+            <a:schemeClr val="accent1"/>
+          </a:effectRef>
+          <a:fontRef idx="minor">
+            <a:schemeClr val="lt1"/>
+          </a:fontRef>
+        </p:style>
+      </p:sp>
+    </p:spTree>
+    <p:extLst>
+      <p:ext uri="{BB962C8B-B14F-4D97-AF65-F5344CB8AC3E}">
+        <p14:creationId xmlns:p14="http://schemas.microsoft.com/office/powerpoint/2010/main" val="3063988757"/>
+      </p:ext>
+    </p:extLst>
+  </p:cSld>
+  <p:clrMapOvr>
+    <a:overrideClrMapping bg1="dk1" tx1="lt1" bg2="dk2" tx2="lt2" accent1="accent1" accent2="accent2" accent3="accent3" accent4="accent4" accent5="accent5" accent6="accent6" hlink="hlink" folHlink="folHlink"/>
+  </p:clrMapOvr>
+  <mc:AlternateContent xmlns:mc="http://schemas.openxmlformats.org/markup-compatibility/2006" xmlns:p159="http://schemas.microsoft.com/office/powerpoint/2015/09/main">
+    <mc:Choice Requires="p159">
+      <p:transition spd="slow">
+        <p159:morph option="byObject"/>
+      </p:transition>
+    </mc:Choice>
+    <mc:Fallback xmlns="">
+      <p:transition spd="slow">
+        <p:fade/>
+      </p:transition>
+    </mc:Fallback>
+  </mc:AlternateContent>
+</p:sld>
+</file>
+
+<file path=ppt/slides/slide22.xml><?xml version="1.0" encoding="utf-8"?>
+<p:sld xmlns:a="http://schemas.openxmlformats.org/drawingml/2006/main" xmlns:r="http://schemas.openxmlformats.org/officeDocument/2006/relationships" xmlns:p="http://schemas.openxmlformats.org/presentationml/2006/main">
+  <p:cSld>
+    <p:spTree>
+      <p:nvGrpSpPr>
+        <p:cNvPr id="1" name=""/>
+        <p:cNvGrpSpPr/>
+        <p:nvPr/>
+      </p:nvGrpSpPr>
+      <p:grpSpPr>
+        <a:xfrm>
+          <a:off x="0" y="0"/>
+          <a:ext cx="0" cy="0"/>
+          <a:chOff x="0" y="0"/>
+          <a:chExt cx="0" cy="0"/>
+        </a:xfrm>
+      </p:grpSpPr>
+      <p:sp>
+        <p:nvSpPr>
+          <p:cNvPr id="2" name="Nadpis 1">
+            <a:extLst>
+              <a:ext uri="{FF2B5EF4-FFF2-40B4-BE49-F238E27FC236}">
+                <a16:creationId xmlns:a16="http://schemas.microsoft.com/office/drawing/2014/main" id="{5925FEA9-25F2-774C-58CE-70DC087436D5}"/>
+              </a:ext>
+            </a:extLst>
+          </p:cNvPr>
+          <p:cNvSpPr>
+            <a:spLocks noGrp="1"/>
+          </p:cNvSpPr>
+          <p:nvPr>
+            <p:ph type="title"/>
+          </p:nvPr>
+        </p:nvSpPr>
+        <p:spPr/>
+        <p:txBody>
+          <a:bodyPr/>
+          <a:lstStyle/>
+          <a:p>
+            <a:r>
+              <a:rPr lang="cs-CZ" dirty="0"/>
+              <a:t>Spuštění dotazu (Windows)</a:t>
+            </a:r>
+          </a:p>
+        </p:txBody>
+      </p:sp>
+      <p:sp>
+        <p:nvSpPr>
+          <p:cNvPr id="3" name="Zástupný obsah 2">
+            <a:extLst>
+              <a:ext uri="{FF2B5EF4-FFF2-40B4-BE49-F238E27FC236}">
+                <a16:creationId xmlns:a16="http://schemas.microsoft.com/office/drawing/2014/main" id="{3C5F6873-BF26-97F9-72BD-12AB31025F24}"/>
+              </a:ext>
+            </a:extLst>
+          </p:cNvPr>
+          <p:cNvSpPr>
+            <a:spLocks noGrp="1"/>
+          </p:cNvSpPr>
+          <p:nvPr>
+            <p:ph idx="1"/>
+          </p:nvPr>
+        </p:nvSpPr>
+        <p:spPr>
+          <a:xfrm>
+            <a:off x="1154954" y="2603500"/>
+            <a:ext cx="8825659" cy="4254500"/>
+          </a:xfrm>
+        </p:spPr>
+        <p:txBody>
+          <a:bodyPr>
+            <a:normAutofit/>
+          </a:bodyPr>
+          <a:lstStyle/>
+          <a:p>
+            <a:r>
+              <a:rPr lang="cs-CZ" dirty="0"/>
+              <a:t>Instalace DB podle prezentace</a:t>
+            </a:r>
+          </a:p>
+          <a:p>
+            <a:r>
+              <a:rPr lang="cs-CZ" dirty="0"/>
+              <a:t>Spuštění DB příkazem z commands.md</a:t>
+            </a:r>
+          </a:p>
+          <a:p>
+            <a:r>
+              <a:rPr lang="cs-CZ" dirty="0"/>
+              <a:t>Vytvoření virtuálního prostředí pro Python</a:t>
+            </a:r>
+          </a:p>
+          <a:p>
+            <a:pPr lvl="1"/>
+            <a:r>
+              <a:rPr lang="cs-CZ" dirty="0"/>
+              <a:t>python –m </a:t>
+            </a:r>
+            <a:r>
+              <a:rPr lang="cs-CZ" dirty="0" err="1"/>
+              <a:t>venv</a:t>
+            </a:r>
+            <a:r>
+              <a:rPr lang="cs-CZ" dirty="0"/>
+              <a:t> </a:t>
+            </a:r>
+            <a:r>
+              <a:rPr lang="cs-CZ" dirty="0" err="1"/>
+              <a:t>venv</a:t>
+            </a:r>
+            <a:endParaRPr lang="cs-CZ" dirty="0"/>
+          </a:p>
+          <a:p>
+            <a:pPr lvl="1"/>
+            <a:r>
+              <a:rPr lang="cs-CZ" dirty="0" err="1"/>
+              <a:t>venv</a:t>
+            </a:r>
+            <a:r>
+              <a:rPr lang="cs-CZ" dirty="0"/>
+              <a:t>\</a:t>
+            </a:r>
+            <a:r>
+              <a:rPr lang="cs-CZ" dirty="0" err="1"/>
+              <a:t>Scripts</a:t>
+            </a:r>
+            <a:r>
+              <a:rPr lang="cs-CZ" dirty="0"/>
+              <a:t>\activate.bat</a:t>
+            </a:r>
+          </a:p>
+          <a:p>
+            <a:pPr lvl="1"/>
+            <a:r>
+              <a:rPr lang="cs-CZ" dirty="0"/>
+              <a:t>pip </a:t>
+            </a:r>
+            <a:r>
+              <a:rPr lang="cs-CZ" dirty="0" err="1"/>
+              <a:t>install</a:t>
+            </a:r>
+            <a:r>
+              <a:rPr lang="cs-CZ" dirty="0"/>
+              <a:t> –r requirements.txt</a:t>
+            </a:r>
+          </a:p>
+          <a:p>
+            <a:r>
+              <a:rPr lang="cs-CZ" dirty="0"/>
+              <a:t>Naplnění DB</a:t>
+            </a:r>
+          </a:p>
+          <a:p>
+            <a:pPr lvl="1"/>
+            <a:r>
+              <a:rPr lang="cs-CZ" dirty="0"/>
+              <a:t>Python scripts\generate_data.py</a:t>
+            </a:r>
+          </a:p>
+          <a:p>
+            <a:r>
+              <a:rPr lang="cs-CZ" dirty="0"/>
+              <a:t>Spuštění dotazu</a:t>
+            </a:r>
+          </a:p>
+          <a:p>
+            <a:pPr lvl="1"/>
+            <a:r>
+              <a:rPr lang="cs-CZ" dirty="0"/>
+              <a:t>python queries\query_visitedcities.py</a:t>
+            </a:r>
+          </a:p>
+          <a:p>
+            <a:endParaRPr lang="cs-CZ" dirty="0"/>
+          </a:p>
+        </p:txBody>
+      </p:sp>
+    </p:spTree>
+    <p:extLst>
+      <p:ext uri="{BB962C8B-B14F-4D97-AF65-F5344CB8AC3E}">
+        <p14:creationId xmlns:p14="http://schemas.microsoft.com/office/powerpoint/2010/main" val="3204734516"/>
       </p:ext>
     </p:extLst>
   </p:cSld>
@@ -17028,13 +21030,13 @@
   <p:clrMapOvr>
     <a:masterClrMapping/>
   </p:clrMapOvr>
-  <mc:AlternateContent xmlns:mc="http://schemas.openxmlformats.org/markup-compatibility/2006">
-    <mc:Choice xmlns:p159="http://schemas.microsoft.com/office/powerpoint/2015/09/main" Requires="p159">
+  <mc:AlternateContent xmlns:mc="http://schemas.openxmlformats.org/markup-compatibility/2006" xmlns:p159="http://schemas.microsoft.com/office/powerpoint/2015/09/main">
+    <mc:Choice Requires="p159">
       <p:transition spd="slow">
         <p159:morph option="byObject"/>
       </p:transition>
     </mc:Choice>
-    <mc:Fallback>
+    <mc:Fallback xmlns="">
       <p:transition spd="slow">
         <p:fade/>
       </p:transition>
@@ -17179,13 +21181,13 @@
   <p:clrMapOvr>
     <a:masterClrMapping/>
   </p:clrMapOvr>
-  <mc:AlternateContent xmlns:mc="http://schemas.openxmlformats.org/markup-compatibility/2006">
-    <mc:Choice xmlns:p159="http://schemas.microsoft.com/office/powerpoint/2015/09/main" Requires="p159">
+  <mc:AlternateContent xmlns:mc="http://schemas.openxmlformats.org/markup-compatibility/2006" xmlns:p159="http://schemas.microsoft.com/office/powerpoint/2015/09/main">
+    <mc:Choice Requires="p159">
       <p:transition spd="slow">
         <p159:morph option="byObject"/>
       </p:transition>
     </mc:Choice>
-    <mc:Fallback>
+    <mc:Fallback xmlns="">
       <p:transition spd="slow">
         <p:fade/>
       </p:transition>
@@ -17350,13 +21352,13 @@
   <p:clrMapOvr>
     <a:masterClrMapping/>
   </p:clrMapOvr>
-  <mc:AlternateContent xmlns:mc="http://schemas.openxmlformats.org/markup-compatibility/2006">
-    <mc:Choice xmlns:p159="http://schemas.microsoft.com/office/powerpoint/2015/09/main" Requires="p159">
+  <mc:AlternateContent xmlns:mc="http://schemas.openxmlformats.org/markup-compatibility/2006" xmlns:p159="http://schemas.microsoft.com/office/powerpoint/2015/09/main">
+    <mc:Choice Requires="p159">
       <p:transition spd="slow">
         <p159:morph option="byObject"/>
       </p:transition>
     </mc:Choice>
-    <mc:Fallback>
+    <mc:Fallback xmlns="">
       <p:transition spd="slow">
         <p:fade/>
       </p:transition>
@@ -17382,6 +21384,53 @@
           <a:chExt cx="0" cy="0"/>
         </a:xfrm>
       </p:grpSpPr>
+      <p:pic>
+        <p:nvPicPr>
+          <p:cNvPr id="1028" name="Picture 4" descr="Using IndexedDB For Client-Side Storage – Sweetcode.io">
+            <a:extLst>
+              <a:ext uri="{FF2B5EF4-FFF2-40B4-BE49-F238E27FC236}">
+                <a16:creationId xmlns:a16="http://schemas.microsoft.com/office/drawing/2014/main" id="{5F6360AE-F3B5-07AE-36CA-DBFCDFD07A7B}"/>
+              </a:ext>
+            </a:extLst>
+          </p:cNvPr>
+          <p:cNvPicPr>
+            <a:picLocks noChangeAspect="1" noChangeArrowheads="1"/>
+          </p:cNvPicPr>
+          <p:nvPr/>
+        </p:nvPicPr>
+        <p:blipFill>
+          <a:blip r:embed="rId3">
+            <a:extLst>
+              <a:ext uri="{28A0092B-C50C-407E-A947-70E740481C1C}">
+                <a14:useLocalDpi xmlns:a14="http://schemas.microsoft.com/office/drawing/2010/main" val="0"/>
+              </a:ext>
+            </a:extLst>
+          </a:blip>
+          <a:srcRect/>
+          <a:stretch>
+            <a:fillRect/>
+          </a:stretch>
+        </p:blipFill>
+        <p:spPr bwMode="auto">
+          <a:xfrm>
+            <a:off x="7041399" y="4519114"/>
+            <a:ext cx="2857500" cy="1524000"/>
+          </a:xfrm>
+          <a:prstGeom prst="rect">
+            <a:avLst/>
+          </a:prstGeom>
+          <a:noFill/>
+          <a:extLst>
+            <a:ext uri="{909E8E84-426E-40DD-AFC4-6F175D3DCCD1}">
+              <a14:hiddenFill xmlns:a14="http://schemas.microsoft.com/office/drawing/2010/main">
+                <a:solidFill>
+                  <a:srgbClr val="FFFFFF"/>
+                </a:solidFill>
+              </a14:hiddenFill>
+            </a:ext>
+          </a:extLst>
+        </p:spPr>
+      </p:pic>
       <p:sp>
         <p:nvSpPr>
           <p:cNvPr id="2" name="Nadpis 1">
@@ -17551,6 +21600,53 @@
           </a:p>
         </p:txBody>
       </p:sp>
+      <p:pic>
+        <p:nvPicPr>
+          <p:cNvPr id="1026" name="Picture 2" descr="RocksDB (@RocksDB) / Twitter">
+            <a:extLst>
+              <a:ext uri="{FF2B5EF4-FFF2-40B4-BE49-F238E27FC236}">
+                <a16:creationId xmlns:a16="http://schemas.microsoft.com/office/drawing/2014/main" id="{BCF2C87E-EFF0-80D0-9DD8-8DB6AC6E3219}"/>
+              </a:ext>
+            </a:extLst>
+          </p:cNvPr>
+          <p:cNvPicPr>
+            <a:picLocks noChangeAspect="1" noChangeArrowheads="1"/>
+          </p:cNvPicPr>
+          <p:nvPr/>
+        </p:nvPicPr>
+        <p:blipFill>
+          <a:blip r:embed="rId4">
+            <a:extLst>
+              <a:ext uri="{28A0092B-C50C-407E-A947-70E740481C1C}">
+                <a14:useLocalDpi xmlns:a14="http://schemas.microsoft.com/office/drawing/2010/main" val="0"/>
+              </a:ext>
+            </a:extLst>
+          </a:blip>
+          <a:srcRect/>
+          <a:stretch>
+            <a:fillRect/>
+          </a:stretch>
+        </p:blipFill>
+        <p:spPr bwMode="auto">
+          <a:xfrm>
+            <a:off x="6959685" y="2603500"/>
+            <a:ext cx="3020928" cy="1578435"/>
+          </a:xfrm>
+          <a:prstGeom prst="rect">
+            <a:avLst/>
+          </a:prstGeom>
+          <a:noFill/>
+          <a:extLst>
+            <a:ext uri="{909E8E84-426E-40DD-AFC4-6F175D3DCCD1}">
+              <a14:hiddenFill xmlns:a14="http://schemas.microsoft.com/office/drawing/2010/main">
+                <a:solidFill>
+                  <a:srgbClr val="FFFFFF"/>
+                </a:solidFill>
+              </a14:hiddenFill>
+            </a:ext>
+          </a:extLst>
+        </p:spPr>
+      </p:pic>
     </p:spTree>
     <p:extLst>
       <p:ext uri="{BB962C8B-B14F-4D97-AF65-F5344CB8AC3E}">
@@ -17561,13 +21657,13 @@
   <p:clrMapOvr>
     <a:masterClrMapping/>
   </p:clrMapOvr>
-  <mc:AlternateContent xmlns:mc="http://schemas.openxmlformats.org/markup-compatibility/2006">
-    <mc:Choice xmlns:p159="http://schemas.microsoft.com/office/powerpoint/2015/09/main" Requires="p159">
+  <mc:AlternateContent xmlns:mc="http://schemas.openxmlformats.org/markup-compatibility/2006" xmlns:p159="http://schemas.microsoft.com/office/powerpoint/2015/09/main">
+    <mc:Choice Requires="p159">
       <p:transition spd="slow">
         <p159:morph option="byObject"/>
       </p:transition>
     </mc:Choice>
-    <mc:Fallback>
+    <mc:Fallback xmlns="">
       <p:transition spd="slow">
         <p:fade/>
       </p:transition>
@@ -17598,6 +21694,443 @@
           <p:cNvPr id="2" name="Nadpis 1">
             <a:extLst>
               <a:ext uri="{FF2B5EF4-FFF2-40B4-BE49-F238E27FC236}">
+                <a16:creationId xmlns:a16="http://schemas.microsoft.com/office/drawing/2014/main" id="{014F7C89-A54B-251C-7449-0984D4052288}"/>
+              </a:ext>
+            </a:extLst>
+          </p:cNvPr>
+          <p:cNvSpPr>
+            <a:spLocks noGrp="1"/>
+          </p:cNvSpPr>
+          <p:nvPr>
+            <p:ph type="title"/>
+          </p:nvPr>
+        </p:nvSpPr>
+        <p:spPr/>
+        <p:txBody>
+          <a:bodyPr/>
+          <a:lstStyle/>
+          <a:p>
+            <a:r>
+              <a:rPr lang="cs-CZ" dirty="0"/>
+              <a:t>Instalace</a:t>
+            </a:r>
+          </a:p>
+        </p:txBody>
+      </p:sp>
+      <p:sp>
+        <p:nvSpPr>
+          <p:cNvPr id="3" name="Zástupný obsah 2">
+            <a:extLst>
+              <a:ext uri="{FF2B5EF4-FFF2-40B4-BE49-F238E27FC236}">
+                <a16:creationId xmlns:a16="http://schemas.microsoft.com/office/drawing/2014/main" id="{2CA7F42E-B73B-332C-E6C0-9172DCD9FA54}"/>
+              </a:ext>
+            </a:extLst>
+          </p:cNvPr>
+          <p:cNvSpPr>
+            <a:spLocks noGrp="1"/>
+          </p:cNvSpPr>
+          <p:nvPr>
+            <p:ph idx="1"/>
+          </p:nvPr>
+        </p:nvSpPr>
+        <p:spPr/>
+        <p:txBody>
+          <a:bodyPr/>
+          <a:lstStyle/>
+          <a:p>
+            <a:r>
+              <a:rPr lang="cs-CZ" dirty="0">
+                <a:solidFill>
+                  <a:schemeClr val="accent1">
+                    <a:lumMod val="75000"/>
+                  </a:schemeClr>
+                </a:solidFill>
+                <a:hlinkClick r:id="rId3">
+                  <a:extLst>
+                    <a:ext uri="{A12FA001-AC4F-418D-AE19-62706E023703}">
+                      <ahyp:hlinkClr xmlns:ahyp="http://schemas.microsoft.com/office/drawing/2018/hyperlinkcolor" val="tx"/>
+                    </a:ext>
+                  </a:extLst>
+                </a:hlinkClick>
+              </a:rPr>
+              <a:t>https://surrealdb.com/install</a:t>
+            </a:r>
+            <a:endParaRPr lang="cs-CZ" dirty="0">
+              <a:solidFill>
+                <a:schemeClr val="accent1">
+                  <a:lumMod val="75000"/>
+                </a:schemeClr>
+              </a:solidFill>
+            </a:endParaRPr>
+          </a:p>
+          <a:p>
+            <a:r>
+              <a:rPr lang="cs-CZ" dirty="0"/>
+              <a:t>Instalace jedním příkazem</a:t>
+            </a:r>
+          </a:p>
+          <a:p>
+            <a:endParaRPr lang="cs-CZ" dirty="0"/>
+          </a:p>
+          <a:p>
+            <a:r>
+              <a:rPr lang="cs-CZ" dirty="0"/>
+              <a:t>        </a:t>
+            </a:r>
+            <a:r>
+              <a:rPr lang="cs-CZ" dirty="0" err="1">
+                <a:latin typeface="Consolas" panose="020B0609020204030204" pitchFamily="49" charset="0"/>
+              </a:rPr>
+              <a:t>iwr</a:t>
+            </a:r>
+            <a:r>
+              <a:rPr lang="cs-CZ" dirty="0">
+                <a:latin typeface="Consolas" panose="020B0609020204030204" pitchFamily="49" charset="0"/>
+              </a:rPr>
+              <a:t> https://windows.surrealdb.com -</a:t>
+            </a:r>
+            <a:r>
+              <a:rPr lang="cs-CZ" dirty="0" err="1">
+                <a:latin typeface="Consolas" panose="020B0609020204030204" pitchFamily="49" charset="0"/>
+              </a:rPr>
+              <a:t>useb</a:t>
+            </a:r>
+            <a:r>
+              <a:rPr lang="cs-CZ" dirty="0">
+                <a:latin typeface="Consolas" panose="020B0609020204030204" pitchFamily="49" charset="0"/>
+              </a:rPr>
+              <a:t> | </a:t>
+            </a:r>
+            <a:r>
+              <a:rPr lang="cs-CZ" dirty="0" err="1">
+                <a:latin typeface="Consolas" panose="020B0609020204030204" pitchFamily="49" charset="0"/>
+              </a:rPr>
+              <a:t>iex</a:t>
+            </a:r>
+            <a:endParaRPr lang="cs-CZ" dirty="0">
+              <a:latin typeface="Consolas" panose="020B0609020204030204" pitchFamily="49" charset="0"/>
+            </a:endParaRPr>
+          </a:p>
+          <a:p>
+            <a:r>
+              <a:rPr lang="cs-CZ" dirty="0">
+                <a:latin typeface="Consolas" panose="020B0609020204030204" pitchFamily="49" charset="0"/>
+              </a:rPr>
+              <a:t>    Python 3.10, requirements.txt</a:t>
+            </a:r>
+          </a:p>
+          <a:p>
+            <a:endParaRPr lang="cs-CZ" dirty="0">
+              <a:solidFill>
+                <a:schemeClr val="tx1"/>
+              </a:solidFill>
+            </a:endParaRPr>
+          </a:p>
+        </p:txBody>
+      </p:sp>
+      <p:pic>
+        <p:nvPicPr>
+          <p:cNvPr id="3074" name="Picture 2">
+            <a:extLst>
+              <a:ext uri="{FF2B5EF4-FFF2-40B4-BE49-F238E27FC236}">
+                <a16:creationId xmlns:a16="http://schemas.microsoft.com/office/drawing/2014/main" id="{4E21E161-2DFA-F74A-AA57-98EE8AE264D7}"/>
+              </a:ext>
+            </a:extLst>
+          </p:cNvPr>
+          <p:cNvPicPr>
+            <a:picLocks noChangeAspect="1" noChangeArrowheads="1"/>
+          </p:cNvPicPr>
+          <p:nvPr/>
+        </p:nvPicPr>
+        <p:blipFill>
+          <a:blip r:embed="rId4">
+            <a:extLst>
+              <a:ext uri="{28A0092B-C50C-407E-A947-70E740481C1C}">
+                <a14:useLocalDpi xmlns:a14="http://schemas.microsoft.com/office/drawing/2010/main" val="0"/>
+              </a:ext>
+            </a:extLst>
+          </a:blip>
+          <a:srcRect/>
+          <a:stretch>
+            <a:fillRect/>
+          </a:stretch>
+        </p:blipFill>
+        <p:spPr bwMode="auto">
+          <a:xfrm>
+            <a:off x="1575907" y="3817727"/>
+            <a:ext cx="376503" cy="376503"/>
+          </a:xfrm>
+          <a:prstGeom prst="rect">
+            <a:avLst/>
+          </a:prstGeom>
+          <a:noFill/>
+          <a:extLst>
+            <a:ext uri="{909E8E84-426E-40DD-AFC4-6F175D3DCCD1}">
+              <a14:hiddenFill xmlns:a14="http://schemas.microsoft.com/office/drawing/2010/main">
+                <a:solidFill>
+                  <a:srgbClr val="FFFFFF"/>
+                </a:solidFill>
+              </a14:hiddenFill>
+            </a:ext>
+          </a:extLst>
+        </p:spPr>
+      </p:pic>
+      <p:grpSp>
+        <p:nvGrpSpPr>
+          <p:cNvPr id="4" name="Skupina 3">
+            <a:extLst>
+              <a:ext uri="{FF2B5EF4-FFF2-40B4-BE49-F238E27FC236}">
+                <a16:creationId xmlns:a16="http://schemas.microsoft.com/office/drawing/2014/main" id="{CF02965B-0929-36F0-CA08-04A65A899CDD}"/>
+              </a:ext>
+            </a:extLst>
+          </p:cNvPr>
+          <p:cNvGrpSpPr/>
+          <p:nvPr/>
+        </p:nvGrpSpPr>
+        <p:grpSpPr>
+          <a:xfrm>
+            <a:off x="1154954" y="4668837"/>
+            <a:ext cx="3935206" cy="1350963"/>
+            <a:chOff x="3877834" y="4533369"/>
+            <a:chExt cx="3935206" cy="1350963"/>
+          </a:xfrm>
+        </p:grpSpPr>
+        <p:pic>
+          <p:nvPicPr>
+            <p:cNvPr id="3076" name="Picture 4" descr="MAC OS logo - Free computer icons">
+              <a:extLst>
+                <a:ext uri="{FF2B5EF4-FFF2-40B4-BE49-F238E27FC236}">
+                  <a16:creationId xmlns:a16="http://schemas.microsoft.com/office/drawing/2014/main" id="{D31CFF29-AAD0-9EEE-CC6B-0F21CFC5FC5E}"/>
+                </a:ext>
+              </a:extLst>
+            </p:cNvPr>
+            <p:cNvPicPr>
+              <a:picLocks noChangeAspect="1" noChangeArrowheads="1"/>
+            </p:cNvPicPr>
+            <p:nvPr/>
+          </p:nvPicPr>
+          <p:blipFill>
+            <a:blip r:embed="rId5">
+              <a:extLst>
+                <a:ext uri="{28A0092B-C50C-407E-A947-70E740481C1C}">
+                  <a14:useLocalDpi xmlns:a14="http://schemas.microsoft.com/office/drawing/2010/main" val="0"/>
+                </a:ext>
+              </a:extLst>
+            </a:blip>
+            <a:srcRect/>
+            <a:stretch>
+              <a:fillRect/>
+            </a:stretch>
+          </p:blipFill>
+          <p:spPr bwMode="auto">
+            <a:xfrm>
+              <a:off x="3877834" y="4757524"/>
+              <a:ext cx="902652" cy="902652"/>
+            </a:xfrm>
+            <a:prstGeom prst="rect">
+              <a:avLst/>
+            </a:prstGeom>
+            <a:noFill/>
+            <a:extLst>
+              <a:ext uri="{909E8E84-426E-40DD-AFC4-6F175D3DCCD1}">
+                <a14:hiddenFill xmlns:a14="http://schemas.microsoft.com/office/drawing/2010/main">
+                  <a:solidFill>
+                    <a:srgbClr val="FFFFFF"/>
+                  </a:solidFill>
+                </a14:hiddenFill>
+              </a:ext>
+            </a:extLst>
+          </p:spPr>
+        </p:pic>
+        <p:pic>
+          <p:nvPicPr>
+            <p:cNvPr id="3078" name="Picture 6" descr="Linux, logo Icon in Brands and Logos">
+              <a:extLst>
+                <a:ext uri="{FF2B5EF4-FFF2-40B4-BE49-F238E27FC236}">
+                  <a16:creationId xmlns:a16="http://schemas.microsoft.com/office/drawing/2014/main" id="{698F8EA6-88C8-2226-9384-34705B8C1E84}"/>
+                </a:ext>
+              </a:extLst>
+            </p:cNvPr>
+            <p:cNvPicPr>
+              <a:picLocks noChangeAspect="1" noChangeArrowheads="1"/>
+            </p:cNvPicPr>
+            <p:nvPr/>
+          </p:nvPicPr>
+          <p:blipFill>
+            <a:blip r:embed="rId6">
+              <a:extLst>
+                <a:ext uri="{28A0092B-C50C-407E-A947-70E740481C1C}">
+                  <a14:useLocalDpi xmlns:a14="http://schemas.microsoft.com/office/drawing/2010/main" val="0"/>
+                </a:ext>
+              </a:extLst>
+            </a:blip>
+            <a:srcRect/>
+            <a:stretch>
+              <a:fillRect/>
+            </a:stretch>
+          </p:blipFill>
+          <p:spPr bwMode="auto">
+            <a:xfrm>
+              <a:off x="4983795" y="4533369"/>
+              <a:ext cx="1350963" cy="1350963"/>
+            </a:xfrm>
+            <a:prstGeom prst="rect">
+              <a:avLst/>
+            </a:prstGeom>
+            <a:noFill/>
+            <a:extLst>
+              <a:ext uri="{909E8E84-426E-40DD-AFC4-6F175D3DCCD1}">
+                <a14:hiddenFill xmlns:a14="http://schemas.microsoft.com/office/drawing/2010/main">
+                  <a:solidFill>
+                    <a:srgbClr val="FFFFFF"/>
+                  </a:solidFill>
+                </a14:hiddenFill>
+              </a:ext>
+            </a:extLst>
+          </p:spPr>
+        </p:pic>
+        <p:pic>
+          <p:nvPicPr>
+            <p:cNvPr id="3080" name="Picture 8" descr="Docker - Free technology icons">
+              <a:extLst>
+                <a:ext uri="{FF2B5EF4-FFF2-40B4-BE49-F238E27FC236}">
+                  <a16:creationId xmlns:a16="http://schemas.microsoft.com/office/drawing/2014/main" id="{64F56FB5-A401-F5B9-E84F-464CF8F5BF0A}"/>
+                </a:ext>
+              </a:extLst>
+            </p:cNvPr>
+            <p:cNvPicPr>
+              <a:picLocks noChangeAspect="1" noChangeArrowheads="1"/>
+            </p:cNvPicPr>
+            <p:nvPr/>
+          </p:nvPicPr>
+          <p:blipFill>
+            <a:blip r:embed="rId7">
+              <a:extLst>
+                <a:ext uri="{28A0092B-C50C-407E-A947-70E740481C1C}">
+                  <a14:useLocalDpi xmlns:a14="http://schemas.microsoft.com/office/drawing/2010/main" val="0"/>
+                </a:ext>
+              </a:extLst>
+            </a:blip>
+            <a:srcRect/>
+            <a:stretch>
+              <a:fillRect/>
+            </a:stretch>
+          </p:blipFill>
+          <p:spPr bwMode="auto">
+            <a:xfrm>
+              <a:off x="6679406" y="4642033"/>
+              <a:ext cx="1133634" cy="1133634"/>
+            </a:xfrm>
+            <a:prstGeom prst="rect">
+              <a:avLst/>
+            </a:prstGeom>
+            <a:noFill/>
+            <a:extLst>
+              <a:ext uri="{909E8E84-426E-40DD-AFC4-6F175D3DCCD1}">
+                <a14:hiddenFill xmlns:a14="http://schemas.microsoft.com/office/drawing/2010/main">
+                  <a:solidFill>
+                    <a:srgbClr val="FFFFFF"/>
+                  </a:solidFill>
+                </a14:hiddenFill>
+              </a:ext>
+            </a:extLst>
+          </p:spPr>
+        </p:pic>
+      </p:grpSp>
+      <p:pic>
+        <p:nvPicPr>
+          <p:cNvPr id="5" name="Picture 6">
+            <a:extLst>
+              <a:ext uri="{FF2B5EF4-FFF2-40B4-BE49-F238E27FC236}">
+                <a16:creationId xmlns:a16="http://schemas.microsoft.com/office/drawing/2014/main" id="{485784C0-86AD-2738-7B62-EACAA9490414}"/>
+              </a:ext>
+            </a:extLst>
+          </p:cNvPr>
+          <p:cNvPicPr>
+            <a:picLocks noChangeAspect="1" noChangeArrowheads="1"/>
+          </p:cNvPicPr>
+          <p:nvPr/>
+        </p:nvPicPr>
+        <p:blipFill>
+          <a:blip r:embed="rId8">
+            <a:extLst>
+              <a:ext uri="{28A0092B-C50C-407E-A947-70E740481C1C}">
+                <a14:useLocalDpi xmlns:a14="http://schemas.microsoft.com/office/drawing/2010/main" val="0"/>
+              </a:ext>
+            </a:extLst>
+          </a:blip>
+          <a:srcRect/>
+          <a:stretch>
+            <a:fillRect/>
+          </a:stretch>
+        </p:blipFill>
+        <p:spPr bwMode="auto">
+          <a:xfrm>
+            <a:off x="1612050" y="4245060"/>
+            <a:ext cx="340360" cy="372997"/>
+          </a:xfrm>
+          <a:prstGeom prst="rect">
+            <a:avLst/>
+          </a:prstGeom>
+          <a:noFill/>
+          <a:extLst>
+            <a:ext uri="{909E8E84-426E-40DD-AFC4-6F175D3DCCD1}">
+              <a14:hiddenFill xmlns:a14="http://schemas.microsoft.com/office/drawing/2010/main">
+                <a:solidFill>
+                  <a:srgbClr val="FFFFFF"/>
+                </a:solidFill>
+              </a14:hiddenFill>
+            </a:ext>
+          </a:extLst>
+        </p:spPr>
+      </p:pic>
+    </p:spTree>
+    <p:extLst>
+      <p:ext uri="{BB962C8B-B14F-4D97-AF65-F5344CB8AC3E}">
+        <p14:creationId xmlns:p14="http://schemas.microsoft.com/office/powerpoint/2010/main" val="279347509"/>
+      </p:ext>
+    </p:extLst>
+  </p:cSld>
+  <p:clrMapOvr>
+    <a:masterClrMapping/>
+  </p:clrMapOvr>
+  <mc:AlternateContent xmlns:mc="http://schemas.openxmlformats.org/markup-compatibility/2006" xmlns:p159="http://schemas.microsoft.com/office/powerpoint/2015/09/main">
+    <mc:Choice Requires="p159">
+      <p:transition spd="slow">
+        <p159:morph option="byObject"/>
+      </p:transition>
+    </mc:Choice>
+    <mc:Fallback xmlns="">
+      <p:transition spd="slow">
+        <p:fade/>
+      </p:transition>
+    </mc:Fallback>
+  </mc:AlternateContent>
+</p:sld>
+</file>
+
+<file path=ppt/slides/slide8.xml><?xml version="1.0" encoding="utf-8"?>
+<p:sld xmlns:a="http://schemas.openxmlformats.org/drawingml/2006/main" xmlns:r="http://schemas.openxmlformats.org/officeDocument/2006/relationships" xmlns:p="http://schemas.openxmlformats.org/presentationml/2006/main">
+  <p:cSld>
+    <p:spTree>
+      <p:nvGrpSpPr>
+        <p:cNvPr id="1" name=""/>
+        <p:cNvGrpSpPr/>
+        <p:nvPr/>
+      </p:nvGrpSpPr>
+      <p:grpSpPr>
+        <a:xfrm>
+          <a:off x="0" y="0"/>
+          <a:ext cx="0" cy="0"/>
+          <a:chOff x="0" y="0"/>
+          <a:chExt cx="0" cy="0"/>
+        </a:xfrm>
+      </p:grpSpPr>
+      <p:sp>
+        <p:nvSpPr>
+          <p:cNvPr id="2" name="Nadpis 1">
+            <a:extLst>
+              <a:ext uri="{FF2B5EF4-FFF2-40B4-BE49-F238E27FC236}">
                 <a16:creationId xmlns:a16="http://schemas.microsoft.com/office/drawing/2014/main" id="{2DCEF770-55BB-8CD5-6BF1-9715EC0EBD11}"/>
               </a:ext>
             </a:extLst>
@@ -17616,7 +22149,7 @@
           <a:p>
             <a:r>
               <a:rPr lang="cs-CZ" dirty="0"/>
-              <a:t>ER Diagram</a:t>
+              <a:t>Doména – hodnocení jídel</a:t>
             </a:r>
           </a:p>
         </p:txBody>
@@ -17665,13 +22198,13 @@
   <p:clrMapOvr>
     <a:masterClrMapping/>
   </p:clrMapOvr>
-  <mc:AlternateContent xmlns:mc="http://schemas.openxmlformats.org/markup-compatibility/2006">
-    <mc:Choice xmlns:p159="http://schemas.microsoft.com/office/powerpoint/2015/09/main" Requires="p159">
+  <mc:AlternateContent xmlns:mc="http://schemas.openxmlformats.org/markup-compatibility/2006" xmlns:p159="http://schemas.microsoft.com/office/powerpoint/2015/09/main">
+    <mc:Choice Requires="p159">
       <p:transition spd="slow">
         <p159:morph option="byObject"/>
       </p:transition>
     </mc:Choice>
-    <mc:Fallback>
+    <mc:Fallback xmlns="">
       <p:transition spd="slow">
         <p:fade/>
       </p:transition>
@@ -17680,7 +22213,7 @@
 </p:sld>
 </file>
 
-<file path=ppt/slides/slide8.xml><?xml version="1.0" encoding="utf-8"?>
+<file path=ppt/slides/slide9.xml><?xml version="1.0" encoding="utf-8"?>
 <p:sld xmlns:a="http://schemas.openxmlformats.org/drawingml/2006/main" xmlns:r="http://schemas.openxmlformats.org/officeDocument/2006/relationships" xmlns:p="http://schemas.openxmlformats.org/presentationml/2006/main">
   <p:cSld>
     <p:spTree>
@@ -17805,152 +22338,13 @@
   <p:clrMapOvr>
     <a:masterClrMapping/>
   </p:clrMapOvr>
-  <mc:AlternateContent xmlns:mc="http://schemas.openxmlformats.org/markup-compatibility/2006">
-    <mc:Choice xmlns:p159="http://schemas.microsoft.com/office/powerpoint/2015/09/main" Requires="p159">
+  <mc:AlternateContent xmlns:mc="http://schemas.openxmlformats.org/markup-compatibility/2006" xmlns:p159="http://schemas.microsoft.com/office/powerpoint/2015/09/main">
+    <mc:Choice Requires="p159">
       <p:transition spd="slow">
         <p159:morph option="byObject"/>
       </p:transition>
     </mc:Choice>
-    <mc:Fallback>
-      <p:transition spd="slow">
-        <p:fade/>
-      </p:transition>
-    </mc:Fallback>
-  </mc:AlternateContent>
-</p:sld>
-</file>
-
-<file path=ppt/slides/slide9.xml><?xml version="1.0" encoding="utf-8"?>
-<p:sld xmlns:a="http://schemas.openxmlformats.org/drawingml/2006/main" xmlns:r="http://schemas.openxmlformats.org/officeDocument/2006/relationships" xmlns:p="http://schemas.openxmlformats.org/presentationml/2006/main">
-  <p:cSld>
-    <p:spTree>
-      <p:nvGrpSpPr>
-        <p:cNvPr id="1" name=""/>
-        <p:cNvGrpSpPr/>
-        <p:nvPr/>
-      </p:nvGrpSpPr>
-      <p:grpSpPr>
-        <a:xfrm>
-          <a:off x="0" y="0"/>
-          <a:ext cx="0" cy="0"/>
-          <a:chOff x="0" y="0"/>
-          <a:chExt cx="0" cy="0"/>
-        </a:xfrm>
-      </p:grpSpPr>
-      <p:sp>
-        <p:nvSpPr>
-          <p:cNvPr id="2" name="Nadpis 1">
-            <a:extLst>
-              <a:ext uri="{FF2B5EF4-FFF2-40B4-BE49-F238E27FC236}">
-                <a16:creationId xmlns:a16="http://schemas.microsoft.com/office/drawing/2014/main" id="{2DCEF770-55BB-8CD5-6BF1-9715EC0EBD11}"/>
-              </a:ext>
-            </a:extLst>
-          </p:cNvPr>
-          <p:cNvSpPr>
-            <a:spLocks noGrp="1"/>
-          </p:cNvSpPr>
-          <p:nvPr>
-            <p:ph type="title"/>
-          </p:nvPr>
-        </p:nvSpPr>
-        <p:spPr/>
-        <p:txBody>
-          <a:bodyPr/>
-          <a:lstStyle/>
-          <a:p>
-            <a:r>
-              <a:rPr lang="cs-CZ" dirty="0"/>
-              <a:t>Schéma v DB</a:t>
-            </a:r>
-          </a:p>
-        </p:txBody>
-      </p:sp>
-      <p:pic>
-        <p:nvPicPr>
-          <p:cNvPr id="7" name="Zástupný obsah 6">
-            <a:extLst>
-              <a:ext uri="{FF2B5EF4-FFF2-40B4-BE49-F238E27FC236}">
-                <a16:creationId xmlns:a16="http://schemas.microsoft.com/office/drawing/2014/main" id="{1DEC5C66-91C0-453F-283C-96F2900711DF}"/>
-              </a:ext>
-            </a:extLst>
-          </p:cNvPr>
-          <p:cNvPicPr>
-            <a:picLocks noGrp="1" noChangeAspect="1"/>
-          </p:cNvPicPr>
-          <p:nvPr>
-            <p:ph idx="1"/>
-          </p:nvPr>
-        </p:nvPicPr>
-        <p:blipFill>
-          <a:blip r:embed="rId3">
-            <a:extLst>
-              <a:ext uri="{96DAC541-7B7A-43D3-8B79-37D633B846F1}">
-                <asvg:svgBlip xmlns:asvg="http://schemas.microsoft.com/office/drawing/2016/SVG/main" r:embed="rId4"/>
-              </a:ext>
-            </a:extLst>
-          </a:blip>
-          <a:srcRect/>
-          <a:stretch/>
-        </p:blipFill>
-        <p:spPr>
-          <a:xfrm>
-            <a:off x="349346" y="2802532"/>
-            <a:ext cx="5967478" cy="1600112"/>
-          </a:xfrm>
-        </p:spPr>
-      </p:pic>
-      <p:pic>
-        <p:nvPicPr>
-          <p:cNvPr id="4" name="Grafický objekt 3">
-            <a:extLst>
-              <a:ext uri="{FF2B5EF4-FFF2-40B4-BE49-F238E27FC236}">
-                <a16:creationId xmlns:a16="http://schemas.microsoft.com/office/drawing/2014/main" id="{292BADA1-99D8-FDD1-F227-1E5FB350D105}"/>
-              </a:ext>
-            </a:extLst>
-          </p:cNvPr>
-          <p:cNvPicPr>
-            <a:picLocks noChangeAspect="1"/>
-          </p:cNvPicPr>
-          <p:nvPr/>
-        </p:nvPicPr>
-        <p:blipFill>
-          <a:blip r:embed="rId5">
-            <a:extLst>
-              <a:ext uri="{96DAC541-7B7A-43D3-8B79-37D633B846F1}">
-                <asvg:svgBlip xmlns:asvg="http://schemas.microsoft.com/office/drawing/2016/SVG/main" r:embed="rId6"/>
-              </a:ext>
-            </a:extLst>
-          </a:blip>
-          <a:srcRect/>
-          <a:stretch/>
-        </p:blipFill>
-        <p:spPr>
-          <a:xfrm>
-            <a:off x="6540760" y="2086750"/>
-            <a:ext cx="5143274" cy="4995184"/>
-          </a:xfrm>
-          <a:prstGeom prst="rect">
-            <a:avLst/>
-          </a:prstGeom>
-        </p:spPr>
-      </p:pic>
-    </p:spTree>
-    <p:extLst>
-      <p:ext uri="{BB962C8B-B14F-4D97-AF65-F5344CB8AC3E}">
-        <p14:creationId xmlns:p14="http://schemas.microsoft.com/office/powerpoint/2010/main" val="1651324353"/>
-      </p:ext>
-    </p:extLst>
-  </p:cSld>
-  <p:clrMapOvr>
-    <a:masterClrMapping/>
-  </p:clrMapOvr>
-  <mc:AlternateContent xmlns:mc="http://schemas.openxmlformats.org/markup-compatibility/2006">
-    <mc:Choice xmlns:p159="http://schemas.microsoft.com/office/powerpoint/2015/09/main" Requires="p159">
-      <p:transition spd="slow">
-        <p159:morph option="byObject"/>
-      </p:transition>
-    </mc:Choice>
-    <mc:Fallback>
+    <mc:Fallback xmlns="">
       <p:transition spd="slow">
         <p:fade/>
       </p:transition>
